--- a/docs/PyPptB2_5.pptx
+++ b/docs/PyPptB2_5.pptx
@@ -5,28 +5,24 @@
     <p:sldMasterId id="2147483659" r:id="rId1"/>
   </p:sldMasterIdLst>
   <p:notesMasterIdLst>
-    <p:notesMasterId r:id="rId21"/>
+    <p:notesMasterId r:id="rId17"/>
   </p:notesMasterIdLst>
   <p:sldIdLst>
     <p:sldId id="256" r:id="rId2"/>
     <p:sldId id="257" r:id="rId3"/>
-    <p:sldId id="258" r:id="rId4"/>
-    <p:sldId id="263" r:id="rId5"/>
-    <p:sldId id="264" r:id="rId6"/>
-    <p:sldId id="265" r:id="rId7"/>
-    <p:sldId id="269" r:id="rId8"/>
-    <p:sldId id="274" r:id="rId9"/>
-    <p:sldId id="270" r:id="rId10"/>
-    <p:sldId id="275" r:id="rId11"/>
-    <p:sldId id="276" r:id="rId12"/>
-    <p:sldId id="271" r:id="rId13"/>
-    <p:sldId id="277" r:id="rId14"/>
-    <p:sldId id="268" r:id="rId15"/>
-    <p:sldId id="267" r:id="rId16"/>
-    <p:sldId id="260" r:id="rId17"/>
-    <p:sldId id="261" r:id="rId18"/>
-    <p:sldId id="262" r:id="rId19"/>
-    <p:sldId id="273" r:id="rId20"/>
+    <p:sldId id="263" r:id="rId4"/>
+    <p:sldId id="269" r:id="rId5"/>
+    <p:sldId id="274" r:id="rId6"/>
+    <p:sldId id="270" r:id="rId7"/>
+    <p:sldId id="275" r:id="rId8"/>
+    <p:sldId id="276" r:id="rId9"/>
+    <p:sldId id="271" r:id="rId10"/>
+    <p:sldId id="277" r:id="rId11"/>
+    <p:sldId id="268" r:id="rId12"/>
+    <p:sldId id="267" r:id="rId13"/>
+    <p:sldId id="260" r:id="rId14"/>
+    <p:sldId id="261" r:id="rId15"/>
+    <p:sldId id="262" r:id="rId16"/>
   </p:sldIdLst>
   <p:sldSz cx="9144000" cy="5143500" type="screen16x9"/>
   <p:notesSz cx="6858000" cy="9144000"/>
@@ -922,7 +918,7 @@
     </p:spTree>
     <p:extLst>
       <p:ext uri="{BB962C8B-B14F-4D97-AF65-F5344CB8AC3E}">
-        <p14:creationId xmlns:p14="http://schemas.microsoft.com/office/powerpoint/2010/main" val="4253100431"/>
+        <p14:creationId xmlns:p14="http://schemas.microsoft.com/office/powerpoint/2010/main" val="2653049188"/>
       </p:ext>
     </p:extLst>
   </p:cSld>
@@ -1031,7 +1027,7 @@
     </p:spTree>
     <p:extLst>
       <p:ext uri="{BB962C8B-B14F-4D97-AF65-F5344CB8AC3E}">
-        <p14:creationId xmlns:p14="http://schemas.microsoft.com/office/powerpoint/2010/main" val="405643164"/>
+        <p14:creationId xmlns:p14="http://schemas.microsoft.com/office/powerpoint/2010/main" val="2908990465"/>
       </p:ext>
     </p:extLst>
   </p:cSld>
@@ -1140,7 +1136,7 @@
     </p:spTree>
     <p:extLst>
       <p:ext uri="{BB962C8B-B14F-4D97-AF65-F5344CB8AC3E}">
-        <p14:creationId xmlns:p14="http://schemas.microsoft.com/office/powerpoint/2010/main" val="2074066014"/>
+        <p14:creationId xmlns:p14="http://schemas.microsoft.com/office/powerpoint/2010/main" val="3598867410"/>
       </p:ext>
     </p:extLst>
   </p:cSld>
@@ -1151,333 +1147,6 @@
 </file>
 
 <file path=ppt/notesSlides/notesSlide13.xml><?xml version="1.0" encoding="utf-8"?>
-<p:notes xmlns:a="http://schemas.openxmlformats.org/drawingml/2006/main" xmlns:r="http://schemas.openxmlformats.org/officeDocument/2006/relationships" xmlns:p="http://schemas.openxmlformats.org/presentationml/2006/main" showMasterSp="0" showMasterPhAnim="0">
-  <p:cSld>
-    <p:spTree>
-      <p:nvGrpSpPr>
-        <p:cNvPr id="1" name="Shape 75"/>
-        <p:cNvGrpSpPr/>
-        <p:nvPr/>
-      </p:nvGrpSpPr>
-      <p:grpSpPr>
-        <a:xfrm>
-          <a:off x="0" y="0"/>
-          <a:ext cx="0" cy="0"/>
-          <a:chOff x="0" y="0"/>
-          <a:chExt cx="0" cy="0"/>
-        </a:xfrm>
-      </p:grpSpPr>
-      <p:sp>
-        <p:nvSpPr>
-          <p:cNvPr id="76" name="Google Shape;76;g8e62892d88_0_32:notes"/>
-          <p:cNvSpPr>
-            <a:spLocks noGrp="1" noRot="1" noChangeAspect="1"/>
-          </p:cNvSpPr>
-          <p:nvPr>
-            <p:ph type="sldImg" idx="2"/>
-          </p:nvPr>
-        </p:nvSpPr>
-        <p:spPr>
-          <a:xfrm>
-            <a:off x="381000" y="685800"/>
-            <a:ext cx="6096000" cy="3429000"/>
-          </a:xfrm>
-          <a:custGeom>
-            <a:avLst/>
-            <a:gdLst/>
-            <a:ahLst/>
-            <a:cxnLst/>
-            <a:rect l="l" t="t" r="r" b="b"/>
-            <a:pathLst>
-              <a:path w="120000" h="120000" extrusionOk="0">
-                <a:moveTo>
-                  <a:pt x="0" y="0"/>
-                </a:moveTo>
-                <a:lnTo>
-                  <a:pt x="120000" y="0"/>
-                </a:lnTo>
-                <a:lnTo>
-                  <a:pt x="120000" y="120000"/>
-                </a:lnTo>
-                <a:lnTo>
-                  <a:pt x="0" y="120000"/>
-                </a:lnTo>
-                <a:close/>
-              </a:path>
-            </a:pathLst>
-          </a:custGeom>
-        </p:spPr>
-      </p:sp>
-      <p:sp>
-        <p:nvSpPr>
-          <p:cNvPr id="77" name="Google Shape;77;g8e62892d88_0_32:notes"/>
-          <p:cNvSpPr txBox="1">
-            <a:spLocks noGrp="1"/>
-          </p:cNvSpPr>
-          <p:nvPr>
-            <p:ph type="body" idx="1"/>
-          </p:nvPr>
-        </p:nvSpPr>
-        <p:spPr>
-          <a:xfrm>
-            <a:off x="685800" y="4343400"/>
-            <a:ext cx="5486400" cy="4114800"/>
-          </a:xfrm>
-          <a:prstGeom prst="rect">
-            <a:avLst/>
-          </a:prstGeom>
-        </p:spPr>
-        <p:txBody>
-          <a:bodyPr spcFirstLastPara="1" wrap="square" lIns="91425" tIns="91425" rIns="91425" bIns="91425" anchor="t" anchorCtr="0">
-            <a:noAutofit/>
-          </a:bodyPr>
-          <a:lstStyle/>
-          <a:p>
-            <a:pPr marL="0" lvl="0" indent="0" algn="l" rtl="0">
-              <a:spcBef>
-                <a:spcPts val="0"/>
-              </a:spcBef>
-              <a:spcAft>
-                <a:spcPts val="0"/>
-              </a:spcAft>
-              <a:buNone/>
-            </a:pPr>
-            <a:endParaRPr/>
-          </a:p>
-        </p:txBody>
-      </p:sp>
-    </p:spTree>
-    <p:extLst>
-      <p:ext uri="{BB962C8B-B14F-4D97-AF65-F5344CB8AC3E}">
-        <p14:creationId xmlns:p14="http://schemas.microsoft.com/office/powerpoint/2010/main" val="2653049188"/>
-      </p:ext>
-    </p:extLst>
-  </p:cSld>
-  <p:clrMapOvr>
-    <a:masterClrMapping/>
-  </p:clrMapOvr>
-</p:notes>
-</file>
-
-<file path=ppt/notesSlides/notesSlide14.xml><?xml version="1.0" encoding="utf-8"?>
-<p:notes xmlns:a="http://schemas.openxmlformats.org/drawingml/2006/main" xmlns:r="http://schemas.openxmlformats.org/officeDocument/2006/relationships" xmlns:p="http://schemas.openxmlformats.org/presentationml/2006/main" showMasterSp="0" showMasterPhAnim="0">
-  <p:cSld>
-    <p:spTree>
-      <p:nvGrpSpPr>
-        <p:cNvPr id="1" name="Shape 75"/>
-        <p:cNvGrpSpPr/>
-        <p:nvPr/>
-      </p:nvGrpSpPr>
-      <p:grpSpPr>
-        <a:xfrm>
-          <a:off x="0" y="0"/>
-          <a:ext cx="0" cy="0"/>
-          <a:chOff x="0" y="0"/>
-          <a:chExt cx="0" cy="0"/>
-        </a:xfrm>
-      </p:grpSpPr>
-      <p:sp>
-        <p:nvSpPr>
-          <p:cNvPr id="76" name="Google Shape;76;g8e62892d88_0_32:notes"/>
-          <p:cNvSpPr>
-            <a:spLocks noGrp="1" noRot="1" noChangeAspect="1"/>
-          </p:cNvSpPr>
-          <p:nvPr>
-            <p:ph type="sldImg" idx="2"/>
-          </p:nvPr>
-        </p:nvSpPr>
-        <p:spPr>
-          <a:xfrm>
-            <a:off x="381000" y="685800"/>
-            <a:ext cx="6096000" cy="3429000"/>
-          </a:xfrm>
-          <a:custGeom>
-            <a:avLst/>
-            <a:gdLst/>
-            <a:ahLst/>
-            <a:cxnLst/>
-            <a:rect l="l" t="t" r="r" b="b"/>
-            <a:pathLst>
-              <a:path w="120000" h="120000" extrusionOk="0">
-                <a:moveTo>
-                  <a:pt x="0" y="0"/>
-                </a:moveTo>
-                <a:lnTo>
-                  <a:pt x="120000" y="0"/>
-                </a:lnTo>
-                <a:lnTo>
-                  <a:pt x="120000" y="120000"/>
-                </a:lnTo>
-                <a:lnTo>
-                  <a:pt x="0" y="120000"/>
-                </a:lnTo>
-                <a:close/>
-              </a:path>
-            </a:pathLst>
-          </a:custGeom>
-        </p:spPr>
-      </p:sp>
-      <p:sp>
-        <p:nvSpPr>
-          <p:cNvPr id="77" name="Google Shape;77;g8e62892d88_0_32:notes"/>
-          <p:cNvSpPr txBox="1">
-            <a:spLocks noGrp="1"/>
-          </p:cNvSpPr>
-          <p:nvPr>
-            <p:ph type="body" idx="1"/>
-          </p:nvPr>
-        </p:nvSpPr>
-        <p:spPr>
-          <a:xfrm>
-            <a:off x="685800" y="4343400"/>
-            <a:ext cx="5486400" cy="4114800"/>
-          </a:xfrm>
-          <a:prstGeom prst="rect">
-            <a:avLst/>
-          </a:prstGeom>
-        </p:spPr>
-        <p:txBody>
-          <a:bodyPr spcFirstLastPara="1" wrap="square" lIns="91425" tIns="91425" rIns="91425" bIns="91425" anchor="t" anchorCtr="0">
-            <a:noAutofit/>
-          </a:bodyPr>
-          <a:lstStyle/>
-          <a:p>
-            <a:pPr marL="0" lvl="0" indent="0" algn="l" rtl="0">
-              <a:spcBef>
-                <a:spcPts val="0"/>
-              </a:spcBef>
-              <a:spcAft>
-                <a:spcPts val="0"/>
-              </a:spcAft>
-              <a:buNone/>
-            </a:pPr>
-            <a:endParaRPr/>
-          </a:p>
-        </p:txBody>
-      </p:sp>
-    </p:spTree>
-    <p:extLst>
-      <p:ext uri="{BB962C8B-B14F-4D97-AF65-F5344CB8AC3E}">
-        <p14:creationId xmlns:p14="http://schemas.microsoft.com/office/powerpoint/2010/main" val="2908990465"/>
-      </p:ext>
-    </p:extLst>
-  </p:cSld>
-  <p:clrMapOvr>
-    <a:masterClrMapping/>
-  </p:clrMapOvr>
-</p:notes>
-</file>
-
-<file path=ppt/notesSlides/notesSlide15.xml><?xml version="1.0" encoding="utf-8"?>
-<p:notes xmlns:a="http://schemas.openxmlformats.org/drawingml/2006/main" xmlns:r="http://schemas.openxmlformats.org/officeDocument/2006/relationships" xmlns:p="http://schemas.openxmlformats.org/presentationml/2006/main" showMasterSp="0" showMasterPhAnim="0">
-  <p:cSld>
-    <p:spTree>
-      <p:nvGrpSpPr>
-        <p:cNvPr id="1" name="Shape 75"/>
-        <p:cNvGrpSpPr/>
-        <p:nvPr/>
-      </p:nvGrpSpPr>
-      <p:grpSpPr>
-        <a:xfrm>
-          <a:off x="0" y="0"/>
-          <a:ext cx="0" cy="0"/>
-          <a:chOff x="0" y="0"/>
-          <a:chExt cx="0" cy="0"/>
-        </a:xfrm>
-      </p:grpSpPr>
-      <p:sp>
-        <p:nvSpPr>
-          <p:cNvPr id="76" name="Google Shape;76;g8e62892d88_0_32:notes"/>
-          <p:cNvSpPr>
-            <a:spLocks noGrp="1" noRot="1" noChangeAspect="1"/>
-          </p:cNvSpPr>
-          <p:nvPr>
-            <p:ph type="sldImg" idx="2"/>
-          </p:nvPr>
-        </p:nvSpPr>
-        <p:spPr>
-          <a:xfrm>
-            <a:off x="381000" y="685800"/>
-            <a:ext cx="6096000" cy="3429000"/>
-          </a:xfrm>
-          <a:custGeom>
-            <a:avLst/>
-            <a:gdLst/>
-            <a:ahLst/>
-            <a:cxnLst/>
-            <a:rect l="l" t="t" r="r" b="b"/>
-            <a:pathLst>
-              <a:path w="120000" h="120000" extrusionOk="0">
-                <a:moveTo>
-                  <a:pt x="0" y="0"/>
-                </a:moveTo>
-                <a:lnTo>
-                  <a:pt x="120000" y="0"/>
-                </a:lnTo>
-                <a:lnTo>
-                  <a:pt x="120000" y="120000"/>
-                </a:lnTo>
-                <a:lnTo>
-                  <a:pt x="0" y="120000"/>
-                </a:lnTo>
-                <a:close/>
-              </a:path>
-            </a:pathLst>
-          </a:custGeom>
-        </p:spPr>
-      </p:sp>
-      <p:sp>
-        <p:nvSpPr>
-          <p:cNvPr id="77" name="Google Shape;77;g8e62892d88_0_32:notes"/>
-          <p:cNvSpPr txBox="1">
-            <a:spLocks noGrp="1"/>
-          </p:cNvSpPr>
-          <p:nvPr>
-            <p:ph type="body" idx="1"/>
-          </p:nvPr>
-        </p:nvSpPr>
-        <p:spPr>
-          <a:xfrm>
-            <a:off x="685800" y="4343400"/>
-            <a:ext cx="5486400" cy="4114800"/>
-          </a:xfrm>
-          <a:prstGeom prst="rect">
-            <a:avLst/>
-          </a:prstGeom>
-        </p:spPr>
-        <p:txBody>
-          <a:bodyPr spcFirstLastPara="1" wrap="square" lIns="91425" tIns="91425" rIns="91425" bIns="91425" anchor="t" anchorCtr="0">
-            <a:noAutofit/>
-          </a:bodyPr>
-          <a:lstStyle/>
-          <a:p>
-            <a:pPr marL="0" lvl="0" indent="0" algn="l" rtl="0">
-              <a:spcBef>
-                <a:spcPts val="0"/>
-              </a:spcBef>
-              <a:spcAft>
-                <a:spcPts val="0"/>
-              </a:spcAft>
-              <a:buNone/>
-            </a:pPr>
-            <a:endParaRPr/>
-          </a:p>
-        </p:txBody>
-      </p:sp>
-    </p:spTree>
-    <p:extLst>
-      <p:ext uri="{BB962C8B-B14F-4D97-AF65-F5344CB8AC3E}">
-        <p14:creationId xmlns:p14="http://schemas.microsoft.com/office/powerpoint/2010/main" val="3598867410"/>
-      </p:ext>
-    </p:extLst>
-  </p:cSld>
-  <p:clrMapOvr>
-    <a:masterClrMapping/>
-  </p:clrMapOvr>
-</p:notes>
-</file>
-
-<file path=ppt/notesSlides/notesSlide16.xml><?xml version="1.0" encoding="utf-8"?>
 <p:notes xmlns:a="http://schemas.openxmlformats.org/drawingml/2006/main" xmlns:r="http://schemas.openxmlformats.org/officeDocument/2006/relationships" xmlns:p="http://schemas.openxmlformats.org/presentationml/2006/main" showMasterSp="0" showMasterPhAnim="0">
   <p:cSld>
     <p:spTree>
@@ -1581,7 +1250,7 @@
 </p:notes>
 </file>
 
-<file path=ppt/notesSlides/notesSlide17.xml><?xml version="1.0" encoding="utf-8"?>
+<file path=ppt/notesSlides/notesSlide14.xml><?xml version="1.0" encoding="utf-8"?>
 <p:notes xmlns:a="http://schemas.openxmlformats.org/drawingml/2006/main" xmlns:r="http://schemas.openxmlformats.org/officeDocument/2006/relationships" xmlns:p="http://schemas.openxmlformats.org/presentationml/2006/main" showMasterSp="0" showMasterPhAnim="0">
   <p:cSld>
     <p:spTree>
@@ -1685,7 +1354,7 @@
 </p:notes>
 </file>
 
-<file path=ppt/notesSlides/notesSlide18.xml><?xml version="1.0" encoding="utf-8"?>
+<file path=ppt/notesSlides/notesSlide15.xml><?xml version="1.0" encoding="utf-8"?>
 <p:notes xmlns:a="http://schemas.openxmlformats.org/drawingml/2006/main" xmlns:r="http://schemas.openxmlformats.org/officeDocument/2006/relationships" xmlns:p="http://schemas.openxmlformats.org/presentationml/2006/main" showMasterSp="0" showMasterPhAnim="0">
   <p:cSld>
     <p:spTree>
@@ -1782,115 +1451,6 @@
         </p:txBody>
       </p:sp>
     </p:spTree>
-  </p:cSld>
-  <p:clrMapOvr>
-    <a:masterClrMapping/>
-  </p:clrMapOvr>
-</p:notes>
-</file>
-
-<file path=ppt/notesSlides/notesSlide19.xml><?xml version="1.0" encoding="utf-8"?>
-<p:notes xmlns:a="http://schemas.openxmlformats.org/drawingml/2006/main" xmlns:r="http://schemas.openxmlformats.org/officeDocument/2006/relationships" xmlns:p="http://schemas.openxmlformats.org/presentationml/2006/main" showMasterSp="0" showMasterPhAnim="0">
-  <p:cSld>
-    <p:spTree>
-      <p:nvGrpSpPr>
-        <p:cNvPr id="1" name="Shape 75"/>
-        <p:cNvGrpSpPr/>
-        <p:nvPr/>
-      </p:nvGrpSpPr>
-      <p:grpSpPr>
-        <a:xfrm>
-          <a:off x="0" y="0"/>
-          <a:ext cx="0" cy="0"/>
-          <a:chOff x="0" y="0"/>
-          <a:chExt cx="0" cy="0"/>
-        </a:xfrm>
-      </p:grpSpPr>
-      <p:sp>
-        <p:nvSpPr>
-          <p:cNvPr id="76" name="Google Shape;76;g8e62892d88_0_32:notes"/>
-          <p:cNvSpPr>
-            <a:spLocks noGrp="1" noRot="1" noChangeAspect="1"/>
-          </p:cNvSpPr>
-          <p:nvPr>
-            <p:ph type="sldImg" idx="2"/>
-          </p:nvPr>
-        </p:nvSpPr>
-        <p:spPr>
-          <a:xfrm>
-            <a:off x="381000" y="685800"/>
-            <a:ext cx="6096000" cy="3429000"/>
-          </a:xfrm>
-          <a:custGeom>
-            <a:avLst/>
-            <a:gdLst/>
-            <a:ahLst/>
-            <a:cxnLst/>
-            <a:rect l="l" t="t" r="r" b="b"/>
-            <a:pathLst>
-              <a:path w="120000" h="120000" extrusionOk="0">
-                <a:moveTo>
-                  <a:pt x="0" y="0"/>
-                </a:moveTo>
-                <a:lnTo>
-                  <a:pt x="120000" y="0"/>
-                </a:lnTo>
-                <a:lnTo>
-                  <a:pt x="120000" y="120000"/>
-                </a:lnTo>
-                <a:lnTo>
-                  <a:pt x="0" y="120000"/>
-                </a:lnTo>
-                <a:close/>
-              </a:path>
-            </a:pathLst>
-          </a:custGeom>
-        </p:spPr>
-      </p:sp>
-      <p:sp>
-        <p:nvSpPr>
-          <p:cNvPr id="77" name="Google Shape;77;g8e62892d88_0_32:notes"/>
-          <p:cNvSpPr txBox="1">
-            <a:spLocks noGrp="1"/>
-          </p:cNvSpPr>
-          <p:nvPr>
-            <p:ph type="body" idx="1"/>
-          </p:nvPr>
-        </p:nvSpPr>
-        <p:spPr>
-          <a:xfrm>
-            <a:off x="685800" y="4343400"/>
-            <a:ext cx="5486400" cy="4114800"/>
-          </a:xfrm>
-          <a:prstGeom prst="rect">
-            <a:avLst/>
-          </a:prstGeom>
-        </p:spPr>
-        <p:txBody>
-          <a:bodyPr spcFirstLastPara="1" wrap="square" lIns="91425" tIns="91425" rIns="91425" bIns="91425" anchor="t" anchorCtr="0">
-            <a:noAutofit/>
-          </a:bodyPr>
-          <a:lstStyle/>
-          <a:p>
-            <a:pPr marL="0" lvl="0" indent="0" algn="l" rtl="0">
-              <a:spcBef>
-                <a:spcPts val="0"/>
-              </a:spcBef>
-              <a:spcAft>
-                <a:spcPts val="0"/>
-              </a:spcAft>
-              <a:buNone/>
-            </a:pPr>
-            <a:endParaRPr/>
-          </a:p>
-        </p:txBody>
-      </p:sp>
-    </p:spTree>
-    <p:extLst>
-      <p:ext uri="{BB962C8B-B14F-4D97-AF65-F5344CB8AC3E}">
-        <p14:creationId xmlns:p14="http://schemas.microsoft.com/office/powerpoint/2010/main" val="3433306219"/>
-      </p:ext>
-    </p:extLst>
   </p:cSld>
   <p:clrMapOvr>
     <a:masterClrMapping/>
@@ -2099,6 +1659,11 @@
         </p:txBody>
       </p:sp>
     </p:spTree>
+    <p:extLst>
+      <p:ext uri="{BB962C8B-B14F-4D97-AF65-F5344CB8AC3E}">
+        <p14:creationId xmlns:p14="http://schemas.microsoft.com/office/powerpoint/2010/main" val="501843866"/>
+      </p:ext>
+    </p:extLst>
   </p:cSld>
   <p:clrMapOvr>
     <a:masterClrMapping/>
@@ -2111,7 +1676,7 @@
   <p:cSld>
     <p:spTree>
       <p:nvGrpSpPr>
-        <p:cNvPr id="1" name="Shape 67"/>
+        <p:cNvPr id="1" name="Shape 75"/>
         <p:cNvGrpSpPr/>
         <p:nvPr/>
       </p:nvGrpSpPr>
@@ -2125,7 +1690,7 @@
       </p:grpSpPr>
       <p:sp>
         <p:nvSpPr>
-          <p:cNvPr id="68" name="Google Shape;68;g8e62892d88_0_60:notes"/>
+          <p:cNvPr id="76" name="Google Shape;76;g8e62892d88_0_32:notes"/>
           <p:cNvSpPr>
             <a:spLocks noGrp="1" noRot="1" noChangeAspect="1"/>
           </p:cNvSpPr>
@@ -2166,7 +1731,7 @@
       </p:sp>
       <p:sp>
         <p:nvSpPr>
-          <p:cNvPr id="69" name="Google Shape;69;g8e62892d88_0_60:notes"/>
+          <p:cNvPr id="77" name="Google Shape;77;g8e62892d88_0_32:notes"/>
           <p:cNvSpPr txBox="1">
             <a:spLocks noGrp="1"/>
           </p:cNvSpPr>
@@ -2205,7 +1770,7 @@
     </p:spTree>
     <p:extLst>
       <p:ext uri="{BB962C8B-B14F-4D97-AF65-F5344CB8AC3E}">
-        <p14:creationId xmlns:p14="http://schemas.microsoft.com/office/powerpoint/2010/main" val="501843866"/>
+        <p14:creationId xmlns:p14="http://schemas.microsoft.com/office/powerpoint/2010/main" val="1865626849"/>
       </p:ext>
     </p:extLst>
   </p:cSld>
@@ -2220,7 +1785,7 @@
   <p:cSld>
     <p:spTree>
       <p:nvGrpSpPr>
-        <p:cNvPr id="1" name="Shape 67"/>
+        <p:cNvPr id="1" name="Shape 75"/>
         <p:cNvGrpSpPr/>
         <p:nvPr/>
       </p:nvGrpSpPr>
@@ -2234,7 +1799,7 @@
       </p:grpSpPr>
       <p:sp>
         <p:nvSpPr>
-          <p:cNvPr id="68" name="Google Shape;68;g8e62892d88_0_60:notes"/>
+          <p:cNvPr id="76" name="Google Shape;76;g8e62892d88_0_32:notes"/>
           <p:cNvSpPr>
             <a:spLocks noGrp="1" noRot="1" noChangeAspect="1"/>
           </p:cNvSpPr>
@@ -2275,7 +1840,7 @@
       </p:sp>
       <p:sp>
         <p:nvSpPr>
-          <p:cNvPr id="69" name="Google Shape;69;g8e62892d88_0_60:notes"/>
+          <p:cNvPr id="77" name="Google Shape;77;g8e62892d88_0_32:notes"/>
           <p:cNvSpPr txBox="1">
             <a:spLocks noGrp="1"/>
           </p:cNvSpPr>
@@ -2314,7 +1879,7 @@
     </p:spTree>
     <p:extLst>
       <p:ext uri="{BB962C8B-B14F-4D97-AF65-F5344CB8AC3E}">
-        <p14:creationId xmlns:p14="http://schemas.microsoft.com/office/powerpoint/2010/main" val="2674052111"/>
+        <p14:creationId xmlns:p14="http://schemas.microsoft.com/office/powerpoint/2010/main" val="2831225904"/>
       </p:ext>
     </p:extLst>
   </p:cSld>
@@ -2329,7 +1894,7 @@
   <p:cSld>
     <p:spTree>
       <p:nvGrpSpPr>
-        <p:cNvPr id="1" name="Shape 67"/>
+        <p:cNvPr id="1" name="Shape 75"/>
         <p:cNvGrpSpPr/>
         <p:nvPr/>
       </p:nvGrpSpPr>
@@ -2343,7 +1908,7 @@
       </p:grpSpPr>
       <p:sp>
         <p:nvSpPr>
-          <p:cNvPr id="68" name="Google Shape;68;g8e62892d88_0_60:notes"/>
+          <p:cNvPr id="76" name="Google Shape;76;g8e62892d88_0_32:notes"/>
           <p:cNvSpPr>
             <a:spLocks noGrp="1" noRot="1" noChangeAspect="1"/>
           </p:cNvSpPr>
@@ -2384,7 +1949,7 @@
       </p:sp>
       <p:sp>
         <p:nvSpPr>
-          <p:cNvPr id="69" name="Google Shape;69;g8e62892d88_0_60:notes"/>
+          <p:cNvPr id="77" name="Google Shape;77;g8e62892d88_0_32:notes"/>
           <p:cNvSpPr txBox="1">
             <a:spLocks noGrp="1"/>
           </p:cNvSpPr>
@@ -2423,7 +1988,7 @@
     </p:spTree>
     <p:extLst>
       <p:ext uri="{BB962C8B-B14F-4D97-AF65-F5344CB8AC3E}">
-        <p14:creationId xmlns:p14="http://schemas.microsoft.com/office/powerpoint/2010/main" val="2271287075"/>
+        <p14:creationId xmlns:p14="http://schemas.microsoft.com/office/powerpoint/2010/main" val="1933980846"/>
       </p:ext>
     </p:extLst>
   </p:cSld>
@@ -2532,7 +2097,7 @@
     </p:spTree>
     <p:extLst>
       <p:ext uri="{BB962C8B-B14F-4D97-AF65-F5344CB8AC3E}">
-        <p14:creationId xmlns:p14="http://schemas.microsoft.com/office/powerpoint/2010/main" val="1865626849"/>
+        <p14:creationId xmlns:p14="http://schemas.microsoft.com/office/powerpoint/2010/main" val="4253100431"/>
       </p:ext>
     </p:extLst>
   </p:cSld>
@@ -2641,7 +2206,7 @@
     </p:spTree>
     <p:extLst>
       <p:ext uri="{BB962C8B-B14F-4D97-AF65-F5344CB8AC3E}">
-        <p14:creationId xmlns:p14="http://schemas.microsoft.com/office/powerpoint/2010/main" val="2831225904"/>
+        <p14:creationId xmlns:p14="http://schemas.microsoft.com/office/powerpoint/2010/main" val="405643164"/>
       </p:ext>
     </p:extLst>
   </p:cSld>
@@ -2750,7 +2315,7 @@
     </p:spTree>
     <p:extLst>
       <p:ext uri="{BB962C8B-B14F-4D97-AF65-F5344CB8AC3E}">
-        <p14:creationId xmlns:p14="http://schemas.microsoft.com/office/powerpoint/2010/main" val="1933980846"/>
+        <p14:creationId xmlns:p14="http://schemas.microsoft.com/office/powerpoint/2010/main" val="2074066014"/>
       </p:ext>
     </p:extLst>
   </p:cSld>
@@ -7824,11 +7389,11 @@
             </a:pPr>
             <a:r>
               <a:rPr lang="en-US" dirty="0"/>
-              <a:t>       </a:t>
+              <a:t>      </a:t>
             </a:r>
             <a:r>
               <a:rPr lang="en-US" sz="1600" dirty="0"/>
-              <a:t>3) Largest number</a:t>
+              <a:t> 6) Basic math operations</a:t>
             </a:r>
             <a:endParaRPr sz="1600" dirty="0"/>
           </a:p>
@@ -7957,7 +7522,7 @@
           <p:cNvPr id="3" name="Picture 2">
             <a:extLst>
               <a:ext uri="{FF2B5EF4-FFF2-40B4-BE49-F238E27FC236}">
-                <a16:creationId xmlns:a16="http://schemas.microsoft.com/office/drawing/2014/main" id="{702E6972-9C23-5C4B-A34E-A3C1B9B92B6F}"/>
+                <a16:creationId xmlns:a16="http://schemas.microsoft.com/office/drawing/2014/main" id="{DDD4966F-5238-F141-A7DA-F9285C1C9DF8}"/>
               </a:ext>
             </a:extLst>
           </p:cNvPr>
@@ -7974,8 +7539,8 @@
         </p:blipFill>
         <p:spPr>
           <a:xfrm>
-            <a:off x="2319036" y="630245"/>
-            <a:ext cx="3789156" cy="4360705"/>
+            <a:off x="2049277" y="666775"/>
+            <a:ext cx="4253735" cy="4229100"/>
           </a:xfrm>
           <a:prstGeom prst="rect">
             <a:avLst/>
@@ -7985,7 +7550,7 @@
     </p:spTree>
     <p:extLst>
       <p:ext uri="{BB962C8B-B14F-4D97-AF65-F5344CB8AC3E}">
-        <p14:creationId xmlns:p14="http://schemas.microsoft.com/office/powerpoint/2010/main" val="1756223623"/>
+        <p14:creationId xmlns:p14="http://schemas.microsoft.com/office/powerpoint/2010/main" val="3196092095"/>
       </p:ext>
     </p:extLst>
   </p:cSld>
@@ -8064,12 +7629,8 @@
               <a:buNone/>
             </a:pPr>
             <a:r>
-              <a:rPr lang="en-US" dirty="0"/>
-              <a:t>       </a:t>
-            </a:r>
-            <a:r>
               <a:rPr lang="en-US" sz="1600" dirty="0"/>
-              <a:t>4) Multiplication table</a:t>
+              <a:t>             7) Divisibility test</a:t>
             </a:r>
             <a:endParaRPr sz="1600" dirty="0"/>
           </a:p>
@@ -8195,10 +7756,10 @@
       </p:pic>
       <p:pic>
         <p:nvPicPr>
-          <p:cNvPr id="3" name="Picture 2">
+          <p:cNvPr id="5" name="Picture 4">
             <a:extLst>
               <a:ext uri="{FF2B5EF4-FFF2-40B4-BE49-F238E27FC236}">
-                <a16:creationId xmlns:a16="http://schemas.microsoft.com/office/drawing/2014/main" id="{F93BFA07-B531-3F47-84FB-8E3757D7FDBB}"/>
+                <a16:creationId xmlns:a16="http://schemas.microsoft.com/office/drawing/2014/main" id="{B9FAB517-9863-5A4B-8969-BADB4E1A6E05}"/>
               </a:ext>
             </a:extLst>
           </p:cNvPr>
@@ -8215,8 +7776,8 @@
         </p:blipFill>
         <p:spPr>
           <a:xfrm>
-            <a:off x="3030027" y="669675"/>
-            <a:ext cx="2740860" cy="4321275"/>
+            <a:off x="2123439" y="877234"/>
+            <a:ext cx="4202583" cy="3532941"/>
           </a:xfrm>
           <a:prstGeom prst="rect">
             <a:avLst/>
@@ -8226,7 +7787,7 @@
     </p:spTree>
     <p:extLst>
       <p:ext uri="{BB962C8B-B14F-4D97-AF65-F5344CB8AC3E}">
-        <p14:creationId xmlns:p14="http://schemas.microsoft.com/office/powerpoint/2010/main" val="1110014141"/>
+        <p14:creationId xmlns:p14="http://schemas.microsoft.com/office/powerpoint/2010/main" val="2901727192"/>
       </p:ext>
     </p:extLst>
   </p:cSld>
@@ -8305,12 +7866,8 @@
               <a:buNone/>
             </a:pPr>
             <a:r>
-              <a:rPr lang="en-US" dirty="0"/>
-              <a:t>       </a:t>
-            </a:r>
-            <a:r>
-              <a:rPr lang="en-US" sz="1600" dirty="0"/>
-              <a:t>5) Number system convertor</a:t>
+              <a:rPr lang="en" sz="1600" dirty="0"/>
+              <a:t>              8) Armstrong’s number</a:t>
             </a:r>
             <a:endParaRPr sz="1600" dirty="0"/>
           </a:p>
@@ -8340,8 +7897,8 @@
         </p:nvSpPr>
         <p:spPr>
           <a:xfrm>
-            <a:off x="311700" y="725248"/>
-            <a:ext cx="8520600" cy="4265701"/>
+            <a:off x="311700" y="1152475"/>
+            <a:ext cx="8520600" cy="3257700"/>
           </a:xfrm>
           <a:prstGeom prst="rect">
             <a:avLst/>
@@ -8353,67 +7910,16 @@
           </a:bodyPr>
           <a:lstStyle/>
           <a:p>
-            <a:pPr lvl="0"/>
-            <a:r>
-              <a:rPr lang="en-US" sz="1600" dirty="0"/>
-              <a:t>User is expected to select conversion type i.e., either from decimal to (binary, octal, hexadecimal) or (binary, octal, hexadecimal) to decimal.</a:t>
-            </a:r>
-            <a:endParaRPr lang="en-IN" sz="1600" dirty="0"/>
-          </a:p>
-          <a:p>
-            <a:pPr lvl="0"/>
-            <a:endParaRPr lang="en-IN" sz="1600" dirty="0"/>
-          </a:p>
-          <a:p>
-            <a:pPr lvl="0"/>
-            <a:r>
-              <a:rPr lang="en-US" sz="1600" dirty="0"/>
-              <a:t>For decimal to (binary, octal and hexadecimal) we have a while loop for storing the remainder in a list.</a:t>
-            </a:r>
-            <a:endParaRPr lang="en-IN" sz="1600" dirty="0"/>
-          </a:p>
-          <a:p>
-            <a:pPr lvl="0"/>
-            <a:endParaRPr lang="en-US" sz="1600" dirty="0"/>
-          </a:p>
-          <a:p>
-            <a:pPr lvl="0"/>
-            <a:r>
-              <a:rPr lang="en-US" sz="1600" dirty="0"/>
-              <a:t>When the while is terminated, using inbuilt reverse function, list is reversed and is converted to string via a for loop.</a:t>
-            </a:r>
-            <a:endParaRPr lang="en-IN" sz="1600" dirty="0"/>
-          </a:p>
-          <a:p>
-            <a:pPr marL="114300" lvl="0" indent="0">
+            <a:pPr marL="0" lvl="0" indent="0" algn="l" rtl="0">
+              <a:spcBef>
+                <a:spcPts val="0"/>
+              </a:spcBef>
+              <a:spcAft>
+                <a:spcPts val="0"/>
+              </a:spcAft>
               <a:buNone/>
             </a:pPr>
-            <a:endParaRPr lang="en-IN" sz="1600" dirty="0"/>
-          </a:p>
-          <a:p>
-            <a:r>
-              <a:rPr lang="en-US" sz="1600" dirty="0"/>
-              <a:t>For (binary, octal and hexadecimal) to decimal we have used inbuilt int() function for the conversion.</a:t>
-            </a:r>
-            <a:r>
-              <a:rPr lang="en-IN" sz="1600" dirty="0"/>
-              <a:t> </a:t>
-            </a:r>
-          </a:p>
-          <a:p>
-            <a:pPr lvl="0"/>
-            <a:endParaRPr lang="en-US" sz="1600" dirty="0"/>
-          </a:p>
-          <a:p>
-            <a:pPr lvl="0"/>
-            <a:r>
-              <a:rPr lang="en-US" sz="1600" dirty="0"/>
-              <a:t>Based on the users selection decimal number is converted according to the bases: 2,8 and 16 respectively using int( ).</a:t>
-            </a:r>
-            <a:endParaRPr lang="en-IN" sz="1600" dirty="0"/>
-          </a:p>
-          <a:p>
-            <a:endParaRPr sz="1600" dirty="0"/>
+            <a:endParaRPr dirty="0"/>
           </a:p>
           <a:p>
             <a:pPr marL="0" lvl="0" indent="0" algn="l" rtl="0">
@@ -8485,10 +7991,40 @@
           </a:ln>
         </p:spPr>
       </p:pic>
+      <p:pic>
+        <p:nvPicPr>
+          <p:cNvPr id="7" name="Picture 6">
+            <a:extLst>
+              <a:ext uri="{FF2B5EF4-FFF2-40B4-BE49-F238E27FC236}">
+                <a16:creationId xmlns:a16="http://schemas.microsoft.com/office/drawing/2014/main" id="{BE75C8F9-7F2A-CE45-83A8-639CEF5616E6}"/>
+              </a:ext>
+            </a:extLst>
+          </p:cNvPr>
+          <p:cNvPicPr>
+            <a:picLocks noChangeAspect="1"/>
+          </p:cNvPicPr>
+          <p:nvPr/>
+        </p:nvPicPr>
+        <p:blipFill>
+          <a:blip r:embed="rId5"/>
+          <a:stretch>
+            <a:fillRect/>
+          </a:stretch>
+        </p:blipFill>
+        <p:spPr>
+          <a:xfrm>
+            <a:off x="2660904" y="530842"/>
+            <a:ext cx="3511296" cy="4504073"/>
+          </a:xfrm>
+          <a:prstGeom prst="rect">
+            <a:avLst/>
+          </a:prstGeom>
+        </p:spPr>
+      </p:pic>
     </p:spTree>
     <p:extLst>
       <p:ext uri="{BB962C8B-B14F-4D97-AF65-F5344CB8AC3E}">
-        <p14:creationId xmlns:p14="http://schemas.microsoft.com/office/powerpoint/2010/main" val="1769765643"/>
+        <p14:creationId xmlns:p14="http://schemas.microsoft.com/office/powerpoint/2010/main" val="3415350767"/>
       </p:ext>
     </p:extLst>
   </p:cSld>
@@ -8515,721 +8051,6 @@
   <p:cSld>
     <p:spTree>
       <p:nvGrpSpPr>
-        <p:cNvPr id="1" name="Shape 78"/>
-        <p:cNvGrpSpPr/>
-        <p:nvPr/>
-      </p:nvGrpSpPr>
-      <p:grpSpPr>
-        <a:xfrm>
-          <a:off x="0" y="0"/>
-          <a:ext cx="0" cy="0"/>
-          <a:chOff x="0" y="0"/>
-          <a:chExt cx="0" cy="0"/>
-        </a:xfrm>
-      </p:grpSpPr>
-      <p:sp>
-        <p:nvSpPr>
-          <p:cNvPr id="79" name="Google Shape;79;p16"/>
-          <p:cNvSpPr txBox="1">
-            <a:spLocks noGrp="1"/>
-          </p:cNvSpPr>
-          <p:nvPr>
-            <p:ph type="title"/>
-          </p:nvPr>
-        </p:nvSpPr>
-        <p:spPr>
-          <a:xfrm>
-            <a:off x="311700" y="152550"/>
-            <a:ext cx="8520600" cy="572700"/>
-          </a:xfrm>
-          <a:prstGeom prst="rect">
-            <a:avLst/>
-          </a:prstGeom>
-        </p:spPr>
-        <p:txBody>
-          <a:bodyPr spcFirstLastPara="1" wrap="square" lIns="91425" tIns="91425" rIns="91425" bIns="91425" anchor="t" anchorCtr="0">
-            <a:noAutofit/>
-          </a:bodyPr>
-          <a:lstStyle/>
-          <a:p>
-            <a:pPr marL="0" lvl="0" indent="0" rtl="0">
-              <a:spcBef>
-                <a:spcPts val="0"/>
-              </a:spcBef>
-              <a:spcAft>
-                <a:spcPts val="0"/>
-              </a:spcAft>
-              <a:buClr>
-                <a:schemeClr val="dk1"/>
-              </a:buClr>
-              <a:buSzPts val="1100"/>
-              <a:buFont typeface="Arial"/>
-              <a:buNone/>
-            </a:pPr>
-            <a:r>
-              <a:rPr lang="en-US" dirty="0"/>
-              <a:t>      </a:t>
-            </a:r>
-            <a:r>
-              <a:rPr lang="en-US" sz="1600" dirty="0"/>
-              <a:t> 6) Basic math operations</a:t>
-            </a:r>
-            <a:endParaRPr sz="1600" dirty="0"/>
-          </a:p>
-          <a:p>
-            <a:pPr marL="0" lvl="0" indent="0" algn="ctr" rtl="0">
-              <a:spcBef>
-                <a:spcPts val="0"/>
-              </a:spcBef>
-              <a:spcAft>
-                <a:spcPts val="0"/>
-              </a:spcAft>
-              <a:buNone/>
-            </a:pPr>
-            <a:endParaRPr dirty="0"/>
-          </a:p>
-        </p:txBody>
-      </p:sp>
-      <p:sp>
-        <p:nvSpPr>
-          <p:cNvPr id="80" name="Google Shape;80;p16"/>
-          <p:cNvSpPr txBox="1">
-            <a:spLocks noGrp="1"/>
-          </p:cNvSpPr>
-          <p:nvPr>
-            <p:ph type="body" idx="1"/>
-          </p:nvPr>
-        </p:nvSpPr>
-        <p:spPr>
-          <a:xfrm>
-            <a:off x="311700" y="1152475"/>
-            <a:ext cx="8520600" cy="3257700"/>
-          </a:xfrm>
-          <a:prstGeom prst="rect">
-            <a:avLst/>
-          </a:prstGeom>
-        </p:spPr>
-        <p:txBody>
-          <a:bodyPr spcFirstLastPara="1" wrap="square" lIns="91425" tIns="91425" rIns="91425" bIns="91425" anchor="t" anchorCtr="0">
-            <a:noAutofit/>
-          </a:bodyPr>
-          <a:lstStyle/>
-          <a:p>
-            <a:pPr marL="0" lvl="0" indent="0" algn="l" rtl="0">
-              <a:spcBef>
-                <a:spcPts val="0"/>
-              </a:spcBef>
-              <a:spcAft>
-                <a:spcPts val="0"/>
-              </a:spcAft>
-              <a:buNone/>
-            </a:pPr>
-            <a:endParaRPr dirty="0"/>
-          </a:p>
-          <a:p>
-            <a:pPr marL="0" lvl="0" indent="0" algn="l" rtl="0">
-              <a:spcBef>
-                <a:spcPts val="1600"/>
-              </a:spcBef>
-              <a:spcAft>
-                <a:spcPts val="1600"/>
-              </a:spcAft>
-              <a:buNone/>
-            </a:pPr>
-            <a:endParaRPr dirty="0"/>
-          </a:p>
-        </p:txBody>
-      </p:sp>
-      <p:pic>
-        <p:nvPicPr>
-          <p:cNvPr id="81" name="Google Shape;81;p16"/>
-          <p:cNvPicPr preferRelativeResize="0"/>
-          <p:nvPr/>
-        </p:nvPicPr>
-        <p:blipFill>
-          <a:blip r:embed="rId3">
-            <a:alphaModFix/>
-          </a:blip>
-          <a:stretch>
-            <a:fillRect/>
-          </a:stretch>
-        </p:blipFill>
-        <p:spPr>
-          <a:xfrm>
-            <a:off x="7898868" y="152550"/>
-            <a:ext cx="1083283" cy="572699"/>
-          </a:xfrm>
-          <a:prstGeom prst="rect">
-            <a:avLst/>
-          </a:prstGeom>
-          <a:noFill/>
-          <a:ln>
-            <a:noFill/>
-          </a:ln>
-        </p:spPr>
-      </p:pic>
-      <p:pic>
-        <p:nvPicPr>
-          <p:cNvPr id="82" name="Google Shape;82;p16"/>
-          <p:cNvPicPr preferRelativeResize="0"/>
-          <p:nvPr/>
-        </p:nvPicPr>
-        <p:blipFill>
-          <a:blip r:embed="rId4">
-            <a:alphaModFix/>
-          </a:blip>
-          <a:stretch>
-            <a:fillRect/>
-          </a:stretch>
-        </p:blipFill>
-        <p:spPr>
-          <a:xfrm>
-            <a:off x="184824" y="152550"/>
-            <a:ext cx="717222" cy="572701"/>
-          </a:xfrm>
-          <a:prstGeom prst="rect">
-            <a:avLst/>
-          </a:prstGeom>
-          <a:noFill/>
-          <a:ln>
-            <a:noFill/>
-          </a:ln>
-        </p:spPr>
-      </p:pic>
-      <p:pic>
-        <p:nvPicPr>
-          <p:cNvPr id="3" name="Picture 2">
-            <a:extLst>
-              <a:ext uri="{FF2B5EF4-FFF2-40B4-BE49-F238E27FC236}">
-                <a16:creationId xmlns:a16="http://schemas.microsoft.com/office/drawing/2014/main" id="{DDD4966F-5238-F141-A7DA-F9285C1C9DF8}"/>
-              </a:ext>
-            </a:extLst>
-          </p:cNvPr>
-          <p:cNvPicPr>
-            <a:picLocks noChangeAspect="1"/>
-          </p:cNvPicPr>
-          <p:nvPr/>
-        </p:nvPicPr>
-        <p:blipFill>
-          <a:blip r:embed="rId5"/>
-          <a:stretch>
-            <a:fillRect/>
-          </a:stretch>
-        </p:blipFill>
-        <p:spPr>
-          <a:xfrm>
-            <a:off x="2049277" y="666775"/>
-            <a:ext cx="4253735" cy="4229100"/>
-          </a:xfrm>
-          <a:prstGeom prst="rect">
-            <a:avLst/>
-          </a:prstGeom>
-        </p:spPr>
-      </p:pic>
-    </p:spTree>
-    <p:extLst>
-      <p:ext uri="{BB962C8B-B14F-4D97-AF65-F5344CB8AC3E}">
-        <p14:creationId xmlns:p14="http://schemas.microsoft.com/office/powerpoint/2010/main" val="3196092095"/>
-      </p:ext>
-    </p:extLst>
-  </p:cSld>
-  <p:clrMapOvr>
-    <a:masterClrMapping/>
-  </p:clrMapOvr>
-  <mc:AlternateContent xmlns:mc="http://schemas.openxmlformats.org/markup-compatibility/2006" xmlns:p159="http://schemas.microsoft.com/office/powerpoint/2015/09/main">
-    <mc:Choice Requires="p159">
-      <p:transition xmlns:p14="http://schemas.microsoft.com/office/powerpoint/2010/main" spd="slow" p14:dur="2000">
-        <p159:morph option="byObject"/>
-      </p:transition>
-    </mc:Choice>
-    <mc:Fallback xmlns="">
-      <p:transition spd="slow">
-        <p:fade/>
-      </p:transition>
-    </mc:Fallback>
-  </mc:AlternateContent>
-</p:sld>
-</file>
-
-<file path=ppt/slides/slide14.xml><?xml version="1.0" encoding="utf-8"?>
-<p:sld xmlns:a="http://schemas.openxmlformats.org/drawingml/2006/main" xmlns:r="http://schemas.openxmlformats.org/officeDocument/2006/relationships" xmlns:p="http://schemas.openxmlformats.org/presentationml/2006/main">
-  <p:cSld>
-    <p:spTree>
-      <p:nvGrpSpPr>
-        <p:cNvPr id="1" name="Shape 78"/>
-        <p:cNvGrpSpPr/>
-        <p:nvPr/>
-      </p:nvGrpSpPr>
-      <p:grpSpPr>
-        <a:xfrm>
-          <a:off x="0" y="0"/>
-          <a:ext cx="0" cy="0"/>
-          <a:chOff x="0" y="0"/>
-          <a:chExt cx="0" cy="0"/>
-        </a:xfrm>
-      </p:grpSpPr>
-      <p:sp>
-        <p:nvSpPr>
-          <p:cNvPr id="79" name="Google Shape;79;p16"/>
-          <p:cNvSpPr txBox="1">
-            <a:spLocks noGrp="1"/>
-          </p:cNvSpPr>
-          <p:nvPr>
-            <p:ph type="title"/>
-          </p:nvPr>
-        </p:nvSpPr>
-        <p:spPr>
-          <a:xfrm>
-            <a:off x="311700" y="152550"/>
-            <a:ext cx="8520600" cy="572700"/>
-          </a:xfrm>
-          <a:prstGeom prst="rect">
-            <a:avLst/>
-          </a:prstGeom>
-        </p:spPr>
-        <p:txBody>
-          <a:bodyPr spcFirstLastPara="1" wrap="square" lIns="91425" tIns="91425" rIns="91425" bIns="91425" anchor="t" anchorCtr="0">
-            <a:noAutofit/>
-          </a:bodyPr>
-          <a:lstStyle/>
-          <a:p>
-            <a:pPr marL="0" lvl="0" indent="0" rtl="0">
-              <a:spcBef>
-                <a:spcPts val="0"/>
-              </a:spcBef>
-              <a:spcAft>
-                <a:spcPts val="0"/>
-              </a:spcAft>
-              <a:buClr>
-                <a:schemeClr val="dk1"/>
-              </a:buClr>
-              <a:buSzPts val="1100"/>
-              <a:buFont typeface="Arial"/>
-              <a:buNone/>
-            </a:pPr>
-            <a:r>
-              <a:rPr lang="en-US" sz="1600" dirty="0"/>
-              <a:t>             7) Divisibility test</a:t>
-            </a:r>
-            <a:endParaRPr sz="1600" dirty="0"/>
-          </a:p>
-          <a:p>
-            <a:pPr marL="0" lvl="0" indent="0" algn="ctr" rtl="0">
-              <a:spcBef>
-                <a:spcPts val="0"/>
-              </a:spcBef>
-              <a:spcAft>
-                <a:spcPts val="0"/>
-              </a:spcAft>
-              <a:buNone/>
-            </a:pPr>
-            <a:endParaRPr dirty="0"/>
-          </a:p>
-        </p:txBody>
-      </p:sp>
-      <p:sp>
-        <p:nvSpPr>
-          <p:cNvPr id="80" name="Google Shape;80;p16"/>
-          <p:cNvSpPr txBox="1">
-            <a:spLocks noGrp="1"/>
-          </p:cNvSpPr>
-          <p:nvPr>
-            <p:ph type="body" idx="1"/>
-          </p:nvPr>
-        </p:nvSpPr>
-        <p:spPr>
-          <a:xfrm>
-            <a:off x="311700" y="1152475"/>
-            <a:ext cx="8520600" cy="3257700"/>
-          </a:xfrm>
-          <a:prstGeom prst="rect">
-            <a:avLst/>
-          </a:prstGeom>
-        </p:spPr>
-        <p:txBody>
-          <a:bodyPr spcFirstLastPara="1" wrap="square" lIns="91425" tIns="91425" rIns="91425" bIns="91425" anchor="t" anchorCtr="0">
-            <a:noAutofit/>
-          </a:bodyPr>
-          <a:lstStyle/>
-          <a:p>
-            <a:pPr marL="0" lvl="0" indent="0" algn="l" rtl="0">
-              <a:spcBef>
-                <a:spcPts val="0"/>
-              </a:spcBef>
-              <a:spcAft>
-                <a:spcPts val="0"/>
-              </a:spcAft>
-              <a:buNone/>
-            </a:pPr>
-            <a:endParaRPr dirty="0"/>
-          </a:p>
-          <a:p>
-            <a:pPr marL="0" lvl="0" indent="0" algn="l" rtl="0">
-              <a:spcBef>
-                <a:spcPts val="1600"/>
-              </a:spcBef>
-              <a:spcAft>
-                <a:spcPts val="1600"/>
-              </a:spcAft>
-              <a:buNone/>
-            </a:pPr>
-            <a:endParaRPr dirty="0"/>
-          </a:p>
-        </p:txBody>
-      </p:sp>
-      <p:pic>
-        <p:nvPicPr>
-          <p:cNvPr id="81" name="Google Shape;81;p16"/>
-          <p:cNvPicPr preferRelativeResize="0"/>
-          <p:nvPr/>
-        </p:nvPicPr>
-        <p:blipFill>
-          <a:blip r:embed="rId3">
-            <a:alphaModFix/>
-          </a:blip>
-          <a:stretch>
-            <a:fillRect/>
-          </a:stretch>
-        </p:blipFill>
-        <p:spPr>
-          <a:xfrm>
-            <a:off x="7898868" y="152550"/>
-            <a:ext cx="1083283" cy="572699"/>
-          </a:xfrm>
-          <a:prstGeom prst="rect">
-            <a:avLst/>
-          </a:prstGeom>
-          <a:noFill/>
-          <a:ln>
-            <a:noFill/>
-          </a:ln>
-        </p:spPr>
-      </p:pic>
-      <p:pic>
-        <p:nvPicPr>
-          <p:cNvPr id="82" name="Google Shape;82;p16"/>
-          <p:cNvPicPr preferRelativeResize="0"/>
-          <p:nvPr/>
-        </p:nvPicPr>
-        <p:blipFill>
-          <a:blip r:embed="rId4">
-            <a:alphaModFix/>
-          </a:blip>
-          <a:stretch>
-            <a:fillRect/>
-          </a:stretch>
-        </p:blipFill>
-        <p:spPr>
-          <a:xfrm>
-            <a:off x="184824" y="152550"/>
-            <a:ext cx="717222" cy="572701"/>
-          </a:xfrm>
-          <a:prstGeom prst="rect">
-            <a:avLst/>
-          </a:prstGeom>
-          <a:noFill/>
-          <a:ln>
-            <a:noFill/>
-          </a:ln>
-        </p:spPr>
-      </p:pic>
-      <p:pic>
-        <p:nvPicPr>
-          <p:cNvPr id="5" name="Picture 4">
-            <a:extLst>
-              <a:ext uri="{FF2B5EF4-FFF2-40B4-BE49-F238E27FC236}">
-                <a16:creationId xmlns:a16="http://schemas.microsoft.com/office/drawing/2014/main" id="{B9FAB517-9863-5A4B-8969-BADB4E1A6E05}"/>
-              </a:ext>
-            </a:extLst>
-          </p:cNvPr>
-          <p:cNvPicPr>
-            <a:picLocks noChangeAspect="1"/>
-          </p:cNvPicPr>
-          <p:nvPr/>
-        </p:nvPicPr>
-        <p:blipFill>
-          <a:blip r:embed="rId5"/>
-          <a:stretch>
-            <a:fillRect/>
-          </a:stretch>
-        </p:blipFill>
-        <p:spPr>
-          <a:xfrm>
-            <a:off x="2123439" y="877234"/>
-            <a:ext cx="4202583" cy="3532941"/>
-          </a:xfrm>
-          <a:prstGeom prst="rect">
-            <a:avLst/>
-          </a:prstGeom>
-        </p:spPr>
-      </p:pic>
-    </p:spTree>
-    <p:extLst>
-      <p:ext uri="{BB962C8B-B14F-4D97-AF65-F5344CB8AC3E}">
-        <p14:creationId xmlns:p14="http://schemas.microsoft.com/office/powerpoint/2010/main" val="2901727192"/>
-      </p:ext>
-    </p:extLst>
-  </p:cSld>
-  <p:clrMapOvr>
-    <a:masterClrMapping/>
-  </p:clrMapOvr>
-  <mc:AlternateContent xmlns:mc="http://schemas.openxmlformats.org/markup-compatibility/2006" xmlns:p159="http://schemas.microsoft.com/office/powerpoint/2015/09/main">
-    <mc:Choice Requires="p159">
-      <p:transition xmlns:p14="http://schemas.microsoft.com/office/powerpoint/2010/main" spd="slow" p14:dur="2000">
-        <p159:morph option="byObject"/>
-      </p:transition>
-    </mc:Choice>
-    <mc:Fallback xmlns="">
-      <p:transition spd="slow">
-        <p:fade/>
-      </p:transition>
-    </mc:Fallback>
-  </mc:AlternateContent>
-</p:sld>
-</file>
-
-<file path=ppt/slides/slide15.xml><?xml version="1.0" encoding="utf-8"?>
-<p:sld xmlns:a="http://schemas.openxmlformats.org/drawingml/2006/main" xmlns:r="http://schemas.openxmlformats.org/officeDocument/2006/relationships" xmlns:p="http://schemas.openxmlformats.org/presentationml/2006/main">
-  <p:cSld>
-    <p:spTree>
-      <p:nvGrpSpPr>
-        <p:cNvPr id="1" name="Shape 78"/>
-        <p:cNvGrpSpPr/>
-        <p:nvPr/>
-      </p:nvGrpSpPr>
-      <p:grpSpPr>
-        <a:xfrm>
-          <a:off x="0" y="0"/>
-          <a:ext cx="0" cy="0"/>
-          <a:chOff x="0" y="0"/>
-          <a:chExt cx="0" cy="0"/>
-        </a:xfrm>
-      </p:grpSpPr>
-      <p:sp>
-        <p:nvSpPr>
-          <p:cNvPr id="79" name="Google Shape;79;p16"/>
-          <p:cNvSpPr txBox="1">
-            <a:spLocks noGrp="1"/>
-          </p:cNvSpPr>
-          <p:nvPr>
-            <p:ph type="title"/>
-          </p:nvPr>
-        </p:nvSpPr>
-        <p:spPr>
-          <a:xfrm>
-            <a:off x="311700" y="152550"/>
-            <a:ext cx="8520600" cy="572700"/>
-          </a:xfrm>
-          <a:prstGeom prst="rect">
-            <a:avLst/>
-          </a:prstGeom>
-        </p:spPr>
-        <p:txBody>
-          <a:bodyPr spcFirstLastPara="1" wrap="square" lIns="91425" tIns="91425" rIns="91425" bIns="91425" anchor="t" anchorCtr="0">
-            <a:noAutofit/>
-          </a:bodyPr>
-          <a:lstStyle/>
-          <a:p>
-            <a:pPr marL="0" lvl="0" indent="0" rtl="0">
-              <a:spcBef>
-                <a:spcPts val="0"/>
-              </a:spcBef>
-              <a:spcAft>
-                <a:spcPts val="0"/>
-              </a:spcAft>
-              <a:buClr>
-                <a:schemeClr val="dk1"/>
-              </a:buClr>
-              <a:buSzPts val="1100"/>
-              <a:buFont typeface="Arial"/>
-              <a:buNone/>
-            </a:pPr>
-            <a:r>
-              <a:rPr lang="en" sz="1600" dirty="0"/>
-              <a:t>              8) Armstrong’s number</a:t>
-            </a:r>
-            <a:endParaRPr sz="1600" dirty="0"/>
-          </a:p>
-          <a:p>
-            <a:pPr marL="0" lvl="0" indent="0" algn="ctr" rtl="0">
-              <a:spcBef>
-                <a:spcPts val="0"/>
-              </a:spcBef>
-              <a:spcAft>
-                <a:spcPts val="0"/>
-              </a:spcAft>
-              <a:buNone/>
-            </a:pPr>
-            <a:endParaRPr dirty="0"/>
-          </a:p>
-        </p:txBody>
-      </p:sp>
-      <p:sp>
-        <p:nvSpPr>
-          <p:cNvPr id="80" name="Google Shape;80;p16"/>
-          <p:cNvSpPr txBox="1">
-            <a:spLocks noGrp="1"/>
-          </p:cNvSpPr>
-          <p:nvPr>
-            <p:ph type="body" idx="1"/>
-          </p:nvPr>
-        </p:nvSpPr>
-        <p:spPr>
-          <a:xfrm>
-            <a:off x="311700" y="1152475"/>
-            <a:ext cx="8520600" cy="3257700"/>
-          </a:xfrm>
-          <a:prstGeom prst="rect">
-            <a:avLst/>
-          </a:prstGeom>
-        </p:spPr>
-        <p:txBody>
-          <a:bodyPr spcFirstLastPara="1" wrap="square" lIns="91425" tIns="91425" rIns="91425" bIns="91425" anchor="t" anchorCtr="0">
-            <a:noAutofit/>
-          </a:bodyPr>
-          <a:lstStyle/>
-          <a:p>
-            <a:pPr marL="0" lvl="0" indent="0" algn="l" rtl="0">
-              <a:spcBef>
-                <a:spcPts val="0"/>
-              </a:spcBef>
-              <a:spcAft>
-                <a:spcPts val="0"/>
-              </a:spcAft>
-              <a:buNone/>
-            </a:pPr>
-            <a:endParaRPr dirty="0"/>
-          </a:p>
-          <a:p>
-            <a:pPr marL="0" lvl="0" indent="0" algn="l" rtl="0">
-              <a:spcBef>
-                <a:spcPts val="1600"/>
-              </a:spcBef>
-              <a:spcAft>
-                <a:spcPts val="1600"/>
-              </a:spcAft>
-              <a:buNone/>
-            </a:pPr>
-            <a:endParaRPr dirty="0"/>
-          </a:p>
-        </p:txBody>
-      </p:sp>
-      <p:pic>
-        <p:nvPicPr>
-          <p:cNvPr id="81" name="Google Shape;81;p16"/>
-          <p:cNvPicPr preferRelativeResize="0"/>
-          <p:nvPr/>
-        </p:nvPicPr>
-        <p:blipFill>
-          <a:blip r:embed="rId3">
-            <a:alphaModFix/>
-          </a:blip>
-          <a:stretch>
-            <a:fillRect/>
-          </a:stretch>
-        </p:blipFill>
-        <p:spPr>
-          <a:xfrm>
-            <a:off x="7898868" y="152550"/>
-            <a:ext cx="1083283" cy="572699"/>
-          </a:xfrm>
-          <a:prstGeom prst="rect">
-            <a:avLst/>
-          </a:prstGeom>
-          <a:noFill/>
-          <a:ln>
-            <a:noFill/>
-          </a:ln>
-        </p:spPr>
-      </p:pic>
-      <p:pic>
-        <p:nvPicPr>
-          <p:cNvPr id="82" name="Google Shape;82;p16"/>
-          <p:cNvPicPr preferRelativeResize="0"/>
-          <p:nvPr/>
-        </p:nvPicPr>
-        <p:blipFill>
-          <a:blip r:embed="rId4">
-            <a:alphaModFix/>
-          </a:blip>
-          <a:stretch>
-            <a:fillRect/>
-          </a:stretch>
-        </p:blipFill>
-        <p:spPr>
-          <a:xfrm>
-            <a:off x="184824" y="152550"/>
-            <a:ext cx="717222" cy="572701"/>
-          </a:xfrm>
-          <a:prstGeom prst="rect">
-            <a:avLst/>
-          </a:prstGeom>
-          <a:noFill/>
-          <a:ln>
-            <a:noFill/>
-          </a:ln>
-        </p:spPr>
-      </p:pic>
-      <p:pic>
-        <p:nvPicPr>
-          <p:cNvPr id="7" name="Picture 6">
-            <a:extLst>
-              <a:ext uri="{FF2B5EF4-FFF2-40B4-BE49-F238E27FC236}">
-                <a16:creationId xmlns:a16="http://schemas.microsoft.com/office/drawing/2014/main" id="{BE75C8F9-7F2A-CE45-83A8-639CEF5616E6}"/>
-              </a:ext>
-            </a:extLst>
-          </p:cNvPr>
-          <p:cNvPicPr>
-            <a:picLocks noChangeAspect="1"/>
-          </p:cNvPicPr>
-          <p:nvPr/>
-        </p:nvPicPr>
-        <p:blipFill>
-          <a:blip r:embed="rId5"/>
-          <a:stretch>
-            <a:fillRect/>
-          </a:stretch>
-        </p:blipFill>
-        <p:spPr>
-          <a:xfrm>
-            <a:off x="2660904" y="530842"/>
-            <a:ext cx="3511296" cy="4504073"/>
-          </a:xfrm>
-          <a:prstGeom prst="rect">
-            <a:avLst/>
-          </a:prstGeom>
-        </p:spPr>
-      </p:pic>
-    </p:spTree>
-    <p:extLst>
-      <p:ext uri="{BB962C8B-B14F-4D97-AF65-F5344CB8AC3E}">
-        <p14:creationId xmlns:p14="http://schemas.microsoft.com/office/powerpoint/2010/main" val="3415350767"/>
-      </p:ext>
-    </p:extLst>
-  </p:cSld>
-  <p:clrMapOvr>
-    <a:masterClrMapping/>
-  </p:clrMapOvr>
-  <mc:AlternateContent xmlns:mc="http://schemas.openxmlformats.org/markup-compatibility/2006" xmlns:p159="http://schemas.microsoft.com/office/powerpoint/2015/09/main">
-    <mc:Choice Requires="p159">
-      <p:transition xmlns:p14="http://schemas.microsoft.com/office/powerpoint/2010/main" spd="slow" p14:dur="2000">
-        <p159:morph option="byObject"/>
-      </p:transition>
-    </mc:Choice>
-    <mc:Fallback xmlns="">
-      <p:transition spd="slow">
-        <p:fade/>
-      </p:transition>
-    </mc:Fallback>
-  </mc:AlternateContent>
-</p:sld>
-</file>
-
-<file path=ppt/slides/slide16.xml><?xml version="1.0" encoding="utf-8"?>
-<p:sld xmlns:a="http://schemas.openxmlformats.org/drawingml/2006/main" xmlns:r="http://schemas.openxmlformats.org/officeDocument/2006/relationships" xmlns:p="http://schemas.openxmlformats.org/presentationml/2006/main">
-  <p:cSld>
-    <p:spTree>
-      <p:nvGrpSpPr>
         <p:cNvPr id="1" name="Shape 86"/>
         <p:cNvGrpSpPr/>
         <p:nvPr/>
@@ -9525,7 +8346,7 @@
 </p:sld>
 </file>
 
-<file path=ppt/slides/slide17.xml><?xml version="1.0" encoding="utf-8"?>
+<file path=ppt/slides/slide14.xml><?xml version="1.0" encoding="utf-8"?>
 <p:sld xmlns:a="http://schemas.openxmlformats.org/drawingml/2006/main" xmlns:r="http://schemas.openxmlformats.org/officeDocument/2006/relationships" xmlns:p="http://schemas.openxmlformats.org/presentationml/2006/main">
   <p:cSld>
     <p:spTree>
@@ -9780,7 +8601,7 @@
 </p:sld>
 </file>
 
-<file path=ppt/slides/slide18.xml><?xml version="1.0" encoding="utf-8"?>
+<file path=ppt/slides/slide15.xml><?xml version="1.0" encoding="utf-8"?>
 <p:sld xmlns:a="http://schemas.openxmlformats.org/drawingml/2006/main" xmlns:r="http://schemas.openxmlformats.org/officeDocument/2006/relationships" xmlns:p="http://schemas.openxmlformats.org/presentationml/2006/main">
   <p:cSld>
     <p:spTree>
@@ -10011,217 +8832,6 @@
         </p:spPr>
       </p:pic>
     </p:spTree>
-  </p:cSld>
-  <p:clrMapOvr>
-    <a:masterClrMapping/>
-  </p:clrMapOvr>
-  <mc:AlternateContent xmlns:mc="http://schemas.openxmlformats.org/markup-compatibility/2006" xmlns:p159="http://schemas.microsoft.com/office/powerpoint/2015/09/main">
-    <mc:Choice Requires="p159">
-      <p:transition xmlns:p14="http://schemas.microsoft.com/office/powerpoint/2010/main" spd="slow" p14:dur="2000">
-        <p159:morph option="byObject"/>
-      </p:transition>
-    </mc:Choice>
-    <mc:Fallback xmlns="">
-      <p:transition spd="slow">
-        <p:fade/>
-      </p:transition>
-    </mc:Fallback>
-  </mc:AlternateContent>
-</p:sld>
-</file>
-
-<file path=ppt/slides/slide19.xml><?xml version="1.0" encoding="utf-8"?>
-<p:sld xmlns:a="http://schemas.openxmlformats.org/drawingml/2006/main" xmlns:r="http://schemas.openxmlformats.org/officeDocument/2006/relationships" xmlns:p="http://schemas.openxmlformats.org/presentationml/2006/main" show="0">
-  <p:cSld>
-    <p:spTree>
-      <p:nvGrpSpPr>
-        <p:cNvPr id="1" name="Shape 78"/>
-        <p:cNvGrpSpPr/>
-        <p:nvPr/>
-      </p:nvGrpSpPr>
-      <p:grpSpPr>
-        <a:xfrm>
-          <a:off x="0" y="0"/>
-          <a:ext cx="0" cy="0"/>
-          <a:chOff x="0" y="0"/>
-          <a:chExt cx="0" cy="0"/>
-        </a:xfrm>
-      </p:grpSpPr>
-      <p:sp>
-        <p:nvSpPr>
-          <p:cNvPr id="79" name="Google Shape;79;p16"/>
-          <p:cNvSpPr txBox="1">
-            <a:spLocks noGrp="1"/>
-          </p:cNvSpPr>
-          <p:nvPr>
-            <p:ph type="title"/>
-          </p:nvPr>
-        </p:nvSpPr>
-        <p:spPr>
-          <a:xfrm>
-            <a:off x="311700" y="152550"/>
-            <a:ext cx="8520600" cy="572700"/>
-          </a:xfrm>
-          <a:prstGeom prst="rect">
-            <a:avLst/>
-          </a:prstGeom>
-        </p:spPr>
-        <p:txBody>
-          <a:bodyPr spcFirstLastPara="1" wrap="square" lIns="91425" tIns="91425" rIns="91425" bIns="91425" anchor="t" anchorCtr="0">
-            <a:noAutofit/>
-          </a:bodyPr>
-          <a:lstStyle/>
-          <a:p>
-            <a:pPr marL="0" lvl="0" indent="0" algn="ctr" rtl="0">
-              <a:spcBef>
-                <a:spcPts val="0"/>
-              </a:spcBef>
-              <a:spcAft>
-                <a:spcPts val="0"/>
-              </a:spcAft>
-              <a:buClr>
-                <a:schemeClr val="dk1"/>
-              </a:buClr>
-              <a:buSzPts val="1100"/>
-              <a:buFont typeface="Arial"/>
-              <a:buNone/>
-            </a:pPr>
-            <a:r>
-              <a:rPr lang="en"/>
-              <a:t>Detail Project Workflow (Same as report)</a:t>
-            </a:r>
-            <a:endParaRPr/>
-          </a:p>
-          <a:p>
-            <a:pPr marL="0" lvl="0" indent="0" algn="ctr" rtl="0">
-              <a:spcBef>
-                <a:spcPts val="0"/>
-              </a:spcBef>
-              <a:spcAft>
-                <a:spcPts val="0"/>
-              </a:spcAft>
-              <a:buNone/>
-            </a:pPr>
-            <a:endParaRPr/>
-          </a:p>
-        </p:txBody>
-      </p:sp>
-      <p:sp>
-        <p:nvSpPr>
-          <p:cNvPr id="80" name="Google Shape;80;p16"/>
-          <p:cNvSpPr txBox="1">
-            <a:spLocks noGrp="1"/>
-          </p:cNvSpPr>
-          <p:nvPr>
-            <p:ph type="body" idx="1"/>
-          </p:nvPr>
-        </p:nvSpPr>
-        <p:spPr>
-          <a:xfrm>
-            <a:off x="311700" y="1152475"/>
-            <a:ext cx="8520600" cy="3257700"/>
-          </a:xfrm>
-          <a:prstGeom prst="rect">
-            <a:avLst/>
-          </a:prstGeom>
-        </p:spPr>
-        <p:txBody>
-          <a:bodyPr spcFirstLastPara="1" wrap="square" lIns="91425" tIns="91425" rIns="91425" bIns="91425" anchor="t" anchorCtr="0">
-            <a:noAutofit/>
-          </a:bodyPr>
-          <a:lstStyle/>
-          <a:p>
-            <a:pPr marL="0" lvl="0" indent="0" algn="l" rtl="0">
-              <a:spcBef>
-                <a:spcPts val="0"/>
-              </a:spcBef>
-              <a:spcAft>
-                <a:spcPts val="0"/>
-              </a:spcAft>
-              <a:buNone/>
-            </a:pPr>
-            <a:r>
-              <a:rPr lang="en" dirty="0"/>
-              <a:t>Include Images and Flow charts</a:t>
-            </a:r>
-            <a:endParaRPr dirty="0"/>
-          </a:p>
-          <a:p>
-            <a:pPr marL="0" lvl="0" indent="0" algn="l" rtl="0">
-              <a:spcBef>
-                <a:spcPts val="1600"/>
-              </a:spcBef>
-              <a:spcAft>
-                <a:spcPts val="1600"/>
-              </a:spcAft>
-              <a:buNone/>
-            </a:pPr>
-            <a:endParaRPr dirty="0"/>
-          </a:p>
-        </p:txBody>
-      </p:sp>
-      <p:pic>
-        <p:nvPicPr>
-          <p:cNvPr id="81" name="Google Shape;81;p16"/>
-          <p:cNvPicPr preferRelativeResize="0"/>
-          <p:nvPr/>
-        </p:nvPicPr>
-        <p:blipFill>
-          <a:blip r:embed="rId3">
-            <a:alphaModFix/>
-          </a:blip>
-          <a:stretch>
-            <a:fillRect/>
-          </a:stretch>
-        </p:blipFill>
-        <p:spPr>
-          <a:xfrm>
-            <a:off x="7898868" y="152550"/>
-            <a:ext cx="1083283" cy="572699"/>
-          </a:xfrm>
-          <a:prstGeom prst="rect">
-            <a:avLst/>
-          </a:prstGeom>
-          <a:noFill/>
-          <a:ln>
-            <a:noFill/>
-          </a:ln>
-        </p:spPr>
-      </p:pic>
-      <p:pic>
-        <p:nvPicPr>
-          <p:cNvPr id="82" name="Google Shape;82;p16"/>
-          <p:cNvPicPr preferRelativeResize="0"/>
-          <p:nvPr/>
-        </p:nvPicPr>
-        <p:blipFill>
-          <a:blip r:embed="rId4">
-            <a:alphaModFix/>
-          </a:blip>
-          <a:stretch>
-            <a:fillRect/>
-          </a:stretch>
-        </p:blipFill>
-        <p:spPr>
-          <a:xfrm>
-            <a:off x="184824" y="152550"/>
-            <a:ext cx="717222" cy="572701"/>
-          </a:xfrm>
-          <a:prstGeom prst="rect">
-            <a:avLst/>
-          </a:prstGeom>
-          <a:noFill/>
-          <a:ln>
-            <a:noFill/>
-          </a:ln>
-        </p:spPr>
-      </p:pic>
-    </p:spTree>
-    <p:extLst>
-      <p:ext uri="{BB962C8B-B14F-4D97-AF65-F5344CB8AC3E}">
-        <p14:creationId xmlns:p14="http://schemas.microsoft.com/office/powerpoint/2010/main" val="702257606"/>
-      </p:ext>
-    </p:extLst>
   </p:cSld>
   <p:clrMapOvr>
     <a:masterClrMapping/>
@@ -10312,8 +8922,8 @@
         </p:nvSpPr>
         <p:spPr>
           <a:xfrm>
-            <a:off x="311700" y="1152475"/>
-            <a:ext cx="8520600" cy="3257700"/>
+            <a:off x="311700" y="725248"/>
+            <a:ext cx="8520600" cy="4265701"/>
           </a:xfrm>
           <a:prstGeom prst="rect">
             <a:avLst/>
@@ -10329,98 +8939,147 @@
               <a:buNone/>
             </a:pPr>
             <a:r>
-              <a:rPr lang="en-US" sz="1600" b="1" dirty="0"/>
+              <a:rPr lang="en-US" sz="1400" b="1" dirty="0"/>
               <a:t>Solving math using Python set 2.</a:t>
             </a:r>
-            <a:endParaRPr lang="en-IN" sz="1600" b="1" dirty="0"/>
+            <a:endParaRPr lang="en-IN" sz="1400" b="1" dirty="0"/>
           </a:p>
           <a:p>
             <a:pPr lvl="0">
               <a:buFont typeface="+mj-lt"/>
-              <a:buAutoNum type="arabicParenR"/>
+              <a:buAutoNum type="arabicPeriod"/>
             </a:pPr>
             <a:r>
-              <a:rPr lang="en-US" sz="1600" dirty="0"/>
+              <a:rPr lang="en-US" sz="1400" dirty="0"/>
               <a:t> Unit Converter.</a:t>
             </a:r>
-            <a:endParaRPr lang="en-IN" sz="1600" dirty="0"/>
+            <a:endParaRPr lang="en-IN" sz="1400" dirty="0"/>
           </a:p>
           <a:p>
             <a:pPr lvl="0">
               <a:buFont typeface="+mj-lt"/>
-              <a:buAutoNum type="arabicParenR"/>
+              <a:buAutoNum type="arabicPeriod"/>
+            </a:pPr>
+            <a:endParaRPr lang="en-US" sz="1400" dirty="0"/>
+          </a:p>
+          <a:p>
+            <a:pPr lvl="0">
+              <a:buFont typeface="+mj-lt"/>
+              <a:buAutoNum type="arabicPeriod"/>
             </a:pPr>
             <a:r>
-              <a:rPr lang="en-US" sz="1600" dirty="0"/>
+              <a:rPr lang="en-US" sz="1400" dirty="0"/>
               <a:t> Calculate a simple Quadratic Equation.</a:t>
             </a:r>
-            <a:endParaRPr lang="en-IN" sz="1600" dirty="0"/>
+            <a:endParaRPr lang="en-IN" sz="1400" dirty="0"/>
           </a:p>
           <a:p>
             <a:pPr lvl="0">
               <a:buFont typeface="+mj-lt"/>
-              <a:buAutoNum type="arabicParenR"/>
+              <a:buAutoNum type="arabicPeriod"/>
+            </a:pPr>
+            <a:endParaRPr lang="en-US" sz="1400" dirty="0"/>
+          </a:p>
+          <a:p>
+            <a:pPr lvl="0">
+              <a:buFont typeface="+mj-lt"/>
+              <a:buAutoNum type="arabicPeriod"/>
             </a:pPr>
             <a:r>
-              <a:rPr lang="en-US" sz="1600" dirty="0"/>
+              <a:rPr lang="en-US" sz="1400" dirty="0"/>
               <a:t> Find the largest element amongst the list.</a:t>
             </a:r>
-            <a:endParaRPr lang="en-IN" sz="1600" dirty="0"/>
+            <a:endParaRPr lang="en-IN" sz="1400" dirty="0"/>
           </a:p>
           <a:p>
             <a:pPr lvl="0">
               <a:buFont typeface="+mj-lt"/>
-              <a:buAutoNum type="arabicParenR"/>
+              <a:buAutoNum type="arabicPeriod"/>
+            </a:pPr>
+            <a:endParaRPr lang="en-US" sz="1400" dirty="0"/>
+          </a:p>
+          <a:p>
+            <a:pPr lvl="0">
+              <a:buFont typeface="+mj-lt"/>
+              <a:buAutoNum type="arabicPeriod"/>
             </a:pPr>
             <a:r>
-              <a:rPr lang="en-US" sz="1600" dirty="0"/>
+              <a:rPr lang="en-US" sz="1400" dirty="0"/>
               <a:t> Create a multiplication table, asking about which multiplication table user wants and till which number user wants to create the multiplication table.</a:t>
             </a:r>
-            <a:endParaRPr lang="en-IN" sz="1600" dirty="0"/>
+            <a:endParaRPr lang="en-IN" sz="1400" dirty="0"/>
           </a:p>
           <a:p>
             <a:pPr lvl="0">
               <a:buFont typeface="+mj-lt"/>
-              <a:buAutoNum type="arabicParenR"/>
+              <a:buAutoNum type="arabicPeriod"/>
+            </a:pPr>
+            <a:endParaRPr lang="en-US" sz="1400" dirty="0"/>
+          </a:p>
+          <a:p>
+            <a:pPr lvl="0">
+              <a:buFont typeface="+mj-lt"/>
+              <a:buAutoNum type="arabicPeriod"/>
             </a:pPr>
             <a:r>
-              <a:rPr lang="en-US" sz="1600" dirty="0"/>
+              <a:rPr lang="en-US" sz="1400" dirty="0"/>
               <a:t> Python program to convert Decimal to Binary, Octal and Hexadecimal and vice versa.</a:t>
             </a:r>
-            <a:endParaRPr lang="en-IN" sz="1600" dirty="0"/>
+            <a:endParaRPr lang="en-IN" sz="1400" dirty="0"/>
           </a:p>
           <a:p>
             <a:pPr lvl="0">
               <a:buFont typeface="+mj-lt"/>
-              <a:buAutoNum type="arabicParenR"/>
+              <a:buAutoNum type="arabicPeriod"/>
+            </a:pPr>
+            <a:endParaRPr lang="en-US" sz="1400" dirty="0"/>
+          </a:p>
+          <a:p>
+            <a:pPr lvl="0">
+              <a:buFont typeface="+mj-lt"/>
+              <a:buAutoNum type="arabicPeriod"/>
             </a:pPr>
             <a:r>
-              <a:rPr lang="en-US" sz="1600" dirty="0"/>
-              <a:t> Find Sum, Difference, Multiplication on a list and difference of 2 lists.</a:t>
+              <a:rPr lang="en-US" sz="1400" dirty="0"/>
+              <a:t>Find Sum, Difference, Multiplication on a list and difference of 2 lists.</a:t>
             </a:r>
-            <a:endParaRPr lang="en-IN" sz="1600" dirty="0"/>
+            <a:endParaRPr lang="en-IN" sz="1400" dirty="0"/>
           </a:p>
           <a:p>
             <a:pPr lvl="0">
               <a:buFont typeface="+mj-lt"/>
-              <a:buAutoNum type="arabicParenR"/>
+              <a:buAutoNum type="arabicPeriod"/>
+            </a:pPr>
+            <a:endParaRPr lang="en-US" sz="1400" dirty="0"/>
+          </a:p>
+          <a:p>
+            <a:pPr lvl="0">
+              <a:buFont typeface="+mj-lt"/>
+              <a:buAutoNum type="arabicPeriod"/>
             </a:pPr>
             <a:r>
-              <a:rPr lang="en-US" sz="1600" dirty="0"/>
+              <a:rPr lang="en-US" sz="1400" dirty="0"/>
               <a:t> Find whether a number is divisible by another number or not.</a:t>
             </a:r>
-            <a:endParaRPr lang="en-IN" sz="1600" dirty="0"/>
+            <a:endParaRPr lang="en-IN" sz="1400" dirty="0"/>
           </a:p>
           <a:p>
             <a:pPr lvl="0">
               <a:buFont typeface="+mj-lt"/>
-              <a:buAutoNum type="arabicParenR"/>
+              <a:buAutoNum type="arabicPeriod"/>
+            </a:pPr>
+            <a:endParaRPr lang="en-US" sz="1400" dirty="0"/>
+          </a:p>
+          <a:p>
+            <a:pPr lvl="0">
+              <a:buFont typeface="+mj-lt"/>
+              <a:buAutoNum type="arabicPeriod"/>
             </a:pPr>
             <a:r>
-              <a:rPr lang="en-US" sz="1600" dirty="0"/>
+              <a:rPr lang="en-US" sz="1400" dirty="0"/>
               <a:t> To check whether the number is an Armstrong number or not. </a:t>
             </a:r>
-            <a:endParaRPr lang="en-IN" sz="1600" dirty="0"/>
+            <a:endParaRPr lang="en-IN" sz="1400" dirty="0"/>
           </a:p>
           <a:p>
             <a:pPr marL="0" lvl="0" indent="0" algn="l" rtl="0">
@@ -10554,12 +9213,20 @@
           </a:bodyPr>
           <a:lstStyle/>
           <a:p>
-            <a:pPr lvl="0" algn="ctr"/>
+            <a:pPr marL="0" lvl="0" indent="0" algn="ctr" rtl="0">
+              <a:spcBef>
+                <a:spcPts val="0"/>
+              </a:spcBef>
+              <a:spcAft>
+                <a:spcPts val="0"/>
+              </a:spcAft>
+              <a:buNone/>
+            </a:pPr>
             <a:r>
-              <a:rPr lang="en" dirty="0"/>
-              <a:t>Topic Description</a:t>
+              <a:rPr lang="en"/>
+              <a:t>Abstract</a:t>
             </a:r>
-            <a:endParaRPr dirty="0"/>
+            <a:endParaRPr/>
           </a:p>
         </p:txBody>
       </p:sp>
@@ -10575,8 +9242,8 @@
         </p:nvSpPr>
         <p:spPr>
           <a:xfrm>
-            <a:off x="311700" y="1152475"/>
-            <a:ext cx="8520600" cy="3257700"/>
+            <a:off x="311700" y="725250"/>
+            <a:ext cx="8520600" cy="4265700"/>
           </a:xfrm>
           <a:prstGeom prst="rect">
             <a:avLst/>
@@ -10588,272 +9255,172 @@
           </a:bodyPr>
           <a:lstStyle/>
           <a:p>
-            <a:pPr marL="285750" indent="-285750">
-              <a:spcAft>
-                <a:spcPts val="1600"/>
-              </a:spcAft>
+            <a:pPr marL="114300" indent="0">
+              <a:buNone/>
             </a:pPr>
             <a:r>
-              <a:rPr lang="en-IN" sz="1600" dirty="0"/>
-              <a:t>In this coding project, we would be processing different numerical inputs, specifically a five type unit converter, simple quadratic equation solver, multiplication table calculator, number system converter, etc.</a:t>
-            </a:r>
-          </a:p>
-          <a:p>
-            <a:pPr marL="285750" indent="-285750">
-              <a:spcAft>
-                <a:spcPts val="1600"/>
-              </a:spcAft>
-            </a:pPr>
-            <a:r>
-              <a:rPr lang="en-IN" sz="1600" dirty="0"/>
-              <a:t>Outputs mainly would be the answers of the mathematical statements or as string statements, whether some input qualifies a condition or not. </a:t>
-            </a:r>
-          </a:p>
-          <a:p>
-            <a:pPr marL="0" lvl="0" indent="0" algn="l" rtl="0">
-              <a:spcBef>
-                <a:spcPts val="0"/>
-              </a:spcBef>
-              <a:spcAft>
-                <a:spcPts val="1600"/>
-              </a:spcAft>
-              <a:buNone/>
-            </a:pPr>
-            <a:endParaRPr dirty="0"/>
-          </a:p>
-        </p:txBody>
-      </p:sp>
-      <p:pic>
-        <p:nvPicPr>
-          <p:cNvPr id="73" name="Google Shape;73;p15"/>
-          <p:cNvPicPr preferRelativeResize="0"/>
-          <p:nvPr/>
-        </p:nvPicPr>
-        <p:blipFill>
-          <a:blip r:embed="rId3">
-            <a:alphaModFix/>
-          </a:blip>
-          <a:stretch>
-            <a:fillRect/>
-          </a:stretch>
-        </p:blipFill>
-        <p:spPr>
-          <a:xfrm>
-            <a:off x="7898868" y="152550"/>
-            <a:ext cx="1083283" cy="572699"/>
-          </a:xfrm>
-          <a:prstGeom prst="rect">
-            <a:avLst/>
-          </a:prstGeom>
-          <a:noFill/>
-          <a:ln>
-            <a:noFill/>
-          </a:ln>
-        </p:spPr>
-      </p:pic>
-      <p:pic>
-        <p:nvPicPr>
-          <p:cNvPr id="74" name="Google Shape;74;p15"/>
-          <p:cNvPicPr preferRelativeResize="0"/>
-          <p:nvPr/>
-        </p:nvPicPr>
-        <p:blipFill>
-          <a:blip r:embed="rId4">
-            <a:alphaModFix/>
-          </a:blip>
-          <a:stretch>
-            <a:fillRect/>
-          </a:stretch>
-        </p:blipFill>
-        <p:spPr>
-          <a:xfrm>
-            <a:off x="184824" y="152550"/>
-            <a:ext cx="717222" cy="572701"/>
-          </a:xfrm>
-          <a:prstGeom prst="rect">
-            <a:avLst/>
-          </a:prstGeom>
-          <a:noFill/>
-          <a:ln>
-            <a:noFill/>
-          </a:ln>
-        </p:spPr>
-      </p:pic>
-    </p:spTree>
-  </p:cSld>
-  <p:clrMapOvr>
-    <a:masterClrMapping/>
-  </p:clrMapOvr>
-  <mc:AlternateContent xmlns:mc="http://schemas.openxmlformats.org/markup-compatibility/2006" xmlns:p159="http://schemas.microsoft.com/office/powerpoint/2015/09/main">
-    <mc:Choice Requires="p159">
-      <p:transition xmlns:p14="http://schemas.microsoft.com/office/powerpoint/2010/main" spd="slow" p14:dur="2000">
-        <p159:morph option="byObject"/>
-      </p:transition>
-    </mc:Choice>
-    <mc:Fallback xmlns="">
-      <p:transition spd="slow">
-        <p:fade/>
-      </p:transition>
-    </mc:Fallback>
-  </mc:AlternateContent>
-</p:sld>
-</file>
-
-<file path=ppt/slides/slide4.xml><?xml version="1.0" encoding="utf-8"?>
-<p:sld xmlns:a="http://schemas.openxmlformats.org/drawingml/2006/main" xmlns:r="http://schemas.openxmlformats.org/officeDocument/2006/relationships" xmlns:p="http://schemas.openxmlformats.org/presentationml/2006/main">
-  <p:cSld>
-    <p:spTree>
-      <p:nvGrpSpPr>
-        <p:cNvPr id="1" name="Shape 70"/>
-        <p:cNvGrpSpPr/>
-        <p:nvPr/>
-      </p:nvGrpSpPr>
-      <p:grpSpPr>
-        <a:xfrm>
-          <a:off x="0" y="0"/>
-          <a:ext cx="0" cy="0"/>
-          <a:chOff x="0" y="0"/>
-          <a:chExt cx="0" cy="0"/>
-        </a:xfrm>
-      </p:grpSpPr>
-      <p:sp>
-        <p:nvSpPr>
-          <p:cNvPr id="71" name="Google Shape;71;p15"/>
-          <p:cNvSpPr txBox="1">
-            <a:spLocks noGrp="1"/>
-          </p:cNvSpPr>
-          <p:nvPr>
-            <p:ph type="title"/>
-          </p:nvPr>
-        </p:nvSpPr>
-        <p:spPr>
-          <a:xfrm>
-            <a:off x="311700" y="152550"/>
-            <a:ext cx="8520600" cy="572700"/>
-          </a:xfrm>
-          <a:prstGeom prst="rect">
-            <a:avLst/>
-          </a:prstGeom>
-        </p:spPr>
-        <p:txBody>
-          <a:bodyPr spcFirstLastPara="1" wrap="square" lIns="91425" tIns="91425" rIns="91425" bIns="91425" anchor="t" anchorCtr="0">
-            <a:noAutofit/>
-          </a:bodyPr>
-          <a:lstStyle/>
-          <a:p>
-            <a:pPr marL="0" lvl="0" indent="0" algn="ctr" rtl="0">
-              <a:spcBef>
-                <a:spcPts val="0"/>
-              </a:spcBef>
-              <a:spcAft>
-                <a:spcPts val="0"/>
-              </a:spcAft>
-              <a:buNone/>
-            </a:pPr>
-            <a:r>
-              <a:rPr lang="en"/>
-              <a:t>Abstract</a:t>
-            </a:r>
-            <a:endParaRPr/>
-          </a:p>
-        </p:txBody>
-      </p:sp>
-      <p:sp>
-        <p:nvSpPr>
-          <p:cNvPr id="72" name="Google Shape;72;p15"/>
-          <p:cNvSpPr txBox="1">
-            <a:spLocks noGrp="1"/>
-          </p:cNvSpPr>
-          <p:nvPr>
-            <p:ph type="body" idx="1"/>
-          </p:nvPr>
-        </p:nvSpPr>
-        <p:spPr>
-          <a:xfrm>
-            <a:off x="311700" y="1152474"/>
-            <a:ext cx="8520600" cy="3838475"/>
-          </a:xfrm>
-          <a:prstGeom prst="rect">
-            <a:avLst/>
-          </a:prstGeom>
-        </p:spPr>
-        <p:txBody>
-          <a:bodyPr spcFirstLastPara="1" wrap="square" lIns="91425" tIns="91425" rIns="91425" bIns="91425" anchor="t" anchorCtr="0">
-            <a:noAutofit/>
-          </a:bodyPr>
-          <a:lstStyle/>
-          <a:p>
-            <a:pPr marL="114300" indent="0">
-              <a:buNone/>
-            </a:pPr>
-            <a:r>
-              <a:rPr lang="en-IN" sz="1600" b="1" dirty="0"/>
-              <a:t>Workflow:</a:t>
-            </a:r>
-          </a:p>
-          <a:p>
-            <a:pPr marL="114300" indent="0">
-              <a:buNone/>
-            </a:pPr>
-            <a:r>
-              <a:rPr lang="en-IN" sz="1600" dirty="0"/>
-              <a:t>Since our project has many sub-topics, we would be using a myriad of modules as listed below: </a:t>
-            </a:r>
-          </a:p>
-          <a:p>
-            <a:pPr marL="114300" indent="0">
-              <a:buNone/>
-            </a:pPr>
-            <a:endParaRPr lang="en-IN" sz="1600" dirty="0"/>
-          </a:p>
-          <a:p>
-            <a:pPr marL="114300" indent="0">
-              <a:buNone/>
-            </a:pPr>
-            <a:r>
-              <a:rPr lang="en-IN" sz="1600" dirty="0"/>
+              <a:rPr lang="en-IN" sz="1400" dirty="0"/>
               <a:t>1)  </a:t>
             </a:r>
             <a:r>
-              <a:rPr lang="en-IN" sz="1600" b="1" i="1" dirty="0"/>
+              <a:rPr lang="en-IN" sz="1400" b="1" i="1" dirty="0"/>
               <a:t>Five type unit converter: </a:t>
             </a:r>
             <a:r>
-              <a:rPr lang="en-IN" sz="1600" dirty="0"/>
-              <a:t>This one will have a sub-menu list for the exact type of conversion you’d like to perform. Input would be a numerical measurement and output would be a number converted into the desired unit. The five provided conversions are:- (1) Kilometre to Mile, (2) Celsius to Fahrenheit, (3) Feet to Metre, (4) Pounds to Kilograms, and (5) USD to INR. </a:t>
+              <a:rPr lang="en-IN" sz="1400" dirty="0"/>
+              <a:t>(1) Kilometre to Mile, (2) Celsius to Fahrenheit, (3) Feet to Metre, (4) Pounds to Kilograms, (5) USD to INR. </a:t>
             </a:r>
           </a:p>
           <a:p>
             <a:pPr marL="114300" indent="0">
               <a:buNone/>
             </a:pPr>
-            <a:endParaRPr lang="en-IN" sz="1600" dirty="0"/>
+            <a:endParaRPr lang="en-IN" sz="1400" dirty="0"/>
           </a:p>
           <a:p>
             <a:pPr marL="114300" indent="0">
               <a:buNone/>
             </a:pPr>
             <a:r>
-              <a:rPr lang="en-IN" sz="1600" dirty="0"/>
+              <a:rPr lang="en-IN" sz="1400" dirty="0"/>
               <a:t>2)  </a:t>
             </a:r>
             <a:r>
-              <a:rPr lang="en-IN" sz="1600" b="1" i="1" dirty="0"/>
-              <a:t>Simple Quadratic eq. solver: </a:t>
+              <a:rPr lang="en-IN" sz="1400" b="1" i="1" dirty="0"/>
+              <a:t>Simple Quadratic eq. solver</a:t>
+            </a:r>
+            <a:endParaRPr lang="en-IN" sz="1400" i="1" dirty="0"/>
+          </a:p>
+          <a:p>
+            <a:pPr marL="114300" indent="0">
+              <a:buNone/>
+            </a:pPr>
+            <a:endParaRPr lang="en-IN" sz="1400" i="1" dirty="0"/>
+          </a:p>
+          <a:p>
+            <a:pPr marL="114300" indent="0">
+              <a:buNone/>
+            </a:pPr>
+            <a:r>
+              <a:rPr lang="en-IN" sz="1400" i="1" dirty="0"/>
+              <a:t>3) </a:t>
             </a:r>
             <a:r>
-              <a:rPr lang="en-IN" sz="1600" dirty="0"/>
-              <a:t>This code would solve any type of quadratic equation. Inputs would be coefficients of the equation in proper order, entered by adding a space between each new coefficient and output would be the roots. </a:t>
+              <a:rPr lang="en-IN" sz="1400" b="1" i="1" dirty="0"/>
+              <a:t>Largest element from list</a:t>
             </a:r>
-          </a:p>
-          <a:p>
-            <a:pPr marL="0" lvl="0" indent="0" algn="l" rtl="0">
-              <a:spcBef>
-                <a:spcPts val="0"/>
-              </a:spcBef>
-              <a:spcAft>
-                <a:spcPts val="1600"/>
-              </a:spcAft>
+            <a:endParaRPr lang="en-IN" sz="1400" dirty="0"/>
+          </a:p>
+          <a:p>
+            <a:pPr marL="114300" indent="0">
+              <a:buNone/>
+            </a:pPr>
+            <a:endParaRPr lang="en-IN" sz="1400" dirty="0"/>
+          </a:p>
+          <a:p>
+            <a:pPr marL="114300" indent="0">
+              <a:buNone/>
+            </a:pPr>
+            <a:r>
+              <a:rPr lang="en-IN" sz="1400" dirty="0"/>
+              <a:t>4)  </a:t>
+            </a:r>
+            <a:r>
+              <a:rPr lang="en-IN" sz="1400" b="1" i="1" dirty="0"/>
+              <a:t>Multiplication table</a:t>
+            </a:r>
+            <a:endParaRPr lang="en-IN" sz="1400" dirty="0"/>
+          </a:p>
+          <a:p>
+            <a:pPr marL="114300" indent="0">
+              <a:buNone/>
+            </a:pPr>
+            <a:endParaRPr lang="en-IN" sz="1400" dirty="0"/>
+          </a:p>
+          <a:p>
+            <a:pPr marL="114300" indent="0">
+              <a:buNone/>
+            </a:pPr>
+            <a:r>
+              <a:rPr lang="en-IN" sz="1400" dirty="0"/>
+              <a:t>5)  </a:t>
+            </a:r>
+            <a:r>
+              <a:rPr lang="en-IN" sz="1400" b="1" i="1" dirty="0"/>
+              <a:t>Number system converter</a:t>
+            </a:r>
+          </a:p>
+          <a:p>
+            <a:pPr marL="114300" indent="0">
+              <a:buNone/>
+            </a:pPr>
+            <a:endParaRPr lang="en-IN" sz="1400" dirty="0"/>
+          </a:p>
+          <a:p>
+            <a:pPr marL="114300" indent="0">
+              <a:buNone/>
+            </a:pPr>
+            <a:r>
+              <a:rPr lang="en-IN" sz="1400" dirty="0"/>
+              <a:t>6)  </a:t>
+            </a:r>
+            <a:r>
+              <a:rPr lang="en-IN" sz="1400" b="1" i="1" dirty="0"/>
+              <a:t>Mathematical operations on a list:</a:t>
+            </a:r>
+            <a:r>
+              <a:rPr lang="en-IN" sz="1400" dirty="0"/>
+              <a:t> (1) addition, (2) subtraction, (3) multiplication (4) difference with 2 lists operations.</a:t>
+            </a:r>
+          </a:p>
+          <a:p>
+            <a:pPr marL="114300" indent="0">
+              <a:buNone/>
+            </a:pPr>
+            <a:endParaRPr lang="en-IN" sz="1400" dirty="0"/>
+          </a:p>
+          <a:p>
+            <a:pPr marL="114300" indent="0">
+              <a:buNone/>
+            </a:pPr>
+            <a:r>
+              <a:rPr lang="en-IN" sz="1400" dirty="0"/>
+              <a:t>7)  </a:t>
+            </a:r>
+            <a:r>
+              <a:rPr lang="en-IN" sz="1400" b="1" i="1" dirty="0"/>
+              <a:t>Divisibility test</a:t>
+            </a:r>
+            <a:endParaRPr lang="en-IN" sz="1400" dirty="0"/>
+          </a:p>
+          <a:p>
+            <a:pPr marL="114300" indent="0">
+              <a:buNone/>
+            </a:pPr>
+            <a:endParaRPr lang="en-IN" sz="1400" dirty="0"/>
+          </a:p>
+          <a:p>
+            <a:pPr marL="114300" indent="0">
+              <a:buNone/>
+            </a:pPr>
+            <a:r>
+              <a:rPr lang="en-IN" sz="1400" dirty="0"/>
+              <a:t>8)  </a:t>
+            </a:r>
+            <a:r>
+              <a:rPr lang="en-IN" sz="1400" b="1" i="1" dirty="0"/>
+              <a:t>Armstrong number</a:t>
+            </a:r>
+            <a:endParaRPr lang="en-IN" sz="1400" dirty="0"/>
+          </a:p>
+          <a:p>
+            <a:pPr marL="114300" indent="0">
+              <a:buNone/>
+            </a:pPr>
+            <a:endParaRPr lang="en-IN" dirty="0"/>
+          </a:p>
+          <a:p>
+            <a:pPr marL="114300" indent="0">
               <a:buNone/>
             </a:pPr>
             <a:endParaRPr dirty="0"/>
@@ -10941,12 +9508,12 @@
 </p:sld>
 </file>
 
-<file path=ppt/slides/slide5.xml><?xml version="1.0" encoding="utf-8"?>
+<file path=ppt/slides/slide4.xml><?xml version="1.0" encoding="utf-8"?>
 <p:sld xmlns:a="http://schemas.openxmlformats.org/drawingml/2006/main" xmlns:r="http://schemas.openxmlformats.org/officeDocument/2006/relationships" xmlns:p="http://schemas.openxmlformats.org/presentationml/2006/main">
   <p:cSld>
     <p:spTree>
       <p:nvGrpSpPr>
-        <p:cNvPr id="1" name="Shape 70"/>
+        <p:cNvPr id="1" name="Shape 78"/>
         <p:cNvGrpSpPr/>
         <p:nvPr/>
       </p:nvGrpSpPr>
@@ -10960,7 +9527,7 @@
       </p:grpSpPr>
       <p:sp>
         <p:nvSpPr>
-          <p:cNvPr id="71" name="Google Shape;71;p15"/>
+          <p:cNvPr id="79" name="Google Shape;79;p16"/>
           <p:cNvSpPr txBox="1">
             <a:spLocks noGrp="1"/>
           </p:cNvSpPr>
@@ -10990,19 +9557,36 @@
               <a:spcAft>
                 <a:spcPts val="0"/>
               </a:spcAft>
+              <a:buClr>
+                <a:schemeClr val="dk1"/>
+              </a:buClr>
+              <a:buSzPts val="1100"/>
+              <a:buFont typeface="Arial"/>
               <a:buNone/>
             </a:pPr>
             <a:r>
-              <a:rPr lang="en"/>
-              <a:t>Abstract</a:t>
+              <a:rPr lang="en" dirty="0"/>
+              <a:t>Detail Project Workflow</a:t>
             </a:r>
-            <a:endParaRPr/>
+            <a:endParaRPr dirty="0"/>
+          </a:p>
+          <a:p>
+            <a:pPr marL="0" lvl="0" indent="0" algn="ctr" rtl="0">
+              <a:spcBef>
+                <a:spcPts val="0"/>
+              </a:spcBef>
+              <a:spcAft>
+                <a:spcPts val="0"/>
+              </a:spcAft>
+              <a:buNone/>
+            </a:pPr>
+            <a:endParaRPr dirty="0"/>
           </a:p>
         </p:txBody>
       </p:sp>
       <p:sp>
         <p:nvSpPr>
-          <p:cNvPr id="72" name="Google Shape;72;p15"/>
+          <p:cNvPr id="80" name="Google Shape;80;p16"/>
           <p:cNvSpPr txBox="1">
             <a:spLocks noGrp="1"/>
           </p:cNvSpPr>
@@ -11012,8 +9596,8 @@
         </p:nvSpPr>
         <p:spPr>
           <a:xfrm>
-            <a:off x="311700" y="1152474"/>
-            <a:ext cx="8520600" cy="3838475"/>
+            <a:off x="311700" y="1152475"/>
+            <a:ext cx="8520600" cy="3257700"/>
           </a:xfrm>
           <a:prstGeom prst="rect">
             <a:avLst/>
@@ -11025,72 +9609,48 @@
           </a:bodyPr>
           <a:lstStyle/>
           <a:p>
-            <a:pPr marL="114300" indent="0">
+            <a:pPr marL="0" indent="0">
               <a:buNone/>
             </a:pPr>
             <a:r>
-              <a:rPr lang="en-IN" sz="1600" i="1" dirty="0"/>
-              <a:t>3) </a:t>
+              <a:rPr lang="en-US" sz="1600" b="1" dirty="0"/>
+              <a:t>Main function flow:</a:t>
             </a:r>
+          </a:p>
+          <a:p>
+            <a:pPr marL="285750" indent="-285750"/>
             <a:r>
-              <a:rPr lang="en-IN" sz="1600" b="1" i="1" dirty="0"/>
-              <a:t>Largest element from list: </a:t>
+              <a:rPr lang="en-US" sz="1600" dirty="0"/>
+              <a:t>We have created a main menu with all the 8 problem statements’ requirements along with an additional option to end the program. </a:t>
             </a:r>
+          </a:p>
+          <a:p>
+            <a:pPr marL="285750" indent="-285750"/>
+            <a:endParaRPr lang="en-US" sz="1600" dirty="0"/>
+          </a:p>
+          <a:p>
+            <a:pPr marL="285750" indent="-285750"/>
             <a:r>
-              <a:rPr lang="en-IN" sz="1600" dirty="0"/>
-              <a:t>Here we would accept a list from the user and output the largest number of that list. </a:t>
+              <a:rPr lang="en-US" sz="1600" dirty="0"/>
+              <a:t>Every time the user choose an option number, he is re-directed to the appropriate function and further respective process takes place. If the input isn’t a valid option number, an error message prints and prompts the user to re-enter the same.</a:t>
             </a:r>
           </a:p>
           <a:p>
-            <a:pPr marL="114300" indent="0">
-              <a:buNone/>
-            </a:pPr>
-            <a:endParaRPr lang="en-IN" sz="1600" dirty="0"/>
-          </a:p>
-          <a:p>
-            <a:pPr marL="114300" indent="0">
-              <a:buNone/>
-            </a:pPr>
+            <a:pPr marL="285750" indent="-285750"/>
+            <a:endParaRPr lang="en-US" sz="1600" dirty="0"/>
+          </a:p>
+          <a:p>
+            <a:pPr marL="285750" indent="-285750"/>
             <a:r>
-              <a:rPr lang="en-IN" sz="1600" dirty="0"/>
-              <a:t>4)  </a:t>
+              <a:rPr lang="en-US" sz="1600" dirty="0"/>
+              <a:t>After the respective processing takes place in the function, output is printed, and again the user is re-directed to the main menu. This is developed with a view that the user can use the code as many times as he desires before he chooses to exit.</a:t>
             </a:r>
-            <a:r>
-              <a:rPr lang="en-IN" sz="1600" b="1" i="1" dirty="0"/>
-              <a:t>Multiplication table: </a:t>
-            </a:r>
-            <a:r>
-              <a:rPr lang="en-IN" sz="1600" dirty="0"/>
-              <a:t>Here we would be accepting 2 integers, one for the number whose table is desired, and second, the integer until which the products are expected. Output would be in a detailed multiplication table format. </a:t>
-            </a:r>
-          </a:p>
-          <a:p>
-            <a:pPr marL="114300" indent="0">
-              <a:buNone/>
-            </a:pPr>
-            <a:endParaRPr lang="en-IN" sz="1600" dirty="0"/>
-          </a:p>
-          <a:p>
-            <a:pPr marL="114300" indent="0">
-              <a:buNone/>
-            </a:pPr>
-            <a:r>
-              <a:rPr lang="en-IN" sz="1600" dirty="0"/>
-              <a:t>5)  </a:t>
-            </a:r>
-            <a:r>
-              <a:rPr lang="en-IN" sz="1600" b="1" i="1" dirty="0"/>
-              <a:t>Number system converter: </a:t>
-            </a:r>
-            <a:r>
-              <a:rPr lang="en-IN" sz="1600" dirty="0"/>
-              <a:t>This script will convert decimal into binary, octal, and hexadecimal and vice-versa. This again, would have a sub-menu for the 6 possible types. The input would be in the desired number system and the output would be processed according to the user’s needs. </a:t>
-            </a:r>
+            <a:endParaRPr sz="1600" dirty="0"/>
           </a:p>
           <a:p>
             <a:pPr marL="0" lvl="0" indent="0" algn="l" rtl="0">
               <a:spcBef>
-                <a:spcPts val="0"/>
+                <a:spcPts val="1600"/>
               </a:spcBef>
               <a:spcAft>
                 <a:spcPts val="1600"/>
@@ -11103,7 +9663,7 @@
       </p:sp>
       <p:pic>
         <p:nvPicPr>
-          <p:cNvPr id="73" name="Google Shape;73;p15"/>
+          <p:cNvPr id="81" name="Google Shape;81;p16"/>
           <p:cNvPicPr preferRelativeResize="0"/>
           <p:nvPr/>
         </p:nvPicPr>
@@ -11131,7 +9691,7 @@
       </p:pic>
       <p:pic>
         <p:nvPicPr>
-          <p:cNvPr id="74" name="Google Shape;74;p15"/>
+          <p:cNvPr id="82" name="Google Shape;82;p16"/>
           <p:cNvPicPr preferRelativeResize="0"/>
           <p:nvPr/>
         </p:nvPicPr>
@@ -11160,7 +9720,236 @@
     </p:spTree>
     <p:extLst>
       <p:ext uri="{BB962C8B-B14F-4D97-AF65-F5344CB8AC3E}">
-        <p14:creationId xmlns:p14="http://schemas.microsoft.com/office/powerpoint/2010/main" val="4252866321"/>
+        <p14:creationId xmlns:p14="http://schemas.microsoft.com/office/powerpoint/2010/main" val="3252490676"/>
+      </p:ext>
+    </p:extLst>
+  </p:cSld>
+  <p:clrMapOvr>
+    <a:masterClrMapping/>
+  </p:clrMapOvr>
+  <mc:AlternateContent xmlns:mc="http://schemas.openxmlformats.org/markup-compatibility/2006" xmlns:p159="http://schemas.microsoft.com/office/powerpoint/2015/09/main">
+    <mc:Choice Requires="p159">
+      <p:transition xmlns:p14="http://schemas.microsoft.com/office/powerpoint/2010/main" spd="slow" p14:dur="2000">
+        <p159:morph option="byObject"/>
+      </p:transition>
+    </mc:Choice>
+    <mc:Fallback xmlns="">
+      <p:transition spd="slow">
+        <p:fade/>
+      </p:transition>
+    </mc:Fallback>
+  </mc:AlternateContent>
+</p:sld>
+</file>
+
+<file path=ppt/slides/slide5.xml><?xml version="1.0" encoding="utf-8"?>
+<p:sld xmlns:a="http://schemas.openxmlformats.org/drawingml/2006/main" xmlns:r="http://schemas.openxmlformats.org/officeDocument/2006/relationships" xmlns:p="http://schemas.openxmlformats.org/presentationml/2006/main">
+  <p:cSld>
+    <p:spTree>
+      <p:nvGrpSpPr>
+        <p:cNvPr id="1" name="Shape 78"/>
+        <p:cNvGrpSpPr/>
+        <p:nvPr/>
+      </p:nvGrpSpPr>
+      <p:grpSpPr>
+        <a:xfrm>
+          <a:off x="0" y="0"/>
+          <a:ext cx="0" cy="0"/>
+          <a:chOff x="0" y="0"/>
+          <a:chExt cx="0" cy="0"/>
+        </a:xfrm>
+      </p:grpSpPr>
+      <p:sp>
+        <p:nvSpPr>
+          <p:cNvPr id="79" name="Google Shape;79;p16"/>
+          <p:cNvSpPr txBox="1">
+            <a:spLocks noGrp="1"/>
+          </p:cNvSpPr>
+          <p:nvPr>
+            <p:ph type="title"/>
+          </p:nvPr>
+        </p:nvSpPr>
+        <p:spPr>
+          <a:xfrm>
+            <a:off x="311700" y="152550"/>
+            <a:ext cx="8520600" cy="572700"/>
+          </a:xfrm>
+          <a:prstGeom prst="rect">
+            <a:avLst/>
+          </a:prstGeom>
+        </p:spPr>
+        <p:txBody>
+          <a:bodyPr spcFirstLastPara="1" wrap="square" lIns="91425" tIns="91425" rIns="91425" bIns="91425" anchor="t" anchorCtr="0">
+            <a:noAutofit/>
+          </a:bodyPr>
+          <a:lstStyle/>
+          <a:p>
+            <a:pPr marL="0" lvl="0" indent="0" rtl="0">
+              <a:spcBef>
+                <a:spcPts val="0"/>
+              </a:spcBef>
+              <a:spcAft>
+                <a:spcPts val="0"/>
+              </a:spcAft>
+              <a:buClr>
+                <a:schemeClr val="dk1"/>
+              </a:buClr>
+              <a:buSzPts val="1100"/>
+              <a:buFont typeface="Arial"/>
+              <a:buNone/>
+            </a:pPr>
+            <a:r>
+              <a:rPr lang="en" dirty="0"/>
+              <a:t>       </a:t>
+            </a:r>
+            <a:r>
+              <a:rPr lang="en" sz="1600" dirty="0"/>
+              <a:t>1) Unit convertor</a:t>
+            </a:r>
+            <a:endParaRPr sz="1600" dirty="0"/>
+          </a:p>
+          <a:p>
+            <a:pPr marL="0" lvl="0" indent="0" algn="ctr" rtl="0">
+              <a:spcBef>
+                <a:spcPts val="0"/>
+              </a:spcBef>
+              <a:spcAft>
+                <a:spcPts val="0"/>
+              </a:spcAft>
+              <a:buNone/>
+            </a:pPr>
+            <a:endParaRPr dirty="0"/>
+          </a:p>
+        </p:txBody>
+      </p:sp>
+      <p:sp>
+        <p:nvSpPr>
+          <p:cNvPr id="80" name="Google Shape;80;p16"/>
+          <p:cNvSpPr txBox="1">
+            <a:spLocks noGrp="1"/>
+          </p:cNvSpPr>
+          <p:nvPr>
+            <p:ph type="body" idx="1"/>
+          </p:nvPr>
+        </p:nvSpPr>
+        <p:spPr>
+          <a:xfrm>
+            <a:off x="311700" y="1152475"/>
+            <a:ext cx="8520600" cy="3257700"/>
+          </a:xfrm>
+          <a:prstGeom prst="rect">
+            <a:avLst/>
+          </a:prstGeom>
+        </p:spPr>
+        <p:txBody>
+          <a:bodyPr spcFirstLastPara="1" wrap="square" lIns="91425" tIns="91425" rIns="91425" bIns="91425" anchor="t" anchorCtr="0">
+            <a:noAutofit/>
+          </a:bodyPr>
+          <a:lstStyle/>
+          <a:p>
+            <a:pPr marL="0" lvl="0" indent="0" algn="l" rtl="0">
+              <a:spcBef>
+                <a:spcPts val="0"/>
+              </a:spcBef>
+              <a:spcAft>
+                <a:spcPts val="0"/>
+              </a:spcAft>
+              <a:buNone/>
+            </a:pPr>
+            <a:endParaRPr dirty="0"/>
+          </a:p>
+        </p:txBody>
+      </p:sp>
+      <p:pic>
+        <p:nvPicPr>
+          <p:cNvPr id="81" name="Google Shape;81;p16"/>
+          <p:cNvPicPr preferRelativeResize="0"/>
+          <p:nvPr/>
+        </p:nvPicPr>
+        <p:blipFill>
+          <a:blip r:embed="rId3">
+            <a:alphaModFix/>
+          </a:blip>
+          <a:stretch>
+            <a:fillRect/>
+          </a:stretch>
+        </p:blipFill>
+        <p:spPr>
+          <a:xfrm>
+            <a:off x="7898868" y="152550"/>
+            <a:ext cx="1083283" cy="572699"/>
+          </a:xfrm>
+          <a:prstGeom prst="rect">
+            <a:avLst/>
+          </a:prstGeom>
+          <a:noFill/>
+          <a:ln>
+            <a:noFill/>
+          </a:ln>
+        </p:spPr>
+      </p:pic>
+      <p:pic>
+        <p:nvPicPr>
+          <p:cNvPr id="82" name="Google Shape;82;p16"/>
+          <p:cNvPicPr preferRelativeResize="0"/>
+          <p:nvPr/>
+        </p:nvPicPr>
+        <p:blipFill>
+          <a:blip r:embed="rId4">
+            <a:alphaModFix/>
+          </a:blip>
+          <a:stretch>
+            <a:fillRect/>
+          </a:stretch>
+        </p:blipFill>
+        <p:spPr>
+          <a:xfrm>
+            <a:off x="184824" y="152550"/>
+            <a:ext cx="717222" cy="572701"/>
+          </a:xfrm>
+          <a:prstGeom prst="rect">
+            <a:avLst/>
+          </a:prstGeom>
+          <a:noFill/>
+          <a:ln>
+            <a:noFill/>
+          </a:ln>
+        </p:spPr>
+      </p:pic>
+      <p:pic>
+        <p:nvPicPr>
+          <p:cNvPr id="3" name="Picture 2">
+            <a:extLst>
+              <a:ext uri="{FF2B5EF4-FFF2-40B4-BE49-F238E27FC236}">
+                <a16:creationId xmlns:a16="http://schemas.microsoft.com/office/drawing/2014/main" id="{26644EDB-0168-8F4C-9152-642751372011}"/>
+              </a:ext>
+            </a:extLst>
+          </p:cNvPr>
+          <p:cNvPicPr>
+            <a:picLocks noChangeAspect="1"/>
+          </p:cNvPicPr>
+          <p:nvPr/>
+        </p:nvPicPr>
+        <p:blipFill>
+          <a:blip r:embed="rId5"/>
+          <a:stretch>
+            <a:fillRect/>
+          </a:stretch>
+        </p:blipFill>
+        <p:spPr>
+          <a:xfrm>
+            <a:off x="1892300" y="787478"/>
+            <a:ext cx="4645660" cy="4216322"/>
+          </a:xfrm>
+          <a:prstGeom prst="rect">
+            <a:avLst/>
+          </a:prstGeom>
+        </p:spPr>
+      </p:pic>
+    </p:spTree>
+    <p:extLst>
+      <p:ext uri="{BB962C8B-B14F-4D97-AF65-F5344CB8AC3E}">
+        <p14:creationId xmlns:p14="http://schemas.microsoft.com/office/powerpoint/2010/main" val="2564917211"/>
       </p:ext>
     </p:extLst>
   </p:cSld>
@@ -11187,7 +9976,7 @@
   <p:cSld>
     <p:spTree>
       <p:nvGrpSpPr>
-        <p:cNvPr id="1" name="Shape 70"/>
+        <p:cNvPr id="1" name="Shape 78"/>
         <p:cNvGrpSpPr/>
         <p:nvPr/>
       </p:nvGrpSpPr>
@@ -11201,7 +9990,7 @@
       </p:grpSpPr>
       <p:sp>
         <p:nvSpPr>
-          <p:cNvPr id="71" name="Google Shape;71;p15"/>
+          <p:cNvPr id="79" name="Google Shape;79;p16"/>
           <p:cNvSpPr txBox="1">
             <a:spLocks noGrp="1"/>
           </p:cNvSpPr>
@@ -11224,26 +10013,47 @@
           </a:bodyPr>
           <a:lstStyle/>
           <a:p>
-            <a:pPr marL="0" lvl="0" indent="0" algn="ctr" rtl="0">
-              <a:spcBef>
-                <a:spcPts val="0"/>
-              </a:spcBef>
-              <a:spcAft>
-                <a:spcPts val="0"/>
-              </a:spcAft>
+            <a:pPr marL="0" lvl="0" indent="0" rtl="0">
+              <a:spcBef>
+                <a:spcPts val="0"/>
+              </a:spcBef>
+              <a:spcAft>
+                <a:spcPts val="0"/>
+              </a:spcAft>
+              <a:buClr>
+                <a:schemeClr val="dk1"/>
+              </a:buClr>
+              <a:buSzPts val="1100"/>
+              <a:buFont typeface="Arial"/>
               <a:buNone/>
             </a:pPr>
             <a:r>
-              <a:rPr lang="en" dirty="0"/>
-              <a:t>Abstract</a:t>
+              <a:rPr lang="en-US" dirty="0"/>
+              <a:t>       </a:t>
             </a:r>
+            <a:r>
+              <a:rPr lang="en-US" sz="1600" dirty="0"/>
+              <a:t>2) Quadratic equation solver</a:t>
+            </a:r>
+            <a:endParaRPr sz="1600" dirty="0"/>
+          </a:p>
+          <a:p>
+            <a:pPr marL="0" lvl="0" indent="0" algn="ctr" rtl="0">
+              <a:spcBef>
+                <a:spcPts val="0"/>
+              </a:spcBef>
+              <a:spcAft>
+                <a:spcPts val="0"/>
+              </a:spcAft>
+              <a:buNone/>
+            </a:pPr>
             <a:endParaRPr dirty="0"/>
           </a:p>
         </p:txBody>
       </p:sp>
       <p:sp>
         <p:nvSpPr>
-          <p:cNvPr id="72" name="Google Shape;72;p15"/>
+          <p:cNvPr id="80" name="Google Shape;80;p16"/>
           <p:cNvSpPr txBox="1">
             <a:spLocks noGrp="1"/>
           </p:cNvSpPr>
@@ -11253,8 +10063,8 @@
         </p:nvSpPr>
         <p:spPr>
           <a:xfrm>
-            <a:off x="311700" y="900225"/>
-            <a:ext cx="8520600" cy="3838475"/>
+            <a:off x="311700" y="1152475"/>
+            <a:ext cx="8520600" cy="3257700"/>
           </a:xfrm>
           <a:prstGeom prst="rect">
             <a:avLst/>
@@ -11266,87 +10076,21 @@
           </a:bodyPr>
           <a:lstStyle/>
           <a:p>
-            <a:pPr marL="114300" indent="0">
+            <a:pPr marL="0" lvl="0" indent="0" algn="l" rtl="0">
+              <a:spcBef>
+                <a:spcPts val="0"/>
+              </a:spcBef>
+              <a:spcAft>
+                <a:spcPts val="0"/>
+              </a:spcAft>
               <a:buNone/>
             </a:pPr>
-            <a:r>
-              <a:rPr lang="en-IN" sz="1500" dirty="0"/>
-              <a:t>6)  </a:t>
-            </a:r>
-            <a:r>
-              <a:rPr lang="en-IN" sz="1500" b="1" i="1" dirty="0"/>
-              <a:t>Mathematical operations on a list: </a:t>
-            </a:r>
-            <a:r>
-              <a:rPr lang="en-IN" sz="1500" dirty="0"/>
-              <a:t>Here, we will have a sub-menu for addition, subtraction, multiplication, and difference with 2 lists operations. Input will be a list and the output would be the number achieved by carrying out the desired operation on the list’s elements. For the difference with 2 lists option, the input would be 2 lists of the same length and the output will be a list having corresponding elements’ difference in proper order. </a:t>
-            </a:r>
-          </a:p>
-          <a:p>
-            <a:pPr marL="114300" indent="0">
-              <a:buNone/>
-            </a:pPr>
-            <a:endParaRPr lang="en-IN" sz="1500" dirty="0"/>
-          </a:p>
-          <a:p>
-            <a:pPr marL="114300" indent="0">
-              <a:buNone/>
-            </a:pPr>
-            <a:r>
-              <a:rPr lang="en-IN" sz="1500" dirty="0"/>
-              <a:t>7)  </a:t>
-            </a:r>
-            <a:r>
-              <a:rPr lang="en-IN" sz="1500" b="1" i="1" dirty="0"/>
-              <a:t>Divisibility test: </a:t>
-            </a:r>
-            <a:r>
-              <a:rPr lang="en-IN" sz="1500" dirty="0"/>
-              <a:t>Here we will be inputting two integers. The output would be a string telling whether the other number is its divisor or otherwise. </a:t>
-            </a:r>
-          </a:p>
-          <a:p>
-            <a:pPr marL="114300" indent="0">
-              <a:buNone/>
-            </a:pPr>
-            <a:endParaRPr lang="en-IN" sz="1500" dirty="0"/>
-          </a:p>
-          <a:p>
-            <a:pPr marL="114300" indent="0">
-              <a:buNone/>
-            </a:pPr>
-            <a:r>
-              <a:rPr lang="en-IN" sz="1500" dirty="0"/>
-              <a:t>8)  </a:t>
-            </a:r>
-            <a:r>
-              <a:rPr lang="en-IN" sz="1500" b="1" i="1" dirty="0"/>
-              <a:t>Armstrong number: </a:t>
-            </a:r>
-            <a:r>
-              <a:rPr lang="en-IN" sz="1500" dirty="0"/>
-              <a:t>The input here would be an integer and the output would be a string specifying whether or not, the input is an Armstrong’s number. In case of a negative input, appropriate message is displayed and the user is prompted to re- enter the input. </a:t>
-            </a:r>
-          </a:p>
-          <a:p>
-            <a:pPr marL="114300" indent="0">
-              <a:buNone/>
-            </a:pPr>
-            <a:endParaRPr lang="en-IN" sz="1500" dirty="0"/>
-          </a:p>
-          <a:p>
-            <a:pPr marL="114300" indent="0">
-              <a:buNone/>
-            </a:pPr>
-            <a:r>
-              <a:rPr lang="en-IN" sz="1500" dirty="0"/>
-              <a:t>With a view to make this code more user-friendly, we have tried to develop this code with exception handling. </a:t>
-            </a:r>
+            <a:endParaRPr dirty="0"/>
           </a:p>
           <a:p>
             <a:pPr marL="0" lvl="0" indent="0" algn="l" rtl="0">
               <a:spcBef>
-                <a:spcPts val="0"/>
+                <a:spcPts val="1600"/>
               </a:spcBef>
               <a:spcAft>
                 <a:spcPts val="1600"/>
@@ -11359,7 +10103,7 @@
       </p:sp>
       <p:pic>
         <p:nvPicPr>
-          <p:cNvPr id="73" name="Google Shape;73;p15"/>
+          <p:cNvPr id="81" name="Google Shape;81;p16"/>
           <p:cNvPicPr preferRelativeResize="0"/>
           <p:nvPr/>
         </p:nvPicPr>
@@ -11387,7 +10131,7 @@
       </p:pic>
       <p:pic>
         <p:nvPicPr>
-          <p:cNvPr id="74" name="Google Shape;74;p15"/>
+          <p:cNvPr id="82" name="Google Shape;82;p16"/>
           <p:cNvPicPr preferRelativeResize="0"/>
           <p:nvPr/>
         </p:nvPicPr>
@@ -11413,10 +10157,40 @@
           </a:ln>
         </p:spPr>
       </p:pic>
+      <p:pic>
+        <p:nvPicPr>
+          <p:cNvPr id="3" name="Picture 2">
+            <a:extLst>
+              <a:ext uri="{FF2B5EF4-FFF2-40B4-BE49-F238E27FC236}">
+                <a16:creationId xmlns:a16="http://schemas.microsoft.com/office/drawing/2014/main" id="{EC13D288-4DD6-EB4D-A7FF-2B31B7F353BE}"/>
+              </a:ext>
+            </a:extLst>
+          </p:cNvPr>
+          <p:cNvPicPr>
+            <a:picLocks noChangeAspect="1"/>
+          </p:cNvPicPr>
+          <p:nvPr/>
+        </p:nvPicPr>
+        <p:blipFill>
+          <a:blip r:embed="rId5"/>
+          <a:stretch>
+            <a:fillRect/>
+          </a:stretch>
+        </p:blipFill>
+        <p:spPr>
+          <a:xfrm>
+            <a:off x="902046" y="966787"/>
+            <a:ext cx="6705448" cy="3629076"/>
+          </a:xfrm>
+          <a:prstGeom prst="rect">
+            <a:avLst/>
+          </a:prstGeom>
+        </p:spPr>
+      </p:pic>
     </p:spTree>
     <p:extLst>
       <p:ext uri="{BB962C8B-B14F-4D97-AF65-F5344CB8AC3E}">
-        <p14:creationId xmlns:p14="http://schemas.microsoft.com/office/powerpoint/2010/main" val="1432069948"/>
+        <p14:creationId xmlns:p14="http://schemas.microsoft.com/office/powerpoint/2010/main" val="1586319535"/>
       </p:ext>
     </p:extLst>
   </p:cSld>
@@ -11480,7 +10254,7 @@
           </a:bodyPr>
           <a:lstStyle/>
           <a:p>
-            <a:pPr marL="0" lvl="0" indent="0" algn="ctr" rtl="0">
+            <a:pPr marL="0" lvl="0" indent="0" rtl="0">
               <a:spcBef>
                 <a:spcPts val="0"/>
               </a:spcBef>
@@ -11495,10 +10269,14 @@
               <a:buNone/>
             </a:pPr>
             <a:r>
-              <a:rPr lang="en" dirty="0"/>
-              <a:t>Detail Project Workflow</a:t>
+              <a:rPr lang="en-US" dirty="0"/>
+              <a:t>       </a:t>
             </a:r>
-            <a:endParaRPr dirty="0"/>
+            <a:r>
+              <a:rPr lang="en-US" sz="1600" dirty="0"/>
+              <a:t>3) Largest number</a:t>
+            </a:r>
+            <a:endParaRPr sz="1600" dirty="0"/>
           </a:p>
           <a:p>
             <a:pPr marL="0" lvl="0" indent="0" algn="ctr" rtl="0">
@@ -11539,43 +10317,16 @@
           </a:bodyPr>
           <a:lstStyle/>
           <a:p>
-            <a:pPr marL="0" indent="0">
+            <a:pPr marL="0" lvl="0" indent="0" algn="l" rtl="0">
+              <a:spcBef>
+                <a:spcPts val="0"/>
+              </a:spcBef>
+              <a:spcAft>
+                <a:spcPts val="0"/>
+              </a:spcAft>
               <a:buNone/>
             </a:pPr>
-            <a:r>
-              <a:rPr lang="en-US" sz="1600" b="1" dirty="0"/>
-              <a:t>Main function flow:</a:t>
-            </a:r>
-          </a:p>
-          <a:p>
-            <a:pPr marL="285750" indent="-285750"/>
-            <a:r>
-              <a:rPr lang="en-US" sz="1600" dirty="0"/>
-              <a:t>We have created a main menu with all the 8 problem statements’ requirements along with an additional option to end the program. </a:t>
-            </a:r>
-          </a:p>
-          <a:p>
-            <a:pPr marL="285750" indent="-285750"/>
-            <a:endParaRPr lang="en-US" sz="1600" dirty="0"/>
-          </a:p>
-          <a:p>
-            <a:pPr marL="285750" indent="-285750"/>
-            <a:r>
-              <a:rPr lang="en-US" sz="1600" dirty="0"/>
-              <a:t>Every time the user choose an option number, he is re-directed to the appropriate function and further respective process takes place. If the input isn’t a valid option number, an error message prints and prompts the user to re-enter the same.</a:t>
-            </a:r>
-          </a:p>
-          <a:p>
-            <a:pPr marL="285750" indent="-285750"/>
-            <a:endParaRPr lang="en-US" sz="1600" dirty="0"/>
-          </a:p>
-          <a:p>
-            <a:pPr marL="285750" indent="-285750"/>
-            <a:r>
-              <a:rPr lang="en-US" sz="1600" dirty="0"/>
-              <a:t>After the respective processing takes place in the function, output is printed, and again the user is re-directed to the main menu. This is developed with a view that the user can use the code as many times as he desires before he chooses to exit.</a:t>
-            </a:r>
-            <a:endParaRPr sz="1600" dirty="0"/>
+            <a:endParaRPr dirty="0"/>
           </a:p>
           <a:p>
             <a:pPr marL="0" lvl="0" indent="0" algn="l" rtl="0">
@@ -11647,10 +10398,40 @@
           </a:ln>
         </p:spPr>
       </p:pic>
+      <p:pic>
+        <p:nvPicPr>
+          <p:cNvPr id="3" name="Picture 2">
+            <a:extLst>
+              <a:ext uri="{FF2B5EF4-FFF2-40B4-BE49-F238E27FC236}">
+                <a16:creationId xmlns:a16="http://schemas.microsoft.com/office/drawing/2014/main" id="{702E6972-9C23-5C4B-A34E-A3C1B9B92B6F}"/>
+              </a:ext>
+            </a:extLst>
+          </p:cNvPr>
+          <p:cNvPicPr>
+            <a:picLocks noChangeAspect="1"/>
+          </p:cNvPicPr>
+          <p:nvPr/>
+        </p:nvPicPr>
+        <p:blipFill>
+          <a:blip r:embed="rId5"/>
+          <a:stretch>
+            <a:fillRect/>
+          </a:stretch>
+        </p:blipFill>
+        <p:spPr>
+          <a:xfrm>
+            <a:off x="2319036" y="630245"/>
+            <a:ext cx="3789156" cy="4360705"/>
+          </a:xfrm>
+          <a:prstGeom prst="rect">
+            <a:avLst/>
+          </a:prstGeom>
+        </p:spPr>
+      </p:pic>
     </p:spTree>
     <p:extLst>
       <p:ext uri="{BB962C8B-B14F-4D97-AF65-F5344CB8AC3E}">
-        <p14:creationId xmlns:p14="http://schemas.microsoft.com/office/powerpoint/2010/main" val="3252490676"/>
+        <p14:creationId xmlns:p14="http://schemas.microsoft.com/office/powerpoint/2010/main" val="1756223623"/>
       </p:ext>
     </p:extLst>
   </p:cSld>
@@ -11729,12 +10510,12 @@
               <a:buNone/>
             </a:pPr>
             <a:r>
-              <a:rPr lang="en" dirty="0"/>
+              <a:rPr lang="en-US" dirty="0"/>
               <a:t>       </a:t>
             </a:r>
             <a:r>
-              <a:rPr lang="en" sz="1600" dirty="0"/>
-              <a:t>1) Unit convertor</a:t>
+              <a:rPr lang="en-US" sz="1600" dirty="0"/>
+              <a:t>4) Multiplication table</a:t>
             </a:r>
             <a:endParaRPr sz="1600" dirty="0"/>
           </a:p>
@@ -11783,6 +10564,18 @@
               </a:spcBef>
               <a:spcAft>
                 <a:spcPts val="0"/>
+              </a:spcAft>
+              <a:buNone/>
+            </a:pPr>
+            <a:endParaRPr dirty="0"/>
+          </a:p>
+          <a:p>
+            <a:pPr marL="0" lvl="0" indent="0" algn="l" rtl="0">
+              <a:spcBef>
+                <a:spcPts val="1600"/>
+              </a:spcBef>
+              <a:spcAft>
+                <a:spcPts val="1600"/>
               </a:spcAft>
               <a:buNone/>
             </a:pPr>
@@ -11851,7 +10644,7 @@
           <p:cNvPr id="3" name="Picture 2">
             <a:extLst>
               <a:ext uri="{FF2B5EF4-FFF2-40B4-BE49-F238E27FC236}">
-                <a16:creationId xmlns:a16="http://schemas.microsoft.com/office/drawing/2014/main" id="{26644EDB-0168-8F4C-9152-642751372011}"/>
+                <a16:creationId xmlns:a16="http://schemas.microsoft.com/office/drawing/2014/main" id="{F93BFA07-B531-3F47-84FB-8E3757D7FDBB}"/>
               </a:ext>
             </a:extLst>
           </p:cNvPr>
@@ -11868,8 +10661,8 @@
         </p:blipFill>
         <p:spPr>
           <a:xfrm>
-            <a:off x="1892300" y="787478"/>
-            <a:ext cx="4645660" cy="4216322"/>
+            <a:off x="3030027" y="669675"/>
+            <a:ext cx="2740860" cy="4321275"/>
           </a:xfrm>
           <a:prstGeom prst="rect">
             <a:avLst/>
@@ -11879,7 +10672,7 @@
     </p:spTree>
     <p:extLst>
       <p:ext uri="{BB962C8B-B14F-4D97-AF65-F5344CB8AC3E}">
-        <p14:creationId xmlns:p14="http://schemas.microsoft.com/office/powerpoint/2010/main" val="2564917211"/>
+        <p14:creationId xmlns:p14="http://schemas.microsoft.com/office/powerpoint/2010/main" val="1110014141"/>
       </p:ext>
     </p:extLst>
   </p:cSld>
@@ -11963,7 +10756,7 @@
             </a:r>
             <a:r>
               <a:rPr lang="en-US" sz="1600" dirty="0"/>
-              <a:t>2) Quadratic equation solver</a:t>
+              <a:t>5) Number system convertor</a:t>
             </a:r>
             <a:endParaRPr sz="1600" dirty="0"/>
           </a:p>
@@ -11993,8 +10786,8 @@
         </p:nvSpPr>
         <p:spPr>
           <a:xfrm>
-            <a:off x="311700" y="1152475"/>
-            <a:ext cx="8520600" cy="3257700"/>
+            <a:off x="311700" y="725248"/>
+            <a:ext cx="8520600" cy="4265701"/>
           </a:xfrm>
           <a:prstGeom prst="rect">
             <a:avLst/>
@@ -12006,16 +10799,67 @@
           </a:bodyPr>
           <a:lstStyle/>
           <a:p>
-            <a:pPr marL="0" lvl="0" indent="0" algn="l" rtl="0">
-              <a:spcBef>
-                <a:spcPts val="0"/>
-              </a:spcBef>
-              <a:spcAft>
-                <a:spcPts val="0"/>
-              </a:spcAft>
+            <a:pPr lvl="0"/>
+            <a:r>
+              <a:rPr lang="en-US" sz="1600" dirty="0"/>
+              <a:t>User is expected to select conversion type i.e., either from decimal to (binary, octal, hexadecimal) or (binary, octal, hexadecimal) to decimal.</a:t>
+            </a:r>
+            <a:endParaRPr lang="en-IN" sz="1600" dirty="0"/>
+          </a:p>
+          <a:p>
+            <a:pPr lvl="0"/>
+            <a:endParaRPr lang="en-IN" sz="1600" dirty="0"/>
+          </a:p>
+          <a:p>
+            <a:pPr lvl="0"/>
+            <a:r>
+              <a:rPr lang="en-US" sz="1600" dirty="0"/>
+              <a:t>For decimal to (binary, octal and hexadecimal) we have a while loop for storing the remainder in a list.</a:t>
+            </a:r>
+            <a:endParaRPr lang="en-IN" sz="1600" dirty="0"/>
+          </a:p>
+          <a:p>
+            <a:pPr lvl="0"/>
+            <a:endParaRPr lang="en-US" sz="1600" dirty="0"/>
+          </a:p>
+          <a:p>
+            <a:pPr lvl="0"/>
+            <a:r>
+              <a:rPr lang="en-US" sz="1600" dirty="0"/>
+              <a:t>When the while is terminated, using inbuilt reverse function, list is reversed and is converted to string via a for loop.</a:t>
+            </a:r>
+            <a:endParaRPr lang="en-IN" sz="1600" dirty="0"/>
+          </a:p>
+          <a:p>
+            <a:pPr marL="114300" lvl="0" indent="0">
               <a:buNone/>
             </a:pPr>
-            <a:endParaRPr dirty="0"/>
+            <a:endParaRPr lang="en-IN" sz="1600" dirty="0"/>
+          </a:p>
+          <a:p>
+            <a:r>
+              <a:rPr lang="en-US" sz="1600" dirty="0"/>
+              <a:t>For (binary, octal and hexadecimal) to decimal we have used inbuilt int() function for the conversion.</a:t>
+            </a:r>
+            <a:r>
+              <a:rPr lang="en-IN" sz="1600" dirty="0"/>
+              <a:t> </a:t>
+            </a:r>
+          </a:p>
+          <a:p>
+            <a:pPr lvl="0"/>
+            <a:endParaRPr lang="en-US" sz="1600" dirty="0"/>
+          </a:p>
+          <a:p>
+            <a:pPr lvl="0"/>
+            <a:r>
+              <a:rPr lang="en-US" sz="1600" dirty="0"/>
+              <a:t>Based on the users selection decimal number is converted according to the bases: 2,8 and 16 respectively using int( ).</a:t>
+            </a:r>
+            <a:endParaRPr lang="en-IN" sz="1600" dirty="0"/>
+          </a:p>
+          <a:p>
+            <a:endParaRPr sz="1600" dirty="0"/>
           </a:p>
           <a:p>
             <a:pPr marL="0" lvl="0" indent="0" algn="l" rtl="0">
@@ -12087,40 +10931,10 @@
           </a:ln>
         </p:spPr>
       </p:pic>
-      <p:pic>
-        <p:nvPicPr>
-          <p:cNvPr id="3" name="Picture 2">
-            <a:extLst>
-              <a:ext uri="{FF2B5EF4-FFF2-40B4-BE49-F238E27FC236}">
-                <a16:creationId xmlns:a16="http://schemas.microsoft.com/office/drawing/2014/main" id="{EC13D288-4DD6-EB4D-A7FF-2B31B7F353BE}"/>
-              </a:ext>
-            </a:extLst>
-          </p:cNvPr>
-          <p:cNvPicPr>
-            <a:picLocks noChangeAspect="1"/>
-          </p:cNvPicPr>
-          <p:nvPr/>
-        </p:nvPicPr>
-        <p:blipFill>
-          <a:blip r:embed="rId5"/>
-          <a:stretch>
-            <a:fillRect/>
-          </a:stretch>
-        </p:blipFill>
-        <p:spPr>
-          <a:xfrm>
-            <a:off x="902046" y="966787"/>
-            <a:ext cx="6705448" cy="3629076"/>
-          </a:xfrm>
-          <a:prstGeom prst="rect">
-            <a:avLst/>
-          </a:prstGeom>
-        </p:spPr>
-      </p:pic>
     </p:spTree>
     <p:extLst>
       <p:ext uri="{BB962C8B-B14F-4D97-AF65-F5344CB8AC3E}">
-        <p14:creationId xmlns:p14="http://schemas.microsoft.com/office/powerpoint/2010/main" val="1586319535"/>
+        <p14:creationId xmlns:p14="http://schemas.microsoft.com/office/powerpoint/2010/main" val="1769765643"/>
       </p:ext>
     </p:extLst>
   </p:cSld>

--- a/docs/PyPptB2_5.pptx
+++ b/docs/PyPptB2_5.pptx
@@ -5,7 +5,7 @@
     <p:sldMasterId id="2147483659" r:id="rId1"/>
   </p:sldMasterIdLst>
   <p:notesMasterIdLst>
-    <p:notesMasterId r:id="rId17"/>
+    <p:notesMasterId r:id="rId35"/>
   </p:notesMasterIdLst>
   <p:sldIdLst>
     <p:sldId id="256" r:id="rId2"/>
@@ -21,8 +21,26 @@
     <p:sldId id="268" r:id="rId12"/>
     <p:sldId id="267" r:id="rId13"/>
     <p:sldId id="260" r:id="rId14"/>
-    <p:sldId id="261" r:id="rId15"/>
-    <p:sldId id="262" r:id="rId16"/>
+    <p:sldId id="306" r:id="rId15"/>
+    <p:sldId id="309" r:id="rId16"/>
+    <p:sldId id="310" r:id="rId17"/>
+    <p:sldId id="308" r:id="rId18"/>
+    <p:sldId id="287" r:id="rId19"/>
+    <p:sldId id="288" r:id="rId20"/>
+    <p:sldId id="294" r:id="rId21"/>
+    <p:sldId id="295" r:id="rId22"/>
+    <p:sldId id="296" r:id="rId23"/>
+    <p:sldId id="297" r:id="rId24"/>
+    <p:sldId id="298" r:id="rId25"/>
+    <p:sldId id="299" r:id="rId26"/>
+    <p:sldId id="300" r:id="rId27"/>
+    <p:sldId id="301" r:id="rId28"/>
+    <p:sldId id="303" r:id="rId29"/>
+    <p:sldId id="304" r:id="rId30"/>
+    <p:sldId id="305" r:id="rId31"/>
+    <p:sldId id="292" r:id="rId32"/>
+    <p:sldId id="261" r:id="rId33"/>
+    <p:sldId id="262" r:id="rId34"/>
   </p:sldIdLst>
   <p:sldSz cx="9144000" cy="5143500" type="screen16x9"/>
   <p:notesSz cx="6858000" cy="9144000"/>
@@ -1255,7 +1273,7 @@
   <p:cSld>
     <p:spTree>
       <p:nvGrpSpPr>
-        <p:cNvPr id="1" name="Shape 91"/>
+        <p:cNvPr id="1" name="Shape 83"/>
         <p:cNvGrpSpPr/>
         <p:nvPr/>
       </p:nvGrpSpPr>
@@ -1269,7 +1287,7 @@
       </p:grpSpPr>
       <p:sp>
         <p:nvSpPr>
-          <p:cNvPr id="92" name="Google Shape;92;g8e62892d88_0_46:notes"/>
+          <p:cNvPr id="84" name="Google Shape;84;g8e62892d88_0_39:notes"/>
           <p:cNvSpPr>
             <a:spLocks noGrp="1" noRot="1" noChangeAspect="1"/>
           </p:cNvSpPr>
@@ -1310,7 +1328,7 @@
       </p:sp>
       <p:sp>
         <p:nvSpPr>
-          <p:cNvPr id="93" name="Google Shape;93;g8e62892d88_0_46:notes"/>
+          <p:cNvPr id="85" name="Google Shape;85;g8e62892d88_0_39:notes"/>
           <p:cNvSpPr txBox="1">
             <a:spLocks noGrp="1"/>
           </p:cNvSpPr>
@@ -1347,6 +1365,11 @@
         </p:txBody>
       </p:sp>
     </p:spTree>
+    <p:extLst>
+      <p:ext uri="{BB962C8B-B14F-4D97-AF65-F5344CB8AC3E}">
+        <p14:creationId xmlns:p14="http://schemas.microsoft.com/office/powerpoint/2010/main" val="1138171361"/>
+      </p:ext>
+    </p:extLst>
   </p:cSld>
   <p:clrMapOvr>
     <a:masterClrMapping/>
@@ -1359,7 +1382,7 @@
   <p:cSld>
     <p:spTree>
       <p:nvGrpSpPr>
-        <p:cNvPr id="1" name="Shape 99"/>
+        <p:cNvPr id="1" name="Shape 83"/>
         <p:cNvGrpSpPr/>
         <p:nvPr/>
       </p:nvGrpSpPr>
@@ -1373,7 +1396,7 @@
       </p:grpSpPr>
       <p:sp>
         <p:nvSpPr>
-          <p:cNvPr id="100" name="Google Shape;100;g8e62892d88_0_53:notes"/>
+          <p:cNvPr id="84" name="Google Shape;84;g8e62892d88_0_39:notes"/>
           <p:cNvSpPr>
             <a:spLocks noGrp="1" noRot="1" noChangeAspect="1"/>
           </p:cNvSpPr>
@@ -1414,7 +1437,7 @@
       </p:sp>
       <p:sp>
         <p:nvSpPr>
-          <p:cNvPr id="101" name="Google Shape;101;g8e62892d88_0_53:notes"/>
+          <p:cNvPr id="85" name="Google Shape;85;g8e62892d88_0_39:notes"/>
           <p:cNvSpPr txBox="1">
             <a:spLocks noGrp="1"/>
           </p:cNvSpPr>
@@ -1451,6 +1474,447 @@
         </p:txBody>
       </p:sp>
     </p:spTree>
+    <p:extLst>
+      <p:ext uri="{BB962C8B-B14F-4D97-AF65-F5344CB8AC3E}">
+        <p14:creationId xmlns:p14="http://schemas.microsoft.com/office/powerpoint/2010/main" val="1833722689"/>
+      </p:ext>
+    </p:extLst>
+  </p:cSld>
+  <p:clrMapOvr>
+    <a:masterClrMapping/>
+  </p:clrMapOvr>
+</p:notes>
+</file>
+
+<file path=ppt/notesSlides/notesSlide16.xml><?xml version="1.0" encoding="utf-8"?>
+<p:notes xmlns:a="http://schemas.openxmlformats.org/drawingml/2006/main" xmlns:r="http://schemas.openxmlformats.org/officeDocument/2006/relationships" xmlns:p="http://schemas.openxmlformats.org/presentationml/2006/main" showMasterSp="0" showMasterPhAnim="0">
+  <p:cSld>
+    <p:spTree>
+      <p:nvGrpSpPr>
+        <p:cNvPr id="1" name="Shape 83"/>
+        <p:cNvGrpSpPr/>
+        <p:nvPr/>
+      </p:nvGrpSpPr>
+      <p:grpSpPr>
+        <a:xfrm>
+          <a:off x="0" y="0"/>
+          <a:ext cx="0" cy="0"/>
+          <a:chOff x="0" y="0"/>
+          <a:chExt cx="0" cy="0"/>
+        </a:xfrm>
+      </p:grpSpPr>
+      <p:sp>
+        <p:nvSpPr>
+          <p:cNvPr id="84" name="Google Shape;84;g8e62892d88_0_39:notes"/>
+          <p:cNvSpPr>
+            <a:spLocks noGrp="1" noRot="1" noChangeAspect="1"/>
+          </p:cNvSpPr>
+          <p:nvPr>
+            <p:ph type="sldImg" idx="2"/>
+          </p:nvPr>
+        </p:nvSpPr>
+        <p:spPr>
+          <a:xfrm>
+            <a:off x="381000" y="685800"/>
+            <a:ext cx="6096000" cy="3429000"/>
+          </a:xfrm>
+          <a:custGeom>
+            <a:avLst/>
+            <a:gdLst/>
+            <a:ahLst/>
+            <a:cxnLst/>
+            <a:rect l="l" t="t" r="r" b="b"/>
+            <a:pathLst>
+              <a:path w="120000" h="120000" extrusionOk="0">
+                <a:moveTo>
+                  <a:pt x="0" y="0"/>
+                </a:moveTo>
+                <a:lnTo>
+                  <a:pt x="120000" y="0"/>
+                </a:lnTo>
+                <a:lnTo>
+                  <a:pt x="120000" y="120000"/>
+                </a:lnTo>
+                <a:lnTo>
+                  <a:pt x="0" y="120000"/>
+                </a:lnTo>
+                <a:close/>
+              </a:path>
+            </a:pathLst>
+          </a:custGeom>
+        </p:spPr>
+      </p:sp>
+      <p:sp>
+        <p:nvSpPr>
+          <p:cNvPr id="85" name="Google Shape;85;g8e62892d88_0_39:notes"/>
+          <p:cNvSpPr txBox="1">
+            <a:spLocks noGrp="1"/>
+          </p:cNvSpPr>
+          <p:nvPr>
+            <p:ph type="body" idx="1"/>
+          </p:nvPr>
+        </p:nvSpPr>
+        <p:spPr>
+          <a:xfrm>
+            <a:off x="685800" y="4343400"/>
+            <a:ext cx="5486400" cy="4114800"/>
+          </a:xfrm>
+          <a:prstGeom prst="rect">
+            <a:avLst/>
+          </a:prstGeom>
+        </p:spPr>
+        <p:txBody>
+          <a:bodyPr spcFirstLastPara="1" wrap="square" lIns="91425" tIns="91425" rIns="91425" bIns="91425" anchor="t" anchorCtr="0">
+            <a:noAutofit/>
+          </a:bodyPr>
+          <a:lstStyle/>
+          <a:p>
+            <a:pPr marL="0" lvl="0" indent="0" algn="l" rtl="0">
+              <a:spcBef>
+                <a:spcPts val="0"/>
+              </a:spcBef>
+              <a:spcAft>
+                <a:spcPts val="0"/>
+              </a:spcAft>
+              <a:buNone/>
+            </a:pPr>
+            <a:endParaRPr/>
+          </a:p>
+        </p:txBody>
+      </p:sp>
+    </p:spTree>
+    <p:extLst>
+      <p:ext uri="{BB962C8B-B14F-4D97-AF65-F5344CB8AC3E}">
+        <p14:creationId xmlns:p14="http://schemas.microsoft.com/office/powerpoint/2010/main" val="4125907832"/>
+      </p:ext>
+    </p:extLst>
+  </p:cSld>
+  <p:clrMapOvr>
+    <a:masterClrMapping/>
+  </p:clrMapOvr>
+</p:notes>
+</file>
+
+<file path=ppt/notesSlides/notesSlide17.xml><?xml version="1.0" encoding="utf-8"?>
+<p:notes xmlns:a="http://schemas.openxmlformats.org/drawingml/2006/main" xmlns:r="http://schemas.openxmlformats.org/officeDocument/2006/relationships" xmlns:p="http://schemas.openxmlformats.org/presentationml/2006/main" showMasterSp="0" showMasterPhAnim="0">
+  <p:cSld>
+    <p:spTree>
+      <p:nvGrpSpPr>
+        <p:cNvPr id="1" name="Shape 83"/>
+        <p:cNvGrpSpPr/>
+        <p:nvPr/>
+      </p:nvGrpSpPr>
+      <p:grpSpPr>
+        <a:xfrm>
+          <a:off x="0" y="0"/>
+          <a:ext cx="0" cy="0"/>
+          <a:chOff x="0" y="0"/>
+          <a:chExt cx="0" cy="0"/>
+        </a:xfrm>
+      </p:grpSpPr>
+      <p:sp>
+        <p:nvSpPr>
+          <p:cNvPr id="84" name="Google Shape;84;g8e62892d88_0_39:notes"/>
+          <p:cNvSpPr>
+            <a:spLocks noGrp="1" noRot="1" noChangeAspect="1"/>
+          </p:cNvSpPr>
+          <p:nvPr>
+            <p:ph type="sldImg" idx="2"/>
+          </p:nvPr>
+        </p:nvSpPr>
+        <p:spPr>
+          <a:xfrm>
+            <a:off x="381000" y="685800"/>
+            <a:ext cx="6096000" cy="3429000"/>
+          </a:xfrm>
+          <a:custGeom>
+            <a:avLst/>
+            <a:gdLst/>
+            <a:ahLst/>
+            <a:cxnLst/>
+            <a:rect l="l" t="t" r="r" b="b"/>
+            <a:pathLst>
+              <a:path w="120000" h="120000" extrusionOk="0">
+                <a:moveTo>
+                  <a:pt x="0" y="0"/>
+                </a:moveTo>
+                <a:lnTo>
+                  <a:pt x="120000" y="0"/>
+                </a:lnTo>
+                <a:lnTo>
+                  <a:pt x="120000" y="120000"/>
+                </a:lnTo>
+                <a:lnTo>
+                  <a:pt x="0" y="120000"/>
+                </a:lnTo>
+                <a:close/>
+              </a:path>
+            </a:pathLst>
+          </a:custGeom>
+        </p:spPr>
+      </p:sp>
+      <p:sp>
+        <p:nvSpPr>
+          <p:cNvPr id="85" name="Google Shape;85;g8e62892d88_0_39:notes"/>
+          <p:cNvSpPr txBox="1">
+            <a:spLocks noGrp="1"/>
+          </p:cNvSpPr>
+          <p:nvPr>
+            <p:ph type="body" idx="1"/>
+          </p:nvPr>
+        </p:nvSpPr>
+        <p:spPr>
+          <a:xfrm>
+            <a:off x="685800" y="4343400"/>
+            <a:ext cx="5486400" cy="4114800"/>
+          </a:xfrm>
+          <a:prstGeom prst="rect">
+            <a:avLst/>
+          </a:prstGeom>
+        </p:spPr>
+        <p:txBody>
+          <a:bodyPr spcFirstLastPara="1" wrap="square" lIns="91425" tIns="91425" rIns="91425" bIns="91425" anchor="t" anchorCtr="0">
+            <a:noAutofit/>
+          </a:bodyPr>
+          <a:lstStyle/>
+          <a:p>
+            <a:pPr marL="0" lvl="0" indent="0" algn="l" rtl="0">
+              <a:spcBef>
+                <a:spcPts val="0"/>
+              </a:spcBef>
+              <a:spcAft>
+                <a:spcPts val="0"/>
+              </a:spcAft>
+              <a:buNone/>
+            </a:pPr>
+            <a:endParaRPr/>
+          </a:p>
+        </p:txBody>
+      </p:sp>
+    </p:spTree>
+    <p:extLst>
+      <p:ext uri="{BB962C8B-B14F-4D97-AF65-F5344CB8AC3E}">
+        <p14:creationId xmlns:p14="http://schemas.microsoft.com/office/powerpoint/2010/main" val="2553216664"/>
+      </p:ext>
+    </p:extLst>
+  </p:cSld>
+  <p:clrMapOvr>
+    <a:masterClrMapping/>
+  </p:clrMapOvr>
+</p:notes>
+</file>
+
+<file path=ppt/notesSlides/notesSlide18.xml><?xml version="1.0" encoding="utf-8"?>
+<p:notes xmlns:a="http://schemas.openxmlformats.org/drawingml/2006/main" xmlns:r="http://schemas.openxmlformats.org/officeDocument/2006/relationships" xmlns:p="http://schemas.openxmlformats.org/presentationml/2006/main" showMasterSp="0" showMasterPhAnim="0">
+  <p:cSld>
+    <p:spTree>
+      <p:nvGrpSpPr>
+        <p:cNvPr id="1" name="Shape 83"/>
+        <p:cNvGrpSpPr/>
+        <p:nvPr/>
+      </p:nvGrpSpPr>
+      <p:grpSpPr>
+        <a:xfrm>
+          <a:off x="0" y="0"/>
+          <a:ext cx="0" cy="0"/>
+          <a:chOff x="0" y="0"/>
+          <a:chExt cx="0" cy="0"/>
+        </a:xfrm>
+      </p:grpSpPr>
+      <p:sp>
+        <p:nvSpPr>
+          <p:cNvPr id="84" name="Google Shape;84;g8e62892d88_0_39:notes"/>
+          <p:cNvSpPr>
+            <a:spLocks noGrp="1" noRot="1" noChangeAspect="1"/>
+          </p:cNvSpPr>
+          <p:nvPr>
+            <p:ph type="sldImg" idx="2"/>
+          </p:nvPr>
+        </p:nvSpPr>
+        <p:spPr>
+          <a:xfrm>
+            <a:off x="381000" y="685800"/>
+            <a:ext cx="6096000" cy="3429000"/>
+          </a:xfrm>
+          <a:custGeom>
+            <a:avLst/>
+            <a:gdLst/>
+            <a:ahLst/>
+            <a:cxnLst/>
+            <a:rect l="l" t="t" r="r" b="b"/>
+            <a:pathLst>
+              <a:path w="120000" h="120000" extrusionOk="0">
+                <a:moveTo>
+                  <a:pt x="0" y="0"/>
+                </a:moveTo>
+                <a:lnTo>
+                  <a:pt x="120000" y="0"/>
+                </a:lnTo>
+                <a:lnTo>
+                  <a:pt x="120000" y="120000"/>
+                </a:lnTo>
+                <a:lnTo>
+                  <a:pt x="0" y="120000"/>
+                </a:lnTo>
+                <a:close/>
+              </a:path>
+            </a:pathLst>
+          </a:custGeom>
+        </p:spPr>
+      </p:sp>
+      <p:sp>
+        <p:nvSpPr>
+          <p:cNvPr id="85" name="Google Shape;85;g8e62892d88_0_39:notes"/>
+          <p:cNvSpPr txBox="1">
+            <a:spLocks noGrp="1"/>
+          </p:cNvSpPr>
+          <p:nvPr>
+            <p:ph type="body" idx="1"/>
+          </p:nvPr>
+        </p:nvSpPr>
+        <p:spPr>
+          <a:xfrm>
+            <a:off x="685800" y="4343400"/>
+            <a:ext cx="5486400" cy="4114800"/>
+          </a:xfrm>
+          <a:prstGeom prst="rect">
+            <a:avLst/>
+          </a:prstGeom>
+        </p:spPr>
+        <p:txBody>
+          <a:bodyPr spcFirstLastPara="1" wrap="square" lIns="91425" tIns="91425" rIns="91425" bIns="91425" anchor="t" anchorCtr="0">
+            <a:noAutofit/>
+          </a:bodyPr>
+          <a:lstStyle/>
+          <a:p>
+            <a:pPr marL="0" lvl="0" indent="0" algn="l" rtl="0">
+              <a:spcBef>
+                <a:spcPts val="0"/>
+              </a:spcBef>
+              <a:spcAft>
+                <a:spcPts val="0"/>
+              </a:spcAft>
+              <a:buNone/>
+            </a:pPr>
+            <a:endParaRPr/>
+          </a:p>
+        </p:txBody>
+      </p:sp>
+    </p:spTree>
+    <p:extLst>
+      <p:ext uri="{BB962C8B-B14F-4D97-AF65-F5344CB8AC3E}">
+        <p14:creationId xmlns:p14="http://schemas.microsoft.com/office/powerpoint/2010/main" val="345670773"/>
+      </p:ext>
+    </p:extLst>
+  </p:cSld>
+  <p:clrMapOvr>
+    <a:masterClrMapping/>
+  </p:clrMapOvr>
+</p:notes>
+</file>
+
+<file path=ppt/notesSlides/notesSlide19.xml><?xml version="1.0" encoding="utf-8"?>
+<p:notes xmlns:a="http://schemas.openxmlformats.org/drawingml/2006/main" xmlns:r="http://schemas.openxmlformats.org/officeDocument/2006/relationships" xmlns:p="http://schemas.openxmlformats.org/presentationml/2006/main" showMasterSp="0" showMasterPhAnim="0">
+  <p:cSld>
+    <p:spTree>
+      <p:nvGrpSpPr>
+        <p:cNvPr id="1" name="Shape 83"/>
+        <p:cNvGrpSpPr/>
+        <p:nvPr/>
+      </p:nvGrpSpPr>
+      <p:grpSpPr>
+        <a:xfrm>
+          <a:off x="0" y="0"/>
+          <a:ext cx="0" cy="0"/>
+          <a:chOff x="0" y="0"/>
+          <a:chExt cx="0" cy="0"/>
+        </a:xfrm>
+      </p:grpSpPr>
+      <p:sp>
+        <p:nvSpPr>
+          <p:cNvPr id="84" name="Google Shape;84;g8e62892d88_0_39:notes"/>
+          <p:cNvSpPr>
+            <a:spLocks noGrp="1" noRot="1" noChangeAspect="1"/>
+          </p:cNvSpPr>
+          <p:nvPr>
+            <p:ph type="sldImg" idx="2"/>
+          </p:nvPr>
+        </p:nvSpPr>
+        <p:spPr>
+          <a:xfrm>
+            <a:off x="381000" y="685800"/>
+            <a:ext cx="6096000" cy="3429000"/>
+          </a:xfrm>
+          <a:custGeom>
+            <a:avLst/>
+            <a:gdLst/>
+            <a:ahLst/>
+            <a:cxnLst/>
+            <a:rect l="l" t="t" r="r" b="b"/>
+            <a:pathLst>
+              <a:path w="120000" h="120000" extrusionOk="0">
+                <a:moveTo>
+                  <a:pt x="0" y="0"/>
+                </a:moveTo>
+                <a:lnTo>
+                  <a:pt x="120000" y="0"/>
+                </a:lnTo>
+                <a:lnTo>
+                  <a:pt x="120000" y="120000"/>
+                </a:lnTo>
+                <a:lnTo>
+                  <a:pt x="0" y="120000"/>
+                </a:lnTo>
+                <a:close/>
+              </a:path>
+            </a:pathLst>
+          </a:custGeom>
+        </p:spPr>
+      </p:sp>
+      <p:sp>
+        <p:nvSpPr>
+          <p:cNvPr id="85" name="Google Shape;85;g8e62892d88_0_39:notes"/>
+          <p:cNvSpPr txBox="1">
+            <a:spLocks noGrp="1"/>
+          </p:cNvSpPr>
+          <p:nvPr>
+            <p:ph type="body" idx="1"/>
+          </p:nvPr>
+        </p:nvSpPr>
+        <p:spPr>
+          <a:xfrm>
+            <a:off x="685800" y="4343400"/>
+            <a:ext cx="5486400" cy="4114800"/>
+          </a:xfrm>
+          <a:prstGeom prst="rect">
+            <a:avLst/>
+          </a:prstGeom>
+        </p:spPr>
+        <p:txBody>
+          <a:bodyPr spcFirstLastPara="1" wrap="square" lIns="91425" tIns="91425" rIns="91425" bIns="91425" anchor="t" anchorCtr="0">
+            <a:noAutofit/>
+          </a:bodyPr>
+          <a:lstStyle/>
+          <a:p>
+            <a:pPr marL="0" lvl="0" indent="0" algn="l" rtl="0">
+              <a:spcBef>
+                <a:spcPts val="0"/>
+              </a:spcBef>
+              <a:spcAft>
+                <a:spcPts val="0"/>
+              </a:spcAft>
+              <a:buNone/>
+            </a:pPr>
+            <a:endParaRPr/>
+          </a:p>
+        </p:txBody>
+      </p:sp>
+    </p:spTree>
+    <p:extLst>
+      <p:ext uri="{BB962C8B-B14F-4D97-AF65-F5344CB8AC3E}">
+        <p14:creationId xmlns:p14="http://schemas.microsoft.com/office/powerpoint/2010/main" val="3689273138"/>
+      </p:ext>
+    </p:extLst>
   </p:cSld>
   <p:clrMapOvr>
     <a:masterClrMapping/>
@@ -1562,6 +2026,1096 @@
 </p:notes>
 </file>
 
+<file path=ppt/notesSlides/notesSlide20.xml><?xml version="1.0" encoding="utf-8"?>
+<p:notes xmlns:a="http://schemas.openxmlformats.org/drawingml/2006/main" xmlns:r="http://schemas.openxmlformats.org/officeDocument/2006/relationships" xmlns:p="http://schemas.openxmlformats.org/presentationml/2006/main" showMasterSp="0" showMasterPhAnim="0">
+  <p:cSld>
+    <p:spTree>
+      <p:nvGrpSpPr>
+        <p:cNvPr id="1" name="Shape 83"/>
+        <p:cNvGrpSpPr/>
+        <p:nvPr/>
+      </p:nvGrpSpPr>
+      <p:grpSpPr>
+        <a:xfrm>
+          <a:off x="0" y="0"/>
+          <a:ext cx="0" cy="0"/>
+          <a:chOff x="0" y="0"/>
+          <a:chExt cx="0" cy="0"/>
+        </a:xfrm>
+      </p:grpSpPr>
+      <p:sp>
+        <p:nvSpPr>
+          <p:cNvPr id="84" name="Google Shape;84;g8e62892d88_0_39:notes"/>
+          <p:cNvSpPr>
+            <a:spLocks noGrp="1" noRot="1" noChangeAspect="1"/>
+          </p:cNvSpPr>
+          <p:nvPr>
+            <p:ph type="sldImg" idx="2"/>
+          </p:nvPr>
+        </p:nvSpPr>
+        <p:spPr>
+          <a:xfrm>
+            <a:off x="381000" y="685800"/>
+            <a:ext cx="6096000" cy="3429000"/>
+          </a:xfrm>
+          <a:custGeom>
+            <a:avLst/>
+            <a:gdLst/>
+            <a:ahLst/>
+            <a:cxnLst/>
+            <a:rect l="l" t="t" r="r" b="b"/>
+            <a:pathLst>
+              <a:path w="120000" h="120000" extrusionOk="0">
+                <a:moveTo>
+                  <a:pt x="0" y="0"/>
+                </a:moveTo>
+                <a:lnTo>
+                  <a:pt x="120000" y="0"/>
+                </a:lnTo>
+                <a:lnTo>
+                  <a:pt x="120000" y="120000"/>
+                </a:lnTo>
+                <a:lnTo>
+                  <a:pt x="0" y="120000"/>
+                </a:lnTo>
+                <a:close/>
+              </a:path>
+            </a:pathLst>
+          </a:custGeom>
+        </p:spPr>
+      </p:sp>
+      <p:sp>
+        <p:nvSpPr>
+          <p:cNvPr id="85" name="Google Shape;85;g8e62892d88_0_39:notes"/>
+          <p:cNvSpPr txBox="1">
+            <a:spLocks noGrp="1"/>
+          </p:cNvSpPr>
+          <p:nvPr>
+            <p:ph type="body" idx="1"/>
+          </p:nvPr>
+        </p:nvSpPr>
+        <p:spPr>
+          <a:xfrm>
+            <a:off x="685800" y="4343400"/>
+            <a:ext cx="5486400" cy="4114800"/>
+          </a:xfrm>
+          <a:prstGeom prst="rect">
+            <a:avLst/>
+          </a:prstGeom>
+        </p:spPr>
+        <p:txBody>
+          <a:bodyPr spcFirstLastPara="1" wrap="square" lIns="91425" tIns="91425" rIns="91425" bIns="91425" anchor="t" anchorCtr="0">
+            <a:noAutofit/>
+          </a:bodyPr>
+          <a:lstStyle/>
+          <a:p>
+            <a:pPr marL="0" lvl="0" indent="0" algn="l" rtl="0">
+              <a:spcBef>
+                <a:spcPts val="0"/>
+              </a:spcBef>
+              <a:spcAft>
+                <a:spcPts val="0"/>
+              </a:spcAft>
+              <a:buNone/>
+            </a:pPr>
+            <a:endParaRPr/>
+          </a:p>
+        </p:txBody>
+      </p:sp>
+    </p:spTree>
+    <p:extLst>
+      <p:ext uri="{BB962C8B-B14F-4D97-AF65-F5344CB8AC3E}">
+        <p14:creationId xmlns:p14="http://schemas.microsoft.com/office/powerpoint/2010/main" val="2679905361"/>
+      </p:ext>
+    </p:extLst>
+  </p:cSld>
+  <p:clrMapOvr>
+    <a:masterClrMapping/>
+  </p:clrMapOvr>
+</p:notes>
+</file>
+
+<file path=ppt/notesSlides/notesSlide21.xml><?xml version="1.0" encoding="utf-8"?>
+<p:notes xmlns:a="http://schemas.openxmlformats.org/drawingml/2006/main" xmlns:r="http://schemas.openxmlformats.org/officeDocument/2006/relationships" xmlns:p="http://schemas.openxmlformats.org/presentationml/2006/main" showMasterSp="0" showMasterPhAnim="0">
+  <p:cSld>
+    <p:spTree>
+      <p:nvGrpSpPr>
+        <p:cNvPr id="1" name="Shape 83"/>
+        <p:cNvGrpSpPr/>
+        <p:nvPr/>
+      </p:nvGrpSpPr>
+      <p:grpSpPr>
+        <a:xfrm>
+          <a:off x="0" y="0"/>
+          <a:ext cx="0" cy="0"/>
+          <a:chOff x="0" y="0"/>
+          <a:chExt cx="0" cy="0"/>
+        </a:xfrm>
+      </p:grpSpPr>
+      <p:sp>
+        <p:nvSpPr>
+          <p:cNvPr id="84" name="Google Shape;84;g8e62892d88_0_39:notes"/>
+          <p:cNvSpPr>
+            <a:spLocks noGrp="1" noRot="1" noChangeAspect="1"/>
+          </p:cNvSpPr>
+          <p:nvPr>
+            <p:ph type="sldImg" idx="2"/>
+          </p:nvPr>
+        </p:nvSpPr>
+        <p:spPr>
+          <a:xfrm>
+            <a:off x="381000" y="685800"/>
+            <a:ext cx="6096000" cy="3429000"/>
+          </a:xfrm>
+          <a:custGeom>
+            <a:avLst/>
+            <a:gdLst/>
+            <a:ahLst/>
+            <a:cxnLst/>
+            <a:rect l="l" t="t" r="r" b="b"/>
+            <a:pathLst>
+              <a:path w="120000" h="120000" extrusionOk="0">
+                <a:moveTo>
+                  <a:pt x="0" y="0"/>
+                </a:moveTo>
+                <a:lnTo>
+                  <a:pt x="120000" y="0"/>
+                </a:lnTo>
+                <a:lnTo>
+                  <a:pt x="120000" y="120000"/>
+                </a:lnTo>
+                <a:lnTo>
+                  <a:pt x="0" y="120000"/>
+                </a:lnTo>
+                <a:close/>
+              </a:path>
+            </a:pathLst>
+          </a:custGeom>
+        </p:spPr>
+      </p:sp>
+      <p:sp>
+        <p:nvSpPr>
+          <p:cNvPr id="85" name="Google Shape;85;g8e62892d88_0_39:notes"/>
+          <p:cNvSpPr txBox="1">
+            <a:spLocks noGrp="1"/>
+          </p:cNvSpPr>
+          <p:nvPr>
+            <p:ph type="body" idx="1"/>
+          </p:nvPr>
+        </p:nvSpPr>
+        <p:spPr>
+          <a:xfrm>
+            <a:off x="685800" y="4343400"/>
+            <a:ext cx="5486400" cy="4114800"/>
+          </a:xfrm>
+          <a:prstGeom prst="rect">
+            <a:avLst/>
+          </a:prstGeom>
+        </p:spPr>
+        <p:txBody>
+          <a:bodyPr spcFirstLastPara="1" wrap="square" lIns="91425" tIns="91425" rIns="91425" bIns="91425" anchor="t" anchorCtr="0">
+            <a:noAutofit/>
+          </a:bodyPr>
+          <a:lstStyle/>
+          <a:p>
+            <a:pPr marL="0" lvl="0" indent="0" algn="l" rtl="0">
+              <a:spcBef>
+                <a:spcPts val="0"/>
+              </a:spcBef>
+              <a:spcAft>
+                <a:spcPts val="0"/>
+              </a:spcAft>
+              <a:buNone/>
+            </a:pPr>
+            <a:endParaRPr/>
+          </a:p>
+        </p:txBody>
+      </p:sp>
+    </p:spTree>
+    <p:extLst>
+      <p:ext uri="{BB962C8B-B14F-4D97-AF65-F5344CB8AC3E}">
+        <p14:creationId xmlns:p14="http://schemas.microsoft.com/office/powerpoint/2010/main" val="788556884"/>
+      </p:ext>
+    </p:extLst>
+  </p:cSld>
+  <p:clrMapOvr>
+    <a:masterClrMapping/>
+  </p:clrMapOvr>
+</p:notes>
+</file>
+
+<file path=ppt/notesSlides/notesSlide22.xml><?xml version="1.0" encoding="utf-8"?>
+<p:notes xmlns:a="http://schemas.openxmlformats.org/drawingml/2006/main" xmlns:r="http://schemas.openxmlformats.org/officeDocument/2006/relationships" xmlns:p="http://schemas.openxmlformats.org/presentationml/2006/main" showMasterSp="0" showMasterPhAnim="0">
+  <p:cSld>
+    <p:spTree>
+      <p:nvGrpSpPr>
+        <p:cNvPr id="1" name="Shape 83"/>
+        <p:cNvGrpSpPr/>
+        <p:nvPr/>
+      </p:nvGrpSpPr>
+      <p:grpSpPr>
+        <a:xfrm>
+          <a:off x="0" y="0"/>
+          <a:ext cx="0" cy="0"/>
+          <a:chOff x="0" y="0"/>
+          <a:chExt cx="0" cy="0"/>
+        </a:xfrm>
+      </p:grpSpPr>
+      <p:sp>
+        <p:nvSpPr>
+          <p:cNvPr id="84" name="Google Shape;84;g8e62892d88_0_39:notes"/>
+          <p:cNvSpPr>
+            <a:spLocks noGrp="1" noRot="1" noChangeAspect="1"/>
+          </p:cNvSpPr>
+          <p:nvPr>
+            <p:ph type="sldImg" idx="2"/>
+          </p:nvPr>
+        </p:nvSpPr>
+        <p:spPr>
+          <a:xfrm>
+            <a:off x="381000" y="685800"/>
+            <a:ext cx="6096000" cy="3429000"/>
+          </a:xfrm>
+          <a:custGeom>
+            <a:avLst/>
+            <a:gdLst/>
+            <a:ahLst/>
+            <a:cxnLst/>
+            <a:rect l="l" t="t" r="r" b="b"/>
+            <a:pathLst>
+              <a:path w="120000" h="120000" extrusionOk="0">
+                <a:moveTo>
+                  <a:pt x="0" y="0"/>
+                </a:moveTo>
+                <a:lnTo>
+                  <a:pt x="120000" y="0"/>
+                </a:lnTo>
+                <a:lnTo>
+                  <a:pt x="120000" y="120000"/>
+                </a:lnTo>
+                <a:lnTo>
+                  <a:pt x="0" y="120000"/>
+                </a:lnTo>
+                <a:close/>
+              </a:path>
+            </a:pathLst>
+          </a:custGeom>
+        </p:spPr>
+      </p:sp>
+      <p:sp>
+        <p:nvSpPr>
+          <p:cNvPr id="85" name="Google Shape;85;g8e62892d88_0_39:notes"/>
+          <p:cNvSpPr txBox="1">
+            <a:spLocks noGrp="1"/>
+          </p:cNvSpPr>
+          <p:nvPr>
+            <p:ph type="body" idx="1"/>
+          </p:nvPr>
+        </p:nvSpPr>
+        <p:spPr>
+          <a:xfrm>
+            <a:off x="685800" y="4343400"/>
+            <a:ext cx="5486400" cy="4114800"/>
+          </a:xfrm>
+          <a:prstGeom prst="rect">
+            <a:avLst/>
+          </a:prstGeom>
+        </p:spPr>
+        <p:txBody>
+          <a:bodyPr spcFirstLastPara="1" wrap="square" lIns="91425" tIns="91425" rIns="91425" bIns="91425" anchor="t" anchorCtr="0">
+            <a:noAutofit/>
+          </a:bodyPr>
+          <a:lstStyle/>
+          <a:p>
+            <a:pPr marL="0" lvl="0" indent="0" algn="l" rtl="0">
+              <a:spcBef>
+                <a:spcPts val="0"/>
+              </a:spcBef>
+              <a:spcAft>
+                <a:spcPts val="0"/>
+              </a:spcAft>
+              <a:buNone/>
+            </a:pPr>
+            <a:endParaRPr/>
+          </a:p>
+        </p:txBody>
+      </p:sp>
+    </p:spTree>
+    <p:extLst>
+      <p:ext uri="{BB962C8B-B14F-4D97-AF65-F5344CB8AC3E}">
+        <p14:creationId xmlns:p14="http://schemas.microsoft.com/office/powerpoint/2010/main" val="1878322315"/>
+      </p:ext>
+    </p:extLst>
+  </p:cSld>
+  <p:clrMapOvr>
+    <a:masterClrMapping/>
+  </p:clrMapOvr>
+</p:notes>
+</file>
+
+<file path=ppt/notesSlides/notesSlide23.xml><?xml version="1.0" encoding="utf-8"?>
+<p:notes xmlns:a="http://schemas.openxmlformats.org/drawingml/2006/main" xmlns:r="http://schemas.openxmlformats.org/officeDocument/2006/relationships" xmlns:p="http://schemas.openxmlformats.org/presentationml/2006/main" showMasterSp="0" showMasterPhAnim="0">
+  <p:cSld>
+    <p:spTree>
+      <p:nvGrpSpPr>
+        <p:cNvPr id="1" name="Shape 83"/>
+        <p:cNvGrpSpPr/>
+        <p:nvPr/>
+      </p:nvGrpSpPr>
+      <p:grpSpPr>
+        <a:xfrm>
+          <a:off x="0" y="0"/>
+          <a:ext cx="0" cy="0"/>
+          <a:chOff x="0" y="0"/>
+          <a:chExt cx="0" cy="0"/>
+        </a:xfrm>
+      </p:grpSpPr>
+      <p:sp>
+        <p:nvSpPr>
+          <p:cNvPr id="84" name="Google Shape;84;g8e62892d88_0_39:notes"/>
+          <p:cNvSpPr>
+            <a:spLocks noGrp="1" noRot="1" noChangeAspect="1"/>
+          </p:cNvSpPr>
+          <p:nvPr>
+            <p:ph type="sldImg" idx="2"/>
+          </p:nvPr>
+        </p:nvSpPr>
+        <p:spPr>
+          <a:xfrm>
+            <a:off x="381000" y="685800"/>
+            <a:ext cx="6096000" cy="3429000"/>
+          </a:xfrm>
+          <a:custGeom>
+            <a:avLst/>
+            <a:gdLst/>
+            <a:ahLst/>
+            <a:cxnLst/>
+            <a:rect l="l" t="t" r="r" b="b"/>
+            <a:pathLst>
+              <a:path w="120000" h="120000" extrusionOk="0">
+                <a:moveTo>
+                  <a:pt x="0" y="0"/>
+                </a:moveTo>
+                <a:lnTo>
+                  <a:pt x="120000" y="0"/>
+                </a:lnTo>
+                <a:lnTo>
+                  <a:pt x="120000" y="120000"/>
+                </a:lnTo>
+                <a:lnTo>
+                  <a:pt x="0" y="120000"/>
+                </a:lnTo>
+                <a:close/>
+              </a:path>
+            </a:pathLst>
+          </a:custGeom>
+        </p:spPr>
+      </p:sp>
+      <p:sp>
+        <p:nvSpPr>
+          <p:cNvPr id="85" name="Google Shape;85;g8e62892d88_0_39:notes"/>
+          <p:cNvSpPr txBox="1">
+            <a:spLocks noGrp="1"/>
+          </p:cNvSpPr>
+          <p:nvPr>
+            <p:ph type="body" idx="1"/>
+          </p:nvPr>
+        </p:nvSpPr>
+        <p:spPr>
+          <a:xfrm>
+            <a:off x="685800" y="4343400"/>
+            <a:ext cx="5486400" cy="4114800"/>
+          </a:xfrm>
+          <a:prstGeom prst="rect">
+            <a:avLst/>
+          </a:prstGeom>
+        </p:spPr>
+        <p:txBody>
+          <a:bodyPr spcFirstLastPara="1" wrap="square" lIns="91425" tIns="91425" rIns="91425" bIns="91425" anchor="t" anchorCtr="0">
+            <a:noAutofit/>
+          </a:bodyPr>
+          <a:lstStyle/>
+          <a:p>
+            <a:pPr marL="0" lvl="0" indent="0" algn="l" rtl="0">
+              <a:spcBef>
+                <a:spcPts val="0"/>
+              </a:spcBef>
+              <a:spcAft>
+                <a:spcPts val="0"/>
+              </a:spcAft>
+              <a:buNone/>
+            </a:pPr>
+            <a:endParaRPr/>
+          </a:p>
+        </p:txBody>
+      </p:sp>
+    </p:spTree>
+    <p:extLst>
+      <p:ext uri="{BB962C8B-B14F-4D97-AF65-F5344CB8AC3E}">
+        <p14:creationId xmlns:p14="http://schemas.microsoft.com/office/powerpoint/2010/main" val="3524514323"/>
+      </p:ext>
+    </p:extLst>
+  </p:cSld>
+  <p:clrMapOvr>
+    <a:masterClrMapping/>
+  </p:clrMapOvr>
+</p:notes>
+</file>
+
+<file path=ppt/notesSlides/notesSlide24.xml><?xml version="1.0" encoding="utf-8"?>
+<p:notes xmlns:a="http://schemas.openxmlformats.org/drawingml/2006/main" xmlns:r="http://schemas.openxmlformats.org/officeDocument/2006/relationships" xmlns:p="http://schemas.openxmlformats.org/presentationml/2006/main" showMasterSp="0" showMasterPhAnim="0">
+  <p:cSld>
+    <p:spTree>
+      <p:nvGrpSpPr>
+        <p:cNvPr id="1" name="Shape 83"/>
+        <p:cNvGrpSpPr/>
+        <p:nvPr/>
+      </p:nvGrpSpPr>
+      <p:grpSpPr>
+        <a:xfrm>
+          <a:off x="0" y="0"/>
+          <a:ext cx="0" cy="0"/>
+          <a:chOff x="0" y="0"/>
+          <a:chExt cx="0" cy="0"/>
+        </a:xfrm>
+      </p:grpSpPr>
+      <p:sp>
+        <p:nvSpPr>
+          <p:cNvPr id="84" name="Google Shape;84;g8e62892d88_0_39:notes"/>
+          <p:cNvSpPr>
+            <a:spLocks noGrp="1" noRot="1" noChangeAspect="1"/>
+          </p:cNvSpPr>
+          <p:nvPr>
+            <p:ph type="sldImg" idx="2"/>
+          </p:nvPr>
+        </p:nvSpPr>
+        <p:spPr>
+          <a:xfrm>
+            <a:off x="381000" y="685800"/>
+            <a:ext cx="6096000" cy="3429000"/>
+          </a:xfrm>
+          <a:custGeom>
+            <a:avLst/>
+            <a:gdLst/>
+            <a:ahLst/>
+            <a:cxnLst/>
+            <a:rect l="l" t="t" r="r" b="b"/>
+            <a:pathLst>
+              <a:path w="120000" h="120000" extrusionOk="0">
+                <a:moveTo>
+                  <a:pt x="0" y="0"/>
+                </a:moveTo>
+                <a:lnTo>
+                  <a:pt x="120000" y="0"/>
+                </a:lnTo>
+                <a:lnTo>
+                  <a:pt x="120000" y="120000"/>
+                </a:lnTo>
+                <a:lnTo>
+                  <a:pt x="0" y="120000"/>
+                </a:lnTo>
+                <a:close/>
+              </a:path>
+            </a:pathLst>
+          </a:custGeom>
+        </p:spPr>
+      </p:sp>
+      <p:sp>
+        <p:nvSpPr>
+          <p:cNvPr id="85" name="Google Shape;85;g8e62892d88_0_39:notes"/>
+          <p:cNvSpPr txBox="1">
+            <a:spLocks noGrp="1"/>
+          </p:cNvSpPr>
+          <p:nvPr>
+            <p:ph type="body" idx="1"/>
+          </p:nvPr>
+        </p:nvSpPr>
+        <p:spPr>
+          <a:xfrm>
+            <a:off x="685800" y="4343400"/>
+            <a:ext cx="5486400" cy="4114800"/>
+          </a:xfrm>
+          <a:prstGeom prst="rect">
+            <a:avLst/>
+          </a:prstGeom>
+        </p:spPr>
+        <p:txBody>
+          <a:bodyPr spcFirstLastPara="1" wrap="square" lIns="91425" tIns="91425" rIns="91425" bIns="91425" anchor="t" anchorCtr="0">
+            <a:noAutofit/>
+          </a:bodyPr>
+          <a:lstStyle/>
+          <a:p>
+            <a:pPr marL="0" lvl="0" indent="0" algn="l" rtl="0">
+              <a:spcBef>
+                <a:spcPts val="0"/>
+              </a:spcBef>
+              <a:spcAft>
+                <a:spcPts val="0"/>
+              </a:spcAft>
+              <a:buNone/>
+            </a:pPr>
+            <a:endParaRPr/>
+          </a:p>
+        </p:txBody>
+      </p:sp>
+    </p:spTree>
+    <p:extLst>
+      <p:ext uri="{BB962C8B-B14F-4D97-AF65-F5344CB8AC3E}">
+        <p14:creationId xmlns:p14="http://schemas.microsoft.com/office/powerpoint/2010/main" val="447364719"/>
+      </p:ext>
+    </p:extLst>
+  </p:cSld>
+  <p:clrMapOvr>
+    <a:masterClrMapping/>
+  </p:clrMapOvr>
+</p:notes>
+</file>
+
+<file path=ppt/notesSlides/notesSlide25.xml><?xml version="1.0" encoding="utf-8"?>
+<p:notes xmlns:a="http://schemas.openxmlformats.org/drawingml/2006/main" xmlns:r="http://schemas.openxmlformats.org/officeDocument/2006/relationships" xmlns:p="http://schemas.openxmlformats.org/presentationml/2006/main" showMasterSp="0" showMasterPhAnim="0">
+  <p:cSld>
+    <p:spTree>
+      <p:nvGrpSpPr>
+        <p:cNvPr id="1" name="Shape 83"/>
+        <p:cNvGrpSpPr/>
+        <p:nvPr/>
+      </p:nvGrpSpPr>
+      <p:grpSpPr>
+        <a:xfrm>
+          <a:off x="0" y="0"/>
+          <a:ext cx="0" cy="0"/>
+          <a:chOff x="0" y="0"/>
+          <a:chExt cx="0" cy="0"/>
+        </a:xfrm>
+      </p:grpSpPr>
+      <p:sp>
+        <p:nvSpPr>
+          <p:cNvPr id="84" name="Google Shape;84;g8e62892d88_0_39:notes"/>
+          <p:cNvSpPr>
+            <a:spLocks noGrp="1" noRot="1" noChangeAspect="1"/>
+          </p:cNvSpPr>
+          <p:nvPr>
+            <p:ph type="sldImg" idx="2"/>
+          </p:nvPr>
+        </p:nvSpPr>
+        <p:spPr>
+          <a:xfrm>
+            <a:off x="381000" y="685800"/>
+            <a:ext cx="6096000" cy="3429000"/>
+          </a:xfrm>
+          <a:custGeom>
+            <a:avLst/>
+            <a:gdLst/>
+            <a:ahLst/>
+            <a:cxnLst/>
+            <a:rect l="l" t="t" r="r" b="b"/>
+            <a:pathLst>
+              <a:path w="120000" h="120000" extrusionOk="0">
+                <a:moveTo>
+                  <a:pt x="0" y="0"/>
+                </a:moveTo>
+                <a:lnTo>
+                  <a:pt x="120000" y="0"/>
+                </a:lnTo>
+                <a:lnTo>
+                  <a:pt x="120000" y="120000"/>
+                </a:lnTo>
+                <a:lnTo>
+                  <a:pt x="0" y="120000"/>
+                </a:lnTo>
+                <a:close/>
+              </a:path>
+            </a:pathLst>
+          </a:custGeom>
+        </p:spPr>
+      </p:sp>
+      <p:sp>
+        <p:nvSpPr>
+          <p:cNvPr id="85" name="Google Shape;85;g8e62892d88_0_39:notes"/>
+          <p:cNvSpPr txBox="1">
+            <a:spLocks noGrp="1"/>
+          </p:cNvSpPr>
+          <p:nvPr>
+            <p:ph type="body" idx="1"/>
+          </p:nvPr>
+        </p:nvSpPr>
+        <p:spPr>
+          <a:xfrm>
+            <a:off x="685800" y="4343400"/>
+            <a:ext cx="5486400" cy="4114800"/>
+          </a:xfrm>
+          <a:prstGeom prst="rect">
+            <a:avLst/>
+          </a:prstGeom>
+        </p:spPr>
+        <p:txBody>
+          <a:bodyPr spcFirstLastPara="1" wrap="square" lIns="91425" tIns="91425" rIns="91425" bIns="91425" anchor="t" anchorCtr="0">
+            <a:noAutofit/>
+          </a:bodyPr>
+          <a:lstStyle/>
+          <a:p>
+            <a:pPr marL="0" lvl="0" indent="0" algn="l" rtl="0">
+              <a:spcBef>
+                <a:spcPts val="0"/>
+              </a:spcBef>
+              <a:spcAft>
+                <a:spcPts val="0"/>
+              </a:spcAft>
+              <a:buNone/>
+            </a:pPr>
+            <a:endParaRPr/>
+          </a:p>
+        </p:txBody>
+      </p:sp>
+    </p:spTree>
+    <p:extLst>
+      <p:ext uri="{BB962C8B-B14F-4D97-AF65-F5344CB8AC3E}">
+        <p14:creationId xmlns:p14="http://schemas.microsoft.com/office/powerpoint/2010/main" val="3281967869"/>
+      </p:ext>
+    </p:extLst>
+  </p:cSld>
+  <p:clrMapOvr>
+    <a:masterClrMapping/>
+  </p:clrMapOvr>
+</p:notes>
+</file>
+
+<file path=ppt/notesSlides/notesSlide26.xml><?xml version="1.0" encoding="utf-8"?>
+<p:notes xmlns:a="http://schemas.openxmlformats.org/drawingml/2006/main" xmlns:r="http://schemas.openxmlformats.org/officeDocument/2006/relationships" xmlns:p="http://schemas.openxmlformats.org/presentationml/2006/main" showMasterSp="0" showMasterPhAnim="0">
+  <p:cSld>
+    <p:spTree>
+      <p:nvGrpSpPr>
+        <p:cNvPr id="1" name="Shape 83"/>
+        <p:cNvGrpSpPr/>
+        <p:nvPr/>
+      </p:nvGrpSpPr>
+      <p:grpSpPr>
+        <a:xfrm>
+          <a:off x="0" y="0"/>
+          <a:ext cx="0" cy="0"/>
+          <a:chOff x="0" y="0"/>
+          <a:chExt cx="0" cy="0"/>
+        </a:xfrm>
+      </p:grpSpPr>
+      <p:sp>
+        <p:nvSpPr>
+          <p:cNvPr id="84" name="Google Shape;84;g8e62892d88_0_39:notes"/>
+          <p:cNvSpPr>
+            <a:spLocks noGrp="1" noRot="1" noChangeAspect="1"/>
+          </p:cNvSpPr>
+          <p:nvPr>
+            <p:ph type="sldImg" idx="2"/>
+          </p:nvPr>
+        </p:nvSpPr>
+        <p:spPr>
+          <a:xfrm>
+            <a:off x="381000" y="685800"/>
+            <a:ext cx="6096000" cy="3429000"/>
+          </a:xfrm>
+          <a:custGeom>
+            <a:avLst/>
+            <a:gdLst/>
+            <a:ahLst/>
+            <a:cxnLst/>
+            <a:rect l="l" t="t" r="r" b="b"/>
+            <a:pathLst>
+              <a:path w="120000" h="120000" extrusionOk="0">
+                <a:moveTo>
+                  <a:pt x="0" y="0"/>
+                </a:moveTo>
+                <a:lnTo>
+                  <a:pt x="120000" y="0"/>
+                </a:lnTo>
+                <a:lnTo>
+                  <a:pt x="120000" y="120000"/>
+                </a:lnTo>
+                <a:lnTo>
+                  <a:pt x="0" y="120000"/>
+                </a:lnTo>
+                <a:close/>
+              </a:path>
+            </a:pathLst>
+          </a:custGeom>
+        </p:spPr>
+      </p:sp>
+      <p:sp>
+        <p:nvSpPr>
+          <p:cNvPr id="85" name="Google Shape;85;g8e62892d88_0_39:notes"/>
+          <p:cNvSpPr txBox="1">
+            <a:spLocks noGrp="1"/>
+          </p:cNvSpPr>
+          <p:nvPr>
+            <p:ph type="body" idx="1"/>
+          </p:nvPr>
+        </p:nvSpPr>
+        <p:spPr>
+          <a:xfrm>
+            <a:off x="685800" y="4343400"/>
+            <a:ext cx="5486400" cy="4114800"/>
+          </a:xfrm>
+          <a:prstGeom prst="rect">
+            <a:avLst/>
+          </a:prstGeom>
+        </p:spPr>
+        <p:txBody>
+          <a:bodyPr spcFirstLastPara="1" wrap="square" lIns="91425" tIns="91425" rIns="91425" bIns="91425" anchor="t" anchorCtr="0">
+            <a:noAutofit/>
+          </a:bodyPr>
+          <a:lstStyle/>
+          <a:p>
+            <a:pPr marL="0" lvl="0" indent="0" algn="l" rtl="0">
+              <a:spcBef>
+                <a:spcPts val="0"/>
+              </a:spcBef>
+              <a:spcAft>
+                <a:spcPts val="0"/>
+              </a:spcAft>
+              <a:buNone/>
+            </a:pPr>
+            <a:endParaRPr/>
+          </a:p>
+        </p:txBody>
+      </p:sp>
+    </p:spTree>
+    <p:extLst>
+      <p:ext uri="{BB962C8B-B14F-4D97-AF65-F5344CB8AC3E}">
+        <p14:creationId xmlns:p14="http://schemas.microsoft.com/office/powerpoint/2010/main" val="3600525741"/>
+      </p:ext>
+    </p:extLst>
+  </p:cSld>
+  <p:clrMapOvr>
+    <a:masterClrMapping/>
+  </p:clrMapOvr>
+</p:notes>
+</file>
+
+<file path=ppt/notesSlides/notesSlide27.xml><?xml version="1.0" encoding="utf-8"?>
+<p:notes xmlns:a="http://schemas.openxmlformats.org/drawingml/2006/main" xmlns:r="http://schemas.openxmlformats.org/officeDocument/2006/relationships" xmlns:p="http://schemas.openxmlformats.org/presentationml/2006/main" showMasterSp="0" showMasterPhAnim="0">
+  <p:cSld>
+    <p:spTree>
+      <p:nvGrpSpPr>
+        <p:cNvPr id="1" name="Shape 83"/>
+        <p:cNvGrpSpPr/>
+        <p:nvPr/>
+      </p:nvGrpSpPr>
+      <p:grpSpPr>
+        <a:xfrm>
+          <a:off x="0" y="0"/>
+          <a:ext cx="0" cy="0"/>
+          <a:chOff x="0" y="0"/>
+          <a:chExt cx="0" cy="0"/>
+        </a:xfrm>
+      </p:grpSpPr>
+      <p:sp>
+        <p:nvSpPr>
+          <p:cNvPr id="84" name="Google Shape;84;g8e62892d88_0_39:notes"/>
+          <p:cNvSpPr>
+            <a:spLocks noGrp="1" noRot="1" noChangeAspect="1"/>
+          </p:cNvSpPr>
+          <p:nvPr>
+            <p:ph type="sldImg" idx="2"/>
+          </p:nvPr>
+        </p:nvSpPr>
+        <p:spPr>
+          <a:xfrm>
+            <a:off x="381000" y="685800"/>
+            <a:ext cx="6096000" cy="3429000"/>
+          </a:xfrm>
+          <a:custGeom>
+            <a:avLst/>
+            <a:gdLst/>
+            <a:ahLst/>
+            <a:cxnLst/>
+            <a:rect l="l" t="t" r="r" b="b"/>
+            <a:pathLst>
+              <a:path w="120000" h="120000" extrusionOk="0">
+                <a:moveTo>
+                  <a:pt x="0" y="0"/>
+                </a:moveTo>
+                <a:lnTo>
+                  <a:pt x="120000" y="0"/>
+                </a:lnTo>
+                <a:lnTo>
+                  <a:pt x="120000" y="120000"/>
+                </a:lnTo>
+                <a:lnTo>
+                  <a:pt x="0" y="120000"/>
+                </a:lnTo>
+                <a:close/>
+              </a:path>
+            </a:pathLst>
+          </a:custGeom>
+        </p:spPr>
+      </p:sp>
+      <p:sp>
+        <p:nvSpPr>
+          <p:cNvPr id="85" name="Google Shape;85;g8e62892d88_0_39:notes"/>
+          <p:cNvSpPr txBox="1">
+            <a:spLocks noGrp="1"/>
+          </p:cNvSpPr>
+          <p:nvPr>
+            <p:ph type="body" idx="1"/>
+          </p:nvPr>
+        </p:nvSpPr>
+        <p:spPr>
+          <a:xfrm>
+            <a:off x="685800" y="4343400"/>
+            <a:ext cx="5486400" cy="4114800"/>
+          </a:xfrm>
+          <a:prstGeom prst="rect">
+            <a:avLst/>
+          </a:prstGeom>
+        </p:spPr>
+        <p:txBody>
+          <a:bodyPr spcFirstLastPara="1" wrap="square" lIns="91425" tIns="91425" rIns="91425" bIns="91425" anchor="t" anchorCtr="0">
+            <a:noAutofit/>
+          </a:bodyPr>
+          <a:lstStyle/>
+          <a:p>
+            <a:pPr marL="0" lvl="0" indent="0" algn="l" rtl="0">
+              <a:spcBef>
+                <a:spcPts val="0"/>
+              </a:spcBef>
+              <a:spcAft>
+                <a:spcPts val="0"/>
+              </a:spcAft>
+              <a:buNone/>
+            </a:pPr>
+            <a:endParaRPr/>
+          </a:p>
+        </p:txBody>
+      </p:sp>
+    </p:spTree>
+    <p:extLst>
+      <p:ext uri="{BB962C8B-B14F-4D97-AF65-F5344CB8AC3E}">
+        <p14:creationId xmlns:p14="http://schemas.microsoft.com/office/powerpoint/2010/main" val="4229238341"/>
+      </p:ext>
+    </p:extLst>
+  </p:cSld>
+  <p:clrMapOvr>
+    <a:masterClrMapping/>
+  </p:clrMapOvr>
+</p:notes>
+</file>
+
+<file path=ppt/notesSlides/notesSlide28.xml><?xml version="1.0" encoding="utf-8"?>
+<p:notes xmlns:a="http://schemas.openxmlformats.org/drawingml/2006/main" xmlns:r="http://schemas.openxmlformats.org/officeDocument/2006/relationships" xmlns:p="http://schemas.openxmlformats.org/presentationml/2006/main" showMasterSp="0" showMasterPhAnim="0">
+  <p:cSld>
+    <p:spTree>
+      <p:nvGrpSpPr>
+        <p:cNvPr id="1" name="Shape 83"/>
+        <p:cNvGrpSpPr/>
+        <p:nvPr/>
+      </p:nvGrpSpPr>
+      <p:grpSpPr>
+        <a:xfrm>
+          <a:off x="0" y="0"/>
+          <a:ext cx="0" cy="0"/>
+          <a:chOff x="0" y="0"/>
+          <a:chExt cx="0" cy="0"/>
+        </a:xfrm>
+      </p:grpSpPr>
+      <p:sp>
+        <p:nvSpPr>
+          <p:cNvPr id="84" name="Google Shape;84;g8e62892d88_0_39:notes"/>
+          <p:cNvSpPr>
+            <a:spLocks noGrp="1" noRot="1" noChangeAspect="1"/>
+          </p:cNvSpPr>
+          <p:nvPr>
+            <p:ph type="sldImg" idx="2"/>
+          </p:nvPr>
+        </p:nvSpPr>
+        <p:spPr>
+          <a:xfrm>
+            <a:off x="381000" y="685800"/>
+            <a:ext cx="6096000" cy="3429000"/>
+          </a:xfrm>
+          <a:custGeom>
+            <a:avLst/>
+            <a:gdLst/>
+            <a:ahLst/>
+            <a:cxnLst/>
+            <a:rect l="l" t="t" r="r" b="b"/>
+            <a:pathLst>
+              <a:path w="120000" h="120000" extrusionOk="0">
+                <a:moveTo>
+                  <a:pt x="0" y="0"/>
+                </a:moveTo>
+                <a:lnTo>
+                  <a:pt x="120000" y="0"/>
+                </a:lnTo>
+                <a:lnTo>
+                  <a:pt x="120000" y="120000"/>
+                </a:lnTo>
+                <a:lnTo>
+                  <a:pt x="0" y="120000"/>
+                </a:lnTo>
+                <a:close/>
+              </a:path>
+            </a:pathLst>
+          </a:custGeom>
+        </p:spPr>
+      </p:sp>
+      <p:sp>
+        <p:nvSpPr>
+          <p:cNvPr id="85" name="Google Shape;85;g8e62892d88_0_39:notes"/>
+          <p:cNvSpPr txBox="1">
+            <a:spLocks noGrp="1"/>
+          </p:cNvSpPr>
+          <p:nvPr>
+            <p:ph type="body" idx="1"/>
+          </p:nvPr>
+        </p:nvSpPr>
+        <p:spPr>
+          <a:xfrm>
+            <a:off x="685800" y="4343400"/>
+            <a:ext cx="5486400" cy="4114800"/>
+          </a:xfrm>
+          <a:prstGeom prst="rect">
+            <a:avLst/>
+          </a:prstGeom>
+        </p:spPr>
+        <p:txBody>
+          <a:bodyPr spcFirstLastPara="1" wrap="square" lIns="91425" tIns="91425" rIns="91425" bIns="91425" anchor="t" anchorCtr="0">
+            <a:noAutofit/>
+          </a:bodyPr>
+          <a:lstStyle/>
+          <a:p>
+            <a:pPr marL="0" lvl="0" indent="0" algn="l" rtl="0">
+              <a:spcBef>
+                <a:spcPts val="0"/>
+              </a:spcBef>
+              <a:spcAft>
+                <a:spcPts val="0"/>
+              </a:spcAft>
+              <a:buNone/>
+            </a:pPr>
+            <a:endParaRPr/>
+          </a:p>
+        </p:txBody>
+      </p:sp>
+    </p:spTree>
+    <p:extLst>
+      <p:ext uri="{BB962C8B-B14F-4D97-AF65-F5344CB8AC3E}">
+        <p14:creationId xmlns:p14="http://schemas.microsoft.com/office/powerpoint/2010/main" val="3660717598"/>
+      </p:ext>
+    </p:extLst>
+  </p:cSld>
+  <p:clrMapOvr>
+    <a:masterClrMapping/>
+  </p:clrMapOvr>
+</p:notes>
+</file>
+
+<file path=ppt/notesSlides/notesSlide29.xml><?xml version="1.0" encoding="utf-8"?>
+<p:notes xmlns:a="http://schemas.openxmlformats.org/drawingml/2006/main" xmlns:r="http://schemas.openxmlformats.org/officeDocument/2006/relationships" xmlns:p="http://schemas.openxmlformats.org/presentationml/2006/main" showMasterSp="0" showMasterPhAnim="0">
+  <p:cSld>
+    <p:spTree>
+      <p:nvGrpSpPr>
+        <p:cNvPr id="1" name="Shape 83"/>
+        <p:cNvGrpSpPr/>
+        <p:nvPr/>
+      </p:nvGrpSpPr>
+      <p:grpSpPr>
+        <a:xfrm>
+          <a:off x="0" y="0"/>
+          <a:ext cx="0" cy="0"/>
+          <a:chOff x="0" y="0"/>
+          <a:chExt cx="0" cy="0"/>
+        </a:xfrm>
+      </p:grpSpPr>
+      <p:sp>
+        <p:nvSpPr>
+          <p:cNvPr id="84" name="Google Shape;84;g8e62892d88_0_39:notes"/>
+          <p:cNvSpPr>
+            <a:spLocks noGrp="1" noRot="1" noChangeAspect="1"/>
+          </p:cNvSpPr>
+          <p:nvPr>
+            <p:ph type="sldImg" idx="2"/>
+          </p:nvPr>
+        </p:nvSpPr>
+        <p:spPr>
+          <a:xfrm>
+            <a:off x="381000" y="685800"/>
+            <a:ext cx="6096000" cy="3429000"/>
+          </a:xfrm>
+          <a:custGeom>
+            <a:avLst/>
+            <a:gdLst/>
+            <a:ahLst/>
+            <a:cxnLst/>
+            <a:rect l="l" t="t" r="r" b="b"/>
+            <a:pathLst>
+              <a:path w="120000" h="120000" extrusionOk="0">
+                <a:moveTo>
+                  <a:pt x="0" y="0"/>
+                </a:moveTo>
+                <a:lnTo>
+                  <a:pt x="120000" y="0"/>
+                </a:lnTo>
+                <a:lnTo>
+                  <a:pt x="120000" y="120000"/>
+                </a:lnTo>
+                <a:lnTo>
+                  <a:pt x="0" y="120000"/>
+                </a:lnTo>
+                <a:close/>
+              </a:path>
+            </a:pathLst>
+          </a:custGeom>
+        </p:spPr>
+      </p:sp>
+      <p:sp>
+        <p:nvSpPr>
+          <p:cNvPr id="85" name="Google Shape;85;g8e62892d88_0_39:notes"/>
+          <p:cNvSpPr txBox="1">
+            <a:spLocks noGrp="1"/>
+          </p:cNvSpPr>
+          <p:nvPr>
+            <p:ph type="body" idx="1"/>
+          </p:nvPr>
+        </p:nvSpPr>
+        <p:spPr>
+          <a:xfrm>
+            <a:off x="685800" y="4343400"/>
+            <a:ext cx="5486400" cy="4114800"/>
+          </a:xfrm>
+          <a:prstGeom prst="rect">
+            <a:avLst/>
+          </a:prstGeom>
+        </p:spPr>
+        <p:txBody>
+          <a:bodyPr spcFirstLastPara="1" wrap="square" lIns="91425" tIns="91425" rIns="91425" bIns="91425" anchor="t" anchorCtr="0">
+            <a:noAutofit/>
+          </a:bodyPr>
+          <a:lstStyle/>
+          <a:p>
+            <a:pPr marL="0" lvl="0" indent="0" algn="l" rtl="0">
+              <a:spcBef>
+                <a:spcPts val="0"/>
+              </a:spcBef>
+              <a:spcAft>
+                <a:spcPts val="0"/>
+              </a:spcAft>
+              <a:buNone/>
+            </a:pPr>
+            <a:endParaRPr/>
+          </a:p>
+        </p:txBody>
+      </p:sp>
+    </p:spTree>
+    <p:extLst>
+      <p:ext uri="{BB962C8B-B14F-4D97-AF65-F5344CB8AC3E}">
+        <p14:creationId xmlns:p14="http://schemas.microsoft.com/office/powerpoint/2010/main" val="613604128"/>
+      </p:ext>
+    </p:extLst>
+  </p:cSld>
+  <p:clrMapOvr>
+    <a:masterClrMapping/>
+  </p:clrMapOvr>
+</p:notes>
+</file>
+
 <file path=ppt/notesSlides/notesSlide3.xml><?xml version="1.0" encoding="utf-8"?>
 <p:notes xmlns:a="http://schemas.openxmlformats.org/drawingml/2006/main" xmlns:r="http://schemas.openxmlformats.org/officeDocument/2006/relationships" xmlns:p="http://schemas.openxmlformats.org/presentationml/2006/main" showMasterSp="0" showMasterPhAnim="0">
   <p:cSld>
@@ -1664,6 +3218,432 @@
         <p14:creationId xmlns:p14="http://schemas.microsoft.com/office/powerpoint/2010/main" val="501843866"/>
       </p:ext>
     </p:extLst>
+  </p:cSld>
+  <p:clrMapOvr>
+    <a:masterClrMapping/>
+  </p:clrMapOvr>
+</p:notes>
+</file>
+
+<file path=ppt/notesSlides/notesSlide30.xml><?xml version="1.0" encoding="utf-8"?>
+<p:notes xmlns:a="http://schemas.openxmlformats.org/drawingml/2006/main" xmlns:r="http://schemas.openxmlformats.org/officeDocument/2006/relationships" xmlns:p="http://schemas.openxmlformats.org/presentationml/2006/main" showMasterSp="0" showMasterPhAnim="0">
+  <p:cSld>
+    <p:spTree>
+      <p:nvGrpSpPr>
+        <p:cNvPr id="1" name="Shape 83"/>
+        <p:cNvGrpSpPr/>
+        <p:nvPr/>
+      </p:nvGrpSpPr>
+      <p:grpSpPr>
+        <a:xfrm>
+          <a:off x="0" y="0"/>
+          <a:ext cx="0" cy="0"/>
+          <a:chOff x="0" y="0"/>
+          <a:chExt cx="0" cy="0"/>
+        </a:xfrm>
+      </p:grpSpPr>
+      <p:sp>
+        <p:nvSpPr>
+          <p:cNvPr id="84" name="Google Shape;84;g8e62892d88_0_39:notes"/>
+          <p:cNvSpPr>
+            <a:spLocks noGrp="1" noRot="1" noChangeAspect="1"/>
+          </p:cNvSpPr>
+          <p:nvPr>
+            <p:ph type="sldImg" idx="2"/>
+          </p:nvPr>
+        </p:nvSpPr>
+        <p:spPr>
+          <a:xfrm>
+            <a:off x="381000" y="685800"/>
+            <a:ext cx="6096000" cy="3429000"/>
+          </a:xfrm>
+          <a:custGeom>
+            <a:avLst/>
+            <a:gdLst/>
+            <a:ahLst/>
+            <a:cxnLst/>
+            <a:rect l="l" t="t" r="r" b="b"/>
+            <a:pathLst>
+              <a:path w="120000" h="120000" extrusionOk="0">
+                <a:moveTo>
+                  <a:pt x="0" y="0"/>
+                </a:moveTo>
+                <a:lnTo>
+                  <a:pt x="120000" y="0"/>
+                </a:lnTo>
+                <a:lnTo>
+                  <a:pt x="120000" y="120000"/>
+                </a:lnTo>
+                <a:lnTo>
+                  <a:pt x="0" y="120000"/>
+                </a:lnTo>
+                <a:close/>
+              </a:path>
+            </a:pathLst>
+          </a:custGeom>
+        </p:spPr>
+      </p:sp>
+      <p:sp>
+        <p:nvSpPr>
+          <p:cNvPr id="85" name="Google Shape;85;g8e62892d88_0_39:notes"/>
+          <p:cNvSpPr txBox="1">
+            <a:spLocks noGrp="1"/>
+          </p:cNvSpPr>
+          <p:nvPr>
+            <p:ph type="body" idx="1"/>
+          </p:nvPr>
+        </p:nvSpPr>
+        <p:spPr>
+          <a:xfrm>
+            <a:off x="685800" y="4343400"/>
+            <a:ext cx="5486400" cy="4114800"/>
+          </a:xfrm>
+          <a:prstGeom prst="rect">
+            <a:avLst/>
+          </a:prstGeom>
+        </p:spPr>
+        <p:txBody>
+          <a:bodyPr spcFirstLastPara="1" wrap="square" lIns="91425" tIns="91425" rIns="91425" bIns="91425" anchor="t" anchorCtr="0">
+            <a:noAutofit/>
+          </a:bodyPr>
+          <a:lstStyle/>
+          <a:p>
+            <a:pPr marL="0" lvl="0" indent="0" algn="l" rtl="0">
+              <a:spcBef>
+                <a:spcPts val="0"/>
+              </a:spcBef>
+              <a:spcAft>
+                <a:spcPts val="0"/>
+              </a:spcAft>
+              <a:buNone/>
+            </a:pPr>
+            <a:endParaRPr/>
+          </a:p>
+        </p:txBody>
+      </p:sp>
+    </p:spTree>
+    <p:extLst>
+      <p:ext uri="{BB962C8B-B14F-4D97-AF65-F5344CB8AC3E}">
+        <p14:creationId xmlns:p14="http://schemas.microsoft.com/office/powerpoint/2010/main" val="1639034757"/>
+      </p:ext>
+    </p:extLst>
+  </p:cSld>
+  <p:clrMapOvr>
+    <a:masterClrMapping/>
+  </p:clrMapOvr>
+</p:notes>
+</file>
+
+<file path=ppt/notesSlides/notesSlide31.xml><?xml version="1.0" encoding="utf-8"?>
+<p:notes xmlns:a="http://schemas.openxmlformats.org/drawingml/2006/main" xmlns:r="http://schemas.openxmlformats.org/officeDocument/2006/relationships" xmlns:p="http://schemas.openxmlformats.org/presentationml/2006/main" showMasterSp="0" showMasterPhAnim="0">
+  <p:cSld>
+    <p:spTree>
+      <p:nvGrpSpPr>
+        <p:cNvPr id="1" name="Shape 83"/>
+        <p:cNvGrpSpPr/>
+        <p:nvPr/>
+      </p:nvGrpSpPr>
+      <p:grpSpPr>
+        <a:xfrm>
+          <a:off x="0" y="0"/>
+          <a:ext cx="0" cy="0"/>
+          <a:chOff x="0" y="0"/>
+          <a:chExt cx="0" cy="0"/>
+        </a:xfrm>
+      </p:grpSpPr>
+      <p:sp>
+        <p:nvSpPr>
+          <p:cNvPr id="84" name="Google Shape;84;g8e62892d88_0_39:notes"/>
+          <p:cNvSpPr>
+            <a:spLocks noGrp="1" noRot="1" noChangeAspect="1"/>
+          </p:cNvSpPr>
+          <p:nvPr>
+            <p:ph type="sldImg" idx="2"/>
+          </p:nvPr>
+        </p:nvSpPr>
+        <p:spPr>
+          <a:xfrm>
+            <a:off x="381000" y="685800"/>
+            <a:ext cx="6096000" cy="3429000"/>
+          </a:xfrm>
+          <a:custGeom>
+            <a:avLst/>
+            <a:gdLst/>
+            <a:ahLst/>
+            <a:cxnLst/>
+            <a:rect l="l" t="t" r="r" b="b"/>
+            <a:pathLst>
+              <a:path w="120000" h="120000" extrusionOk="0">
+                <a:moveTo>
+                  <a:pt x="0" y="0"/>
+                </a:moveTo>
+                <a:lnTo>
+                  <a:pt x="120000" y="0"/>
+                </a:lnTo>
+                <a:lnTo>
+                  <a:pt x="120000" y="120000"/>
+                </a:lnTo>
+                <a:lnTo>
+                  <a:pt x="0" y="120000"/>
+                </a:lnTo>
+                <a:close/>
+              </a:path>
+            </a:pathLst>
+          </a:custGeom>
+        </p:spPr>
+      </p:sp>
+      <p:sp>
+        <p:nvSpPr>
+          <p:cNvPr id="85" name="Google Shape;85;g8e62892d88_0_39:notes"/>
+          <p:cNvSpPr txBox="1">
+            <a:spLocks noGrp="1"/>
+          </p:cNvSpPr>
+          <p:nvPr>
+            <p:ph type="body" idx="1"/>
+          </p:nvPr>
+        </p:nvSpPr>
+        <p:spPr>
+          <a:xfrm>
+            <a:off x="685800" y="4343400"/>
+            <a:ext cx="5486400" cy="4114800"/>
+          </a:xfrm>
+          <a:prstGeom prst="rect">
+            <a:avLst/>
+          </a:prstGeom>
+        </p:spPr>
+        <p:txBody>
+          <a:bodyPr spcFirstLastPara="1" wrap="square" lIns="91425" tIns="91425" rIns="91425" bIns="91425" anchor="t" anchorCtr="0">
+            <a:noAutofit/>
+          </a:bodyPr>
+          <a:lstStyle/>
+          <a:p>
+            <a:pPr marL="0" lvl="0" indent="0" algn="l" rtl="0">
+              <a:spcBef>
+                <a:spcPts val="0"/>
+              </a:spcBef>
+              <a:spcAft>
+                <a:spcPts val="0"/>
+              </a:spcAft>
+              <a:buNone/>
+            </a:pPr>
+            <a:endParaRPr/>
+          </a:p>
+        </p:txBody>
+      </p:sp>
+    </p:spTree>
+    <p:extLst>
+      <p:ext uri="{BB962C8B-B14F-4D97-AF65-F5344CB8AC3E}">
+        <p14:creationId xmlns:p14="http://schemas.microsoft.com/office/powerpoint/2010/main" val="633737267"/>
+      </p:ext>
+    </p:extLst>
+  </p:cSld>
+  <p:clrMapOvr>
+    <a:masterClrMapping/>
+  </p:clrMapOvr>
+</p:notes>
+</file>
+
+<file path=ppt/notesSlides/notesSlide32.xml><?xml version="1.0" encoding="utf-8"?>
+<p:notes xmlns:a="http://schemas.openxmlformats.org/drawingml/2006/main" xmlns:r="http://schemas.openxmlformats.org/officeDocument/2006/relationships" xmlns:p="http://schemas.openxmlformats.org/presentationml/2006/main" showMasterSp="0" showMasterPhAnim="0">
+  <p:cSld>
+    <p:spTree>
+      <p:nvGrpSpPr>
+        <p:cNvPr id="1" name="Shape 91"/>
+        <p:cNvGrpSpPr/>
+        <p:nvPr/>
+      </p:nvGrpSpPr>
+      <p:grpSpPr>
+        <a:xfrm>
+          <a:off x="0" y="0"/>
+          <a:ext cx="0" cy="0"/>
+          <a:chOff x="0" y="0"/>
+          <a:chExt cx="0" cy="0"/>
+        </a:xfrm>
+      </p:grpSpPr>
+      <p:sp>
+        <p:nvSpPr>
+          <p:cNvPr id="92" name="Google Shape;92;g8e62892d88_0_46:notes"/>
+          <p:cNvSpPr>
+            <a:spLocks noGrp="1" noRot="1" noChangeAspect="1"/>
+          </p:cNvSpPr>
+          <p:nvPr>
+            <p:ph type="sldImg" idx="2"/>
+          </p:nvPr>
+        </p:nvSpPr>
+        <p:spPr>
+          <a:xfrm>
+            <a:off x="381000" y="685800"/>
+            <a:ext cx="6096000" cy="3429000"/>
+          </a:xfrm>
+          <a:custGeom>
+            <a:avLst/>
+            <a:gdLst/>
+            <a:ahLst/>
+            <a:cxnLst/>
+            <a:rect l="l" t="t" r="r" b="b"/>
+            <a:pathLst>
+              <a:path w="120000" h="120000" extrusionOk="0">
+                <a:moveTo>
+                  <a:pt x="0" y="0"/>
+                </a:moveTo>
+                <a:lnTo>
+                  <a:pt x="120000" y="0"/>
+                </a:lnTo>
+                <a:lnTo>
+                  <a:pt x="120000" y="120000"/>
+                </a:lnTo>
+                <a:lnTo>
+                  <a:pt x="0" y="120000"/>
+                </a:lnTo>
+                <a:close/>
+              </a:path>
+            </a:pathLst>
+          </a:custGeom>
+        </p:spPr>
+      </p:sp>
+      <p:sp>
+        <p:nvSpPr>
+          <p:cNvPr id="93" name="Google Shape;93;g8e62892d88_0_46:notes"/>
+          <p:cNvSpPr txBox="1">
+            <a:spLocks noGrp="1"/>
+          </p:cNvSpPr>
+          <p:nvPr>
+            <p:ph type="body" idx="1"/>
+          </p:nvPr>
+        </p:nvSpPr>
+        <p:spPr>
+          <a:xfrm>
+            <a:off x="685800" y="4343400"/>
+            <a:ext cx="5486400" cy="4114800"/>
+          </a:xfrm>
+          <a:prstGeom prst="rect">
+            <a:avLst/>
+          </a:prstGeom>
+        </p:spPr>
+        <p:txBody>
+          <a:bodyPr spcFirstLastPara="1" wrap="square" lIns="91425" tIns="91425" rIns="91425" bIns="91425" anchor="t" anchorCtr="0">
+            <a:noAutofit/>
+          </a:bodyPr>
+          <a:lstStyle/>
+          <a:p>
+            <a:pPr marL="0" lvl="0" indent="0" algn="l" rtl="0">
+              <a:spcBef>
+                <a:spcPts val="0"/>
+              </a:spcBef>
+              <a:spcAft>
+                <a:spcPts val="0"/>
+              </a:spcAft>
+              <a:buNone/>
+            </a:pPr>
+            <a:endParaRPr/>
+          </a:p>
+        </p:txBody>
+      </p:sp>
+    </p:spTree>
+  </p:cSld>
+  <p:clrMapOvr>
+    <a:masterClrMapping/>
+  </p:clrMapOvr>
+</p:notes>
+</file>
+
+<file path=ppt/notesSlides/notesSlide33.xml><?xml version="1.0" encoding="utf-8"?>
+<p:notes xmlns:a="http://schemas.openxmlformats.org/drawingml/2006/main" xmlns:r="http://schemas.openxmlformats.org/officeDocument/2006/relationships" xmlns:p="http://schemas.openxmlformats.org/presentationml/2006/main" showMasterSp="0" showMasterPhAnim="0">
+  <p:cSld>
+    <p:spTree>
+      <p:nvGrpSpPr>
+        <p:cNvPr id="1" name="Shape 99"/>
+        <p:cNvGrpSpPr/>
+        <p:nvPr/>
+      </p:nvGrpSpPr>
+      <p:grpSpPr>
+        <a:xfrm>
+          <a:off x="0" y="0"/>
+          <a:ext cx="0" cy="0"/>
+          <a:chOff x="0" y="0"/>
+          <a:chExt cx="0" cy="0"/>
+        </a:xfrm>
+      </p:grpSpPr>
+      <p:sp>
+        <p:nvSpPr>
+          <p:cNvPr id="100" name="Google Shape;100;g8e62892d88_0_53:notes"/>
+          <p:cNvSpPr>
+            <a:spLocks noGrp="1" noRot="1" noChangeAspect="1"/>
+          </p:cNvSpPr>
+          <p:nvPr>
+            <p:ph type="sldImg" idx="2"/>
+          </p:nvPr>
+        </p:nvSpPr>
+        <p:spPr>
+          <a:xfrm>
+            <a:off x="381000" y="685800"/>
+            <a:ext cx="6096000" cy="3429000"/>
+          </a:xfrm>
+          <a:custGeom>
+            <a:avLst/>
+            <a:gdLst/>
+            <a:ahLst/>
+            <a:cxnLst/>
+            <a:rect l="l" t="t" r="r" b="b"/>
+            <a:pathLst>
+              <a:path w="120000" h="120000" extrusionOk="0">
+                <a:moveTo>
+                  <a:pt x="0" y="0"/>
+                </a:moveTo>
+                <a:lnTo>
+                  <a:pt x="120000" y="0"/>
+                </a:lnTo>
+                <a:lnTo>
+                  <a:pt x="120000" y="120000"/>
+                </a:lnTo>
+                <a:lnTo>
+                  <a:pt x="0" y="120000"/>
+                </a:lnTo>
+                <a:close/>
+              </a:path>
+            </a:pathLst>
+          </a:custGeom>
+        </p:spPr>
+      </p:sp>
+      <p:sp>
+        <p:nvSpPr>
+          <p:cNvPr id="101" name="Google Shape;101;g8e62892d88_0_53:notes"/>
+          <p:cNvSpPr txBox="1">
+            <a:spLocks noGrp="1"/>
+          </p:cNvSpPr>
+          <p:nvPr>
+            <p:ph type="body" idx="1"/>
+          </p:nvPr>
+        </p:nvSpPr>
+        <p:spPr>
+          <a:xfrm>
+            <a:off x="685800" y="4343400"/>
+            <a:ext cx="5486400" cy="4114800"/>
+          </a:xfrm>
+          <a:prstGeom prst="rect">
+            <a:avLst/>
+          </a:prstGeom>
+        </p:spPr>
+        <p:txBody>
+          <a:bodyPr spcFirstLastPara="1" wrap="square" lIns="91425" tIns="91425" rIns="91425" bIns="91425" anchor="t" anchorCtr="0">
+            <a:noAutofit/>
+          </a:bodyPr>
+          <a:lstStyle/>
+          <a:p>
+            <a:pPr marL="0" lvl="0" indent="0" algn="l" rtl="0">
+              <a:spcBef>
+                <a:spcPts val="0"/>
+              </a:spcBef>
+              <a:spcAft>
+                <a:spcPts val="0"/>
+              </a:spcAft>
+              <a:buNone/>
+            </a:pPr>
+            <a:endParaRPr/>
+          </a:p>
+        </p:txBody>
+      </p:sp>
+    </p:spTree>
   </p:cSld>
   <p:clrMapOvr>
     <a:masterClrMapping/>
@@ -2715,370 +4695,6 @@
 </file>
 
 <file path=ppt/slideLayouts/slideLayout10.xml><?xml version="1.0" encoding="utf-8"?>
-<p:sldLayout xmlns:a="http://schemas.openxmlformats.org/drawingml/2006/main" xmlns:r="http://schemas.openxmlformats.org/officeDocument/2006/relationships" xmlns:p="http://schemas.openxmlformats.org/presentationml/2006/main" matchingName="Big number">
-  <p:cSld name="BIG_NUMBER">
-    <p:spTree>
-      <p:nvGrpSpPr>
-        <p:cNvPr id="1" name="Shape 44"/>
-        <p:cNvGrpSpPr/>
-        <p:nvPr/>
-      </p:nvGrpSpPr>
-      <p:grpSpPr>
-        <a:xfrm>
-          <a:off x="0" y="0"/>
-          <a:ext cx="0" cy="0"/>
-          <a:chOff x="0" y="0"/>
-          <a:chExt cx="0" cy="0"/>
-        </a:xfrm>
-      </p:grpSpPr>
-      <p:sp>
-        <p:nvSpPr>
-          <p:cNvPr id="45" name="Google Shape;45;p11"/>
-          <p:cNvSpPr txBox="1">
-            <a:spLocks noGrp="1"/>
-          </p:cNvSpPr>
-          <p:nvPr>
-            <p:ph type="title" hasCustomPrompt="1"/>
-          </p:nvPr>
-        </p:nvSpPr>
-        <p:spPr>
-          <a:xfrm>
-            <a:off x="311700" y="1106125"/>
-            <a:ext cx="8520600" cy="1963500"/>
-          </a:xfrm>
-          <a:prstGeom prst="rect">
-            <a:avLst/>
-          </a:prstGeom>
-        </p:spPr>
-        <p:txBody>
-          <a:bodyPr spcFirstLastPara="1" wrap="square" lIns="91425" tIns="91425" rIns="91425" bIns="91425" anchor="b" anchorCtr="0">
-            <a:noAutofit/>
-          </a:bodyPr>
-          <a:lstStyle>
-            <a:lvl1pPr lvl="0" algn="ctr">
-              <a:spcBef>
-                <a:spcPts val="0"/>
-              </a:spcBef>
-              <a:spcAft>
-                <a:spcPts val="0"/>
-              </a:spcAft>
-              <a:buSzPts val="12000"/>
-              <a:buNone/>
-              <a:defRPr sz="12000"/>
-            </a:lvl1pPr>
-            <a:lvl2pPr lvl="1" algn="ctr">
-              <a:spcBef>
-                <a:spcPts val="0"/>
-              </a:spcBef>
-              <a:spcAft>
-                <a:spcPts val="0"/>
-              </a:spcAft>
-              <a:buSzPts val="12000"/>
-              <a:buNone/>
-              <a:defRPr sz="12000"/>
-            </a:lvl2pPr>
-            <a:lvl3pPr lvl="2" algn="ctr">
-              <a:spcBef>
-                <a:spcPts val="0"/>
-              </a:spcBef>
-              <a:spcAft>
-                <a:spcPts val="0"/>
-              </a:spcAft>
-              <a:buSzPts val="12000"/>
-              <a:buNone/>
-              <a:defRPr sz="12000"/>
-            </a:lvl3pPr>
-            <a:lvl4pPr lvl="3" algn="ctr">
-              <a:spcBef>
-                <a:spcPts val="0"/>
-              </a:spcBef>
-              <a:spcAft>
-                <a:spcPts val="0"/>
-              </a:spcAft>
-              <a:buSzPts val="12000"/>
-              <a:buNone/>
-              <a:defRPr sz="12000"/>
-            </a:lvl4pPr>
-            <a:lvl5pPr lvl="4" algn="ctr">
-              <a:spcBef>
-                <a:spcPts val="0"/>
-              </a:spcBef>
-              <a:spcAft>
-                <a:spcPts val="0"/>
-              </a:spcAft>
-              <a:buSzPts val="12000"/>
-              <a:buNone/>
-              <a:defRPr sz="12000"/>
-            </a:lvl5pPr>
-            <a:lvl6pPr lvl="5" algn="ctr">
-              <a:spcBef>
-                <a:spcPts val="0"/>
-              </a:spcBef>
-              <a:spcAft>
-                <a:spcPts val="0"/>
-              </a:spcAft>
-              <a:buSzPts val="12000"/>
-              <a:buNone/>
-              <a:defRPr sz="12000"/>
-            </a:lvl6pPr>
-            <a:lvl7pPr lvl="6" algn="ctr">
-              <a:spcBef>
-                <a:spcPts val="0"/>
-              </a:spcBef>
-              <a:spcAft>
-                <a:spcPts val="0"/>
-              </a:spcAft>
-              <a:buSzPts val="12000"/>
-              <a:buNone/>
-              <a:defRPr sz="12000"/>
-            </a:lvl7pPr>
-            <a:lvl8pPr lvl="7" algn="ctr">
-              <a:spcBef>
-                <a:spcPts val="0"/>
-              </a:spcBef>
-              <a:spcAft>
-                <a:spcPts val="0"/>
-              </a:spcAft>
-              <a:buSzPts val="12000"/>
-              <a:buNone/>
-              <a:defRPr sz="12000"/>
-            </a:lvl8pPr>
-            <a:lvl9pPr lvl="8" algn="ctr">
-              <a:spcBef>
-                <a:spcPts val="0"/>
-              </a:spcBef>
-              <a:spcAft>
-                <a:spcPts val="0"/>
-              </a:spcAft>
-              <a:buSzPts val="12000"/>
-              <a:buNone/>
-              <a:defRPr sz="12000"/>
-            </a:lvl9pPr>
-          </a:lstStyle>
-          <a:p>
-            <a:r>
-              <a:t>xx%</a:t>
-            </a:r>
-          </a:p>
-        </p:txBody>
-      </p:sp>
-      <p:sp>
-        <p:nvSpPr>
-          <p:cNvPr id="46" name="Google Shape;46;p11"/>
-          <p:cNvSpPr txBox="1">
-            <a:spLocks noGrp="1"/>
-          </p:cNvSpPr>
-          <p:nvPr>
-            <p:ph type="body" idx="1"/>
-          </p:nvPr>
-        </p:nvSpPr>
-        <p:spPr>
-          <a:xfrm>
-            <a:off x="311700" y="3152225"/>
-            <a:ext cx="8520600" cy="1300800"/>
-          </a:xfrm>
-          <a:prstGeom prst="rect">
-            <a:avLst/>
-          </a:prstGeom>
-        </p:spPr>
-        <p:txBody>
-          <a:bodyPr spcFirstLastPara="1" wrap="square" lIns="91425" tIns="91425" rIns="91425" bIns="91425" anchor="t" anchorCtr="0">
-            <a:noAutofit/>
-          </a:bodyPr>
-          <a:lstStyle>
-            <a:lvl1pPr marL="457200" lvl="0" indent="-342900" algn="ctr">
-              <a:spcBef>
-                <a:spcPts val="0"/>
-              </a:spcBef>
-              <a:spcAft>
-                <a:spcPts val="0"/>
-              </a:spcAft>
-              <a:buSzPts val="1800"/>
-              <a:buChar char="●"/>
-              <a:defRPr/>
-            </a:lvl1pPr>
-            <a:lvl2pPr marL="914400" lvl="1" indent="-317500" algn="ctr">
-              <a:spcBef>
-                <a:spcPts val="1600"/>
-              </a:spcBef>
-              <a:spcAft>
-                <a:spcPts val="0"/>
-              </a:spcAft>
-              <a:buSzPts val="1400"/>
-              <a:buChar char="○"/>
-              <a:defRPr/>
-            </a:lvl2pPr>
-            <a:lvl3pPr marL="1371600" lvl="2" indent="-317500" algn="ctr">
-              <a:spcBef>
-                <a:spcPts val="1600"/>
-              </a:spcBef>
-              <a:spcAft>
-                <a:spcPts val="0"/>
-              </a:spcAft>
-              <a:buSzPts val="1400"/>
-              <a:buChar char="■"/>
-              <a:defRPr/>
-            </a:lvl3pPr>
-            <a:lvl4pPr marL="1828800" lvl="3" indent="-317500" algn="ctr">
-              <a:spcBef>
-                <a:spcPts val="1600"/>
-              </a:spcBef>
-              <a:spcAft>
-                <a:spcPts val="0"/>
-              </a:spcAft>
-              <a:buSzPts val="1400"/>
-              <a:buChar char="●"/>
-              <a:defRPr/>
-            </a:lvl4pPr>
-            <a:lvl5pPr marL="2286000" lvl="4" indent="-317500" algn="ctr">
-              <a:spcBef>
-                <a:spcPts val="1600"/>
-              </a:spcBef>
-              <a:spcAft>
-                <a:spcPts val="0"/>
-              </a:spcAft>
-              <a:buSzPts val="1400"/>
-              <a:buChar char="○"/>
-              <a:defRPr/>
-            </a:lvl5pPr>
-            <a:lvl6pPr marL="2743200" lvl="5" indent="-317500" algn="ctr">
-              <a:spcBef>
-                <a:spcPts val="1600"/>
-              </a:spcBef>
-              <a:spcAft>
-                <a:spcPts val="0"/>
-              </a:spcAft>
-              <a:buSzPts val="1400"/>
-              <a:buChar char="■"/>
-              <a:defRPr/>
-            </a:lvl6pPr>
-            <a:lvl7pPr marL="3200400" lvl="6" indent="-317500" algn="ctr">
-              <a:spcBef>
-                <a:spcPts val="1600"/>
-              </a:spcBef>
-              <a:spcAft>
-                <a:spcPts val="0"/>
-              </a:spcAft>
-              <a:buSzPts val="1400"/>
-              <a:buChar char="●"/>
-              <a:defRPr/>
-            </a:lvl7pPr>
-            <a:lvl8pPr marL="3657600" lvl="7" indent="-317500" algn="ctr">
-              <a:spcBef>
-                <a:spcPts val="1600"/>
-              </a:spcBef>
-              <a:spcAft>
-                <a:spcPts val="0"/>
-              </a:spcAft>
-              <a:buSzPts val="1400"/>
-              <a:buChar char="○"/>
-              <a:defRPr/>
-            </a:lvl8pPr>
-            <a:lvl9pPr marL="4114800" lvl="8" indent="-317500" algn="ctr">
-              <a:spcBef>
-                <a:spcPts val="1600"/>
-              </a:spcBef>
-              <a:spcAft>
-                <a:spcPts val="1600"/>
-              </a:spcAft>
-              <a:buSzPts val="1400"/>
-              <a:buChar char="■"/>
-              <a:defRPr/>
-            </a:lvl9pPr>
-          </a:lstStyle>
-          <a:p>
-            <a:endParaRPr/>
-          </a:p>
-        </p:txBody>
-      </p:sp>
-      <p:sp>
-        <p:nvSpPr>
-          <p:cNvPr id="47" name="Google Shape;47;p11"/>
-          <p:cNvSpPr txBox="1">
-            <a:spLocks noGrp="1"/>
-          </p:cNvSpPr>
-          <p:nvPr>
-            <p:ph type="sldNum" idx="12"/>
-          </p:nvPr>
-        </p:nvSpPr>
-        <p:spPr>
-          <a:xfrm>
-            <a:off x="8472458" y="4663217"/>
-            <a:ext cx="548700" cy="393600"/>
-          </a:xfrm>
-          <a:prstGeom prst="rect">
-            <a:avLst/>
-          </a:prstGeom>
-        </p:spPr>
-        <p:txBody>
-          <a:bodyPr spcFirstLastPara="1" wrap="square" lIns="91425" tIns="91425" rIns="91425" bIns="91425" anchor="ctr" anchorCtr="0">
-            <a:noAutofit/>
-          </a:bodyPr>
-          <a:lstStyle>
-            <a:lvl1pPr lvl="0">
-              <a:buNone/>
-              <a:defRPr/>
-            </a:lvl1pPr>
-            <a:lvl2pPr lvl="1">
-              <a:buNone/>
-              <a:defRPr/>
-            </a:lvl2pPr>
-            <a:lvl3pPr lvl="2">
-              <a:buNone/>
-              <a:defRPr/>
-            </a:lvl3pPr>
-            <a:lvl4pPr lvl="3">
-              <a:buNone/>
-              <a:defRPr/>
-            </a:lvl4pPr>
-            <a:lvl5pPr lvl="4">
-              <a:buNone/>
-              <a:defRPr/>
-            </a:lvl5pPr>
-            <a:lvl6pPr lvl="5">
-              <a:buNone/>
-              <a:defRPr/>
-            </a:lvl6pPr>
-            <a:lvl7pPr lvl="6">
-              <a:buNone/>
-              <a:defRPr/>
-            </a:lvl7pPr>
-            <a:lvl8pPr lvl="7">
-              <a:buNone/>
-              <a:defRPr/>
-            </a:lvl8pPr>
-            <a:lvl9pPr lvl="8">
-              <a:buNone/>
-              <a:defRPr/>
-            </a:lvl9pPr>
-          </a:lstStyle>
-          <a:p>
-            <a:pPr marL="0" lvl="0" indent="0" algn="r" rtl="0">
-              <a:spcBef>
-                <a:spcPts val="0"/>
-              </a:spcBef>
-              <a:spcAft>
-                <a:spcPts val="0"/>
-              </a:spcAft>
-              <a:buNone/>
-            </a:pPr>
-            <a:fld id="{00000000-1234-1234-1234-123412341234}" type="slidenum">
-              <a:rPr lang="en"/>
-              <a:t>‹#›</a:t>
-            </a:fld>
-            <a:endParaRPr/>
-          </a:p>
-        </p:txBody>
-      </p:sp>
-    </p:spTree>
-  </p:cSld>
-  <p:clrMapOvr>
-    <a:masterClrMapping/>
-  </p:clrMapOvr>
-</p:sldLayout>
-</file>
-
-<file path=ppt/slideLayouts/slideLayout11.xml><?xml version="1.0" encoding="utf-8"?>
 <p:sldLayout xmlns:a="http://schemas.openxmlformats.org/drawingml/2006/main" xmlns:r="http://schemas.openxmlformats.org/officeDocument/2006/relationships" xmlns:p="http://schemas.openxmlformats.org/presentationml/2006/main" matchingName="Blank" type="blank">
   <p:cSld name="BLANK">
     <p:spTree>
@@ -4269,239 +5885,6 @@
 </file>
 
 <file path=ppt/slideLayouts/slideLayout5.xml><?xml version="1.0" encoding="utf-8"?>
-<p:sldLayout xmlns:a="http://schemas.openxmlformats.org/drawingml/2006/main" xmlns:r="http://schemas.openxmlformats.org/officeDocument/2006/relationships" xmlns:p="http://schemas.openxmlformats.org/presentationml/2006/main" matchingName="Title only" type="titleOnly">
-  <p:cSld name="TITLE_ONLY">
-    <p:spTree>
-      <p:nvGrpSpPr>
-        <p:cNvPr id="1" name="Shape 25"/>
-        <p:cNvGrpSpPr/>
-        <p:nvPr/>
-      </p:nvGrpSpPr>
-      <p:grpSpPr>
-        <a:xfrm>
-          <a:off x="0" y="0"/>
-          <a:ext cx="0" cy="0"/>
-          <a:chOff x="0" y="0"/>
-          <a:chExt cx="0" cy="0"/>
-        </a:xfrm>
-      </p:grpSpPr>
-      <p:sp>
-        <p:nvSpPr>
-          <p:cNvPr id="26" name="Google Shape;26;p6"/>
-          <p:cNvSpPr txBox="1">
-            <a:spLocks noGrp="1"/>
-          </p:cNvSpPr>
-          <p:nvPr>
-            <p:ph type="title"/>
-          </p:nvPr>
-        </p:nvSpPr>
-        <p:spPr>
-          <a:xfrm>
-            <a:off x="311700" y="445025"/>
-            <a:ext cx="8520600" cy="572700"/>
-          </a:xfrm>
-          <a:prstGeom prst="rect">
-            <a:avLst/>
-          </a:prstGeom>
-        </p:spPr>
-        <p:txBody>
-          <a:bodyPr spcFirstLastPara="1" wrap="square" lIns="91425" tIns="91425" rIns="91425" bIns="91425" anchor="t" anchorCtr="0">
-            <a:noAutofit/>
-          </a:bodyPr>
-          <a:lstStyle>
-            <a:lvl1pPr lvl="0">
-              <a:spcBef>
-                <a:spcPts val="0"/>
-              </a:spcBef>
-              <a:spcAft>
-                <a:spcPts val="0"/>
-              </a:spcAft>
-              <a:buSzPts val="2800"/>
-              <a:buNone/>
-              <a:defRPr/>
-            </a:lvl1pPr>
-            <a:lvl2pPr lvl="1">
-              <a:spcBef>
-                <a:spcPts val="0"/>
-              </a:spcBef>
-              <a:spcAft>
-                <a:spcPts val="0"/>
-              </a:spcAft>
-              <a:buSzPts val="2800"/>
-              <a:buNone/>
-              <a:defRPr/>
-            </a:lvl2pPr>
-            <a:lvl3pPr lvl="2">
-              <a:spcBef>
-                <a:spcPts val="0"/>
-              </a:spcBef>
-              <a:spcAft>
-                <a:spcPts val="0"/>
-              </a:spcAft>
-              <a:buSzPts val="2800"/>
-              <a:buNone/>
-              <a:defRPr/>
-            </a:lvl3pPr>
-            <a:lvl4pPr lvl="3">
-              <a:spcBef>
-                <a:spcPts val="0"/>
-              </a:spcBef>
-              <a:spcAft>
-                <a:spcPts val="0"/>
-              </a:spcAft>
-              <a:buSzPts val="2800"/>
-              <a:buNone/>
-              <a:defRPr/>
-            </a:lvl4pPr>
-            <a:lvl5pPr lvl="4">
-              <a:spcBef>
-                <a:spcPts val="0"/>
-              </a:spcBef>
-              <a:spcAft>
-                <a:spcPts val="0"/>
-              </a:spcAft>
-              <a:buSzPts val="2800"/>
-              <a:buNone/>
-              <a:defRPr/>
-            </a:lvl5pPr>
-            <a:lvl6pPr lvl="5">
-              <a:spcBef>
-                <a:spcPts val="0"/>
-              </a:spcBef>
-              <a:spcAft>
-                <a:spcPts val="0"/>
-              </a:spcAft>
-              <a:buSzPts val="2800"/>
-              <a:buNone/>
-              <a:defRPr/>
-            </a:lvl6pPr>
-            <a:lvl7pPr lvl="6">
-              <a:spcBef>
-                <a:spcPts val="0"/>
-              </a:spcBef>
-              <a:spcAft>
-                <a:spcPts val="0"/>
-              </a:spcAft>
-              <a:buSzPts val="2800"/>
-              <a:buNone/>
-              <a:defRPr/>
-            </a:lvl7pPr>
-            <a:lvl8pPr lvl="7">
-              <a:spcBef>
-                <a:spcPts val="0"/>
-              </a:spcBef>
-              <a:spcAft>
-                <a:spcPts val="0"/>
-              </a:spcAft>
-              <a:buSzPts val="2800"/>
-              <a:buNone/>
-              <a:defRPr/>
-            </a:lvl8pPr>
-            <a:lvl9pPr lvl="8">
-              <a:spcBef>
-                <a:spcPts val="0"/>
-              </a:spcBef>
-              <a:spcAft>
-                <a:spcPts val="0"/>
-              </a:spcAft>
-              <a:buSzPts val="2800"/>
-              <a:buNone/>
-              <a:defRPr/>
-            </a:lvl9pPr>
-          </a:lstStyle>
-          <a:p>
-            <a:endParaRPr/>
-          </a:p>
-        </p:txBody>
-      </p:sp>
-      <p:sp>
-        <p:nvSpPr>
-          <p:cNvPr id="27" name="Google Shape;27;p6"/>
-          <p:cNvSpPr txBox="1">
-            <a:spLocks noGrp="1"/>
-          </p:cNvSpPr>
-          <p:nvPr>
-            <p:ph type="sldNum" idx="12"/>
-          </p:nvPr>
-        </p:nvSpPr>
-        <p:spPr>
-          <a:xfrm>
-            <a:off x="8472458" y="4663217"/>
-            <a:ext cx="548700" cy="393600"/>
-          </a:xfrm>
-          <a:prstGeom prst="rect">
-            <a:avLst/>
-          </a:prstGeom>
-        </p:spPr>
-        <p:txBody>
-          <a:bodyPr spcFirstLastPara="1" wrap="square" lIns="91425" tIns="91425" rIns="91425" bIns="91425" anchor="ctr" anchorCtr="0">
-            <a:noAutofit/>
-          </a:bodyPr>
-          <a:lstStyle>
-            <a:lvl1pPr lvl="0">
-              <a:buNone/>
-              <a:defRPr/>
-            </a:lvl1pPr>
-            <a:lvl2pPr lvl="1">
-              <a:buNone/>
-              <a:defRPr/>
-            </a:lvl2pPr>
-            <a:lvl3pPr lvl="2">
-              <a:buNone/>
-              <a:defRPr/>
-            </a:lvl3pPr>
-            <a:lvl4pPr lvl="3">
-              <a:buNone/>
-              <a:defRPr/>
-            </a:lvl4pPr>
-            <a:lvl5pPr lvl="4">
-              <a:buNone/>
-              <a:defRPr/>
-            </a:lvl5pPr>
-            <a:lvl6pPr lvl="5">
-              <a:buNone/>
-              <a:defRPr/>
-            </a:lvl6pPr>
-            <a:lvl7pPr lvl="6">
-              <a:buNone/>
-              <a:defRPr/>
-            </a:lvl7pPr>
-            <a:lvl8pPr lvl="7">
-              <a:buNone/>
-              <a:defRPr/>
-            </a:lvl8pPr>
-            <a:lvl9pPr lvl="8">
-              <a:buNone/>
-              <a:defRPr/>
-            </a:lvl9pPr>
-          </a:lstStyle>
-          <a:p>
-            <a:pPr marL="0" lvl="0" indent="0" algn="r" rtl="0">
-              <a:spcBef>
-                <a:spcPts val="0"/>
-              </a:spcBef>
-              <a:spcAft>
-                <a:spcPts val="0"/>
-              </a:spcAft>
-              <a:buNone/>
-            </a:pPr>
-            <a:fld id="{00000000-1234-1234-1234-123412341234}" type="slidenum">
-              <a:rPr lang="en"/>
-              <a:t>‹#›</a:t>
-            </a:fld>
-            <a:endParaRPr/>
-          </a:p>
-        </p:txBody>
-      </p:sp>
-    </p:spTree>
-  </p:cSld>
-  <p:clrMapOvr>
-    <a:masterClrMapping/>
-  </p:clrMapOvr>
-</p:sldLayout>
-</file>
-
-<file path=ppt/slideLayouts/slideLayout6.xml><?xml version="1.0" encoding="utf-8"?>
 <p:sldLayout xmlns:a="http://schemas.openxmlformats.org/drawingml/2006/main" xmlns:r="http://schemas.openxmlformats.org/officeDocument/2006/relationships" xmlns:p="http://schemas.openxmlformats.org/presentationml/2006/main" matchingName="One column text">
   <p:cSld name="ONE_COLUMN_TEXT">
     <p:spTree>
@@ -4863,7 +6246,7 @@
 </p:sldLayout>
 </file>
 
-<file path=ppt/slideLayouts/slideLayout7.xml><?xml version="1.0" encoding="utf-8"?>
+<file path=ppt/slideLayouts/slideLayout6.xml><?xml version="1.0" encoding="utf-8"?>
 <p:sldLayout xmlns:a="http://schemas.openxmlformats.org/drawingml/2006/main" xmlns:r="http://schemas.openxmlformats.org/officeDocument/2006/relationships" xmlns:p="http://schemas.openxmlformats.org/presentationml/2006/main" matchingName="Main point">
   <p:cSld name="MAIN_POINT">
     <p:spTree>
@@ -5096,7 +6479,7 @@
 </p:sldLayout>
 </file>
 
-<file path=ppt/slideLayouts/slideLayout8.xml><?xml version="1.0" encoding="utf-8"?>
+<file path=ppt/slideLayouts/slideLayout7.xml><?xml version="1.0" encoding="utf-8"?>
 <p:sldLayout xmlns:a="http://schemas.openxmlformats.org/drawingml/2006/main" xmlns:r="http://schemas.openxmlformats.org/officeDocument/2006/relationships" xmlns:p="http://schemas.openxmlformats.org/presentationml/2006/main" matchingName="Section title and description">
   <p:cSld name="SECTION_TITLE_AND_DESCRIPTION">
     <p:spTree>
@@ -5654,7 +7037,7 @@
 </p:sldLayout>
 </file>
 
-<file path=ppt/slideLayouts/slideLayout9.xml><?xml version="1.0" encoding="utf-8"?>
+<file path=ppt/slideLayouts/slideLayout8.xml><?xml version="1.0" encoding="utf-8"?>
 <p:sldLayout xmlns:a="http://schemas.openxmlformats.org/drawingml/2006/main" xmlns:r="http://schemas.openxmlformats.org/officeDocument/2006/relationships" xmlns:p="http://schemas.openxmlformats.org/presentationml/2006/main" matchingName="Caption">
   <p:cSld name="CAPTION_ONLY">
     <p:spTree>
@@ -5718,6 +7101,370 @@
       <p:sp>
         <p:nvSpPr>
           <p:cNvPr id="43" name="Google Shape;43;p10"/>
+          <p:cNvSpPr txBox="1">
+            <a:spLocks noGrp="1"/>
+          </p:cNvSpPr>
+          <p:nvPr>
+            <p:ph type="sldNum" idx="12"/>
+          </p:nvPr>
+        </p:nvSpPr>
+        <p:spPr>
+          <a:xfrm>
+            <a:off x="8472458" y="4663217"/>
+            <a:ext cx="548700" cy="393600"/>
+          </a:xfrm>
+          <a:prstGeom prst="rect">
+            <a:avLst/>
+          </a:prstGeom>
+        </p:spPr>
+        <p:txBody>
+          <a:bodyPr spcFirstLastPara="1" wrap="square" lIns="91425" tIns="91425" rIns="91425" bIns="91425" anchor="ctr" anchorCtr="0">
+            <a:noAutofit/>
+          </a:bodyPr>
+          <a:lstStyle>
+            <a:lvl1pPr lvl="0">
+              <a:buNone/>
+              <a:defRPr/>
+            </a:lvl1pPr>
+            <a:lvl2pPr lvl="1">
+              <a:buNone/>
+              <a:defRPr/>
+            </a:lvl2pPr>
+            <a:lvl3pPr lvl="2">
+              <a:buNone/>
+              <a:defRPr/>
+            </a:lvl3pPr>
+            <a:lvl4pPr lvl="3">
+              <a:buNone/>
+              <a:defRPr/>
+            </a:lvl4pPr>
+            <a:lvl5pPr lvl="4">
+              <a:buNone/>
+              <a:defRPr/>
+            </a:lvl5pPr>
+            <a:lvl6pPr lvl="5">
+              <a:buNone/>
+              <a:defRPr/>
+            </a:lvl6pPr>
+            <a:lvl7pPr lvl="6">
+              <a:buNone/>
+              <a:defRPr/>
+            </a:lvl7pPr>
+            <a:lvl8pPr lvl="7">
+              <a:buNone/>
+              <a:defRPr/>
+            </a:lvl8pPr>
+            <a:lvl9pPr lvl="8">
+              <a:buNone/>
+              <a:defRPr/>
+            </a:lvl9pPr>
+          </a:lstStyle>
+          <a:p>
+            <a:pPr marL="0" lvl="0" indent="0" algn="r" rtl="0">
+              <a:spcBef>
+                <a:spcPts val="0"/>
+              </a:spcBef>
+              <a:spcAft>
+                <a:spcPts val="0"/>
+              </a:spcAft>
+              <a:buNone/>
+            </a:pPr>
+            <a:fld id="{00000000-1234-1234-1234-123412341234}" type="slidenum">
+              <a:rPr lang="en"/>
+              <a:t>‹#›</a:t>
+            </a:fld>
+            <a:endParaRPr/>
+          </a:p>
+        </p:txBody>
+      </p:sp>
+    </p:spTree>
+  </p:cSld>
+  <p:clrMapOvr>
+    <a:masterClrMapping/>
+  </p:clrMapOvr>
+</p:sldLayout>
+</file>
+
+<file path=ppt/slideLayouts/slideLayout9.xml><?xml version="1.0" encoding="utf-8"?>
+<p:sldLayout xmlns:a="http://schemas.openxmlformats.org/drawingml/2006/main" xmlns:r="http://schemas.openxmlformats.org/officeDocument/2006/relationships" xmlns:p="http://schemas.openxmlformats.org/presentationml/2006/main" matchingName="Big number">
+  <p:cSld name="BIG_NUMBER">
+    <p:spTree>
+      <p:nvGrpSpPr>
+        <p:cNvPr id="1" name="Shape 44"/>
+        <p:cNvGrpSpPr/>
+        <p:nvPr/>
+      </p:nvGrpSpPr>
+      <p:grpSpPr>
+        <a:xfrm>
+          <a:off x="0" y="0"/>
+          <a:ext cx="0" cy="0"/>
+          <a:chOff x="0" y="0"/>
+          <a:chExt cx="0" cy="0"/>
+        </a:xfrm>
+      </p:grpSpPr>
+      <p:sp>
+        <p:nvSpPr>
+          <p:cNvPr id="45" name="Google Shape;45;p11"/>
+          <p:cNvSpPr txBox="1">
+            <a:spLocks noGrp="1"/>
+          </p:cNvSpPr>
+          <p:nvPr>
+            <p:ph type="title" hasCustomPrompt="1"/>
+          </p:nvPr>
+        </p:nvSpPr>
+        <p:spPr>
+          <a:xfrm>
+            <a:off x="311700" y="1106125"/>
+            <a:ext cx="8520600" cy="1963500"/>
+          </a:xfrm>
+          <a:prstGeom prst="rect">
+            <a:avLst/>
+          </a:prstGeom>
+        </p:spPr>
+        <p:txBody>
+          <a:bodyPr spcFirstLastPara="1" wrap="square" lIns="91425" tIns="91425" rIns="91425" bIns="91425" anchor="b" anchorCtr="0">
+            <a:noAutofit/>
+          </a:bodyPr>
+          <a:lstStyle>
+            <a:lvl1pPr lvl="0" algn="ctr">
+              <a:spcBef>
+                <a:spcPts val="0"/>
+              </a:spcBef>
+              <a:spcAft>
+                <a:spcPts val="0"/>
+              </a:spcAft>
+              <a:buSzPts val="12000"/>
+              <a:buNone/>
+              <a:defRPr sz="12000"/>
+            </a:lvl1pPr>
+            <a:lvl2pPr lvl="1" algn="ctr">
+              <a:spcBef>
+                <a:spcPts val="0"/>
+              </a:spcBef>
+              <a:spcAft>
+                <a:spcPts val="0"/>
+              </a:spcAft>
+              <a:buSzPts val="12000"/>
+              <a:buNone/>
+              <a:defRPr sz="12000"/>
+            </a:lvl2pPr>
+            <a:lvl3pPr lvl="2" algn="ctr">
+              <a:spcBef>
+                <a:spcPts val="0"/>
+              </a:spcBef>
+              <a:spcAft>
+                <a:spcPts val="0"/>
+              </a:spcAft>
+              <a:buSzPts val="12000"/>
+              <a:buNone/>
+              <a:defRPr sz="12000"/>
+            </a:lvl3pPr>
+            <a:lvl4pPr lvl="3" algn="ctr">
+              <a:spcBef>
+                <a:spcPts val="0"/>
+              </a:spcBef>
+              <a:spcAft>
+                <a:spcPts val="0"/>
+              </a:spcAft>
+              <a:buSzPts val="12000"/>
+              <a:buNone/>
+              <a:defRPr sz="12000"/>
+            </a:lvl4pPr>
+            <a:lvl5pPr lvl="4" algn="ctr">
+              <a:spcBef>
+                <a:spcPts val="0"/>
+              </a:spcBef>
+              <a:spcAft>
+                <a:spcPts val="0"/>
+              </a:spcAft>
+              <a:buSzPts val="12000"/>
+              <a:buNone/>
+              <a:defRPr sz="12000"/>
+            </a:lvl5pPr>
+            <a:lvl6pPr lvl="5" algn="ctr">
+              <a:spcBef>
+                <a:spcPts val="0"/>
+              </a:spcBef>
+              <a:spcAft>
+                <a:spcPts val="0"/>
+              </a:spcAft>
+              <a:buSzPts val="12000"/>
+              <a:buNone/>
+              <a:defRPr sz="12000"/>
+            </a:lvl6pPr>
+            <a:lvl7pPr lvl="6" algn="ctr">
+              <a:spcBef>
+                <a:spcPts val="0"/>
+              </a:spcBef>
+              <a:spcAft>
+                <a:spcPts val="0"/>
+              </a:spcAft>
+              <a:buSzPts val="12000"/>
+              <a:buNone/>
+              <a:defRPr sz="12000"/>
+            </a:lvl7pPr>
+            <a:lvl8pPr lvl="7" algn="ctr">
+              <a:spcBef>
+                <a:spcPts val="0"/>
+              </a:spcBef>
+              <a:spcAft>
+                <a:spcPts val="0"/>
+              </a:spcAft>
+              <a:buSzPts val="12000"/>
+              <a:buNone/>
+              <a:defRPr sz="12000"/>
+            </a:lvl8pPr>
+            <a:lvl9pPr lvl="8" algn="ctr">
+              <a:spcBef>
+                <a:spcPts val="0"/>
+              </a:spcBef>
+              <a:spcAft>
+                <a:spcPts val="0"/>
+              </a:spcAft>
+              <a:buSzPts val="12000"/>
+              <a:buNone/>
+              <a:defRPr sz="12000"/>
+            </a:lvl9pPr>
+          </a:lstStyle>
+          <a:p>
+            <a:r>
+              <a:t>xx%</a:t>
+            </a:r>
+          </a:p>
+        </p:txBody>
+      </p:sp>
+      <p:sp>
+        <p:nvSpPr>
+          <p:cNvPr id="46" name="Google Shape;46;p11"/>
+          <p:cNvSpPr txBox="1">
+            <a:spLocks noGrp="1"/>
+          </p:cNvSpPr>
+          <p:nvPr>
+            <p:ph type="body" idx="1"/>
+          </p:nvPr>
+        </p:nvSpPr>
+        <p:spPr>
+          <a:xfrm>
+            <a:off x="311700" y="3152225"/>
+            <a:ext cx="8520600" cy="1300800"/>
+          </a:xfrm>
+          <a:prstGeom prst="rect">
+            <a:avLst/>
+          </a:prstGeom>
+        </p:spPr>
+        <p:txBody>
+          <a:bodyPr spcFirstLastPara="1" wrap="square" lIns="91425" tIns="91425" rIns="91425" bIns="91425" anchor="t" anchorCtr="0">
+            <a:noAutofit/>
+          </a:bodyPr>
+          <a:lstStyle>
+            <a:lvl1pPr marL="457200" lvl="0" indent="-342900" algn="ctr">
+              <a:spcBef>
+                <a:spcPts val="0"/>
+              </a:spcBef>
+              <a:spcAft>
+                <a:spcPts val="0"/>
+              </a:spcAft>
+              <a:buSzPts val="1800"/>
+              <a:buChar char="●"/>
+              <a:defRPr/>
+            </a:lvl1pPr>
+            <a:lvl2pPr marL="914400" lvl="1" indent="-317500" algn="ctr">
+              <a:spcBef>
+                <a:spcPts val="1600"/>
+              </a:spcBef>
+              <a:spcAft>
+                <a:spcPts val="0"/>
+              </a:spcAft>
+              <a:buSzPts val="1400"/>
+              <a:buChar char="○"/>
+              <a:defRPr/>
+            </a:lvl2pPr>
+            <a:lvl3pPr marL="1371600" lvl="2" indent="-317500" algn="ctr">
+              <a:spcBef>
+                <a:spcPts val="1600"/>
+              </a:spcBef>
+              <a:spcAft>
+                <a:spcPts val="0"/>
+              </a:spcAft>
+              <a:buSzPts val="1400"/>
+              <a:buChar char="■"/>
+              <a:defRPr/>
+            </a:lvl3pPr>
+            <a:lvl4pPr marL="1828800" lvl="3" indent="-317500" algn="ctr">
+              <a:spcBef>
+                <a:spcPts val="1600"/>
+              </a:spcBef>
+              <a:spcAft>
+                <a:spcPts val="0"/>
+              </a:spcAft>
+              <a:buSzPts val="1400"/>
+              <a:buChar char="●"/>
+              <a:defRPr/>
+            </a:lvl4pPr>
+            <a:lvl5pPr marL="2286000" lvl="4" indent="-317500" algn="ctr">
+              <a:spcBef>
+                <a:spcPts val="1600"/>
+              </a:spcBef>
+              <a:spcAft>
+                <a:spcPts val="0"/>
+              </a:spcAft>
+              <a:buSzPts val="1400"/>
+              <a:buChar char="○"/>
+              <a:defRPr/>
+            </a:lvl5pPr>
+            <a:lvl6pPr marL="2743200" lvl="5" indent="-317500" algn="ctr">
+              <a:spcBef>
+                <a:spcPts val="1600"/>
+              </a:spcBef>
+              <a:spcAft>
+                <a:spcPts val="0"/>
+              </a:spcAft>
+              <a:buSzPts val="1400"/>
+              <a:buChar char="■"/>
+              <a:defRPr/>
+            </a:lvl6pPr>
+            <a:lvl7pPr marL="3200400" lvl="6" indent="-317500" algn="ctr">
+              <a:spcBef>
+                <a:spcPts val="1600"/>
+              </a:spcBef>
+              <a:spcAft>
+                <a:spcPts val="0"/>
+              </a:spcAft>
+              <a:buSzPts val="1400"/>
+              <a:buChar char="●"/>
+              <a:defRPr/>
+            </a:lvl7pPr>
+            <a:lvl8pPr marL="3657600" lvl="7" indent="-317500" algn="ctr">
+              <a:spcBef>
+                <a:spcPts val="1600"/>
+              </a:spcBef>
+              <a:spcAft>
+                <a:spcPts val="0"/>
+              </a:spcAft>
+              <a:buSzPts val="1400"/>
+              <a:buChar char="○"/>
+              <a:defRPr/>
+            </a:lvl8pPr>
+            <a:lvl9pPr marL="4114800" lvl="8" indent="-317500" algn="ctr">
+              <a:spcBef>
+                <a:spcPts val="1600"/>
+              </a:spcBef>
+              <a:spcAft>
+                <a:spcPts val="1600"/>
+              </a:spcAft>
+              <a:buSzPts val="1400"/>
+              <a:buChar char="■"/>
+              <a:defRPr/>
+            </a:lvl9pPr>
+          </a:lstStyle>
+          <a:p>
+            <a:endParaRPr/>
+          </a:p>
+        </p:txBody>
+      </p:sp>
+      <p:sp>
+        <p:nvSpPr>
+          <p:cNvPr id="47" name="Google Shape;47;p11"/>
           <p:cNvSpPr txBox="1">
             <a:spLocks noGrp="1"/>
           </p:cNvSpPr>
@@ -6373,13 +8120,12 @@
     <p:sldLayoutId id="2147483649" r:id="rId2"/>
     <p:sldLayoutId id="2147483650" r:id="rId3"/>
     <p:sldLayoutId id="2147483651" r:id="rId4"/>
-    <p:sldLayoutId id="2147483652" r:id="rId5"/>
-    <p:sldLayoutId id="2147483653" r:id="rId6"/>
-    <p:sldLayoutId id="2147483654" r:id="rId7"/>
-    <p:sldLayoutId id="2147483655" r:id="rId8"/>
-    <p:sldLayoutId id="2147483656" r:id="rId9"/>
-    <p:sldLayoutId id="2147483657" r:id="rId10"/>
-    <p:sldLayoutId id="2147483658" r:id="rId11"/>
+    <p:sldLayoutId id="2147483653" r:id="rId5"/>
+    <p:sldLayoutId id="2147483654" r:id="rId6"/>
+    <p:sldLayoutId id="2147483655" r:id="rId7"/>
+    <p:sldLayoutId id="2147483656" r:id="rId8"/>
+    <p:sldLayoutId id="2147483657" r:id="rId9"/>
+    <p:sldLayoutId id="2147483658" r:id="rId10"/>
   </p:sldLayoutIdLst>
   <p:hf sldNum="0" hdr="0" ftr="0" dt="0"/>
   <p:txStyles>
@@ -8088,7 +9834,7 @@
           </a:bodyPr>
           <a:lstStyle/>
           <a:p>
-            <a:pPr marL="0" lvl="0" indent="0" algn="ctr" rtl="0">
+            <a:pPr marL="0" lvl="0" indent="0" rtl="0">
               <a:spcBef>
                 <a:spcPts val="0"/>
               </a:spcBef>
@@ -8103,10 +9849,10 @@
               <a:buNone/>
             </a:pPr>
             <a:r>
-              <a:rPr lang="en" dirty="0"/>
-              <a:t>Output</a:t>
+              <a:rPr lang="en" sz="1600" dirty="0"/>
+              <a:t>         Output: Main menu</a:t>
             </a:r>
-            <a:endParaRPr dirty="0"/>
+            <a:endParaRPr sz="1600" dirty="0"/>
           </a:p>
           <a:p>
             <a:pPr marL="0" lvl="0" indent="0" algn="ctr" rtl="0">
@@ -8146,22 +9892,6 @@
             <a:noAutofit/>
           </a:bodyPr>
           <a:lstStyle/>
-          <a:p>
-            <a:pPr marL="0" lvl="0" indent="0" algn="l" rtl="0">
-              <a:spcBef>
-                <a:spcPts val="0"/>
-              </a:spcBef>
-              <a:spcAft>
-                <a:spcPts val="0"/>
-              </a:spcAft>
-              <a:buNone/>
-            </a:pPr>
-            <a:r>
-              <a:rPr lang="en-US" sz="1600" dirty="0"/>
-              <a:t>Outputs for Armstrong’s number:-</a:t>
-            </a:r>
-            <a:endParaRPr sz="1600" dirty="0"/>
-          </a:p>
           <a:p>
             <a:pPr marL="0" lvl="0" indent="0" algn="l" rtl="0">
               <a:spcBef>
@@ -8238,10 +9968,10 @@
       </p:pic>
       <p:pic>
         <p:nvPicPr>
-          <p:cNvPr id="4" name="Picture 3">
+          <p:cNvPr id="14" name="Picture 13">
             <a:extLst>
               <a:ext uri="{FF2B5EF4-FFF2-40B4-BE49-F238E27FC236}">
-                <a16:creationId xmlns:a16="http://schemas.microsoft.com/office/drawing/2014/main" id="{F20F26AE-1727-F946-A705-097C3C7CC5B6}"/>
+                <a16:creationId xmlns:a16="http://schemas.microsoft.com/office/drawing/2014/main" id="{2474BB16-DDAC-8445-A4F9-89171B690E5B}"/>
               </a:ext>
             </a:extLst>
           </p:cNvPr>
@@ -8258,68 +9988,8 @@
         </p:blipFill>
         <p:spPr>
           <a:xfrm>
-            <a:off x="4351283" y="1518091"/>
-            <a:ext cx="3167648" cy="1424684"/>
-          </a:xfrm>
-          <a:prstGeom prst="rect">
-            <a:avLst/>
-          </a:prstGeom>
-        </p:spPr>
-      </p:pic>
-      <p:pic>
-        <p:nvPicPr>
-          <p:cNvPr id="6" name="Picture 5">
-            <a:extLst>
-              <a:ext uri="{FF2B5EF4-FFF2-40B4-BE49-F238E27FC236}">
-                <a16:creationId xmlns:a16="http://schemas.microsoft.com/office/drawing/2014/main" id="{D4CAAE4D-238E-5C4A-BCE2-5D51385860D5}"/>
-              </a:ext>
-            </a:extLst>
-          </p:cNvPr>
-          <p:cNvPicPr>
-            <a:picLocks noChangeAspect="1"/>
-          </p:cNvPicPr>
-          <p:nvPr/>
-        </p:nvPicPr>
-        <p:blipFill>
-          <a:blip r:embed="rId6"/>
-          <a:stretch>
-            <a:fillRect/>
-          </a:stretch>
-        </p:blipFill>
-        <p:spPr>
-          <a:xfrm>
-            <a:off x="965108" y="1558617"/>
-            <a:ext cx="3070864" cy="1384158"/>
-          </a:xfrm>
-          <a:prstGeom prst="rect">
-            <a:avLst/>
-          </a:prstGeom>
-        </p:spPr>
-      </p:pic>
-      <p:pic>
-        <p:nvPicPr>
-          <p:cNvPr id="8" name="Picture 7">
-            <a:extLst>
-              <a:ext uri="{FF2B5EF4-FFF2-40B4-BE49-F238E27FC236}">
-                <a16:creationId xmlns:a16="http://schemas.microsoft.com/office/drawing/2014/main" id="{46DA7D17-122A-224D-9B82-887F15209EED}"/>
-              </a:ext>
-            </a:extLst>
-          </p:cNvPr>
-          <p:cNvPicPr>
-            <a:picLocks noChangeAspect="1"/>
-          </p:cNvPicPr>
-          <p:nvPr/>
-        </p:nvPicPr>
-        <p:blipFill>
-          <a:blip r:embed="rId7"/>
-          <a:stretch>
-            <a:fillRect/>
-          </a:stretch>
-        </p:blipFill>
-        <p:spPr>
-          <a:xfrm>
-            <a:off x="2699315" y="3089996"/>
-            <a:ext cx="3070864" cy="1607181"/>
+            <a:off x="714460" y="836717"/>
+            <a:ext cx="8117840" cy="3995441"/>
           </a:xfrm>
           <a:prstGeom prst="rect">
             <a:avLst/>
@@ -8351,7 +10021,7 @@
   <p:cSld>
     <p:spTree>
       <p:nvGrpSpPr>
-        <p:cNvPr id="1" name="Shape 94"/>
+        <p:cNvPr id="1" name="Shape 86"/>
         <p:cNvGrpSpPr/>
         <p:nvPr/>
       </p:nvGrpSpPr>
@@ -8365,7 +10035,7 @@
       </p:grpSpPr>
       <p:sp>
         <p:nvSpPr>
-          <p:cNvPr id="95" name="Google Shape;95;p18"/>
+          <p:cNvPr id="87" name="Google Shape;87;p17"/>
           <p:cNvSpPr txBox="1">
             <a:spLocks noGrp="1"/>
           </p:cNvSpPr>
@@ -8388,7 +10058,7 @@
           </a:bodyPr>
           <a:lstStyle/>
           <a:p>
-            <a:pPr marL="0" lvl="0" indent="0" algn="ctr" rtl="0">
+            <a:pPr marL="0" lvl="0" indent="0" rtl="0">
               <a:spcBef>
                 <a:spcPts val="0"/>
               </a:spcBef>
@@ -8403,10 +10073,10 @@
               <a:buNone/>
             </a:pPr>
             <a:r>
-              <a:rPr lang="en"/>
-              <a:t>Acknowledgement</a:t>
+              <a:rPr lang="en" sz="1600" dirty="0"/>
+              <a:t>         Output: Main menu</a:t>
             </a:r>
-            <a:endParaRPr/>
+            <a:endParaRPr sz="1600" dirty="0"/>
           </a:p>
           <a:p>
             <a:pPr marL="0" lvl="0" indent="0" algn="ctr" rtl="0">
@@ -8418,13 +10088,13 @@
               </a:spcAft>
               <a:buNone/>
             </a:pPr>
-            <a:endParaRPr/>
+            <a:endParaRPr dirty="0"/>
           </a:p>
         </p:txBody>
       </p:sp>
       <p:sp>
         <p:nvSpPr>
-          <p:cNvPr id="96" name="Google Shape;96;p18"/>
+          <p:cNvPr id="88" name="Google Shape;88;p17"/>
           <p:cNvSpPr txBox="1">
             <a:spLocks noGrp="1"/>
           </p:cNvSpPr>
@@ -8435,7 +10105,7 @@
         <p:spPr>
           <a:xfrm>
             <a:off x="311700" y="1152475"/>
-            <a:ext cx="8520600" cy="3257700"/>
+            <a:ext cx="8520600" cy="3908256"/>
           </a:xfrm>
           <a:prstGeom prst="rect">
             <a:avLst/>
@@ -8447,87 +10117,26 @@
           </a:bodyPr>
           <a:lstStyle/>
           <a:p>
+            <a:pPr marL="0" lvl="0" indent="0" algn="l" rtl="0">
+              <a:spcBef>
+                <a:spcPts val="1600"/>
+              </a:spcBef>
+              <a:spcAft>
+                <a:spcPts val="1600"/>
+              </a:spcAft>
+              <a:buNone/>
+            </a:pPr>
             <a:r>
-              <a:rPr lang="en-US" sz="1600" dirty="0"/>
-              <a:t>We, Group 5, are glad that we got this opportunity to thank our college, </a:t>
+              <a:rPr lang="en-US" dirty="0"/>
+              <a:t>          </a:t>
             </a:r>
-            <a:r>
-              <a:rPr lang="en-US" sz="1600" b="1" dirty="0"/>
-              <a:t>APSIT</a:t>
-            </a:r>
-            <a:r>
-              <a:rPr lang="en-US" sz="1600" dirty="0"/>
-              <a:t> for giving us a chance to polish our coding skills. It was great fun to try to code such wonderful programs and test them; we got a lot of insights in our repository of knowledge of coding, learnt a plethora of new essential skills which will be of a great help in our future </a:t>
-            </a:r>
-            <a:r>
-              <a:rPr lang="en-US" sz="1600" dirty="0" err="1"/>
-              <a:t>endeavours</a:t>
-            </a:r>
-            <a:r>
-              <a:rPr lang="en-US" sz="1600" dirty="0"/>
-              <a:t>.</a:t>
-            </a:r>
-            <a:endParaRPr lang="en-IN" sz="1600" dirty="0"/>
-          </a:p>
-          <a:p>
-            <a:r>
-              <a:rPr lang="en-US" sz="1600" dirty="0"/>
-              <a:t>We would also like to extend our thanks to </a:t>
-            </a:r>
-            <a:r>
-              <a:rPr lang="en-US" sz="1600" b="1" dirty="0"/>
-              <a:t>Prof. Merlin Jacob</a:t>
-            </a:r>
-            <a:r>
-              <a:rPr lang="en-US" sz="1600" dirty="0"/>
-              <a:t>, our faculty mentor, and </a:t>
-            </a:r>
-            <a:r>
-              <a:rPr lang="en-US" sz="1600" b="1" dirty="0"/>
-              <a:t>Ms. </a:t>
-            </a:r>
-            <a:r>
-              <a:rPr lang="en-US" sz="1600" b="1" dirty="0" err="1"/>
-              <a:t>Nimali</a:t>
-            </a:r>
-            <a:r>
-              <a:rPr lang="en-US" sz="1600" b="1" dirty="0"/>
-              <a:t> </a:t>
-            </a:r>
-            <a:r>
-              <a:rPr lang="en-US" sz="1600" b="1" dirty="0" err="1"/>
-              <a:t>Keny</a:t>
-            </a:r>
-            <a:r>
-              <a:rPr lang="en-US" sz="1600" dirty="0"/>
-              <a:t>, our student mentor to help and guide us when things got unclear and tricky. We are fortunate to have such great mentors like them who helped me and my teammates to ace through this project confidently.</a:t>
-            </a:r>
-            <a:endParaRPr lang="en-IN" sz="1600" dirty="0"/>
-          </a:p>
-          <a:p>
-            <a:r>
-              <a:rPr lang="en-US" sz="1600" dirty="0"/>
-              <a:t>To conclude, we feel blessed to have had such a great support system for the successful completion of this project, a sincere thanks to all of you.</a:t>
-            </a:r>
-            <a:endParaRPr lang="en-IN" sz="1600" dirty="0"/>
-          </a:p>
-          <a:p>
-            <a:pPr marL="0" lvl="0" indent="0" algn="l" rtl="0">
-              <a:spcBef>
-                <a:spcPts val="0"/>
-              </a:spcBef>
-              <a:spcAft>
-                <a:spcPts val="1600"/>
-              </a:spcAft>
-              <a:buNone/>
-            </a:pPr>
             <a:endParaRPr dirty="0"/>
           </a:p>
         </p:txBody>
       </p:sp>
       <p:pic>
         <p:nvPicPr>
-          <p:cNvPr id="97" name="Google Shape;97;p18"/>
+          <p:cNvPr id="89" name="Google Shape;89;p17"/>
           <p:cNvPicPr preferRelativeResize="0"/>
           <p:nvPr/>
         </p:nvPicPr>
@@ -8555,7 +10164,7 @@
       </p:pic>
       <p:pic>
         <p:nvPicPr>
-          <p:cNvPr id="98" name="Google Shape;98;p18"/>
+          <p:cNvPr id="90" name="Google Shape;90;p17"/>
           <p:cNvPicPr preferRelativeResize="0"/>
           <p:nvPr/>
         </p:nvPicPr>
@@ -8581,7 +10190,42 @@
           </a:ln>
         </p:spPr>
       </p:pic>
+      <p:pic>
+        <p:nvPicPr>
+          <p:cNvPr id="4" name="Picture 3">
+            <a:extLst>
+              <a:ext uri="{FF2B5EF4-FFF2-40B4-BE49-F238E27FC236}">
+                <a16:creationId xmlns:a16="http://schemas.microsoft.com/office/drawing/2014/main" id="{C562C5AE-FA04-6C49-8567-6A3454ABF9C2}"/>
+              </a:ext>
+            </a:extLst>
+          </p:cNvPr>
+          <p:cNvPicPr>
+            <a:picLocks noChangeAspect="1"/>
+          </p:cNvPicPr>
+          <p:nvPr/>
+        </p:nvPicPr>
+        <p:blipFill>
+          <a:blip r:embed="rId5"/>
+          <a:stretch>
+            <a:fillRect/>
+          </a:stretch>
+        </p:blipFill>
+        <p:spPr>
+          <a:xfrm>
+            <a:off x="201802" y="857755"/>
+            <a:ext cx="8757374" cy="4133195"/>
+          </a:xfrm>
+          <a:prstGeom prst="rect">
+            <a:avLst/>
+          </a:prstGeom>
+        </p:spPr>
+      </p:pic>
     </p:spTree>
+    <p:extLst>
+      <p:ext uri="{BB962C8B-B14F-4D97-AF65-F5344CB8AC3E}">
+        <p14:creationId xmlns:p14="http://schemas.microsoft.com/office/powerpoint/2010/main" val="3044368727"/>
+      </p:ext>
+    </p:extLst>
   </p:cSld>
   <p:clrMapOvr>
     <a:masterClrMapping/>
@@ -8606,7 +10250,7 @@
   <p:cSld>
     <p:spTree>
       <p:nvGrpSpPr>
-        <p:cNvPr id="1" name="Shape 102"/>
+        <p:cNvPr id="1" name="Shape 86"/>
         <p:cNvGrpSpPr/>
         <p:nvPr/>
       </p:nvGrpSpPr>
@@ -8620,7 +10264,7 @@
       </p:grpSpPr>
       <p:sp>
         <p:nvSpPr>
-          <p:cNvPr id="103" name="Google Shape;103;p19"/>
+          <p:cNvPr id="87" name="Google Shape;87;p17"/>
           <p:cNvSpPr txBox="1">
             <a:spLocks noGrp="1"/>
           </p:cNvSpPr>
@@ -8643,6 +10287,27 @@
           </a:bodyPr>
           <a:lstStyle/>
           <a:p>
+            <a:pPr marL="0" lvl="0" indent="0" rtl="0">
+              <a:spcBef>
+                <a:spcPts val="0"/>
+              </a:spcBef>
+              <a:spcAft>
+                <a:spcPts val="0"/>
+              </a:spcAft>
+              <a:buClr>
+                <a:schemeClr val="dk1"/>
+              </a:buClr>
+              <a:buSzPts val="1100"/>
+              <a:buFont typeface="Arial"/>
+              <a:buNone/>
+            </a:pPr>
+            <a:r>
+              <a:rPr lang="en" sz="1600" dirty="0"/>
+              <a:t>         Output: Main menu</a:t>
+            </a:r>
+            <a:endParaRPr sz="1600" dirty="0"/>
+          </a:p>
+          <a:p>
             <a:pPr marL="0" lvl="0" indent="0" algn="ctr" rtl="0">
               <a:spcBef>
                 <a:spcPts val="0"/>
@@ -8652,17 +10317,13 @@
               </a:spcAft>
               <a:buNone/>
             </a:pPr>
-            <a:r>
-              <a:rPr lang="en"/>
-              <a:t>References</a:t>
-            </a:r>
-            <a:endParaRPr/>
+            <a:endParaRPr dirty="0"/>
           </a:p>
         </p:txBody>
       </p:sp>
       <p:sp>
         <p:nvSpPr>
-          <p:cNvPr id="104" name="Google Shape;104;p19"/>
+          <p:cNvPr id="88" name="Google Shape;88;p17"/>
           <p:cNvSpPr txBox="1">
             <a:spLocks noGrp="1"/>
           </p:cNvSpPr>
@@ -8673,7 +10334,7 @@
         <p:spPr>
           <a:xfrm>
             <a:off x="311700" y="1152475"/>
-            <a:ext cx="8520600" cy="3257700"/>
+            <a:ext cx="8520600" cy="3908256"/>
           </a:xfrm>
           <a:prstGeom prst="rect">
             <a:avLst/>
@@ -8685,104 +10346,31 @@
           </a:bodyPr>
           <a:lstStyle/>
           <a:p>
-            <a:pPr lvl="0"/>
+            <a:pPr marL="0" lvl="0" indent="0" algn="l" rtl="0">
+              <a:spcBef>
+                <a:spcPts val="1600"/>
+              </a:spcBef>
+              <a:spcAft>
+                <a:spcPts val="1600"/>
+              </a:spcAft>
+              <a:buNone/>
+            </a:pPr>
             <a:r>
               <a:rPr lang="en-US" dirty="0"/>
-              <a:t>Coursera course- </a:t>
+              <a:t>          </a:t>
             </a:r>
-            <a:r>
-              <a:rPr lang="en-US" dirty="0">
-                <a:hlinkClick r:id="rId3"/>
-              </a:rPr>
-              <a:t>Crash Course on Python from Google</a:t>
-            </a:r>
-            <a:endParaRPr lang="en-IN" dirty="0"/>
-          </a:p>
-          <a:p>
-            <a:pPr lvl="0"/>
-            <a:endParaRPr lang="en-US" dirty="0"/>
-          </a:p>
-          <a:p>
-            <a:pPr lvl="0"/>
-            <a:r>
-              <a:rPr lang="en-US" dirty="0"/>
-              <a:t>Coursera course</a:t>
-            </a:r>
-            <a:r>
-              <a:rPr lang="en-US" b="1" dirty="0"/>
-              <a:t>- </a:t>
-            </a:r>
-            <a:r>
-              <a:rPr lang="en-GB" dirty="0">
-                <a:hlinkClick r:id="rId4"/>
-              </a:rPr>
-              <a:t>Programming for Everybody (Getting Started with Python)</a:t>
-            </a:r>
-            <a:endParaRPr lang="en-IN" b="1" dirty="0"/>
-          </a:p>
-          <a:p>
-            <a:pPr marL="114300" indent="0">
-              <a:buNone/>
-            </a:pPr>
-            <a:r>
-              <a:rPr lang="en-US" dirty="0"/>
-              <a:t> </a:t>
-            </a:r>
-            <a:endParaRPr lang="en-IN" dirty="0"/>
-          </a:p>
-          <a:p>
-            <a:pPr lvl="0"/>
-            <a:r>
-              <a:rPr lang="en-US" dirty="0">
-                <a:hlinkClick r:id="rId5"/>
-              </a:rPr>
-              <a:t>Stack overflow</a:t>
-            </a:r>
-            <a:r>
-              <a:rPr lang="en-US" dirty="0"/>
-              <a:t> for making Python 3 as default system interpreter</a:t>
-            </a:r>
-            <a:endParaRPr lang="en-IN" dirty="0"/>
-          </a:p>
-          <a:p>
-            <a:endParaRPr lang="en-IN" dirty="0"/>
-          </a:p>
-          <a:p>
-            <a:pPr lvl="0"/>
-            <a:r>
-              <a:rPr lang="en-US" dirty="0">
-                <a:hlinkClick r:id="rId6"/>
-              </a:rPr>
-              <a:t>RealPython</a:t>
-            </a:r>
-            <a:r>
-              <a:rPr lang="en-US" dirty="0"/>
-              <a:t> for try and except exception handling</a:t>
-            </a:r>
-            <a:endParaRPr lang="en-IN" dirty="0"/>
-          </a:p>
-          <a:p>
-            <a:pPr marL="0" lvl="0" indent="0" algn="l" rtl="0">
-              <a:spcBef>
-                <a:spcPts val="0"/>
-              </a:spcBef>
-              <a:spcAft>
-                <a:spcPts val="1600"/>
-              </a:spcAft>
-              <a:buNone/>
-            </a:pPr>
             <a:endParaRPr dirty="0"/>
           </a:p>
         </p:txBody>
       </p:sp>
       <p:pic>
         <p:nvPicPr>
-          <p:cNvPr id="105" name="Google Shape;105;p19"/>
+          <p:cNvPr id="89" name="Google Shape;89;p17"/>
           <p:cNvPicPr preferRelativeResize="0"/>
           <p:nvPr/>
         </p:nvPicPr>
         <p:blipFill>
-          <a:blip r:embed="rId7">
+          <a:blip r:embed="rId3">
             <a:alphaModFix/>
           </a:blip>
           <a:stretch>
@@ -8805,12 +10393,12 @@
       </p:pic>
       <p:pic>
         <p:nvPicPr>
-          <p:cNvPr id="106" name="Google Shape;106;p19"/>
+          <p:cNvPr id="90" name="Google Shape;90;p17"/>
           <p:cNvPicPr preferRelativeResize="0"/>
           <p:nvPr/>
         </p:nvPicPr>
         <p:blipFill>
-          <a:blip r:embed="rId8">
+          <a:blip r:embed="rId4">
             <a:alphaModFix/>
           </a:blip>
           <a:stretch>
@@ -8831,7 +10419,1078 @@
           </a:ln>
         </p:spPr>
       </p:pic>
+      <p:pic>
+        <p:nvPicPr>
+          <p:cNvPr id="3" name="Picture 2">
+            <a:extLst>
+              <a:ext uri="{FF2B5EF4-FFF2-40B4-BE49-F238E27FC236}">
+                <a16:creationId xmlns:a16="http://schemas.microsoft.com/office/drawing/2014/main" id="{ECC63B50-A49D-584F-B637-6DA1D60BB356}"/>
+              </a:ext>
+            </a:extLst>
+          </p:cNvPr>
+          <p:cNvPicPr>
+            <a:picLocks noChangeAspect="1"/>
+          </p:cNvPicPr>
+          <p:nvPr/>
+        </p:nvPicPr>
+        <p:blipFill>
+          <a:blip r:embed="rId5"/>
+          <a:stretch>
+            <a:fillRect/>
+          </a:stretch>
+        </p:blipFill>
+        <p:spPr>
+          <a:xfrm>
+            <a:off x="2244384" y="502544"/>
+            <a:ext cx="5245578" cy="4558187"/>
+          </a:xfrm>
+          <a:prstGeom prst="rect">
+            <a:avLst/>
+          </a:prstGeom>
+        </p:spPr>
+      </p:pic>
     </p:spTree>
+    <p:extLst>
+      <p:ext uri="{BB962C8B-B14F-4D97-AF65-F5344CB8AC3E}">
+        <p14:creationId xmlns:p14="http://schemas.microsoft.com/office/powerpoint/2010/main" val="400043927"/>
+      </p:ext>
+    </p:extLst>
+  </p:cSld>
+  <p:clrMapOvr>
+    <a:masterClrMapping/>
+  </p:clrMapOvr>
+  <mc:AlternateContent xmlns:mc="http://schemas.openxmlformats.org/markup-compatibility/2006" xmlns:p159="http://schemas.microsoft.com/office/powerpoint/2015/09/main">
+    <mc:Choice Requires="p159">
+      <p:transition xmlns:p14="http://schemas.microsoft.com/office/powerpoint/2010/main" spd="slow" p14:dur="2000">
+        <p159:morph option="byObject"/>
+      </p:transition>
+    </mc:Choice>
+    <mc:Fallback xmlns="">
+      <p:transition spd="slow">
+        <p:fade/>
+      </p:transition>
+    </mc:Fallback>
+  </mc:AlternateContent>
+</p:sld>
+</file>
+
+<file path=ppt/slides/slide16.xml><?xml version="1.0" encoding="utf-8"?>
+<p:sld xmlns:a="http://schemas.openxmlformats.org/drawingml/2006/main" xmlns:r="http://schemas.openxmlformats.org/officeDocument/2006/relationships" xmlns:p="http://schemas.openxmlformats.org/presentationml/2006/main">
+  <p:cSld>
+    <p:spTree>
+      <p:nvGrpSpPr>
+        <p:cNvPr id="1" name="Shape 86"/>
+        <p:cNvGrpSpPr/>
+        <p:nvPr/>
+      </p:nvGrpSpPr>
+      <p:grpSpPr>
+        <a:xfrm>
+          <a:off x="0" y="0"/>
+          <a:ext cx="0" cy="0"/>
+          <a:chOff x="0" y="0"/>
+          <a:chExt cx="0" cy="0"/>
+        </a:xfrm>
+      </p:grpSpPr>
+      <p:sp>
+        <p:nvSpPr>
+          <p:cNvPr id="87" name="Google Shape;87;p17"/>
+          <p:cNvSpPr txBox="1">
+            <a:spLocks noGrp="1"/>
+          </p:cNvSpPr>
+          <p:nvPr>
+            <p:ph type="title"/>
+          </p:nvPr>
+        </p:nvSpPr>
+        <p:spPr>
+          <a:xfrm>
+            <a:off x="311700" y="152550"/>
+            <a:ext cx="8520600" cy="572700"/>
+          </a:xfrm>
+          <a:prstGeom prst="rect">
+            <a:avLst/>
+          </a:prstGeom>
+        </p:spPr>
+        <p:txBody>
+          <a:bodyPr spcFirstLastPara="1" wrap="square" lIns="91425" tIns="91425" rIns="91425" bIns="91425" anchor="t" anchorCtr="0">
+            <a:noAutofit/>
+          </a:bodyPr>
+          <a:lstStyle/>
+          <a:p>
+            <a:pPr marL="0" lvl="0" indent="0" rtl="0">
+              <a:spcBef>
+                <a:spcPts val="0"/>
+              </a:spcBef>
+              <a:spcAft>
+                <a:spcPts val="0"/>
+              </a:spcAft>
+              <a:buClr>
+                <a:schemeClr val="dk1"/>
+              </a:buClr>
+              <a:buSzPts val="1100"/>
+              <a:buFont typeface="Arial"/>
+              <a:buNone/>
+            </a:pPr>
+            <a:r>
+              <a:rPr lang="en" sz="1600" dirty="0"/>
+              <a:t>         Output: Main menu</a:t>
+            </a:r>
+            <a:endParaRPr sz="1600" dirty="0"/>
+          </a:p>
+          <a:p>
+            <a:pPr marL="0" lvl="0" indent="0" algn="ctr" rtl="0">
+              <a:spcBef>
+                <a:spcPts val="0"/>
+              </a:spcBef>
+              <a:spcAft>
+                <a:spcPts val="0"/>
+              </a:spcAft>
+              <a:buNone/>
+            </a:pPr>
+            <a:endParaRPr dirty="0"/>
+          </a:p>
+        </p:txBody>
+      </p:sp>
+      <p:sp>
+        <p:nvSpPr>
+          <p:cNvPr id="88" name="Google Shape;88;p17"/>
+          <p:cNvSpPr txBox="1">
+            <a:spLocks noGrp="1"/>
+          </p:cNvSpPr>
+          <p:nvPr>
+            <p:ph type="body" idx="1"/>
+          </p:nvPr>
+        </p:nvSpPr>
+        <p:spPr>
+          <a:xfrm>
+            <a:off x="311700" y="1152475"/>
+            <a:ext cx="8520600" cy="3908256"/>
+          </a:xfrm>
+          <a:prstGeom prst="rect">
+            <a:avLst/>
+          </a:prstGeom>
+        </p:spPr>
+        <p:txBody>
+          <a:bodyPr spcFirstLastPara="1" wrap="square" lIns="91425" tIns="91425" rIns="91425" bIns="91425" anchor="t" anchorCtr="0">
+            <a:noAutofit/>
+          </a:bodyPr>
+          <a:lstStyle/>
+          <a:p>
+            <a:pPr marL="0" lvl="0" indent="0" algn="l" rtl="0">
+              <a:spcBef>
+                <a:spcPts val="1600"/>
+              </a:spcBef>
+              <a:spcAft>
+                <a:spcPts val="1600"/>
+              </a:spcAft>
+              <a:buNone/>
+            </a:pPr>
+            <a:r>
+              <a:rPr lang="en-US" dirty="0"/>
+              <a:t>          </a:t>
+            </a:r>
+            <a:endParaRPr dirty="0"/>
+          </a:p>
+        </p:txBody>
+      </p:sp>
+      <p:pic>
+        <p:nvPicPr>
+          <p:cNvPr id="89" name="Google Shape;89;p17"/>
+          <p:cNvPicPr preferRelativeResize="0"/>
+          <p:nvPr/>
+        </p:nvPicPr>
+        <p:blipFill>
+          <a:blip r:embed="rId3">
+            <a:alphaModFix/>
+          </a:blip>
+          <a:stretch>
+            <a:fillRect/>
+          </a:stretch>
+        </p:blipFill>
+        <p:spPr>
+          <a:xfrm>
+            <a:off x="7898868" y="152550"/>
+            <a:ext cx="1083283" cy="572699"/>
+          </a:xfrm>
+          <a:prstGeom prst="rect">
+            <a:avLst/>
+          </a:prstGeom>
+          <a:noFill/>
+          <a:ln>
+            <a:noFill/>
+          </a:ln>
+        </p:spPr>
+      </p:pic>
+      <p:pic>
+        <p:nvPicPr>
+          <p:cNvPr id="90" name="Google Shape;90;p17"/>
+          <p:cNvPicPr preferRelativeResize="0"/>
+          <p:nvPr/>
+        </p:nvPicPr>
+        <p:blipFill>
+          <a:blip r:embed="rId4">
+            <a:alphaModFix/>
+          </a:blip>
+          <a:stretch>
+            <a:fillRect/>
+          </a:stretch>
+        </p:blipFill>
+        <p:spPr>
+          <a:xfrm>
+            <a:off x="184824" y="152550"/>
+            <a:ext cx="717222" cy="572701"/>
+          </a:xfrm>
+          <a:prstGeom prst="rect">
+            <a:avLst/>
+          </a:prstGeom>
+          <a:noFill/>
+          <a:ln>
+            <a:noFill/>
+          </a:ln>
+        </p:spPr>
+      </p:pic>
+      <p:pic>
+        <p:nvPicPr>
+          <p:cNvPr id="3" name="Picture 2">
+            <a:extLst>
+              <a:ext uri="{FF2B5EF4-FFF2-40B4-BE49-F238E27FC236}">
+                <a16:creationId xmlns:a16="http://schemas.microsoft.com/office/drawing/2014/main" id="{DB02007C-8394-8B49-8B0F-0FA5FC315026}"/>
+              </a:ext>
+            </a:extLst>
+          </p:cNvPr>
+          <p:cNvPicPr>
+            <a:picLocks noChangeAspect="1"/>
+          </p:cNvPicPr>
+          <p:nvPr/>
+        </p:nvPicPr>
+        <p:blipFill>
+          <a:blip r:embed="rId5"/>
+          <a:stretch>
+            <a:fillRect/>
+          </a:stretch>
+        </p:blipFill>
+        <p:spPr>
+          <a:xfrm>
+            <a:off x="184824" y="867933"/>
+            <a:ext cx="8520600" cy="3852021"/>
+          </a:xfrm>
+          <a:prstGeom prst="rect">
+            <a:avLst/>
+          </a:prstGeom>
+        </p:spPr>
+      </p:pic>
+    </p:spTree>
+    <p:extLst>
+      <p:ext uri="{BB962C8B-B14F-4D97-AF65-F5344CB8AC3E}">
+        <p14:creationId xmlns:p14="http://schemas.microsoft.com/office/powerpoint/2010/main" val="2059600162"/>
+      </p:ext>
+    </p:extLst>
+  </p:cSld>
+  <p:clrMapOvr>
+    <a:masterClrMapping/>
+  </p:clrMapOvr>
+  <mc:AlternateContent xmlns:mc="http://schemas.openxmlformats.org/markup-compatibility/2006" xmlns:p159="http://schemas.microsoft.com/office/powerpoint/2015/09/main">
+    <mc:Choice Requires="p159">
+      <p:transition xmlns:p14="http://schemas.microsoft.com/office/powerpoint/2010/main" spd="slow" p14:dur="2000">
+        <p159:morph option="byObject"/>
+      </p:transition>
+    </mc:Choice>
+    <mc:Fallback xmlns="">
+      <p:transition spd="slow">
+        <p:fade/>
+      </p:transition>
+    </mc:Fallback>
+  </mc:AlternateContent>
+</p:sld>
+</file>
+
+<file path=ppt/slides/slide17.xml><?xml version="1.0" encoding="utf-8"?>
+<p:sld xmlns:a="http://schemas.openxmlformats.org/drawingml/2006/main" xmlns:r="http://schemas.openxmlformats.org/officeDocument/2006/relationships" xmlns:p="http://schemas.openxmlformats.org/presentationml/2006/main">
+  <p:cSld>
+    <p:spTree>
+      <p:nvGrpSpPr>
+        <p:cNvPr id="1" name="Shape 86"/>
+        <p:cNvGrpSpPr/>
+        <p:nvPr/>
+      </p:nvGrpSpPr>
+      <p:grpSpPr>
+        <a:xfrm>
+          <a:off x="0" y="0"/>
+          <a:ext cx="0" cy="0"/>
+          <a:chOff x="0" y="0"/>
+          <a:chExt cx="0" cy="0"/>
+        </a:xfrm>
+      </p:grpSpPr>
+      <p:sp>
+        <p:nvSpPr>
+          <p:cNvPr id="87" name="Google Shape;87;p17"/>
+          <p:cNvSpPr txBox="1">
+            <a:spLocks noGrp="1"/>
+          </p:cNvSpPr>
+          <p:nvPr>
+            <p:ph type="title"/>
+          </p:nvPr>
+        </p:nvSpPr>
+        <p:spPr>
+          <a:xfrm>
+            <a:off x="311700" y="152550"/>
+            <a:ext cx="8520600" cy="572700"/>
+          </a:xfrm>
+          <a:prstGeom prst="rect">
+            <a:avLst/>
+          </a:prstGeom>
+        </p:spPr>
+        <p:txBody>
+          <a:bodyPr spcFirstLastPara="1" wrap="square" lIns="91425" tIns="91425" rIns="91425" bIns="91425" anchor="t" anchorCtr="0">
+            <a:noAutofit/>
+          </a:bodyPr>
+          <a:lstStyle/>
+          <a:p>
+            <a:pPr marL="0" lvl="0" indent="0" rtl="0">
+              <a:spcBef>
+                <a:spcPts val="0"/>
+              </a:spcBef>
+              <a:spcAft>
+                <a:spcPts val="0"/>
+              </a:spcAft>
+              <a:buClr>
+                <a:schemeClr val="dk1"/>
+              </a:buClr>
+              <a:buSzPts val="1100"/>
+              <a:buFont typeface="Arial"/>
+              <a:buNone/>
+            </a:pPr>
+            <a:r>
+              <a:rPr lang="en" sz="1600" dirty="0"/>
+              <a:t>         Output: Unit converter</a:t>
+            </a:r>
+            <a:endParaRPr sz="1600" dirty="0"/>
+          </a:p>
+          <a:p>
+            <a:pPr marL="0" lvl="0" indent="0" algn="ctr" rtl="0">
+              <a:spcBef>
+                <a:spcPts val="0"/>
+              </a:spcBef>
+              <a:spcAft>
+                <a:spcPts val="0"/>
+              </a:spcAft>
+              <a:buNone/>
+            </a:pPr>
+            <a:endParaRPr dirty="0"/>
+          </a:p>
+        </p:txBody>
+      </p:sp>
+      <p:sp>
+        <p:nvSpPr>
+          <p:cNvPr id="88" name="Google Shape;88;p17"/>
+          <p:cNvSpPr txBox="1">
+            <a:spLocks noGrp="1"/>
+          </p:cNvSpPr>
+          <p:nvPr>
+            <p:ph type="body" idx="1"/>
+          </p:nvPr>
+        </p:nvSpPr>
+        <p:spPr>
+          <a:xfrm>
+            <a:off x="311700" y="1152475"/>
+            <a:ext cx="8520600" cy="3908256"/>
+          </a:xfrm>
+          <a:prstGeom prst="rect">
+            <a:avLst/>
+          </a:prstGeom>
+        </p:spPr>
+        <p:txBody>
+          <a:bodyPr spcFirstLastPara="1" wrap="square" lIns="91425" tIns="91425" rIns="91425" bIns="91425" anchor="t" anchorCtr="0">
+            <a:noAutofit/>
+          </a:bodyPr>
+          <a:lstStyle/>
+          <a:p>
+            <a:pPr marL="0" lvl="0" indent="0" algn="l" rtl="0">
+              <a:spcBef>
+                <a:spcPts val="1600"/>
+              </a:spcBef>
+              <a:spcAft>
+                <a:spcPts val="1600"/>
+              </a:spcAft>
+              <a:buNone/>
+            </a:pPr>
+            <a:r>
+              <a:rPr lang="en-US" dirty="0"/>
+              <a:t>          </a:t>
+            </a:r>
+            <a:endParaRPr dirty="0"/>
+          </a:p>
+        </p:txBody>
+      </p:sp>
+      <p:pic>
+        <p:nvPicPr>
+          <p:cNvPr id="89" name="Google Shape;89;p17"/>
+          <p:cNvPicPr preferRelativeResize="0"/>
+          <p:nvPr/>
+        </p:nvPicPr>
+        <p:blipFill>
+          <a:blip r:embed="rId3">
+            <a:alphaModFix/>
+          </a:blip>
+          <a:stretch>
+            <a:fillRect/>
+          </a:stretch>
+        </p:blipFill>
+        <p:spPr>
+          <a:xfrm>
+            <a:off x="7898868" y="152550"/>
+            <a:ext cx="1083283" cy="572699"/>
+          </a:xfrm>
+          <a:prstGeom prst="rect">
+            <a:avLst/>
+          </a:prstGeom>
+          <a:noFill/>
+          <a:ln>
+            <a:noFill/>
+          </a:ln>
+        </p:spPr>
+      </p:pic>
+      <p:pic>
+        <p:nvPicPr>
+          <p:cNvPr id="90" name="Google Shape;90;p17"/>
+          <p:cNvPicPr preferRelativeResize="0"/>
+          <p:nvPr/>
+        </p:nvPicPr>
+        <p:blipFill>
+          <a:blip r:embed="rId4">
+            <a:alphaModFix/>
+          </a:blip>
+          <a:stretch>
+            <a:fillRect/>
+          </a:stretch>
+        </p:blipFill>
+        <p:spPr>
+          <a:xfrm>
+            <a:off x="184824" y="152550"/>
+            <a:ext cx="717222" cy="572701"/>
+          </a:xfrm>
+          <a:prstGeom prst="rect">
+            <a:avLst/>
+          </a:prstGeom>
+          <a:noFill/>
+          <a:ln>
+            <a:noFill/>
+          </a:ln>
+        </p:spPr>
+      </p:pic>
+      <p:pic>
+        <p:nvPicPr>
+          <p:cNvPr id="3" name="Picture 2">
+            <a:extLst>
+              <a:ext uri="{FF2B5EF4-FFF2-40B4-BE49-F238E27FC236}">
+                <a16:creationId xmlns:a16="http://schemas.microsoft.com/office/drawing/2014/main" id="{C33CB7E8-E91B-FB40-A4DE-8729991A9A69}"/>
+              </a:ext>
+            </a:extLst>
+          </p:cNvPr>
+          <p:cNvPicPr>
+            <a:picLocks noChangeAspect="1"/>
+          </p:cNvPicPr>
+          <p:nvPr/>
+        </p:nvPicPr>
+        <p:blipFill>
+          <a:blip r:embed="rId5"/>
+          <a:stretch>
+            <a:fillRect/>
+          </a:stretch>
+        </p:blipFill>
+        <p:spPr>
+          <a:xfrm>
+            <a:off x="1018582" y="625977"/>
+            <a:ext cx="2957445" cy="2105081"/>
+          </a:xfrm>
+          <a:prstGeom prst="rect">
+            <a:avLst/>
+          </a:prstGeom>
+        </p:spPr>
+      </p:pic>
+      <p:pic>
+        <p:nvPicPr>
+          <p:cNvPr id="7" name="Picture 6">
+            <a:extLst>
+              <a:ext uri="{FF2B5EF4-FFF2-40B4-BE49-F238E27FC236}">
+                <a16:creationId xmlns:a16="http://schemas.microsoft.com/office/drawing/2014/main" id="{EC0E06D6-D8CB-6442-AA07-A33031B5CE5D}"/>
+              </a:ext>
+            </a:extLst>
+          </p:cNvPr>
+          <p:cNvPicPr>
+            <a:picLocks noChangeAspect="1"/>
+          </p:cNvPicPr>
+          <p:nvPr/>
+        </p:nvPicPr>
+        <p:blipFill>
+          <a:blip r:embed="rId6"/>
+          <a:stretch>
+            <a:fillRect/>
+          </a:stretch>
+        </p:blipFill>
+        <p:spPr>
+          <a:xfrm>
+            <a:off x="4339238" y="499190"/>
+            <a:ext cx="2903291" cy="2135155"/>
+          </a:xfrm>
+          <a:prstGeom prst="rect">
+            <a:avLst/>
+          </a:prstGeom>
+        </p:spPr>
+      </p:pic>
+      <p:pic>
+        <p:nvPicPr>
+          <p:cNvPr id="10" name="Picture 9">
+            <a:extLst>
+              <a:ext uri="{FF2B5EF4-FFF2-40B4-BE49-F238E27FC236}">
+                <a16:creationId xmlns:a16="http://schemas.microsoft.com/office/drawing/2014/main" id="{3094156A-B425-1240-AA53-B3B834B70317}"/>
+              </a:ext>
+            </a:extLst>
+          </p:cNvPr>
+          <p:cNvPicPr>
+            <a:picLocks noChangeAspect="1"/>
+          </p:cNvPicPr>
+          <p:nvPr/>
+        </p:nvPicPr>
+        <p:blipFill>
+          <a:blip r:embed="rId7"/>
+          <a:stretch>
+            <a:fillRect/>
+          </a:stretch>
+        </p:blipFill>
+        <p:spPr>
+          <a:xfrm>
+            <a:off x="1018582" y="2783943"/>
+            <a:ext cx="2913380" cy="2223903"/>
+          </a:xfrm>
+          <a:prstGeom prst="rect">
+            <a:avLst/>
+          </a:prstGeom>
+        </p:spPr>
+      </p:pic>
+      <p:pic>
+        <p:nvPicPr>
+          <p:cNvPr id="17" name="Picture 16">
+            <a:extLst>
+              <a:ext uri="{FF2B5EF4-FFF2-40B4-BE49-F238E27FC236}">
+                <a16:creationId xmlns:a16="http://schemas.microsoft.com/office/drawing/2014/main" id="{DF98C733-1CDB-5849-A068-EAC14B256C9B}"/>
+              </a:ext>
+            </a:extLst>
+          </p:cNvPr>
+          <p:cNvPicPr>
+            <a:picLocks noChangeAspect="1"/>
+          </p:cNvPicPr>
+          <p:nvPr/>
+        </p:nvPicPr>
+        <p:blipFill>
+          <a:blip r:embed="rId8"/>
+          <a:stretch>
+            <a:fillRect/>
+          </a:stretch>
+        </p:blipFill>
+        <p:spPr>
+          <a:xfrm>
+            <a:off x="4298352" y="2750322"/>
+            <a:ext cx="2913380" cy="2257524"/>
+          </a:xfrm>
+          <a:prstGeom prst="rect">
+            <a:avLst/>
+          </a:prstGeom>
+        </p:spPr>
+      </p:pic>
+    </p:spTree>
+    <p:extLst>
+      <p:ext uri="{BB962C8B-B14F-4D97-AF65-F5344CB8AC3E}">
+        <p14:creationId xmlns:p14="http://schemas.microsoft.com/office/powerpoint/2010/main" val="816869965"/>
+      </p:ext>
+    </p:extLst>
+  </p:cSld>
+  <p:clrMapOvr>
+    <a:masterClrMapping/>
+  </p:clrMapOvr>
+  <mc:AlternateContent xmlns:mc="http://schemas.openxmlformats.org/markup-compatibility/2006" xmlns:p159="http://schemas.microsoft.com/office/powerpoint/2015/09/main">
+    <mc:Choice Requires="p159">
+      <p:transition xmlns:p14="http://schemas.microsoft.com/office/powerpoint/2010/main" spd="slow" p14:dur="2000">
+        <p159:morph option="byObject"/>
+      </p:transition>
+    </mc:Choice>
+    <mc:Fallback xmlns="">
+      <p:transition spd="slow">
+        <p:fade/>
+      </p:transition>
+    </mc:Fallback>
+  </mc:AlternateContent>
+</p:sld>
+</file>
+
+<file path=ppt/slides/slide18.xml><?xml version="1.0" encoding="utf-8"?>
+<p:sld xmlns:a="http://schemas.openxmlformats.org/drawingml/2006/main" xmlns:r="http://schemas.openxmlformats.org/officeDocument/2006/relationships" xmlns:p="http://schemas.openxmlformats.org/presentationml/2006/main">
+  <p:cSld>
+    <p:spTree>
+      <p:nvGrpSpPr>
+        <p:cNvPr id="1" name="Shape 86"/>
+        <p:cNvGrpSpPr/>
+        <p:nvPr/>
+      </p:nvGrpSpPr>
+      <p:grpSpPr>
+        <a:xfrm>
+          <a:off x="0" y="0"/>
+          <a:ext cx="0" cy="0"/>
+          <a:chOff x="0" y="0"/>
+          <a:chExt cx="0" cy="0"/>
+        </a:xfrm>
+      </p:grpSpPr>
+      <p:sp>
+        <p:nvSpPr>
+          <p:cNvPr id="87" name="Google Shape;87;p17"/>
+          <p:cNvSpPr txBox="1">
+            <a:spLocks noGrp="1"/>
+          </p:cNvSpPr>
+          <p:nvPr>
+            <p:ph type="title"/>
+          </p:nvPr>
+        </p:nvSpPr>
+        <p:spPr>
+          <a:xfrm>
+            <a:off x="311700" y="152550"/>
+            <a:ext cx="8520600" cy="572700"/>
+          </a:xfrm>
+          <a:prstGeom prst="rect">
+            <a:avLst/>
+          </a:prstGeom>
+        </p:spPr>
+        <p:txBody>
+          <a:bodyPr spcFirstLastPara="1" wrap="square" lIns="91425" tIns="91425" rIns="91425" bIns="91425" anchor="t" anchorCtr="0">
+            <a:noAutofit/>
+          </a:bodyPr>
+          <a:lstStyle/>
+          <a:p>
+            <a:pPr marL="0" lvl="0" indent="0" rtl="0">
+              <a:spcBef>
+                <a:spcPts val="0"/>
+              </a:spcBef>
+              <a:spcAft>
+                <a:spcPts val="0"/>
+              </a:spcAft>
+              <a:buClr>
+                <a:schemeClr val="dk1"/>
+              </a:buClr>
+              <a:buSzPts val="1100"/>
+              <a:buFont typeface="Arial"/>
+              <a:buNone/>
+            </a:pPr>
+            <a:r>
+              <a:rPr lang="en" sz="1600" dirty="0"/>
+              <a:t>          Output: Unit converter</a:t>
+            </a:r>
+            <a:endParaRPr sz="1600" dirty="0"/>
+          </a:p>
+          <a:p>
+            <a:pPr marL="0" lvl="0" indent="0" algn="ctr" rtl="0">
+              <a:spcBef>
+                <a:spcPts val="0"/>
+              </a:spcBef>
+              <a:spcAft>
+                <a:spcPts val="0"/>
+              </a:spcAft>
+              <a:buNone/>
+            </a:pPr>
+            <a:endParaRPr sz="1800" dirty="0"/>
+          </a:p>
+        </p:txBody>
+      </p:sp>
+      <p:sp>
+        <p:nvSpPr>
+          <p:cNvPr id="88" name="Google Shape;88;p17"/>
+          <p:cNvSpPr txBox="1">
+            <a:spLocks noGrp="1"/>
+          </p:cNvSpPr>
+          <p:nvPr>
+            <p:ph type="body" idx="1"/>
+          </p:nvPr>
+        </p:nvSpPr>
+        <p:spPr>
+          <a:xfrm>
+            <a:off x="311700" y="1152475"/>
+            <a:ext cx="8520600" cy="3908256"/>
+          </a:xfrm>
+          <a:prstGeom prst="rect">
+            <a:avLst/>
+          </a:prstGeom>
+        </p:spPr>
+        <p:txBody>
+          <a:bodyPr spcFirstLastPara="1" wrap="square" lIns="91425" tIns="91425" rIns="91425" bIns="91425" anchor="t" anchorCtr="0">
+            <a:noAutofit/>
+          </a:bodyPr>
+          <a:lstStyle/>
+          <a:p>
+            <a:pPr marL="0" lvl="0" indent="0" algn="l" rtl="0">
+              <a:spcBef>
+                <a:spcPts val="1600"/>
+              </a:spcBef>
+              <a:spcAft>
+                <a:spcPts val="1600"/>
+              </a:spcAft>
+              <a:buNone/>
+            </a:pPr>
+            <a:r>
+              <a:rPr lang="en-US" dirty="0"/>
+              <a:t>          </a:t>
+            </a:r>
+            <a:endParaRPr dirty="0"/>
+          </a:p>
+        </p:txBody>
+      </p:sp>
+      <p:pic>
+        <p:nvPicPr>
+          <p:cNvPr id="89" name="Google Shape;89;p17"/>
+          <p:cNvPicPr preferRelativeResize="0"/>
+          <p:nvPr/>
+        </p:nvPicPr>
+        <p:blipFill>
+          <a:blip r:embed="rId3">
+            <a:alphaModFix/>
+          </a:blip>
+          <a:stretch>
+            <a:fillRect/>
+          </a:stretch>
+        </p:blipFill>
+        <p:spPr>
+          <a:xfrm>
+            <a:off x="7898868" y="152550"/>
+            <a:ext cx="1083283" cy="572699"/>
+          </a:xfrm>
+          <a:prstGeom prst="rect">
+            <a:avLst/>
+          </a:prstGeom>
+          <a:noFill/>
+          <a:ln>
+            <a:noFill/>
+          </a:ln>
+        </p:spPr>
+      </p:pic>
+      <p:pic>
+        <p:nvPicPr>
+          <p:cNvPr id="90" name="Google Shape;90;p17"/>
+          <p:cNvPicPr preferRelativeResize="0"/>
+          <p:nvPr/>
+        </p:nvPicPr>
+        <p:blipFill>
+          <a:blip r:embed="rId4">
+            <a:alphaModFix/>
+          </a:blip>
+          <a:stretch>
+            <a:fillRect/>
+          </a:stretch>
+        </p:blipFill>
+        <p:spPr>
+          <a:xfrm>
+            <a:off x="184824" y="152550"/>
+            <a:ext cx="717222" cy="572701"/>
+          </a:xfrm>
+          <a:prstGeom prst="rect">
+            <a:avLst/>
+          </a:prstGeom>
+          <a:noFill/>
+          <a:ln>
+            <a:noFill/>
+          </a:ln>
+        </p:spPr>
+      </p:pic>
+      <p:pic>
+        <p:nvPicPr>
+          <p:cNvPr id="3" name="Picture 2">
+            <a:extLst>
+              <a:ext uri="{FF2B5EF4-FFF2-40B4-BE49-F238E27FC236}">
+                <a16:creationId xmlns:a16="http://schemas.microsoft.com/office/drawing/2014/main" id="{CE30B67C-527B-2041-916D-B5C5A84C2502}"/>
+              </a:ext>
+            </a:extLst>
+          </p:cNvPr>
+          <p:cNvPicPr>
+            <a:picLocks noChangeAspect="1"/>
+          </p:cNvPicPr>
+          <p:nvPr/>
+        </p:nvPicPr>
+        <p:blipFill>
+          <a:blip r:embed="rId5"/>
+          <a:stretch>
+            <a:fillRect/>
+          </a:stretch>
+        </p:blipFill>
+        <p:spPr>
+          <a:xfrm>
+            <a:off x="311700" y="1090027"/>
+            <a:ext cx="4697300" cy="3643700"/>
+          </a:xfrm>
+          <a:prstGeom prst="rect">
+            <a:avLst/>
+          </a:prstGeom>
+        </p:spPr>
+      </p:pic>
+      <p:pic>
+        <p:nvPicPr>
+          <p:cNvPr id="7" name="Picture 6">
+            <a:extLst>
+              <a:ext uri="{FF2B5EF4-FFF2-40B4-BE49-F238E27FC236}">
+                <a16:creationId xmlns:a16="http://schemas.microsoft.com/office/drawing/2014/main" id="{18650614-08CE-BB49-88C3-71D97C785363}"/>
+              </a:ext>
+            </a:extLst>
+          </p:cNvPr>
+          <p:cNvPicPr>
+            <a:picLocks noChangeAspect="1"/>
+          </p:cNvPicPr>
+          <p:nvPr/>
+        </p:nvPicPr>
+        <p:blipFill>
+          <a:blip r:embed="rId6"/>
+          <a:stretch>
+            <a:fillRect/>
+          </a:stretch>
+        </p:blipFill>
+        <p:spPr>
+          <a:xfrm>
+            <a:off x="5195654" y="842771"/>
+            <a:ext cx="3636646" cy="3890956"/>
+          </a:xfrm>
+          <a:prstGeom prst="rect">
+            <a:avLst/>
+          </a:prstGeom>
+        </p:spPr>
+      </p:pic>
+    </p:spTree>
+    <p:extLst>
+      <p:ext uri="{BB962C8B-B14F-4D97-AF65-F5344CB8AC3E}">
+        <p14:creationId xmlns:p14="http://schemas.microsoft.com/office/powerpoint/2010/main" val="379487727"/>
+      </p:ext>
+    </p:extLst>
+  </p:cSld>
+  <p:clrMapOvr>
+    <a:masterClrMapping/>
+  </p:clrMapOvr>
+  <mc:AlternateContent xmlns:mc="http://schemas.openxmlformats.org/markup-compatibility/2006" xmlns:p159="http://schemas.microsoft.com/office/powerpoint/2015/09/main">
+    <mc:Choice Requires="p159">
+      <p:transition xmlns:p14="http://schemas.microsoft.com/office/powerpoint/2010/main" spd="slow" p14:dur="2000">
+        <p159:morph option="byObject"/>
+      </p:transition>
+    </mc:Choice>
+    <mc:Fallback xmlns="">
+      <p:transition spd="slow">
+        <p:fade/>
+      </p:transition>
+    </mc:Fallback>
+  </mc:AlternateContent>
+</p:sld>
+</file>
+
+<file path=ppt/slides/slide19.xml><?xml version="1.0" encoding="utf-8"?>
+<p:sld xmlns:a="http://schemas.openxmlformats.org/drawingml/2006/main" xmlns:r="http://schemas.openxmlformats.org/officeDocument/2006/relationships" xmlns:p="http://schemas.openxmlformats.org/presentationml/2006/main">
+  <p:cSld>
+    <p:spTree>
+      <p:nvGrpSpPr>
+        <p:cNvPr id="1" name="Shape 86"/>
+        <p:cNvGrpSpPr/>
+        <p:nvPr/>
+      </p:nvGrpSpPr>
+      <p:grpSpPr>
+        <a:xfrm>
+          <a:off x="0" y="0"/>
+          <a:ext cx="0" cy="0"/>
+          <a:chOff x="0" y="0"/>
+          <a:chExt cx="0" cy="0"/>
+        </a:xfrm>
+      </p:grpSpPr>
+      <p:sp>
+        <p:nvSpPr>
+          <p:cNvPr id="87" name="Google Shape;87;p17"/>
+          <p:cNvSpPr txBox="1">
+            <a:spLocks noGrp="1"/>
+          </p:cNvSpPr>
+          <p:nvPr>
+            <p:ph type="title"/>
+          </p:nvPr>
+        </p:nvSpPr>
+        <p:spPr>
+          <a:xfrm>
+            <a:off x="311700" y="152550"/>
+            <a:ext cx="8520600" cy="572700"/>
+          </a:xfrm>
+          <a:prstGeom prst="rect">
+            <a:avLst/>
+          </a:prstGeom>
+        </p:spPr>
+        <p:txBody>
+          <a:bodyPr spcFirstLastPara="1" wrap="square" lIns="91425" tIns="91425" rIns="91425" bIns="91425" anchor="t" anchorCtr="0">
+            <a:noAutofit/>
+          </a:bodyPr>
+          <a:lstStyle/>
+          <a:p>
+            <a:pPr marL="0" lvl="0" indent="0" rtl="0">
+              <a:spcBef>
+                <a:spcPts val="0"/>
+              </a:spcBef>
+              <a:spcAft>
+                <a:spcPts val="0"/>
+              </a:spcAft>
+              <a:buClr>
+                <a:schemeClr val="dk1"/>
+              </a:buClr>
+              <a:buSzPts val="1100"/>
+              <a:buFont typeface="Arial"/>
+              <a:buNone/>
+            </a:pPr>
+            <a:r>
+              <a:rPr lang="en" sz="1600" dirty="0"/>
+              <a:t>          Output: Unit converter</a:t>
+            </a:r>
+            <a:endParaRPr sz="1600" dirty="0"/>
+          </a:p>
+          <a:p>
+            <a:pPr marL="0" lvl="0" indent="0" algn="ctr" rtl="0">
+              <a:spcBef>
+                <a:spcPts val="0"/>
+              </a:spcBef>
+              <a:spcAft>
+                <a:spcPts val="0"/>
+              </a:spcAft>
+              <a:buNone/>
+            </a:pPr>
+            <a:endParaRPr sz="1800" dirty="0"/>
+          </a:p>
+        </p:txBody>
+      </p:sp>
+      <p:sp>
+        <p:nvSpPr>
+          <p:cNvPr id="88" name="Google Shape;88;p17"/>
+          <p:cNvSpPr txBox="1">
+            <a:spLocks noGrp="1"/>
+          </p:cNvSpPr>
+          <p:nvPr>
+            <p:ph type="body" idx="1"/>
+          </p:nvPr>
+        </p:nvSpPr>
+        <p:spPr>
+          <a:xfrm>
+            <a:off x="311700" y="1152475"/>
+            <a:ext cx="8520600" cy="3908256"/>
+          </a:xfrm>
+          <a:prstGeom prst="rect">
+            <a:avLst/>
+          </a:prstGeom>
+        </p:spPr>
+        <p:txBody>
+          <a:bodyPr spcFirstLastPara="1" wrap="square" lIns="91425" tIns="91425" rIns="91425" bIns="91425" anchor="t" anchorCtr="0">
+            <a:noAutofit/>
+          </a:bodyPr>
+          <a:lstStyle/>
+          <a:p>
+            <a:pPr marL="0" lvl="0" indent="0" algn="l" rtl="0">
+              <a:spcBef>
+                <a:spcPts val="1600"/>
+              </a:spcBef>
+              <a:spcAft>
+                <a:spcPts val="1600"/>
+              </a:spcAft>
+              <a:buNone/>
+            </a:pPr>
+            <a:r>
+              <a:rPr lang="en-US" dirty="0"/>
+              <a:t>          </a:t>
+            </a:r>
+            <a:endParaRPr dirty="0"/>
+          </a:p>
+        </p:txBody>
+      </p:sp>
+      <p:pic>
+        <p:nvPicPr>
+          <p:cNvPr id="89" name="Google Shape;89;p17"/>
+          <p:cNvPicPr preferRelativeResize="0"/>
+          <p:nvPr/>
+        </p:nvPicPr>
+        <p:blipFill>
+          <a:blip r:embed="rId3">
+            <a:alphaModFix/>
+          </a:blip>
+          <a:stretch>
+            <a:fillRect/>
+          </a:stretch>
+        </p:blipFill>
+        <p:spPr>
+          <a:xfrm>
+            <a:off x="7898868" y="152550"/>
+            <a:ext cx="1083283" cy="572699"/>
+          </a:xfrm>
+          <a:prstGeom prst="rect">
+            <a:avLst/>
+          </a:prstGeom>
+          <a:noFill/>
+          <a:ln>
+            <a:noFill/>
+          </a:ln>
+        </p:spPr>
+      </p:pic>
+      <p:pic>
+        <p:nvPicPr>
+          <p:cNvPr id="90" name="Google Shape;90;p17"/>
+          <p:cNvPicPr preferRelativeResize="0"/>
+          <p:nvPr/>
+        </p:nvPicPr>
+        <p:blipFill>
+          <a:blip r:embed="rId4">
+            <a:alphaModFix/>
+          </a:blip>
+          <a:stretch>
+            <a:fillRect/>
+          </a:stretch>
+        </p:blipFill>
+        <p:spPr>
+          <a:xfrm>
+            <a:off x="184824" y="152550"/>
+            <a:ext cx="717222" cy="572701"/>
+          </a:xfrm>
+          <a:prstGeom prst="rect">
+            <a:avLst/>
+          </a:prstGeom>
+          <a:noFill/>
+          <a:ln>
+            <a:noFill/>
+          </a:ln>
+        </p:spPr>
+      </p:pic>
+      <p:pic>
+        <p:nvPicPr>
+          <p:cNvPr id="3" name="Picture 2">
+            <a:extLst>
+              <a:ext uri="{FF2B5EF4-FFF2-40B4-BE49-F238E27FC236}">
+                <a16:creationId xmlns:a16="http://schemas.microsoft.com/office/drawing/2014/main" id="{5CFED381-EC7C-7048-B82C-18F66F4F3443}"/>
+              </a:ext>
+            </a:extLst>
+          </p:cNvPr>
+          <p:cNvPicPr>
+            <a:picLocks noChangeAspect="1"/>
+          </p:cNvPicPr>
+          <p:nvPr/>
+        </p:nvPicPr>
+        <p:blipFill>
+          <a:blip r:embed="rId5"/>
+          <a:stretch>
+            <a:fillRect/>
+          </a:stretch>
+        </p:blipFill>
+        <p:spPr>
+          <a:xfrm>
+            <a:off x="984256" y="606825"/>
+            <a:ext cx="6832402" cy="4384125"/>
+          </a:xfrm>
+          <a:prstGeom prst="rect">
+            <a:avLst/>
+          </a:prstGeom>
+        </p:spPr>
+      </p:pic>
+    </p:spTree>
+    <p:extLst>
+      <p:ext uri="{BB962C8B-B14F-4D97-AF65-F5344CB8AC3E}">
+        <p14:creationId xmlns:p14="http://schemas.microsoft.com/office/powerpoint/2010/main" val="2942773316"/>
+      </p:ext>
+    </p:extLst>
   </p:cSld>
   <p:clrMapOvr>
     <a:masterClrMapping/>
@@ -9079,6 +11738,18 @@
               <a:rPr lang="en-US" sz="1400" dirty="0"/>
               <a:t> To check whether the number is an Armstrong number or not. </a:t>
             </a:r>
+          </a:p>
+          <a:p>
+            <a:pPr lvl="0">
+              <a:buFont typeface="+mj-lt"/>
+              <a:buAutoNum type="arabicPeriod"/>
+            </a:pPr>
+            <a:endParaRPr lang="en-US" sz="1400" dirty="0"/>
+          </a:p>
+          <a:p>
+            <a:pPr marL="114300" lvl="0" indent="0">
+              <a:buNone/>
+            </a:pPr>
             <a:endParaRPr lang="en-IN" sz="1400" dirty="0"/>
           </a:p>
           <a:p>
@@ -9152,6 +11823,2746 @@
         </p:spPr>
       </p:pic>
     </p:spTree>
+  </p:cSld>
+  <p:clrMapOvr>
+    <a:masterClrMapping/>
+  </p:clrMapOvr>
+  <mc:AlternateContent xmlns:mc="http://schemas.openxmlformats.org/markup-compatibility/2006" xmlns:p159="http://schemas.microsoft.com/office/powerpoint/2015/09/main">
+    <mc:Choice Requires="p159">
+      <p:transition xmlns:p14="http://schemas.microsoft.com/office/powerpoint/2010/main" spd="slow" p14:dur="2000">
+        <p159:morph option="byObject"/>
+      </p:transition>
+    </mc:Choice>
+    <mc:Fallback xmlns="">
+      <p:transition spd="slow">
+        <p:fade/>
+      </p:transition>
+    </mc:Fallback>
+  </mc:AlternateContent>
+</p:sld>
+</file>
+
+<file path=ppt/slides/slide20.xml><?xml version="1.0" encoding="utf-8"?>
+<p:sld xmlns:a="http://schemas.openxmlformats.org/drawingml/2006/main" xmlns:r="http://schemas.openxmlformats.org/officeDocument/2006/relationships" xmlns:p="http://schemas.openxmlformats.org/presentationml/2006/main">
+  <p:cSld>
+    <p:spTree>
+      <p:nvGrpSpPr>
+        <p:cNvPr id="1" name="Shape 86"/>
+        <p:cNvGrpSpPr/>
+        <p:nvPr/>
+      </p:nvGrpSpPr>
+      <p:grpSpPr>
+        <a:xfrm>
+          <a:off x="0" y="0"/>
+          <a:ext cx="0" cy="0"/>
+          <a:chOff x="0" y="0"/>
+          <a:chExt cx="0" cy="0"/>
+        </a:xfrm>
+      </p:grpSpPr>
+      <p:sp>
+        <p:nvSpPr>
+          <p:cNvPr id="87" name="Google Shape;87;p17"/>
+          <p:cNvSpPr txBox="1">
+            <a:spLocks noGrp="1"/>
+          </p:cNvSpPr>
+          <p:nvPr>
+            <p:ph type="title"/>
+          </p:nvPr>
+        </p:nvSpPr>
+        <p:spPr>
+          <a:xfrm>
+            <a:off x="311700" y="152550"/>
+            <a:ext cx="8520600" cy="572700"/>
+          </a:xfrm>
+          <a:prstGeom prst="rect">
+            <a:avLst/>
+          </a:prstGeom>
+        </p:spPr>
+        <p:txBody>
+          <a:bodyPr spcFirstLastPara="1" wrap="square" lIns="91425" tIns="91425" rIns="91425" bIns="91425" anchor="t" anchorCtr="0">
+            <a:noAutofit/>
+          </a:bodyPr>
+          <a:lstStyle/>
+          <a:p>
+            <a:pPr marL="0" lvl="0" indent="0" rtl="0">
+              <a:spcBef>
+                <a:spcPts val="0"/>
+              </a:spcBef>
+              <a:spcAft>
+                <a:spcPts val="0"/>
+              </a:spcAft>
+              <a:buClr>
+                <a:schemeClr val="dk1"/>
+              </a:buClr>
+              <a:buSzPts val="1100"/>
+              <a:buFont typeface="Arial"/>
+              <a:buNone/>
+            </a:pPr>
+            <a:r>
+              <a:rPr lang="en" sz="1600" dirty="0"/>
+              <a:t>          Output: Quadratic equation solver</a:t>
+            </a:r>
+            <a:endParaRPr sz="1600" dirty="0"/>
+          </a:p>
+          <a:p>
+            <a:pPr marL="0" lvl="0" indent="0" algn="ctr" rtl="0">
+              <a:spcBef>
+                <a:spcPts val="0"/>
+              </a:spcBef>
+              <a:spcAft>
+                <a:spcPts val="0"/>
+              </a:spcAft>
+              <a:buNone/>
+            </a:pPr>
+            <a:endParaRPr sz="1800" dirty="0"/>
+          </a:p>
+        </p:txBody>
+      </p:sp>
+      <p:sp>
+        <p:nvSpPr>
+          <p:cNvPr id="88" name="Google Shape;88;p17"/>
+          <p:cNvSpPr txBox="1">
+            <a:spLocks noGrp="1"/>
+          </p:cNvSpPr>
+          <p:nvPr>
+            <p:ph type="body" idx="1"/>
+          </p:nvPr>
+        </p:nvSpPr>
+        <p:spPr>
+          <a:xfrm>
+            <a:off x="311700" y="1152475"/>
+            <a:ext cx="8520600" cy="3908256"/>
+          </a:xfrm>
+          <a:prstGeom prst="rect">
+            <a:avLst/>
+          </a:prstGeom>
+        </p:spPr>
+        <p:txBody>
+          <a:bodyPr spcFirstLastPara="1" wrap="square" lIns="91425" tIns="91425" rIns="91425" bIns="91425" anchor="t" anchorCtr="0">
+            <a:noAutofit/>
+          </a:bodyPr>
+          <a:lstStyle/>
+          <a:p>
+            <a:pPr marL="0" lvl="0" indent="0" algn="l" rtl="0">
+              <a:spcBef>
+                <a:spcPts val="1600"/>
+              </a:spcBef>
+              <a:spcAft>
+                <a:spcPts val="1600"/>
+              </a:spcAft>
+              <a:buNone/>
+            </a:pPr>
+            <a:r>
+              <a:rPr lang="en-US" dirty="0"/>
+              <a:t>          </a:t>
+            </a:r>
+            <a:endParaRPr dirty="0"/>
+          </a:p>
+        </p:txBody>
+      </p:sp>
+      <p:pic>
+        <p:nvPicPr>
+          <p:cNvPr id="89" name="Google Shape;89;p17"/>
+          <p:cNvPicPr preferRelativeResize="0"/>
+          <p:nvPr/>
+        </p:nvPicPr>
+        <p:blipFill>
+          <a:blip r:embed="rId3">
+            <a:alphaModFix/>
+          </a:blip>
+          <a:stretch>
+            <a:fillRect/>
+          </a:stretch>
+        </p:blipFill>
+        <p:spPr>
+          <a:xfrm>
+            <a:off x="7898868" y="152550"/>
+            <a:ext cx="1083283" cy="572699"/>
+          </a:xfrm>
+          <a:prstGeom prst="rect">
+            <a:avLst/>
+          </a:prstGeom>
+          <a:noFill/>
+          <a:ln>
+            <a:noFill/>
+          </a:ln>
+        </p:spPr>
+      </p:pic>
+      <p:pic>
+        <p:nvPicPr>
+          <p:cNvPr id="90" name="Google Shape;90;p17"/>
+          <p:cNvPicPr preferRelativeResize="0"/>
+          <p:nvPr/>
+        </p:nvPicPr>
+        <p:blipFill>
+          <a:blip r:embed="rId4">
+            <a:alphaModFix/>
+          </a:blip>
+          <a:stretch>
+            <a:fillRect/>
+          </a:stretch>
+        </p:blipFill>
+        <p:spPr>
+          <a:xfrm>
+            <a:off x="184824" y="152550"/>
+            <a:ext cx="717222" cy="572701"/>
+          </a:xfrm>
+          <a:prstGeom prst="rect">
+            <a:avLst/>
+          </a:prstGeom>
+          <a:noFill/>
+          <a:ln>
+            <a:noFill/>
+          </a:ln>
+        </p:spPr>
+      </p:pic>
+      <p:pic>
+        <p:nvPicPr>
+          <p:cNvPr id="6" name="Picture 5">
+            <a:extLst>
+              <a:ext uri="{FF2B5EF4-FFF2-40B4-BE49-F238E27FC236}">
+                <a16:creationId xmlns:a16="http://schemas.microsoft.com/office/drawing/2014/main" id="{257F50F2-3900-664D-8D04-27F7941F9C48}"/>
+              </a:ext>
+            </a:extLst>
+          </p:cNvPr>
+          <p:cNvPicPr>
+            <a:picLocks noChangeAspect="1"/>
+          </p:cNvPicPr>
+          <p:nvPr/>
+        </p:nvPicPr>
+        <p:blipFill>
+          <a:blip r:embed="rId5"/>
+          <a:stretch>
+            <a:fillRect/>
+          </a:stretch>
+        </p:blipFill>
+        <p:spPr>
+          <a:xfrm>
+            <a:off x="129811" y="1077277"/>
+            <a:ext cx="4442189" cy="1718205"/>
+          </a:xfrm>
+          <a:prstGeom prst="rect">
+            <a:avLst/>
+          </a:prstGeom>
+        </p:spPr>
+      </p:pic>
+      <p:pic>
+        <p:nvPicPr>
+          <p:cNvPr id="8" name="Picture 7">
+            <a:extLst>
+              <a:ext uri="{FF2B5EF4-FFF2-40B4-BE49-F238E27FC236}">
+                <a16:creationId xmlns:a16="http://schemas.microsoft.com/office/drawing/2014/main" id="{C56C800B-D09A-AD47-A93A-F308457EFE3C}"/>
+              </a:ext>
+            </a:extLst>
+          </p:cNvPr>
+          <p:cNvPicPr>
+            <a:picLocks noChangeAspect="1"/>
+          </p:cNvPicPr>
+          <p:nvPr/>
+        </p:nvPicPr>
+        <p:blipFill>
+          <a:blip r:embed="rId6"/>
+          <a:stretch>
+            <a:fillRect/>
+          </a:stretch>
+        </p:blipFill>
+        <p:spPr>
+          <a:xfrm>
+            <a:off x="4607939" y="1152475"/>
+            <a:ext cx="4406250" cy="1643008"/>
+          </a:xfrm>
+          <a:prstGeom prst="rect">
+            <a:avLst/>
+          </a:prstGeom>
+        </p:spPr>
+      </p:pic>
+      <p:pic>
+        <p:nvPicPr>
+          <p:cNvPr id="10" name="Picture 9">
+            <a:extLst>
+              <a:ext uri="{FF2B5EF4-FFF2-40B4-BE49-F238E27FC236}">
+                <a16:creationId xmlns:a16="http://schemas.microsoft.com/office/drawing/2014/main" id="{D0BE0AA0-2854-C643-8510-E6FEC7E1A2C1}"/>
+              </a:ext>
+            </a:extLst>
+          </p:cNvPr>
+          <p:cNvPicPr>
+            <a:picLocks noChangeAspect="1"/>
+          </p:cNvPicPr>
+          <p:nvPr/>
+        </p:nvPicPr>
+        <p:blipFill>
+          <a:blip r:embed="rId7"/>
+          <a:stretch>
+            <a:fillRect/>
+          </a:stretch>
+        </p:blipFill>
+        <p:spPr>
+          <a:xfrm>
+            <a:off x="184483" y="3026208"/>
+            <a:ext cx="4186815" cy="1691226"/>
+          </a:xfrm>
+          <a:prstGeom prst="rect">
+            <a:avLst/>
+          </a:prstGeom>
+        </p:spPr>
+      </p:pic>
+      <p:pic>
+        <p:nvPicPr>
+          <p:cNvPr id="12" name="Picture 11">
+            <a:extLst>
+              <a:ext uri="{FF2B5EF4-FFF2-40B4-BE49-F238E27FC236}">
+                <a16:creationId xmlns:a16="http://schemas.microsoft.com/office/drawing/2014/main" id="{1D6C7FFD-02C1-6747-86AC-1E5CB7623B7C}"/>
+              </a:ext>
+            </a:extLst>
+          </p:cNvPr>
+          <p:cNvPicPr>
+            <a:picLocks noChangeAspect="1"/>
+          </p:cNvPicPr>
+          <p:nvPr/>
+        </p:nvPicPr>
+        <p:blipFill>
+          <a:blip r:embed="rId8"/>
+          <a:stretch>
+            <a:fillRect/>
+          </a:stretch>
+        </p:blipFill>
+        <p:spPr>
+          <a:xfrm>
+            <a:off x="4572000" y="2977591"/>
+            <a:ext cx="4241485" cy="1788460"/>
+          </a:xfrm>
+          <a:prstGeom prst="rect">
+            <a:avLst/>
+          </a:prstGeom>
+        </p:spPr>
+      </p:pic>
+    </p:spTree>
+    <p:extLst>
+      <p:ext uri="{BB962C8B-B14F-4D97-AF65-F5344CB8AC3E}">
+        <p14:creationId xmlns:p14="http://schemas.microsoft.com/office/powerpoint/2010/main" val="3939790717"/>
+      </p:ext>
+    </p:extLst>
+  </p:cSld>
+  <p:clrMapOvr>
+    <a:masterClrMapping/>
+  </p:clrMapOvr>
+  <mc:AlternateContent xmlns:mc="http://schemas.openxmlformats.org/markup-compatibility/2006" xmlns:p159="http://schemas.microsoft.com/office/powerpoint/2015/09/main">
+    <mc:Choice Requires="p159">
+      <p:transition xmlns:p14="http://schemas.microsoft.com/office/powerpoint/2010/main" spd="slow" p14:dur="2000">
+        <p159:morph option="byObject"/>
+      </p:transition>
+    </mc:Choice>
+    <mc:Fallback xmlns="">
+      <p:transition spd="slow">
+        <p:fade/>
+      </p:transition>
+    </mc:Fallback>
+  </mc:AlternateContent>
+</p:sld>
+</file>
+
+<file path=ppt/slides/slide21.xml><?xml version="1.0" encoding="utf-8"?>
+<p:sld xmlns:a="http://schemas.openxmlformats.org/drawingml/2006/main" xmlns:r="http://schemas.openxmlformats.org/officeDocument/2006/relationships" xmlns:p="http://schemas.openxmlformats.org/presentationml/2006/main">
+  <p:cSld>
+    <p:spTree>
+      <p:nvGrpSpPr>
+        <p:cNvPr id="1" name="Shape 86"/>
+        <p:cNvGrpSpPr/>
+        <p:nvPr/>
+      </p:nvGrpSpPr>
+      <p:grpSpPr>
+        <a:xfrm>
+          <a:off x="0" y="0"/>
+          <a:ext cx="0" cy="0"/>
+          <a:chOff x="0" y="0"/>
+          <a:chExt cx="0" cy="0"/>
+        </a:xfrm>
+      </p:grpSpPr>
+      <p:sp>
+        <p:nvSpPr>
+          <p:cNvPr id="87" name="Google Shape;87;p17"/>
+          <p:cNvSpPr txBox="1">
+            <a:spLocks noGrp="1"/>
+          </p:cNvSpPr>
+          <p:nvPr>
+            <p:ph type="title"/>
+          </p:nvPr>
+        </p:nvSpPr>
+        <p:spPr>
+          <a:xfrm>
+            <a:off x="311700" y="152550"/>
+            <a:ext cx="8520600" cy="572700"/>
+          </a:xfrm>
+          <a:prstGeom prst="rect">
+            <a:avLst/>
+          </a:prstGeom>
+        </p:spPr>
+        <p:txBody>
+          <a:bodyPr spcFirstLastPara="1" wrap="square" lIns="91425" tIns="91425" rIns="91425" bIns="91425" anchor="t" anchorCtr="0">
+            <a:noAutofit/>
+          </a:bodyPr>
+          <a:lstStyle/>
+          <a:p>
+            <a:pPr marL="0" lvl="0" indent="0" rtl="0">
+              <a:spcBef>
+                <a:spcPts val="0"/>
+              </a:spcBef>
+              <a:spcAft>
+                <a:spcPts val="0"/>
+              </a:spcAft>
+              <a:buClr>
+                <a:schemeClr val="dk1"/>
+              </a:buClr>
+              <a:buSzPts val="1100"/>
+              <a:buFont typeface="Arial"/>
+              <a:buNone/>
+            </a:pPr>
+            <a:r>
+              <a:rPr lang="en" sz="1600" dirty="0"/>
+              <a:t>          Output: Largest number</a:t>
+            </a:r>
+            <a:endParaRPr sz="1600" dirty="0"/>
+          </a:p>
+          <a:p>
+            <a:pPr marL="0" lvl="0" indent="0" algn="ctr" rtl="0">
+              <a:spcBef>
+                <a:spcPts val="0"/>
+              </a:spcBef>
+              <a:spcAft>
+                <a:spcPts val="0"/>
+              </a:spcAft>
+              <a:buNone/>
+            </a:pPr>
+            <a:endParaRPr sz="1800" dirty="0"/>
+          </a:p>
+        </p:txBody>
+      </p:sp>
+      <p:sp>
+        <p:nvSpPr>
+          <p:cNvPr id="88" name="Google Shape;88;p17"/>
+          <p:cNvSpPr txBox="1">
+            <a:spLocks noGrp="1"/>
+          </p:cNvSpPr>
+          <p:nvPr>
+            <p:ph type="body" idx="1"/>
+          </p:nvPr>
+        </p:nvSpPr>
+        <p:spPr>
+          <a:xfrm>
+            <a:off x="311700" y="1152475"/>
+            <a:ext cx="8520600" cy="3908256"/>
+          </a:xfrm>
+          <a:prstGeom prst="rect">
+            <a:avLst/>
+          </a:prstGeom>
+        </p:spPr>
+        <p:txBody>
+          <a:bodyPr spcFirstLastPara="1" wrap="square" lIns="91425" tIns="91425" rIns="91425" bIns="91425" anchor="t" anchorCtr="0">
+            <a:noAutofit/>
+          </a:bodyPr>
+          <a:lstStyle/>
+          <a:p>
+            <a:pPr marL="0" lvl="0" indent="0" algn="l" rtl="0">
+              <a:spcBef>
+                <a:spcPts val="1600"/>
+              </a:spcBef>
+              <a:spcAft>
+                <a:spcPts val="1600"/>
+              </a:spcAft>
+              <a:buNone/>
+            </a:pPr>
+            <a:r>
+              <a:rPr lang="en-US" dirty="0"/>
+              <a:t>          </a:t>
+            </a:r>
+            <a:endParaRPr dirty="0"/>
+          </a:p>
+        </p:txBody>
+      </p:sp>
+      <p:pic>
+        <p:nvPicPr>
+          <p:cNvPr id="89" name="Google Shape;89;p17"/>
+          <p:cNvPicPr preferRelativeResize="0"/>
+          <p:nvPr/>
+        </p:nvPicPr>
+        <p:blipFill>
+          <a:blip r:embed="rId3">
+            <a:alphaModFix/>
+          </a:blip>
+          <a:stretch>
+            <a:fillRect/>
+          </a:stretch>
+        </p:blipFill>
+        <p:spPr>
+          <a:xfrm>
+            <a:off x="7898868" y="152550"/>
+            <a:ext cx="1083283" cy="572699"/>
+          </a:xfrm>
+          <a:prstGeom prst="rect">
+            <a:avLst/>
+          </a:prstGeom>
+          <a:noFill/>
+          <a:ln>
+            <a:noFill/>
+          </a:ln>
+        </p:spPr>
+      </p:pic>
+      <p:pic>
+        <p:nvPicPr>
+          <p:cNvPr id="90" name="Google Shape;90;p17"/>
+          <p:cNvPicPr preferRelativeResize="0"/>
+          <p:nvPr/>
+        </p:nvPicPr>
+        <p:blipFill>
+          <a:blip r:embed="rId4">
+            <a:alphaModFix/>
+          </a:blip>
+          <a:stretch>
+            <a:fillRect/>
+          </a:stretch>
+        </p:blipFill>
+        <p:spPr>
+          <a:xfrm>
+            <a:off x="184824" y="152550"/>
+            <a:ext cx="717222" cy="572701"/>
+          </a:xfrm>
+          <a:prstGeom prst="rect">
+            <a:avLst/>
+          </a:prstGeom>
+          <a:noFill/>
+          <a:ln>
+            <a:noFill/>
+          </a:ln>
+        </p:spPr>
+      </p:pic>
+      <p:pic>
+        <p:nvPicPr>
+          <p:cNvPr id="4" name="Picture 3">
+            <a:extLst>
+              <a:ext uri="{FF2B5EF4-FFF2-40B4-BE49-F238E27FC236}">
+                <a16:creationId xmlns:a16="http://schemas.microsoft.com/office/drawing/2014/main" id="{29663C6F-069D-C349-B284-59D2D97A0906}"/>
+              </a:ext>
+            </a:extLst>
+          </p:cNvPr>
+          <p:cNvPicPr>
+            <a:picLocks noChangeAspect="1"/>
+          </p:cNvPicPr>
+          <p:nvPr/>
+        </p:nvPicPr>
+        <p:blipFill>
+          <a:blip r:embed="rId5"/>
+          <a:stretch>
+            <a:fillRect/>
+          </a:stretch>
+        </p:blipFill>
+        <p:spPr>
+          <a:xfrm>
+            <a:off x="902046" y="630199"/>
+            <a:ext cx="3226259" cy="1958529"/>
+          </a:xfrm>
+          <a:prstGeom prst="rect">
+            <a:avLst/>
+          </a:prstGeom>
+        </p:spPr>
+      </p:pic>
+      <p:pic>
+        <p:nvPicPr>
+          <p:cNvPr id="6" name="Picture 5">
+            <a:extLst>
+              <a:ext uri="{FF2B5EF4-FFF2-40B4-BE49-F238E27FC236}">
+                <a16:creationId xmlns:a16="http://schemas.microsoft.com/office/drawing/2014/main" id="{77FC337B-6EF6-7945-9AA2-DD49605C95D3}"/>
+              </a:ext>
+            </a:extLst>
+          </p:cNvPr>
+          <p:cNvPicPr>
+            <a:picLocks noChangeAspect="1"/>
+          </p:cNvPicPr>
+          <p:nvPr/>
+        </p:nvPicPr>
+        <p:blipFill>
+          <a:blip r:embed="rId6"/>
+          <a:stretch>
+            <a:fillRect/>
+          </a:stretch>
+        </p:blipFill>
+        <p:spPr>
+          <a:xfrm>
+            <a:off x="4572000" y="613221"/>
+            <a:ext cx="3442970" cy="1958529"/>
+          </a:xfrm>
+          <a:prstGeom prst="rect">
+            <a:avLst/>
+          </a:prstGeom>
+        </p:spPr>
+      </p:pic>
+      <p:pic>
+        <p:nvPicPr>
+          <p:cNvPr id="8" name="Picture 7">
+            <a:extLst>
+              <a:ext uri="{FF2B5EF4-FFF2-40B4-BE49-F238E27FC236}">
+                <a16:creationId xmlns:a16="http://schemas.microsoft.com/office/drawing/2014/main" id="{34714429-84DA-4246-B4D0-62646AC7324A}"/>
+              </a:ext>
+            </a:extLst>
+          </p:cNvPr>
+          <p:cNvPicPr>
+            <a:picLocks noChangeAspect="1"/>
+          </p:cNvPicPr>
+          <p:nvPr/>
+        </p:nvPicPr>
+        <p:blipFill>
+          <a:blip r:embed="rId7"/>
+          <a:stretch>
+            <a:fillRect/>
+          </a:stretch>
+        </p:blipFill>
+        <p:spPr>
+          <a:xfrm>
+            <a:off x="815369" y="2858969"/>
+            <a:ext cx="3369860" cy="2036290"/>
+          </a:xfrm>
+          <a:prstGeom prst="rect">
+            <a:avLst/>
+          </a:prstGeom>
+        </p:spPr>
+      </p:pic>
+      <p:pic>
+        <p:nvPicPr>
+          <p:cNvPr id="10" name="Picture 9">
+            <a:extLst>
+              <a:ext uri="{FF2B5EF4-FFF2-40B4-BE49-F238E27FC236}">
+                <a16:creationId xmlns:a16="http://schemas.microsoft.com/office/drawing/2014/main" id="{C5D5DE9D-D26F-9B4F-8A93-EABD62A8B9C3}"/>
+              </a:ext>
+            </a:extLst>
+          </p:cNvPr>
+          <p:cNvPicPr>
+            <a:picLocks noChangeAspect="1"/>
+          </p:cNvPicPr>
+          <p:nvPr/>
+        </p:nvPicPr>
+        <p:blipFill>
+          <a:blip r:embed="rId8"/>
+          <a:stretch>
+            <a:fillRect/>
+          </a:stretch>
+        </p:blipFill>
+        <p:spPr>
+          <a:xfrm>
+            <a:off x="4762225" y="2763278"/>
+            <a:ext cx="3369860" cy="2227672"/>
+          </a:xfrm>
+          <a:prstGeom prst="rect">
+            <a:avLst/>
+          </a:prstGeom>
+        </p:spPr>
+      </p:pic>
+    </p:spTree>
+    <p:extLst>
+      <p:ext uri="{BB962C8B-B14F-4D97-AF65-F5344CB8AC3E}">
+        <p14:creationId xmlns:p14="http://schemas.microsoft.com/office/powerpoint/2010/main" val="3332238740"/>
+      </p:ext>
+    </p:extLst>
+  </p:cSld>
+  <p:clrMapOvr>
+    <a:masterClrMapping/>
+  </p:clrMapOvr>
+  <mc:AlternateContent xmlns:mc="http://schemas.openxmlformats.org/markup-compatibility/2006" xmlns:p159="http://schemas.microsoft.com/office/powerpoint/2015/09/main">
+    <mc:Choice Requires="p159">
+      <p:transition xmlns:p14="http://schemas.microsoft.com/office/powerpoint/2010/main" spd="slow" p14:dur="2000">
+        <p159:morph option="byObject"/>
+      </p:transition>
+    </mc:Choice>
+    <mc:Fallback xmlns="">
+      <p:transition spd="slow">
+        <p:fade/>
+      </p:transition>
+    </mc:Fallback>
+  </mc:AlternateContent>
+</p:sld>
+</file>
+
+<file path=ppt/slides/slide22.xml><?xml version="1.0" encoding="utf-8"?>
+<p:sld xmlns:a="http://schemas.openxmlformats.org/drawingml/2006/main" xmlns:r="http://schemas.openxmlformats.org/officeDocument/2006/relationships" xmlns:p="http://schemas.openxmlformats.org/presentationml/2006/main">
+  <p:cSld>
+    <p:spTree>
+      <p:nvGrpSpPr>
+        <p:cNvPr id="1" name="Shape 86"/>
+        <p:cNvGrpSpPr/>
+        <p:nvPr/>
+      </p:nvGrpSpPr>
+      <p:grpSpPr>
+        <a:xfrm>
+          <a:off x="0" y="0"/>
+          <a:ext cx="0" cy="0"/>
+          <a:chOff x="0" y="0"/>
+          <a:chExt cx="0" cy="0"/>
+        </a:xfrm>
+      </p:grpSpPr>
+      <p:sp>
+        <p:nvSpPr>
+          <p:cNvPr id="87" name="Google Shape;87;p17"/>
+          <p:cNvSpPr txBox="1">
+            <a:spLocks noGrp="1"/>
+          </p:cNvSpPr>
+          <p:nvPr>
+            <p:ph type="title"/>
+          </p:nvPr>
+        </p:nvSpPr>
+        <p:spPr>
+          <a:xfrm>
+            <a:off x="311700" y="152550"/>
+            <a:ext cx="8520600" cy="572700"/>
+          </a:xfrm>
+          <a:prstGeom prst="rect">
+            <a:avLst/>
+          </a:prstGeom>
+        </p:spPr>
+        <p:txBody>
+          <a:bodyPr spcFirstLastPara="1" wrap="square" lIns="91425" tIns="91425" rIns="91425" bIns="91425" anchor="t" anchorCtr="0">
+            <a:noAutofit/>
+          </a:bodyPr>
+          <a:lstStyle/>
+          <a:p>
+            <a:pPr marL="0" lvl="0" indent="0" rtl="0">
+              <a:spcBef>
+                <a:spcPts val="0"/>
+              </a:spcBef>
+              <a:spcAft>
+                <a:spcPts val="0"/>
+              </a:spcAft>
+              <a:buClr>
+                <a:schemeClr val="dk1"/>
+              </a:buClr>
+              <a:buSzPts val="1100"/>
+              <a:buFont typeface="Arial"/>
+              <a:buNone/>
+            </a:pPr>
+            <a:r>
+              <a:rPr lang="en" sz="1600" dirty="0"/>
+              <a:t>          Output: Multiplication table</a:t>
+            </a:r>
+            <a:endParaRPr sz="1600" dirty="0"/>
+          </a:p>
+          <a:p>
+            <a:pPr marL="0" lvl="0" indent="0" algn="ctr" rtl="0">
+              <a:spcBef>
+                <a:spcPts val="0"/>
+              </a:spcBef>
+              <a:spcAft>
+                <a:spcPts val="0"/>
+              </a:spcAft>
+              <a:buNone/>
+            </a:pPr>
+            <a:endParaRPr sz="1800" dirty="0"/>
+          </a:p>
+        </p:txBody>
+      </p:sp>
+      <p:sp>
+        <p:nvSpPr>
+          <p:cNvPr id="88" name="Google Shape;88;p17"/>
+          <p:cNvSpPr txBox="1">
+            <a:spLocks noGrp="1"/>
+          </p:cNvSpPr>
+          <p:nvPr>
+            <p:ph type="body" idx="1"/>
+          </p:nvPr>
+        </p:nvSpPr>
+        <p:spPr>
+          <a:xfrm>
+            <a:off x="311700" y="1152475"/>
+            <a:ext cx="8520600" cy="3908256"/>
+          </a:xfrm>
+          <a:prstGeom prst="rect">
+            <a:avLst/>
+          </a:prstGeom>
+        </p:spPr>
+        <p:txBody>
+          <a:bodyPr spcFirstLastPara="1" wrap="square" lIns="91425" tIns="91425" rIns="91425" bIns="91425" anchor="t" anchorCtr="0">
+            <a:noAutofit/>
+          </a:bodyPr>
+          <a:lstStyle/>
+          <a:p>
+            <a:pPr marL="0" lvl="0" indent="0" algn="l" rtl="0">
+              <a:spcBef>
+                <a:spcPts val="1600"/>
+              </a:spcBef>
+              <a:spcAft>
+                <a:spcPts val="1600"/>
+              </a:spcAft>
+              <a:buNone/>
+            </a:pPr>
+            <a:r>
+              <a:rPr lang="en-US" dirty="0"/>
+              <a:t>          </a:t>
+            </a:r>
+            <a:endParaRPr dirty="0"/>
+          </a:p>
+        </p:txBody>
+      </p:sp>
+      <p:pic>
+        <p:nvPicPr>
+          <p:cNvPr id="89" name="Google Shape;89;p17"/>
+          <p:cNvPicPr preferRelativeResize="0"/>
+          <p:nvPr/>
+        </p:nvPicPr>
+        <p:blipFill>
+          <a:blip r:embed="rId3">
+            <a:alphaModFix/>
+          </a:blip>
+          <a:stretch>
+            <a:fillRect/>
+          </a:stretch>
+        </p:blipFill>
+        <p:spPr>
+          <a:xfrm>
+            <a:off x="7898868" y="152550"/>
+            <a:ext cx="1083283" cy="572699"/>
+          </a:xfrm>
+          <a:prstGeom prst="rect">
+            <a:avLst/>
+          </a:prstGeom>
+          <a:noFill/>
+          <a:ln>
+            <a:noFill/>
+          </a:ln>
+        </p:spPr>
+      </p:pic>
+      <p:pic>
+        <p:nvPicPr>
+          <p:cNvPr id="90" name="Google Shape;90;p17"/>
+          <p:cNvPicPr preferRelativeResize="0"/>
+          <p:nvPr/>
+        </p:nvPicPr>
+        <p:blipFill>
+          <a:blip r:embed="rId4">
+            <a:alphaModFix/>
+          </a:blip>
+          <a:stretch>
+            <a:fillRect/>
+          </a:stretch>
+        </p:blipFill>
+        <p:spPr>
+          <a:xfrm>
+            <a:off x="184824" y="152550"/>
+            <a:ext cx="717222" cy="572701"/>
+          </a:xfrm>
+          <a:prstGeom prst="rect">
+            <a:avLst/>
+          </a:prstGeom>
+          <a:noFill/>
+          <a:ln>
+            <a:noFill/>
+          </a:ln>
+        </p:spPr>
+      </p:pic>
+      <p:pic>
+        <p:nvPicPr>
+          <p:cNvPr id="4" name="Picture 3">
+            <a:extLst>
+              <a:ext uri="{FF2B5EF4-FFF2-40B4-BE49-F238E27FC236}">
+                <a16:creationId xmlns:a16="http://schemas.microsoft.com/office/drawing/2014/main" id="{DAB680B4-E78F-B742-9A0F-90364581D981}"/>
+              </a:ext>
+            </a:extLst>
+          </p:cNvPr>
+          <p:cNvPicPr>
+            <a:picLocks noChangeAspect="1"/>
+          </p:cNvPicPr>
+          <p:nvPr/>
+        </p:nvPicPr>
+        <p:blipFill>
+          <a:blip r:embed="rId5"/>
+          <a:stretch>
+            <a:fillRect/>
+          </a:stretch>
+        </p:blipFill>
+        <p:spPr>
+          <a:xfrm>
+            <a:off x="1142907" y="725249"/>
+            <a:ext cx="6515100" cy="4114800"/>
+          </a:xfrm>
+          <a:prstGeom prst="rect">
+            <a:avLst/>
+          </a:prstGeom>
+        </p:spPr>
+      </p:pic>
+    </p:spTree>
+    <p:extLst>
+      <p:ext uri="{BB962C8B-B14F-4D97-AF65-F5344CB8AC3E}">
+        <p14:creationId xmlns:p14="http://schemas.microsoft.com/office/powerpoint/2010/main" val="2940635410"/>
+      </p:ext>
+    </p:extLst>
+  </p:cSld>
+  <p:clrMapOvr>
+    <a:masterClrMapping/>
+  </p:clrMapOvr>
+  <mc:AlternateContent xmlns:mc="http://schemas.openxmlformats.org/markup-compatibility/2006" xmlns:p159="http://schemas.microsoft.com/office/powerpoint/2015/09/main">
+    <mc:Choice Requires="p159">
+      <p:transition xmlns:p14="http://schemas.microsoft.com/office/powerpoint/2010/main" spd="slow" p14:dur="2000">
+        <p159:morph option="byObject"/>
+      </p:transition>
+    </mc:Choice>
+    <mc:Fallback xmlns="">
+      <p:transition spd="slow">
+        <p:fade/>
+      </p:transition>
+    </mc:Fallback>
+  </mc:AlternateContent>
+</p:sld>
+</file>
+
+<file path=ppt/slides/slide23.xml><?xml version="1.0" encoding="utf-8"?>
+<p:sld xmlns:a="http://schemas.openxmlformats.org/drawingml/2006/main" xmlns:r="http://schemas.openxmlformats.org/officeDocument/2006/relationships" xmlns:p="http://schemas.openxmlformats.org/presentationml/2006/main">
+  <p:cSld>
+    <p:spTree>
+      <p:nvGrpSpPr>
+        <p:cNvPr id="1" name="Shape 86"/>
+        <p:cNvGrpSpPr/>
+        <p:nvPr/>
+      </p:nvGrpSpPr>
+      <p:grpSpPr>
+        <a:xfrm>
+          <a:off x="0" y="0"/>
+          <a:ext cx="0" cy="0"/>
+          <a:chOff x="0" y="0"/>
+          <a:chExt cx="0" cy="0"/>
+        </a:xfrm>
+      </p:grpSpPr>
+      <p:sp>
+        <p:nvSpPr>
+          <p:cNvPr id="87" name="Google Shape;87;p17"/>
+          <p:cNvSpPr txBox="1">
+            <a:spLocks noGrp="1"/>
+          </p:cNvSpPr>
+          <p:nvPr>
+            <p:ph type="title"/>
+          </p:nvPr>
+        </p:nvSpPr>
+        <p:spPr>
+          <a:xfrm>
+            <a:off x="311700" y="152550"/>
+            <a:ext cx="8520600" cy="572700"/>
+          </a:xfrm>
+          <a:prstGeom prst="rect">
+            <a:avLst/>
+          </a:prstGeom>
+        </p:spPr>
+        <p:txBody>
+          <a:bodyPr spcFirstLastPara="1" wrap="square" lIns="91425" tIns="91425" rIns="91425" bIns="91425" anchor="t" anchorCtr="0">
+            <a:noAutofit/>
+          </a:bodyPr>
+          <a:lstStyle/>
+          <a:p>
+            <a:pPr marL="0" lvl="0" indent="0" rtl="0">
+              <a:spcBef>
+                <a:spcPts val="0"/>
+              </a:spcBef>
+              <a:spcAft>
+                <a:spcPts val="0"/>
+              </a:spcAft>
+              <a:buClr>
+                <a:schemeClr val="dk1"/>
+              </a:buClr>
+              <a:buSzPts val="1100"/>
+              <a:buFont typeface="Arial"/>
+              <a:buNone/>
+            </a:pPr>
+            <a:r>
+              <a:rPr lang="en" sz="1600" dirty="0"/>
+              <a:t>          Output: Number system converter</a:t>
+            </a:r>
+            <a:endParaRPr sz="1600" dirty="0"/>
+          </a:p>
+          <a:p>
+            <a:pPr marL="0" lvl="0" indent="0" algn="ctr" rtl="0">
+              <a:spcBef>
+                <a:spcPts val="0"/>
+              </a:spcBef>
+              <a:spcAft>
+                <a:spcPts val="0"/>
+              </a:spcAft>
+              <a:buNone/>
+            </a:pPr>
+            <a:endParaRPr sz="1800" dirty="0"/>
+          </a:p>
+        </p:txBody>
+      </p:sp>
+      <p:sp>
+        <p:nvSpPr>
+          <p:cNvPr id="88" name="Google Shape;88;p17"/>
+          <p:cNvSpPr txBox="1">
+            <a:spLocks noGrp="1"/>
+          </p:cNvSpPr>
+          <p:nvPr>
+            <p:ph type="body" idx="1"/>
+          </p:nvPr>
+        </p:nvSpPr>
+        <p:spPr>
+          <a:xfrm>
+            <a:off x="311700" y="1152475"/>
+            <a:ext cx="8520600" cy="3908256"/>
+          </a:xfrm>
+          <a:prstGeom prst="rect">
+            <a:avLst/>
+          </a:prstGeom>
+        </p:spPr>
+        <p:txBody>
+          <a:bodyPr spcFirstLastPara="1" wrap="square" lIns="91425" tIns="91425" rIns="91425" bIns="91425" anchor="t" anchorCtr="0">
+            <a:noAutofit/>
+          </a:bodyPr>
+          <a:lstStyle/>
+          <a:p>
+            <a:pPr marL="0" lvl="0" indent="0" algn="l" rtl="0">
+              <a:spcBef>
+                <a:spcPts val="1600"/>
+              </a:spcBef>
+              <a:spcAft>
+                <a:spcPts val="1600"/>
+              </a:spcAft>
+              <a:buNone/>
+            </a:pPr>
+            <a:r>
+              <a:rPr lang="en-US" dirty="0"/>
+              <a:t>          </a:t>
+            </a:r>
+            <a:endParaRPr dirty="0"/>
+          </a:p>
+        </p:txBody>
+      </p:sp>
+      <p:pic>
+        <p:nvPicPr>
+          <p:cNvPr id="89" name="Google Shape;89;p17"/>
+          <p:cNvPicPr preferRelativeResize="0"/>
+          <p:nvPr/>
+        </p:nvPicPr>
+        <p:blipFill>
+          <a:blip r:embed="rId3">
+            <a:alphaModFix/>
+          </a:blip>
+          <a:stretch>
+            <a:fillRect/>
+          </a:stretch>
+        </p:blipFill>
+        <p:spPr>
+          <a:xfrm>
+            <a:off x="7898868" y="152550"/>
+            <a:ext cx="1083283" cy="572699"/>
+          </a:xfrm>
+          <a:prstGeom prst="rect">
+            <a:avLst/>
+          </a:prstGeom>
+          <a:noFill/>
+          <a:ln>
+            <a:noFill/>
+          </a:ln>
+        </p:spPr>
+      </p:pic>
+      <p:pic>
+        <p:nvPicPr>
+          <p:cNvPr id="90" name="Google Shape;90;p17"/>
+          <p:cNvPicPr preferRelativeResize="0"/>
+          <p:nvPr/>
+        </p:nvPicPr>
+        <p:blipFill>
+          <a:blip r:embed="rId4">
+            <a:alphaModFix/>
+          </a:blip>
+          <a:stretch>
+            <a:fillRect/>
+          </a:stretch>
+        </p:blipFill>
+        <p:spPr>
+          <a:xfrm>
+            <a:off x="184824" y="152550"/>
+            <a:ext cx="717222" cy="572701"/>
+          </a:xfrm>
+          <a:prstGeom prst="rect">
+            <a:avLst/>
+          </a:prstGeom>
+          <a:noFill/>
+          <a:ln>
+            <a:noFill/>
+          </a:ln>
+        </p:spPr>
+      </p:pic>
+      <p:pic>
+        <p:nvPicPr>
+          <p:cNvPr id="4" name="Picture 3">
+            <a:extLst>
+              <a:ext uri="{FF2B5EF4-FFF2-40B4-BE49-F238E27FC236}">
+                <a16:creationId xmlns:a16="http://schemas.microsoft.com/office/drawing/2014/main" id="{166B97CB-DAC2-DF4D-94CD-F1AC617DB474}"/>
+              </a:ext>
+            </a:extLst>
+          </p:cNvPr>
+          <p:cNvPicPr>
+            <a:picLocks noChangeAspect="1"/>
+          </p:cNvPicPr>
+          <p:nvPr/>
+        </p:nvPicPr>
+        <p:blipFill>
+          <a:blip r:embed="rId5"/>
+          <a:stretch>
+            <a:fillRect/>
+          </a:stretch>
+        </p:blipFill>
+        <p:spPr>
+          <a:xfrm>
+            <a:off x="4515551" y="614635"/>
+            <a:ext cx="3659504" cy="2052536"/>
+          </a:xfrm>
+          <a:prstGeom prst="rect">
+            <a:avLst/>
+          </a:prstGeom>
+        </p:spPr>
+      </p:pic>
+      <p:pic>
+        <p:nvPicPr>
+          <p:cNvPr id="6" name="Picture 5">
+            <a:extLst>
+              <a:ext uri="{FF2B5EF4-FFF2-40B4-BE49-F238E27FC236}">
+                <a16:creationId xmlns:a16="http://schemas.microsoft.com/office/drawing/2014/main" id="{9FAD90D3-A619-8A4B-804A-6A2B52DEF471}"/>
+              </a:ext>
+            </a:extLst>
+          </p:cNvPr>
+          <p:cNvPicPr>
+            <a:picLocks noChangeAspect="1"/>
+          </p:cNvPicPr>
+          <p:nvPr/>
+        </p:nvPicPr>
+        <p:blipFill>
+          <a:blip r:embed="rId6"/>
+          <a:stretch>
+            <a:fillRect/>
+          </a:stretch>
+        </p:blipFill>
+        <p:spPr>
+          <a:xfrm>
+            <a:off x="988378" y="643127"/>
+            <a:ext cx="3298985" cy="2052536"/>
+          </a:xfrm>
+          <a:prstGeom prst="rect">
+            <a:avLst/>
+          </a:prstGeom>
+        </p:spPr>
+      </p:pic>
+      <p:pic>
+        <p:nvPicPr>
+          <p:cNvPr id="8" name="Picture 7">
+            <a:extLst>
+              <a:ext uri="{FF2B5EF4-FFF2-40B4-BE49-F238E27FC236}">
+                <a16:creationId xmlns:a16="http://schemas.microsoft.com/office/drawing/2014/main" id="{F185F017-367E-0343-9615-255E5B1A5C1E}"/>
+              </a:ext>
+            </a:extLst>
+          </p:cNvPr>
+          <p:cNvPicPr>
+            <a:picLocks noChangeAspect="1"/>
+          </p:cNvPicPr>
+          <p:nvPr/>
+        </p:nvPicPr>
+        <p:blipFill>
+          <a:blip r:embed="rId7"/>
+          <a:stretch>
+            <a:fillRect/>
+          </a:stretch>
+        </p:blipFill>
+        <p:spPr>
+          <a:xfrm>
+            <a:off x="2569593" y="2839938"/>
+            <a:ext cx="3364230" cy="2192687"/>
+          </a:xfrm>
+          <a:prstGeom prst="rect">
+            <a:avLst/>
+          </a:prstGeom>
+        </p:spPr>
+      </p:pic>
+    </p:spTree>
+    <p:extLst>
+      <p:ext uri="{BB962C8B-B14F-4D97-AF65-F5344CB8AC3E}">
+        <p14:creationId xmlns:p14="http://schemas.microsoft.com/office/powerpoint/2010/main" val="1670368544"/>
+      </p:ext>
+    </p:extLst>
+  </p:cSld>
+  <p:clrMapOvr>
+    <a:masterClrMapping/>
+  </p:clrMapOvr>
+  <mc:AlternateContent xmlns:mc="http://schemas.openxmlformats.org/markup-compatibility/2006" xmlns:p159="http://schemas.microsoft.com/office/powerpoint/2015/09/main">
+    <mc:Choice Requires="p159">
+      <p:transition xmlns:p14="http://schemas.microsoft.com/office/powerpoint/2010/main" spd="slow" p14:dur="2000">
+        <p159:morph option="byObject"/>
+      </p:transition>
+    </mc:Choice>
+    <mc:Fallback xmlns="">
+      <p:transition spd="slow">
+        <p:fade/>
+      </p:transition>
+    </mc:Fallback>
+  </mc:AlternateContent>
+</p:sld>
+</file>
+
+<file path=ppt/slides/slide24.xml><?xml version="1.0" encoding="utf-8"?>
+<p:sld xmlns:a="http://schemas.openxmlformats.org/drawingml/2006/main" xmlns:r="http://schemas.openxmlformats.org/officeDocument/2006/relationships" xmlns:p="http://schemas.openxmlformats.org/presentationml/2006/main">
+  <p:cSld>
+    <p:spTree>
+      <p:nvGrpSpPr>
+        <p:cNvPr id="1" name="Shape 86"/>
+        <p:cNvGrpSpPr/>
+        <p:nvPr/>
+      </p:nvGrpSpPr>
+      <p:grpSpPr>
+        <a:xfrm>
+          <a:off x="0" y="0"/>
+          <a:ext cx="0" cy="0"/>
+          <a:chOff x="0" y="0"/>
+          <a:chExt cx="0" cy="0"/>
+        </a:xfrm>
+      </p:grpSpPr>
+      <p:sp>
+        <p:nvSpPr>
+          <p:cNvPr id="87" name="Google Shape;87;p17"/>
+          <p:cNvSpPr txBox="1">
+            <a:spLocks noGrp="1"/>
+          </p:cNvSpPr>
+          <p:nvPr>
+            <p:ph type="title"/>
+          </p:nvPr>
+        </p:nvSpPr>
+        <p:spPr>
+          <a:xfrm>
+            <a:off x="311700" y="152550"/>
+            <a:ext cx="8520600" cy="572700"/>
+          </a:xfrm>
+          <a:prstGeom prst="rect">
+            <a:avLst/>
+          </a:prstGeom>
+        </p:spPr>
+        <p:txBody>
+          <a:bodyPr spcFirstLastPara="1" wrap="square" lIns="91425" tIns="91425" rIns="91425" bIns="91425" anchor="t" anchorCtr="0">
+            <a:noAutofit/>
+          </a:bodyPr>
+          <a:lstStyle/>
+          <a:p>
+            <a:pPr marL="0" lvl="0" indent="0" rtl="0">
+              <a:spcBef>
+                <a:spcPts val="0"/>
+              </a:spcBef>
+              <a:spcAft>
+                <a:spcPts val="0"/>
+              </a:spcAft>
+              <a:buClr>
+                <a:schemeClr val="dk1"/>
+              </a:buClr>
+              <a:buSzPts val="1100"/>
+              <a:buFont typeface="Arial"/>
+              <a:buNone/>
+            </a:pPr>
+            <a:r>
+              <a:rPr lang="en" sz="1600" dirty="0"/>
+              <a:t>          Output: Number system converter</a:t>
+            </a:r>
+            <a:endParaRPr sz="1600" dirty="0"/>
+          </a:p>
+          <a:p>
+            <a:pPr marL="0" lvl="0" indent="0" algn="ctr" rtl="0">
+              <a:spcBef>
+                <a:spcPts val="0"/>
+              </a:spcBef>
+              <a:spcAft>
+                <a:spcPts val="0"/>
+              </a:spcAft>
+              <a:buNone/>
+            </a:pPr>
+            <a:endParaRPr sz="1800" dirty="0"/>
+          </a:p>
+        </p:txBody>
+      </p:sp>
+      <p:sp>
+        <p:nvSpPr>
+          <p:cNvPr id="88" name="Google Shape;88;p17"/>
+          <p:cNvSpPr txBox="1">
+            <a:spLocks noGrp="1"/>
+          </p:cNvSpPr>
+          <p:nvPr>
+            <p:ph type="body" idx="1"/>
+          </p:nvPr>
+        </p:nvSpPr>
+        <p:spPr>
+          <a:xfrm>
+            <a:off x="311700" y="1152475"/>
+            <a:ext cx="8520600" cy="3908256"/>
+          </a:xfrm>
+          <a:prstGeom prst="rect">
+            <a:avLst/>
+          </a:prstGeom>
+        </p:spPr>
+        <p:txBody>
+          <a:bodyPr spcFirstLastPara="1" wrap="square" lIns="91425" tIns="91425" rIns="91425" bIns="91425" anchor="t" anchorCtr="0">
+            <a:noAutofit/>
+          </a:bodyPr>
+          <a:lstStyle/>
+          <a:p>
+            <a:pPr marL="0" lvl="0" indent="0" algn="l" rtl="0">
+              <a:spcBef>
+                <a:spcPts val="1600"/>
+              </a:spcBef>
+              <a:spcAft>
+                <a:spcPts val="1600"/>
+              </a:spcAft>
+              <a:buNone/>
+            </a:pPr>
+            <a:r>
+              <a:rPr lang="en-US" dirty="0"/>
+              <a:t>          </a:t>
+            </a:r>
+            <a:endParaRPr dirty="0"/>
+          </a:p>
+        </p:txBody>
+      </p:sp>
+      <p:pic>
+        <p:nvPicPr>
+          <p:cNvPr id="89" name="Google Shape;89;p17"/>
+          <p:cNvPicPr preferRelativeResize="0"/>
+          <p:nvPr/>
+        </p:nvPicPr>
+        <p:blipFill>
+          <a:blip r:embed="rId3">
+            <a:alphaModFix/>
+          </a:blip>
+          <a:stretch>
+            <a:fillRect/>
+          </a:stretch>
+        </p:blipFill>
+        <p:spPr>
+          <a:xfrm>
+            <a:off x="7898868" y="152550"/>
+            <a:ext cx="1083283" cy="572699"/>
+          </a:xfrm>
+          <a:prstGeom prst="rect">
+            <a:avLst/>
+          </a:prstGeom>
+          <a:noFill/>
+          <a:ln>
+            <a:noFill/>
+          </a:ln>
+        </p:spPr>
+      </p:pic>
+      <p:pic>
+        <p:nvPicPr>
+          <p:cNvPr id="90" name="Google Shape;90;p17"/>
+          <p:cNvPicPr preferRelativeResize="0"/>
+          <p:nvPr/>
+        </p:nvPicPr>
+        <p:blipFill>
+          <a:blip r:embed="rId4">
+            <a:alphaModFix/>
+          </a:blip>
+          <a:stretch>
+            <a:fillRect/>
+          </a:stretch>
+        </p:blipFill>
+        <p:spPr>
+          <a:xfrm>
+            <a:off x="184824" y="152550"/>
+            <a:ext cx="717222" cy="572701"/>
+          </a:xfrm>
+          <a:prstGeom prst="rect">
+            <a:avLst/>
+          </a:prstGeom>
+          <a:noFill/>
+          <a:ln>
+            <a:noFill/>
+          </a:ln>
+        </p:spPr>
+      </p:pic>
+      <p:pic>
+        <p:nvPicPr>
+          <p:cNvPr id="4" name="Picture 3">
+            <a:extLst>
+              <a:ext uri="{FF2B5EF4-FFF2-40B4-BE49-F238E27FC236}">
+                <a16:creationId xmlns:a16="http://schemas.microsoft.com/office/drawing/2014/main" id="{23F8D3EC-9F9D-2B41-9569-4B0553155D6D}"/>
+              </a:ext>
+            </a:extLst>
+          </p:cNvPr>
+          <p:cNvPicPr>
+            <a:picLocks noChangeAspect="1"/>
+          </p:cNvPicPr>
+          <p:nvPr/>
+        </p:nvPicPr>
+        <p:blipFill>
+          <a:blip r:embed="rId5"/>
+          <a:stretch>
+            <a:fillRect/>
+          </a:stretch>
+        </p:blipFill>
+        <p:spPr>
+          <a:xfrm>
+            <a:off x="1051897" y="573216"/>
+            <a:ext cx="3245066" cy="2027238"/>
+          </a:xfrm>
+          <a:prstGeom prst="rect">
+            <a:avLst/>
+          </a:prstGeom>
+        </p:spPr>
+      </p:pic>
+      <p:pic>
+        <p:nvPicPr>
+          <p:cNvPr id="6" name="Picture 5">
+            <a:extLst>
+              <a:ext uri="{FF2B5EF4-FFF2-40B4-BE49-F238E27FC236}">
+                <a16:creationId xmlns:a16="http://schemas.microsoft.com/office/drawing/2014/main" id="{2E52F1BE-BA3B-7142-B670-7EC047B3BEFE}"/>
+              </a:ext>
+            </a:extLst>
+          </p:cNvPr>
+          <p:cNvPicPr>
+            <a:picLocks noChangeAspect="1"/>
+          </p:cNvPicPr>
+          <p:nvPr/>
+        </p:nvPicPr>
+        <p:blipFill>
+          <a:blip r:embed="rId6"/>
+          <a:stretch>
+            <a:fillRect/>
+          </a:stretch>
+        </p:blipFill>
+        <p:spPr>
+          <a:xfrm>
+            <a:off x="4450080" y="573216"/>
+            <a:ext cx="3298937" cy="2027238"/>
+          </a:xfrm>
+          <a:prstGeom prst="rect">
+            <a:avLst/>
+          </a:prstGeom>
+        </p:spPr>
+      </p:pic>
+      <p:pic>
+        <p:nvPicPr>
+          <p:cNvPr id="8" name="Picture 7">
+            <a:extLst>
+              <a:ext uri="{FF2B5EF4-FFF2-40B4-BE49-F238E27FC236}">
+                <a16:creationId xmlns:a16="http://schemas.microsoft.com/office/drawing/2014/main" id="{A100CCCD-A22C-FF40-9B6F-B9CCDA0505CF}"/>
+              </a:ext>
+            </a:extLst>
+          </p:cNvPr>
+          <p:cNvPicPr>
+            <a:picLocks noChangeAspect="1"/>
+          </p:cNvPicPr>
+          <p:nvPr/>
+        </p:nvPicPr>
+        <p:blipFill>
+          <a:blip r:embed="rId7"/>
+          <a:stretch>
+            <a:fillRect/>
+          </a:stretch>
+        </p:blipFill>
+        <p:spPr>
+          <a:xfrm>
+            <a:off x="2476687" y="2814066"/>
+            <a:ext cx="3395794" cy="2123347"/>
+          </a:xfrm>
+          <a:prstGeom prst="rect">
+            <a:avLst/>
+          </a:prstGeom>
+        </p:spPr>
+      </p:pic>
+    </p:spTree>
+    <p:extLst>
+      <p:ext uri="{BB962C8B-B14F-4D97-AF65-F5344CB8AC3E}">
+        <p14:creationId xmlns:p14="http://schemas.microsoft.com/office/powerpoint/2010/main" val="2762737593"/>
+      </p:ext>
+    </p:extLst>
+  </p:cSld>
+  <p:clrMapOvr>
+    <a:masterClrMapping/>
+  </p:clrMapOvr>
+  <mc:AlternateContent xmlns:mc="http://schemas.openxmlformats.org/markup-compatibility/2006" xmlns:p159="http://schemas.microsoft.com/office/powerpoint/2015/09/main">
+    <mc:Choice Requires="p159">
+      <p:transition xmlns:p14="http://schemas.microsoft.com/office/powerpoint/2010/main" spd="slow" p14:dur="2000">
+        <p159:morph option="byObject"/>
+      </p:transition>
+    </mc:Choice>
+    <mc:Fallback xmlns="">
+      <p:transition spd="slow">
+        <p:fade/>
+      </p:transition>
+    </mc:Fallback>
+  </mc:AlternateContent>
+</p:sld>
+</file>
+
+<file path=ppt/slides/slide25.xml><?xml version="1.0" encoding="utf-8"?>
+<p:sld xmlns:a="http://schemas.openxmlformats.org/drawingml/2006/main" xmlns:r="http://schemas.openxmlformats.org/officeDocument/2006/relationships" xmlns:p="http://schemas.openxmlformats.org/presentationml/2006/main">
+  <p:cSld>
+    <p:spTree>
+      <p:nvGrpSpPr>
+        <p:cNvPr id="1" name="Shape 86"/>
+        <p:cNvGrpSpPr/>
+        <p:nvPr/>
+      </p:nvGrpSpPr>
+      <p:grpSpPr>
+        <a:xfrm>
+          <a:off x="0" y="0"/>
+          <a:ext cx="0" cy="0"/>
+          <a:chOff x="0" y="0"/>
+          <a:chExt cx="0" cy="0"/>
+        </a:xfrm>
+      </p:grpSpPr>
+      <p:sp>
+        <p:nvSpPr>
+          <p:cNvPr id="87" name="Google Shape;87;p17"/>
+          <p:cNvSpPr txBox="1">
+            <a:spLocks noGrp="1"/>
+          </p:cNvSpPr>
+          <p:nvPr>
+            <p:ph type="title"/>
+          </p:nvPr>
+        </p:nvSpPr>
+        <p:spPr>
+          <a:xfrm>
+            <a:off x="311700" y="152550"/>
+            <a:ext cx="8520600" cy="572700"/>
+          </a:xfrm>
+          <a:prstGeom prst="rect">
+            <a:avLst/>
+          </a:prstGeom>
+        </p:spPr>
+        <p:txBody>
+          <a:bodyPr spcFirstLastPara="1" wrap="square" lIns="91425" tIns="91425" rIns="91425" bIns="91425" anchor="t" anchorCtr="0">
+            <a:noAutofit/>
+          </a:bodyPr>
+          <a:lstStyle/>
+          <a:p>
+            <a:pPr marL="0" lvl="0" indent="0" rtl="0">
+              <a:spcBef>
+                <a:spcPts val="0"/>
+              </a:spcBef>
+              <a:spcAft>
+                <a:spcPts val="0"/>
+              </a:spcAft>
+              <a:buClr>
+                <a:schemeClr val="dk1"/>
+              </a:buClr>
+              <a:buSzPts val="1100"/>
+              <a:buFont typeface="Arial"/>
+              <a:buNone/>
+            </a:pPr>
+            <a:r>
+              <a:rPr lang="en" sz="1600" dirty="0"/>
+              <a:t>          Output: Number system converter</a:t>
+            </a:r>
+            <a:endParaRPr sz="1600" dirty="0"/>
+          </a:p>
+          <a:p>
+            <a:pPr marL="0" lvl="0" indent="0" algn="ctr" rtl="0">
+              <a:spcBef>
+                <a:spcPts val="0"/>
+              </a:spcBef>
+              <a:spcAft>
+                <a:spcPts val="0"/>
+              </a:spcAft>
+              <a:buNone/>
+            </a:pPr>
+            <a:endParaRPr sz="1800" dirty="0"/>
+          </a:p>
+        </p:txBody>
+      </p:sp>
+      <p:sp>
+        <p:nvSpPr>
+          <p:cNvPr id="88" name="Google Shape;88;p17"/>
+          <p:cNvSpPr txBox="1">
+            <a:spLocks noGrp="1"/>
+          </p:cNvSpPr>
+          <p:nvPr>
+            <p:ph type="body" idx="1"/>
+          </p:nvPr>
+        </p:nvSpPr>
+        <p:spPr>
+          <a:xfrm>
+            <a:off x="311700" y="1152475"/>
+            <a:ext cx="8520600" cy="3908256"/>
+          </a:xfrm>
+          <a:prstGeom prst="rect">
+            <a:avLst/>
+          </a:prstGeom>
+        </p:spPr>
+        <p:txBody>
+          <a:bodyPr spcFirstLastPara="1" wrap="square" lIns="91425" tIns="91425" rIns="91425" bIns="91425" anchor="t" anchorCtr="0">
+            <a:noAutofit/>
+          </a:bodyPr>
+          <a:lstStyle/>
+          <a:p>
+            <a:pPr marL="0" lvl="0" indent="0" algn="l" rtl="0">
+              <a:spcBef>
+                <a:spcPts val="1600"/>
+              </a:spcBef>
+              <a:spcAft>
+                <a:spcPts val="1600"/>
+              </a:spcAft>
+              <a:buNone/>
+            </a:pPr>
+            <a:r>
+              <a:rPr lang="en-US" dirty="0"/>
+              <a:t>          </a:t>
+            </a:r>
+            <a:endParaRPr dirty="0"/>
+          </a:p>
+        </p:txBody>
+      </p:sp>
+      <p:pic>
+        <p:nvPicPr>
+          <p:cNvPr id="89" name="Google Shape;89;p17"/>
+          <p:cNvPicPr preferRelativeResize="0"/>
+          <p:nvPr/>
+        </p:nvPicPr>
+        <p:blipFill>
+          <a:blip r:embed="rId3">
+            <a:alphaModFix/>
+          </a:blip>
+          <a:stretch>
+            <a:fillRect/>
+          </a:stretch>
+        </p:blipFill>
+        <p:spPr>
+          <a:xfrm>
+            <a:off x="7898868" y="152550"/>
+            <a:ext cx="1083283" cy="572699"/>
+          </a:xfrm>
+          <a:prstGeom prst="rect">
+            <a:avLst/>
+          </a:prstGeom>
+          <a:noFill/>
+          <a:ln>
+            <a:noFill/>
+          </a:ln>
+        </p:spPr>
+      </p:pic>
+      <p:pic>
+        <p:nvPicPr>
+          <p:cNvPr id="90" name="Google Shape;90;p17"/>
+          <p:cNvPicPr preferRelativeResize="0"/>
+          <p:nvPr/>
+        </p:nvPicPr>
+        <p:blipFill>
+          <a:blip r:embed="rId4">
+            <a:alphaModFix/>
+          </a:blip>
+          <a:stretch>
+            <a:fillRect/>
+          </a:stretch>
+        </p:blipFill>
+        <p:spPr>
+          <a:xfrm>
+            <a:off x="184824" y="152550"/>
+            <a:ext cx="717222" cy="572701"/>
+          </a:xfrm>
+          <a:prstGeom prst="rect">
+            <a:avLst/>
+          </a:prstGeom>
+          <a:noFill/>
+          <a:ln>
+            <a:noFill/>
+          </a:ln>
+        </p:spPr>
+      </p:pic>
+      <p:pic>
+        <p:nvPicPr>
+          <p:cNvPr id="6" name="Picture 5">
+            <a:extLst>
+              <a:ext uri="{FF2B5EF4-FFF2-40B4-BE49-F238E27FC236}">
+                <a16:creationId xmlns:a16="http://schemas.microsoft.com/office/drawing/2014/main" id="{08C3C754-F0EA-5042-8A9A-E005B365DFBA}"/>
+              </a:ext>
+            </a:extLst>
+          </p:cNvPr>
+          <p:cNvPicPr>
+            <a:picLocks noChangeAspect="1"/>
+          </p:cNvPicPr>
+          <p:nvPr/>
+        </p:nvPicPr>
+        <p:blipFill>
+          <a:blip r:embed="rId5"/>
+          <a:stretch>
+            <a:fillRect/>
+          </a:stretch>
+        </p:blipFill>
+        <p:spPr>
+          <a:xfrm>
+            <a:off x="4595554" y="1522324"/>
+            <a:ext cx="3844955" cy="2098851"/>
+          </a:xfrm>
+          <a:prstGeom prst="rect">
+            <a:avLst/>
+          </a:prstGeom>
+        </p:spPr>
+      </p:pic>
+      <p:pic>
+        <p:nvPicPr>
+          <p:cNvPr id="8" name="Picture 7">
+            <a:extLst>
+              <a:ext uri="{FF2B5EF4-FFF2-40B4-BE49-F238E27FC236}">
+                <a16:creationId xmlns:a16="http://schemas.microsoft.com/office/drawing/2014/main" id="{D144FDB5-931A-984D-BC67-02A9F7A61FA3}"/>
+              </a:ext>
+            </a:extLst>
+          </p:cNvPr>
+          <p:cNvPicPr>
+            <a:picLocks noChangeAspect="1"/>
+          </p:cNvPicPr>
+          <p:nvPr/>
+        </p:nvPicPr>
+        <p:blipFill>
+          <a:blip r:embed="rId6"/>
+          <a:stretch>
+            <a:fillRect/>
+          </a:stretch>
+        </p:blipFill>
+        <p:spPr>
+          <a:xfrm>
+            <a:off x="602497" y="1152474"/>
+            <a:ext cx="3844955" cy="3250008"/>
+          </a:xfrm>
+          <a:prstGeom prst="rect">
+            <a:avLst/>
+          </a:prstGeom>
+        </p:spPr>
+      </p:pic>
+    </p:spTree>
+    <p:extLst>
+      <p:ext uri="{BB962C8B-B14F-4D97-AF65-F5344CB8AC3E}">
+        <p14:creationId xmlns:p14="http://schemas.microsoft.com/office/powerpoint/2010/main" val="967334529"/>
+      </p:ext>
+    </p:extLst>
+  </p:cSld>
+  <p:clrMapOvr>
+    <a:masterClrMapping/>
+  </p:clrMapOvr>
+  <mc:AlternateContent xmlns:mc="http://schemas.openxmlformats.org/markup-compatibility/2006" xmlns:p159="http://schemas.microsoft.com/office/powerpoint/2015/09/main">
+    <mc:Choice Requires="p159">
+      <p:transition xmlns:p14="http://schemas.microsoft.com/office/powerpoint/2010/main" spd="slow" p14:dur="2000">
+        <p159:morph option="byObject"/>
+      </p:transition>
+    </mc:Choice>
+    <mc:Fallback xmlns="">
+      <p:transition spd="slow">
+        <p:fade/>
+      </p:transition>
+    </mc:Fallback>
+  </mc:AlternateContent>
+</p:sld>
+</file>
+
+<file path=ppt/slides/slide26.xml><?xml version="1.0" encoding="utf-8"?>
+<p:sld xmlns:a="http://schemas.openxmlformats.org/drawingml/2006/main" xmlns:r="http://schemas.openxmlformats.org/officeDocument/2006/relationships" xmlns:p="http://schemas.openxmlformats.org/presentationml/2006/main">
+  <p:cSld>
+    <p:spTree>
+      <p:nvGrpSpPr>
+        <p:cNvPr id="1" name="Shape 86"/>
+        <p:cNvGrpSpPr/>
+        <p:nvPr/>
+      </p:nvGrpSpPr>
+      <p:grpSpPr>
+        <a:xfrm>
+          <a:off x="0" y="0"/>
+          <a:ext cx="0" cy="0"/>
+          <a:chOff x="0" y="0"/>
+          <a:chExt cx="0" cy="0"/>
+        </a:xfrm>
+      </p:grpSpPr>
+      <p:sp>
+        <p:nvSpPr>
+          <p:cNvPr id="87" name="Google Shape;87;p17"/>
+          <p:cNvSpPr txBox="1">
+            <a:spLocks noGrp="1"/>
+          </p:cNvSpPr>
+          <p:nvPr>
+            <p:ph type="title"/>
+          </p:nvPr>
+        </p:nvSpPr>
+        <p:spPr>
+          <a:xfrm>
+            <a:off x="311700" y="152550"/>
+            <a:ext cx="8520600" cy="572700"/>
+          </a:xfrm>
+          <a:prstGeom prst="rect">
+            <a:avLst/>
+          </a:prstGeom>
+        </p:spPr>
+        <p:txBody>
+          <a:bodyPr spcFirstLastPara="1" wrap="square" lIns="91425" tIns="91425" rIns="91425" bIns="91425" anchor="t" anchorCtr="0">
+            <a:noAutofit/>
+          </a:bodyPr>
+          <a:lstStyle/>
+          <a:p>
+            <a:pPr marL="0" lvl="0" indent="0" rtl="0">
+              <a:spcBef>
+                <a:spcPts val="0"/>
+              </a:spcBef>
+              <a:spcAft>
+                <a:spcPts val="0"/>
+              </a:spcAft>
+              <a:buClr>
+                <a:schemeClr val="dk1"/>
+              </a:buClr>
+              <a:buSzPts val="1100"/>
+              <a:buFont typeface="Arial"/>
+              <a:buNone/>
+            </a:pPr>
+            <a:r>
+              <a:rPr lang="en" sz="1600" dirty="0"/>
+              <a:t>          Output: Number system converter</a:t>
+            </a:r>
+            <a:endParaRPr sz="1600" dirty="0"/>
+          </a:p>
+          <a:p>
+            <a:pPr marL="0" lvl="0" indent="0" algn="ctr" rtl="0">
+              <a:spcBef>
+                <a:spcPts val="0"/>
+              </a:spcBef>
+              <a:spcAft>
+                <a:spcPts val="0"/>
+              </a:spcAft>
+              <a:buNone/>
+            </a:pPr>
+            <a:endParaRPr sz="1800" dirty="0"/>
+          </a:p>
+        </p:txBody>
+      </p:sp>
+      <p:sp>
+        <p:nvSpPr>
+          <p:cNvPr id="88" name="Google Shape;88;p17"/>
+          <p:cNvSpPr txBox="1">
+            <a:spLocks noGrp="1"/>
+          </p:cNvSpPr>
+          <p:nvPr>
+            <p:ph type="body" idx="1"/>
+          </p:nvPr>
+        </p:nvSpPr>
+        <p:spPr>
+          <a:xfrm>
+            <a:off x="311700" y="1152475"/>
+            <a:ext cx="8520600" cy="3908256"/>
+          </a:xfrm>
+          <a:prstGeom prst="rect">
+            <a:avLst/>
+          </a:prstGeom>
+        </p:spPr>
+        <p:txBody>
+          <a:bodyPr spcFirstLastPara="1" wrap="square" lIns="91425" tIns="91425" rIns="91425" bIns="91425" anchor="t" anchorCtr="0">
+            <a:noAutofit/>
+          </a:bodyPr>
+          <a:lstStyle/>
+          <a:p>
+            <a:pPr marL="0" lvl="0" indent="0" algn="l" rtl="0">
+              <a:spcBef>
+                <a:spcPts val="1600"/>
+              </a:spcBef>
+              <a:spcAft>
+                <a:spcPts val="1600"/>
+              </a:spcAft>
+              <a:buNone/>
+            </a:pPr>
+            <a:r>
+              <a:rPr lang="en-US" dirty="0"/>
+              <a:t>          </a:t>
+            </a:r>
+            <a:endParaRPr dirty="0"/>
+          </a:p>
+        </p:txBody>
+      </p:sp>
+      <p:pic>
+        <p:nvPicPr>
+          <p:cNvPr id="89" name="Google Shape;89;p17"/>
+          <p:cNvPicPr preferRelativeResize="0"/>
+          <p:nvPr/>
+        </p:nvPicPr>
+        <p:blipFill>
+          <a:blip r:embed="rId3">
+            <a:alphaModFix/>
+          </a:blip>
+          <a:stretch>
+            <a:fillRect/>
+          </a:stretch>
+        </p:blipFill>
+        <p:spPr>
+          <a:xfrm>
+            <a:off x="7898868" y="152550"/>
+            <a:ext cx="1083283" cy="572699"/>
+          </a:xfrm>
+          <a:prstGeom prst="rect">
+            <a:avLst/>
+          </a:prstGeom>
+          <a:noFill/>
+          <a:ln>
+            <a:noFill/>
+          </a:ln>
+        </p:spPr>
+      </p:pic>
+      <p:pic>
+        <p:nvPicPr>
+          <p:cNvPr id="90" name="Google Shape;90;p17"/>
+          <p:cNvPicPr preferRelativeResize="0"/>
+          <p:nvPr/>
+        </p:nvPicPr>
+        <p:blipFill>
+          <a:blip r:embed="rId4">
+            <a:alphaModFix/>
+          </a:blip>
+          <a:stretch>
+            <a:fillRect/>
+          </a:stretch>
+        </p:blipFill>
+        <p:spPr>
+          <a:xfrm>
+            <a:off x="184824" y="152550"/>
+            <a:ext cx="717222" cy="572701"/>
+          </a:xfrm>
+          <a:prstGeom prst="rect">
+            <a:avLst/>
+          </a:prstGeom>
+          <a:noFill/>
+          <a:ln>
+            <a:noFill/>
+          </a:ln>
+        </p:spPr>
+      </p:pic>
+      <p:pic>
+        <p:nvPicPr>
+          <p:cNvPr id="2" name="Picture 1">
+            <a:extLst>
+              <a:ext uri="{FF2B5EF4-FFF2-40B4-BE49-F238E27FC236}">
+                <a16:creationId xmlns:a16="http://schemas.microsoft.com/office/drawing/2014/main" id="{659C33EC-CD84-1943-B8AA-1948BB18B378}"/>
+              </a:ext>
+            </a:extLst>
+          </p:cNvPr>
+          <p:cNvPicPr>
+            <a:picLocks noChangeAspect="1"/>
+          </p:cNvPicPr>
+          <p:nvPr/>
+        </p:nvPicPr>
+        <p:blipFill>
+          <a:blip r:embed="rId5"/>
+          <a:stretch>
+            <a:fillRect/>
+          </a:stretch>
+        </p:blipFill>
+        <p:spPr>
+          <a:xfrm>
+            <a:off x="0" y="0"/>
+            <a:ext cx="9144000" cy="5143500"/>
+          </a:xfrm>
+          <a:prstGeom prst="rect">
+            <a:avLst/>
+          </a:prstGeom>
+        </p:spPr>
+      </p:pic>
+      <p:pic>
+        <p:nvPicPr>
+          <p:cNvPr id="7" name="Picture 6">
+            <a:extLst>
+              <a:ext uri="{FF2B5EF4-FFF2-40B4-BE49-F238E27FC236}">
+                <a16:creationId xmlns:a16="http://schemas.microsoft.com/office/drawing/2014/main" id="{9DC7CF5B-1AAC-7741-B535-19302EDD8E81}"/>
+              </a:ext>
+            </a:extLst>
+          </p:cNvPr>
+          <p:cNvPicPr>
+            <a:picLocks noChangeAspect="1"/>
+          </p:cNvPicPr>
+          <p:nvPr/>
+        </p:nvPicPr>
+        <p:blipFill>
+          <a:blip r:embed="rId6"/>
+          <a:stretch>
+            <a:fillRect/>
+          </a:stretch>
+        </p:blipFill>
+        <p:spPr>
+          <a:xfrm>
+            <a:off x="746760" y="877799"/>
+            <a:ext cx="7650480" cy="4078621"/>
+          </a:xfrm>
+          <a:prstGeom prst="rect">
+            <a:avLst/>
+          </a:prstGeom>
+        </p:spPr>
+      </p:pic>
+    </p:spTree>
+    <p:extLst>
+      <p:ext uri="{BB962C8B-B14F-4D97-AF65-F5344CB8AC3E}">
+        <p14:creationId xmlns:p14="http://schemas.microsoft.com/office/powerpoint/2010/main" val="591684202"/>
+      </p:ext>
+    </p:extLst>
+  </p:cSld>
+  <p:clrMapOvr>
+    <a:masterClrMapping/>
+  </p:clrMapOvr>
+  <mc:AlternateContent xmlns:mc="http://schemas.openxmlformats.org/markup-compatibility/2006" xmlns:p159="http://schemas.microsoft.com/office/powerpoint/2015/09/main">
+    <mc:Choice Requires="p159">
+      <p:transition xmlns:p14="http://schemas.microsoft.com/office/powerpoint/2010/main" spd="slow" p14:dur="2000">
+        <p159:morph option="byObject"/>
+      </p:transition>
+    </mc:Choice>
+    <mc:Fallback xmlns="">
+      <p:transition spd="slow">
+        <p:fade/>
+      </p:transition>
+    </mc:Fallback>
+  </mc:AlternateContent>
+</p:sld>
+</file>
+
+<file path=ppt/slides/slide27.xml><?xml version="1.0" encoding="utf-8"?>
+<p:sld xmlns:a="http://schemas.openxmlformats.org/drawingml/2006/main" xmlns:r="http://schemas.openxmlformats.org/officeDocument/2006/relationships" xmlns:p="http://schemas.openxmlformats.org/presentationml/2006/main">
+  <p:cSld>
+    <p:spTree>
+      <p:nvGrpSpPr>
+        <p:cNvPr id="1" name="Shape 86"/>
+        <p:cNvGrpSpPr/>
+        <p:nvPr/>
+      </p:nvGrpSpPr>
+      <p:grpSpPr>
+        <a:xfrm>
+          <a:off x="0" y="0"/>
+          <a:ext cx="0" cy="0"/>
+          <a:chOff x="0" y="0"/>
+          <a:chExt cx="0" cy="0"/>
+        </a:xfrm>
+      </p:grpSpPr>
+      <p:sp>
+        <p:nvSpPr>
+          <p:cNvPr id="87" name="Google Shape;87;p17"/>
+          <p:cNvSpPr txBox="1">
+            <a:spLocks noGrp="1"/>
+          </p:cNvSpPr>
+          <p:nvPr>
+            <p:ph type="title"/>
+          </p:nvPr>
+        </p:nvSpPr>
+        <p:spPr>
+          <a:xfrm>
+            <a:off x="311700" y="152550"/>
+            <a:ext cx="8520600" cy="572700"/>
+          </a:xfrm>
+          <a:prstGeom prst="rect">
+            <a:avLst/>
+          </a:prstGeom>
+        </p:spPr>
+        <p:txBody>
+          <a:bodyPr spcFirstLastPara="1" wrap="square" lIns="91425" tIns="91425" rIns="91425" bIns="91425" anchor="t" anchorCtr="0">
+            <a:noAutofit/>
+          </a:bodyPr>
+          <a:lstStyle/>
+          <a:p>
+            <a:pPr marL="0" lvl="0" indent="0" rtl="0">
+              <a:spcBef>
+                <a:spcPts val="0"/>
+              </a:spcBef>
+              <a:spcAft>
+                <a:spcPts val="0"/>
+              </a:spcAft>
+              <a:buClr>
+                <a:schemeClr val="dk1"/>
+              </a:buClr>
+              <a:buSzPts val="1100"/>
+              <a:buFont typeface="Arial"/>
+              <a:buNone/>
+            </a:pPr>
+            <a:r>
+              <a:rPr lang="en" sz="1600" dirty="0"/>
+              <a:t>          Output: Basic math operations</a:t>
+            </a:r>
+            <a:endParaRPr sz="1600" dirty="0"/>
+          </a:p>
+          <a:p>
+            <a:pPr marL="0" lvl="0" indent="0" algn="ctr" rtl="0">
+              <a:spcBef>
+                <a:spcPts val="0"/>
+              </a:spcBef>
+              <a:spcAft>
+                <a:spcPts val="0"/>
+              </a:spcAft>
+              <a:buNone/>
+            </a:pPr>
+            <a:endParaRPr sz="1800" dirty="0"/>
+          </a:p>
+        </p:txBody>
+      </p:sp>
+      <p:sp>
+        <p:nvSpPr>
+          <p:cNvPr id="88" name="Google Shape;88;p17"/>
+          <p:cNvSpPr txBox="1">
+            <a:spLocks noGrp="1"/>
+          </p:cNvSpPr>
+          <p:nvPr>
+            <p:ph type="body" idx="1"/>
+          </p:nvPr>
+        </p:nvSpPr>
+        <p:spPr>
+          <a:xfrm>
+            <a:off x="311700" y="1152475"/>
+            <a:ext cx="8520600" cy="3908256"/>
+          </a:xfrm>
+          <a:prstGeom prst="rect">
+            <a:avLst/>
+          </a:prstGeom>
+        </p:spPr>
+        <p:txBody>
+          <a:bodyPr spcFirstLastPara="1" wrap="square" lIns="91425" tIns="91425" rIns="91425" bIns="91425" anchor="t" anchorCtr="0">
+            <a:noAutofit/>
+          </a:bodyPr>
+          <a:lstStyle/>
+          <a:p>
+            <a:pPr marL="0" lvl="0" indent="0" algn="l" rtl="0">
+              <a:spcBef>
+                <a:spcPts val="1600"/>
+              </a:spcBef>
+              <a:spcAft>
+                <a:spcPts val="1600"/>
+              </a:spcAft>
+              <a:buNone/>
+            </a:pPr>
+            <a:r>
+              <a:rPr lang="en-US" dirty="0"/>
+              <a:t>          </a:t>
+            </a:r>
+            <a:endParaRPr dirty="0"/>
+          </a:p>
+        </p:txBody>
+      </p:sp>
+      <p:pic>
+        <p:nvPicPr>
+          <p:cNvPr id="89" name="Google Shape;89;p17"/>
+          <p:cNvPicPr preferRelativeResize="0"/>
+          <p:nvPr/>
+        </p:nvPicPr>
+        <p:blipFill>
+          <a:blip r:embed="rId3">
+            <a:alphaModFix/>
+          </a:blip>
+          <a:stretch>
+            <a:fillRect/>
+          </a:stretch>
+        </p:blipFill>
+        <p:spPr>
+          <a:xfrm>
+            <a:off x="7898868" y="152550"/>
+            <a:ext cx="1083283" cy="572699"/>
+          </a:xfrm>
+          <a:prstGeom prst="rect">
+            <a:avLst/>
+          </a:prstGeom>
+          <a:noFill/>
+          <a:ln>
+            <a:noFill/>
+          </a:ln>
+        </p:spPr>
+      </p:pic>
+      <p:pic>
+        <p:nvPicPr>
+          <p:cNvPr id="90" name="Google Shape;90;p17"/>
+          <p:cNvPicPr preferRelativeResize="0"/>
+          <p:nvPr/>
+        </p:nvPicPr>
+        <p:blipFill>
+          <a:blip r:embed="rId4">
+            <a:alphaModFix/>
+          </a:blip>
+          <a:stretch>
+            <a:fillRect/>
+          </a:stretch>
+        </p:blipFill>
+        <p:spPr>
+          <a:xfrm>
+            <a:off x="184824" y="152550"/>
+            <a:ext cx="717222" cy="572701"/>
+          </a:xfrm>
+          <a:prstGeom prst="rect">
+            <a:avLst/>
+          </a:prstGeom>
+          <a:noFill/>
+          <a:ln>
+            <a:noFill/>
+          </a:ln>
+        </p:spPr>
+      </p:pic>
+      <p:pic>
+        <p:nvPicPr>
+          <p:cNvPr id="4" name="Picture 3">
+            <a:extLst>
+              <a:ext uri="{FF2B5EF4-FFF2-40B4-BE49-F238E27FC236}">
+                <a16:creationId xmlns:a16="http://schemas.microsoft.com/office/drawing/2014/main" id="{926C84DF-ED92-7944-AEE9-0B3E2A32D01A}"/>
+              </a:ext>
+            </a:extLst>
+          </p:cNvPr>
+          <p:cNvPicPr>
+            <a:picLocks noChangeAspect="1"/>
+          </p:cNvPicPr>
+          <p:nvPr/>
+        </p:nvPicPr>
+        <p:blipFill>
+          <a:blip r:embed="rId5"/>
+          <a:stretch>
+            <a:fillRect/>
+          </a:stretch>
+        </p:blipFill>
+        <p:spPr>
+          <a:xfrm>
+            <a:off x="184824" y="1341120"/>
+            <a:ext cx="2733607" cy="2307590"/>
+          </a:xfrm>
+          <a:prstGeom prst="rect">
+            <a:avLst/>
+          </a:prstGeom>
+        </p:spPr>
+      </p:pic>
+      <p:pic>
+        <p:nvPicPr>
+          <p:cNvPr id="6" name="Picture 5">
+            <a:extLst>
+              <a:ext uri="{FF2B5EF4-FFF2-40B4-BE49-F238E27FC236}">
+                <a16:creationId xmlns:a16="http://schemas.microsoft.com/office/drawing/2014/main" id="{F0923910-FA8D-854F-86AE-322254F4F26A}"/>
+              </a:ext>
+            </a:extLst>
+          </p:cNvPr>
+          <p:cNvPicPr>
+            <a:picLocks noChangeAspect="1"/>
+          </p:cNvPicPr>
+          <p:nvPr/>
+        </p:nvPicPr>
+        <p:blipFill>
+          <a:blip r:embed="rId6"/>
+          <a:stretch>
+            <a:fillRect/>
+          </a:stretch>
+        </p:blipFill>
+        <p:spPr>
+          <a:xfrm>
+            <a:off x="3036764" y="1341120"/>
+            <a:ext cx="2822431" cy="2307590"/>
+          </a:xfrm>
+          <a:prstGeom prst="rect">
+            <a:avLst/>
+          </a:prstGeom>
+        </p:spPr>
+      </p:pic>
+      <p:pic>
+        <p:nvPicPr>
+          <p:cNvPr id="8" name="Picture 7">
+            <a:extLst>
+              <a:ext uri="{FF2B5EF4-FFF2-40B4-BE49-F238E27FC236}">
+                <a16:creationId xmlns:a16="http://schemas.microsoft.com/office/drawing/2014/main" id="{7ECFF5F4-F71D-1740-AA7F-F0FF0189A6B7}"/>
+              </a:ext>
+            </a:extLst>
+          </p:cNvPr>
+          <p:cNvPicPr>
+            <a:picLocks noChangeAspect="1"/>
+          </p:cNvPicPr>
+          <p:nvPr/>
+        </p:nvPicPr>
+        <p:blipFill>
+          <a:blip r:embed="rId7"/>
+          <a:stretch>
+            <a:fillRect/>
+          </a:stretch>
+        </p:blipFill>
+        <p:spPr>
+          <a:xfrm>
+            <a:off x="5977528" y="1341120"/>
+            <a:ext cx="3019698" cy="2307590"/>
+          </a:xfrm>
+          <a:prstGeom prst="rect">
+            <a:avLst/>
+          </a:prstGeom>
+        </p:spPr>
+      </p:pic>
+    </p:spTree>
+    <p:extLst>
+      <p:ext uri="{BB962C8B-B14F-4D97-AF65-F5344CB8AC3E}">
+        <p14:creationId xmlns:p14="http://schemas.microsoft.com/office/powerpoint/2010/main" val="3773873897"/>
+      </p:ext>
+    </p:extLst>
+  </p:cSld>
+  <p:clrMapOvr>
+    <a:masterClrMapping/>
+  </p:clrMapOvr>
+  <mc:AlternateContent xmlns:mc="http://schemas.openxmlformats.org/markup-compatibility/2006" xmlns:p159="http://schemas.microsoft.com/office/powerpoint/2015/09/main">
+    <mc:Choice Requires="p159">
+      <p:transition xmlns:p14="http://schemas.microsoft.com/office/powerpoint/2010/main" spd="slow" p14:dur="2000">
+        <p159:morph option="byObject"/>
+      </p:transition>
+    </mc:Choice>
+    <mc:Fallback xmlns="">
+      <p:transition spd="slow">
+        <p:fade/>
+      </p:transition>
+    </mc:Fallback>
+  </mc:AlternateContent>
+</p:sld>
+</file>
+
+<file path=ppt/slides/slide28.xml><?xml version="1.0" encoding="utf-8"?>
+<p:sld xmlns:a="http://schemas.openxmlformats.org/drawingml/2006/main" xmlns:r="http://schemas.openxmlformats.org/officeDocument/2006/relationships" xmlns:p="http://schemas.openxmlformats.org/presentationml/2006/main">
+  <p:cSld>
+    <p:spTree>
+      <p:nvGrpSpPr>
+        <p:cNvPr id="1" name="Shape 86"/>
+        <p:cNvGrpSpPr/>
+        <p:nvPr/>
+      </p:nvGrpSpPr>
+      <p:grpSpPr>
+        <a:xfrm>
+          <a:off x="0" y="0"/>
+          <a:ext cx="0" cy="0"/>
+          <a:chOff x="0" y="0"/>
+          <a:chExt cx="0" cy="0"/>
+        </a:xfrm>
+      </p:grpSpPr>
+      <p:sp>
+        <p:nvSpPr>
+          <p:cNvPr id="87" name="Google Shape;87;p17"/>
+          <p:cNvSpPr txBox="1">
+            <a:spLocks noGrp="1"/>
+          </p:cNvSpPr>
+          <p:nvPr>
+            <p:ph type="title"/>
+          </p:nvPr>
+        </p:nvSpPr>
+        <p:spPr>
+          <a:xfrm>
+            <a:off x="311700" y="152550"/>
+            <a:ext cx="8520600" cy="572700"/>
+          </a:xfrm>
+          <a:prstGeom prst="rect">
+            <a:avLst/>
+          </a:prstGeom>
+        </p:spPr>
+        <p:txBody>
+          <a:bodyPr spcFirstLastPara="1" wrap="square" lIns="91425" tIns="91425" rIns="91425" bIns="91425" anchor="t" anchorCtr="0">
+            <a:noAutofit/>
+          </a:bodyPr>
+          <a:lstStyle/>
+          <a:p>
+            <a:pPr marL="0" lvl="0" indent="0" rtl="0">
+              <a:spcBef>
+                <a:spcPts val="0"/>
+              </a:spcBef>
+              <a:spcAft>
+                <a:spcPts val="0"/>
+              </a:spcAft>
+              <a:buClr>
+                <a:schemeClr val="dk1"/>
+              </a:buClr>
+              <a:buSzPts val="1100"/>
+              <a:buFont typeface="Arial"/>
+              <a:buNone/>
+            </a:pPr>
+            <a:r>
+              <a:rPr lang="en" sz="1600" dirty="0"/>
+              <a:t>          Output: Basic math operations</a:t>
+            </a:r>
+            <a:endParaRPr sz="1600" dirty="0"/>
+          </a:p>
+          <a:p>
+            <a:pPr marL="0" lvl="0" indent="0" algn="ctr" rtl="0">
+              <a:spcBef>
+                <a:spcPts val="0"/>
+              </a:spcBef>
+              <a:spcAft>
+                <a:spcPts val="0"/>
+              </a:spcAft>
+              <a:buNone/>
+            </a:pPr>
+            <a:endParaRPr sz="1800" dirty="0"/>
+          </a:p>
+        </p:txBody>
+      </p:sp>
+      <p:sp>
+        <p:nvSpPr>
+          <p:cNvPr id="88" name="Google Shape;88;p17"/>
+          <p:cNvSpPr txBox="1">
+            <a:spLocks noGrp="1"/>
+          </p:cNvSpPr>
+          <p:nvPr>
+            <p:ph type="body" idx="1"/>
+          </p:nvPr>
+        </p:nvSpPr>
+        <p:spPr>
+          <a:xfrm>
+            <a:off x="311700" y="1152475"/>
+            <a:ext cx="8520600" cy="3908256"/>
+          </a:xfrm>
+          <a:prstGeom prst="rect">
+            <a:avLst/>
+          </a:prstGeom>
+        </p:spPr>
+        <p:txBody>
+          <a:bodyPr spcFirstLastPara="1" wrap="square" lIns="91425" tIns="91425" rIns="91425" bIns="91425" anchor="t" anchorCtr="0">
+            <a:noAutofit/>
+          </a:bodyPr>
+          <a:lstStyle/>
+          <a:p>
+            <a:pPr marL="0" lvl="0" indent="0" algn="l" rtl="0">
+              <a:spcBef>
+                <a:spcPts val="1600"/>
+              </a:spcBef>
+              <a:spcAft>
+                <a:spcPts val="1600"/>
+              </a:spcAft>
+              <a:buNone/>
+            </a:pPr>
+            <a:r>
+              <a:rPr lang="en-US" dirty="0"/>
+              <a:t>          </a:t>
+            </a:r>
+            <a:endParaRPr dirty="0"/>
+          </a:p>
+        </p:txBody>
+      </p:sp>
+      <p:pic>
+        <p:nvPicPr>
+          <p:cNvPr id="89" name="Google Shape;89;p17"/>
+          <p:cNvPicPr preferRelativeResize="0"/>
+          <p:nvPr/>
+        </p:nvPicPr>
+        <p:blipFill>
+          <a:blip r:embed="rId3">
+            <a:alphaModFix/>
+          </a:blip>
+          <a:stretch>
+            <a:fillRect/>
+          </a:stretch>
+        </p:blipFill>
+        <p:spPr>
+          <a:xfrm>
+            <a:off x="7898868" y="152550"/>
+            <a:ext cx="1083283" cy="572699"/>
+          </a:xfrm>
+          <a:prstGeom prst="rect">
+            <a:avLst/>
+          </a:prstGeom>
+          <a:noFill/>
+          <a:ln>
+            <a:noFill/>
+          </a:ln>
+        </p:spPr>
+      </p:pic>
+      <p:pic>
+        <p:nvPicPr>
+          <p:cNvPr id="90" name="Google Shape;90;p17"/>
+          <p:cNvPicPr preferRelativeResize="0"/>
+          <p:nvPr/>
+        </p:nvPicPr>
+        <p:blipFill>
+          <a:blip r:embed="rId4">
+            <a:alphaModFix/>
+          </a:blip>
+          <a:stretch>
+            <a:fillRect/>
+          </a:stretch>
+        </p:blipFill>
+        <p:spPr>
+          <a:xfrm>
+            <a:off x="184824" y="152550"/>
+            <a:ext cx="717222" cy="572701"/>
+          </a:xfrm>
+          <a:prstGeom prst="rect">
+            <a:avLst/>
+          </a:prstGeom>
+          <a:noFill/>
+          <a:ln>
+            <a:noFill/>
+          </a:ln>
+        </p:spPr>
+      </p:pic>
+      <p:pic>
+        <p:nvPicPr>
+          <p:cNvPr id="4" name="Picture 3">
+            <a:extLst>
+              <a:ext uri="{FF2B5EF4-FFF2-40B4-BE49-F238E27FC236}">
+                <a16:creationId xmlns:a16="http://schemas.microsoft.com/office/drawing/2014/main" id="{F4319544-5EA6-F242-A9C7-4208D2935E8A}"/>
+              </a:ext>
+            </a:extLst>
+          </p:cNvPr>
+          <p:cNvPicPr>
+            <a:picLocks noChangeAspect="1"/>
+          </p:cNvPicPr>
+          <p:nvPr/>
+        </p:nvPicPr>
+        <p:blipFill>
+          <a:blip r:embed="rId5"/>
+          <a:stretch>
+            <a:fillRect/>
+          </a:stretch>
+        </p:blipFill>
+        <p:spPr>
+          <a:xfrm>
+            <a:off x="184824" y="1262799"/>
+            <a:ext cx="4636220" cy="3094088"/>
+          </a:xfrm>
+          <a:prstGeom prst="rect">
+            <a:avLst/>
+          </a:prstGeom>
+        </p:spPr>
+      </p:pic>
+      <p:pic>
+        <p:nvPicPr>
+          <p:cNvPr id="8" name="Picture 7">
+            <a:extLst>
+              <a:ext uri="{FF2B5EF4-FFF2-40B4-BE49-F238E27FC236}">
+                <a16:creationId xmlns:a16="http://schemas.microsoft.com/office/drawing/2014/main" id="{1685AFE0-CAE9-AE47-935E-25CA78EE400D}"/>
+              </a:ext>
+            </a:extLst>
+          </p:cNvPr>
+          <p:cNvPicPr>
+            <a:picLocks noChangeAspect="1"/>
+          </p:cNvPicPr>
+          <p:nvPr/>
+        </p:nvPicPr>
+        <p:blipFill>
+          <a:blip r:embed="rId6"/>
+          <a:stretch>
+            <a:fillRect/>
+          </a:stretch>
+        </p:blipFill>
+        <p:spPr>
+          <a:xfrm>
+            <a:off x="4935027" y="1262799"/>
+            <a:ext cx="3897273" cy="3094088"/>
+          </a:xfrm>
+          <a:prstGeom prst="rect">
+            <a:avLst/>
+          </a:prstGeom>
+        </p:spPr>
+      </p:pic>
+    </p:spTree>
+    <p:extLst>
+      <p:ext uri="{BB962C8B-B14F-4D97-AF65-F5344CB8AC3E}">
+        <p14:creationId xmlns:p14="http://schemas.microsoft.com/office/powerpoint/2010/main" val="518910889"/>
+      </p:ext>
+    </p:extLst>
+  </p:cSld>
+  <p:clrMapOvr>
+    <a:masterClrMapping/>
+  </p:clrMapOvr>
+  <mc:AlternateContent xmlns:mc="http://schemas.openxmlformats.org/markup-compatibility/2006" xmlns:p159="http://schemas.microsoft.com/office/powerpoint/2015/09/main">
+    <mc:Choice Requires="p159">
+      <p:transition xmlns:p14="http://schemas.microsoft.com/office/powerpoint/2010/main" spd="slow" p14:dur="2000">
+        <p159:morph option="byObject"/>
+      </p:transition>
+    </mc:Choice>
+    <mc:Fallback xmlns="">
+      <p:transition spd="slow">
+        <p:fade/>
+      </p:transition>
+    </mc:Fallback>
+  </mc:AlternateContent>
+</p:sld>
+</file>
+
+<file path=ppt/slides/slide29.xml><?xml version="1.0" encoding="utf-8"?>
+<p:sld xmlns:a="http://schemas.openxmlformats.org/drawingml/2006/main" xmlns:r="http://schemas.openxmlformats.org/officeDocument/2006/relationships" xmlns:p="http://schemas.openxmlformats.org/presentationml/2006/main">
+  <p:cSld>
+    <p:spTree>
+      <p:nvGrpSpPr>
+        <p:cNvPr id="1" name="Shape 86"/>
+        <p:cNvGrpSpPr/>
+        <p:nvPr/>
+      </p:nvGrpSpPr>
+      <p:grpSpPr>
+        <a:xfrm>
+          <a:off x="0" y="0"/>
+          <a:ext cx="0" cy="0"/>
+          <a:chOff x="0" y="0"/>
+          <a:chExt cx="0" cy="0"/>
+        </a:xfrm>
+      </p:grpSpPr>
+      <p:sp>
+        <p:nvSpPr>
+          <p:cNvPr id="87" name="Google Shape;87;p17"/>
+          <p:cNvSpPr txBox="1">
+            <a:spLocks noGrp="1"/>
+          </p:cNvSpPr>
+          <p:nvPr>
+            <p:ph type="title"/>
+          </p:nvPr>
+        </p:nvSpPr>
+        <p:spPr>
+          <a:xfrm>
+            <a:off x="311700" y="152550"/>
+            <a:ext cx="8520600" cy="572700"/>
+          </a:xfrm>
+          <a:prstGeom prst="rect">
+            <a:avLst/>
+          </a:prstGeom>
+        </p:spPr>
+        <p:txBody>
+          <a:bodyPr spcFirstLastPara="1" wrap="square" lIns="91425" tIns="91425" rIns="91425" bIns="91425" anchor="t" anchorCtr="0">
+            <a:noAutofit/>
+          </a:bodyPr>
+          <a:lstStyle/>
+          <a:p>
+            <a:pPr marL="0" lvl="0" indent="0" rtl="0">
+              <a:spcBef>
+                <a:spcPts val="0"/>
+              </a:spcBef>
+              <a:spcAft>
+                <a:spcPts val="0"/>
+              </a:spcAft>
+              <a:buClr>
+                <a:schemeClr val="dk1"/>
+              </a:buClr>
+              <a:buSzPts val="1100"/>
+              <a:buFont typeface="Arial"/>
+              <a:buNone/>
+            </a:pPr>
+            <a:r>
+              <a:rPr lang="en" sz="1600" dirty="0"/>
+              <a:t>          Output: Basic math operations</a:t>
+            </a:r>
+            <a:endParaRPr sz="1600" dirty="0"/>
+          </a:p>
+          <a:p>
+            <a:pPr marL="0" lvl="0" indent="0" algn="ctr" rtl="0">
+              <a:spcBef>
+                <a:spcPts val="0"/>
+              </a:spcBef>
+              <a:spcAft>
+                <a:spcPts val="0"/>
+              </a:spcAft>
+              <a:buNone/>
+            </a:pPr>
+            <a:endParaRPr sz="1800" dirty="0"/>
+          </a:p>
+        </p:txBody>
+      </p:sp>
+      <p:sp>
+        <p:nvSpPr>
+          <p:cNvPr id="88" name="Google Shape;88;p17"/>
+          <p:cNvSpPr txBox="1">
+            <a:spLocks noGrp="1"/>
+          </p:cNvSpPr>
+          <p:nvPr>
+            <p:ph type="body" idx="1"/>
+          </p:nvPr>
+        </p:nvSpPr>
+        <p:spPr>
+          <a:xfrm>
+            <a:off x="311700" y="1152475"/>
+            <a:ext cx="8520600" cy="3908256"/>
+          </a:xfrm>
+          <a:prstGeom prst="rect">
+            <a:avLst/>
+          </a:prstGeom>
+        </p:spPr>
+        <p:txBody>
+          <a:bodyPr spcFirstLastPara="1" wrap="square" lIns="91425" tIns="91425" rIns="91425" bIns="91425" anchor="t" anchorCtr="0">
+            <a:noAutofit/>
+          </a:bodyPr>
+          <a:lstStyle/>
+          <a:p>
+            <a:pPr marL="0" lvl="0" indent="0" algn="l" rtl="0">
+              <a:spcBef>
+                <a:spcPts val="1600"/>
+              </a:spcBef>
+              <a:spcAft>
+                <a:spcPts val="1600"/>
+              </a:spcAft>
+              <a:buNone/>
+            </a:pPr>
+            <a:r>
+              <a:rPr lang="en-US" dirty="0"/>
+              <a:t>          </a:t>
+            </a:r>
+            <a:endParaRPr dirty="0"/>
+          </a:p>
+        </p:txBody>
+      </p:sp>
+      <p:pic>
+        <p:nvPicPr>
+          <p:cNvPr id="89" name="Google Shape;89;p17"/>
+          <p:cNvPicPr preferRelativeResize="0"/>
+          <p:nvPr/>
+        </p:nvPicPr>
+        <p:blipFill>
+          <a:blip r:embed="rId3">
+            <a:alphaModFix/>
+          </a:blip>
+          <a:stretch>
+            <a:fillRect/>
+          </a:stretch>
+        </p:blipFill>
+        <p:spPr>
+          <a:xfrm>
+            <a:off x="7898868" y="152550"/>
+            <a:ext cx="1083283" cy="572699"/>
+          </a:xfrm>
+          <a:prstGeom prst="rect">
+            <a:avLst/>
+          </a:prstGeom>
+          <a:noFill/>
+          <a:ln>
+            <a:noFill/>
+          </a:ln>
+        </p:spPr>
+      </p:pic>
+      <p:pic>
+        <p:nvPicPr>
+          <p:cNvPr id="90" name="Google Shape;90;p17"/>
+          <p:cNvPicPr preferRelativeResize="0"/>
+          <p:nvPr/>
+        </p:nvPicPr>
+        <p:blipFill>
+          <a:blip r:embed="rId4">
+            <a:alphaModFix/>
+          </a:blip>
+          <a:stretch>
+            <a:fillRect/>
+          </a:stretch>
+        </p:blipFill>
+        <p:spPr>
+          <a:xfrm>
+            <a:off x="184824" y="152550"/>
+            <a:ext cx="717222" cy="572701"/>
+          </a:xfrm>
+          <a:prstGeom prst="rect">
+            <a:avLst/>
+          </a:prstGeom>
+          <a:noFill/>
+          <a:ln>
+            <a:noFill/>
+          </a:ln>
+        </p:spPr>
+      </p:pic>
+      <p:pic>
+        <p:nvPicPr>
+          <p:cNvPr id="4" name="Picture 3">
+            <a:extLst>
+              <a:ext uri="{FF2B5EF4-FFF2-40B4-BE49-F238E27FC236}">
+                <a16:creationId xmlns:a16="http://schemas.microsoft.com/office/drawing/2014/main" id="{2EC1BC0B-25F8-A042-9BE8-BC1337E7B384}"/>
+              </a:ext>
+            </a:extLst>
+          </p:cNvPr>
+          <p:cNvPicPr>
+            <a:picLocks noChangeAspect="1"/>
+          </p:cNvPicPr>
+          <p:nvPr/>
+        </p:nvPicPr>
+        <p:blipFill>
+          <a:blip r:embed="rId5"/>
+          <a:stretch>
+            <a:fillRect/>
+          </a:stretch>
+        </p:blipFill>
+        <p:spPr>
+          <a:xfrm>
+            <a:off x="902046" y="685510"/>
+            <a:ext cx="7342312" cy="4305440"/>
+          </a:xfrm>
+          <a:prstGeom prst="rect">
+            <a:avLst/>
+          </a:prstGeom>
+        </p:spPr>
+      </p:pic>
+    </p:spTree>
+    <p:extLst>
+      <p:ext uri="{BB962C8B-B14F-4D97-AF65-F5344CB8AC3E}">
+        <p14:creationId xmlns:p14="http://schemas.microsoft.com/office/powerpoint/2010/main" val="2138954256"/>
+      </p:ext>
+    </p:extLst>
   </p:cSld>
   <p:clrMapOvr>
     <a:masterClrMapping/>
@@ -9489,6 +14900,1059 @@
         <p14:creationId xmlns:p14="http://schemas.microsoft.com/office/powerpoint/2010/main" val="454507861"/>
       </p:ext>
     </p:extLst>
+  </p:cSld>
+  <p:clrMapOvr>
+    <a:masterClrMapping/>
+  </p:clrMapOvr>
+  <mc:AlternateContent xmlns:mc="http://schemas.openxmlformats.org/markup-compatibility/2006" xmlns:p159="http://schemas.microsoft.com/office/powerpoint/2015/09/main">
+    <mc:Choice Requires="p159">
+      <p:transition xmlns:p14="http://schemas.microsoft.com/office/powerpoint/2010/main" spd="slow" p14:dur="2000">
+        <p159:morph option="byObject"/>
+      </p:transition>
+    </mc:Choice>
+    <mc:Fallback xmlns="">
+      <p:transition spd="slow">
+        <p:fade/>
+      </p:transition>
+    </mc:Fallback>
+  </mc:AlternateContent>
+</p:sld>
+</file>
+
+<file path=ppt/slides/slide30.xml><?xml version="1.0" encoding="utf-8"?>
+<p:sld xmlns:a="http://schemas.openxmlformats.org/drawingml/2006/main" xmlns:r="http://schemas.openxmlformats.org/officeDocument/2006/relationships" xmlns:p="http://schemas.openxmlformats.org/presentationml/2006/main">
+  <p:cSld>
+    <p:spTree>
+      <p:nvGrpSpPr>
+        <p:cNvPr id="1" name="Shape 86"/>
+        <p:cNvGrpSpPr/>
+        <p:nvPr/>
+      </p:nvGrpSpPr>
+      <p:grpSpPr>
+        <a:xfrm>
+          <a:off x="0" y="0"/>
+          <a:ext cx="0" cy="0"/>
+          <a:chOff x="0" y="0"/>
+          <a:chExt cx="0" cy="0"/>
+        </a:xfrm>
+      </p:grpSpPr>
+      <p:sp>
+        <p:nvSpPr>
+          <p:cNvPr id="87" name="Google Shape;87;p17"/>
+          <p:cNvSpPr txBox="1">
+            <a:spLocks noGrp="1"/>
+          </p:cNvSpPr>
+          <p:nvPr>
+            <p:ph type="title"/>
+          </p:nvPr>
+        </p:nvSpPr>
+        <p:spPr>
+          <a:xfrm>
+            <a:off x="311700" y="152550"/>
+            <a:ext cx="8520600" cy="572700"/>
+          </a:xfrm>
+          <a:prstGeom prst="rect">
+            <a:avLst/>
+          </a:prstGeom>
+        </p:spPr>
+        <p:txBody>
+          <a:bodyPr spcFirstLastPara="1" wrap="square" lIns="91425" tIns="91425" rIns="91425" bIns="91425" anchor="t" anchorCtr="0">
+            <a:noAutofit/>
+          </a:bodyPr>
+          <a:lstStyle/>
+          <a:p>
+            <a:pPr marL="0" lvl="0" indent="0" rtl="0">
+              <a:spcBef>
+                <a:spcPts val="0"/>
+              </a:spcBef>
+              <a:spcAft>
+                <a:spcPts val="0"/>
+              </a:spcAft>
+              <a:buClr>
+                <a:schemeClr val="dk1"/>
+              </a:buClr>
+              <a:buSzPts val="1100"/>
+              <a:buFont typeface="Arial"/>
+              <a:buNone/>
+            </a:pPr>
+            <a:r>
+              <a:rPr lang="en" sz="1600" dirty="0"/>
+              <a:t>          Output: Divisibility test</a:t>
+            </a:r>
+            <a:endParaRPr sz="1600" dirty="0"/>
+          </a:p>
+          <a:p>
+            <a:pPr marL="0" lvl="0" indent="0" algn="ctr" rtl="0">
+              <a:spcBef>
+                <a:spcPts val="0"/>
+              </a:spcBef>
+              <a:spcAft>
+                <a:spcPts val="0"/>
+              </a:spcAft>
+              <a:buNone/>
+            </a:pPr>
+            <a:endParaRPr sz="1800" dirty="0"/>
+          </a:p>
+        </p:txBody>
+      </p:sp>
+      <p:sp>
+        <p:nvSpPr>
+          <p:cNvPr id="88" name="Google Shape;88;p17"/>
+          <p:cNvSpPr txBox="1">
+            <a:spLocks noGrp="1"/>
+          </p:cNvSpPr>
+          <p:nvPr>
+            <p:ph type="body" idx="1"/>
+          </p:nvPr>
+        </p:nvSpPr>
+        <p:spPr>
+          <a:xfrm>
+            <a:off x="311700" y="1152475"/>
+            <a:ext cx="8520600" cy="3908256"/>
+          </a:xfrm>
+          <a:prstGeom prst="rect">
+            <a:avLst/>
+          </a:prstGeom>
+        </p:spPr>
+        <p:txBody>
+          <a:bodyPr spcFirstLastPara="1" wrap="square" lIns="91425" tIns="91425" rIns="91425" bIns="91425" anchor="t" anchorCtr="0">
+            <a:noAutofit/>
+          </a:bodyPr>
+          <a:lstStyle/>
+          <a:p>
+            <a:pPr marL="0" lvl="0" indent="0" algn="l" rtl="0">
+              <a:spcBef>
+                <a:spcPts val="1600"/>
+              </a:spcBef>
+              <a:spcAft>
+                <a:spcPts val="1600"/>
+              </a:spcAft>
+              <a:buNone/>
+            </a:pPr>
+            <a:r>
+              <a:rPr lang="en-US" dirty="0"/>
+              <a:t>          </a:t>
+            </a:r>
+            <a:endParaRPr dirty="0"/>
+          </a:p>
+        </p:txBody>
+      </p:sp>
+      <p:pic>
+        <p:nvPicPr>
+          <p:cNvPr id="89" name="Google Shape;89;p17"/>
+          <p:cNvPicPr preferRelativeResize="0"/>
+          <p:nvPr/>
+        </p:nvPicPr>
+        <p:blipFill>
+          <a:blip r:embed="rId3">
+            <a:alphaModFix/>
+          </a:blip>
+          <a:stretch>
+            <a:fillRect/>
+          </a:stretch>
+        </p:blipFill>
+        <p:spPr>
+          <a:xfrm>
+            <a:off x="7898868" y="152550"/>
+            <a:ext cx="1083283" cy="572699"/>
+          </a:xfrm>
+          <a:prstGeom prst="rect">
+            <a:avLst/>
+          </a:prstGeom>
+          <a:noFill/>
+          <a:ln>
+            <a:noFill/>
+          </a:ln>
+        </p:spPr>
+      </p:pic>
+      <p:pic>
+        <p:nvPicPr>
+          <p:cNvPr id="90" name="Google Shape;90;p17"/>
+          <p:cNvPicPr preferRelativeResize="0"/>
+          <p:nvPr/>
+        </p:nvPicPr>
+        <p:blipFill>
+          <a:blip r:embed="rId4">
+            <a:alphaModFix/>
+          </a:blip>
+          <a:stretch>
+            <a:fillRect/>
+          </a:stretch>
+        </p:blipFill>
+        <p:spPr>
+          <a:xfrm>
+            <a:off x="184824" y="152550"/>
+            <a:ext cx="717222" cy="572701"/>
+          </a:xfrm>
+          <a:prstGeom prst="rect">
+            <a:avLst/>
+          </a:prstGeom>
+          <a:noFill/>
+          <a:ln>
+            <a:noFill/>
+          </a:ln>
+        </p:spPr>
+      </p:pic>
+      <p:pic>
+        <p:nvPicPr>
+          <p:cNvPr id="4" name="Picture 3">
+            <a:extLst>
+              <a:ext uri="{FF2B5EF4-FFF2-40B4-BE49-F238E27FC236}">
+                <a16:creationId xmlns:a16="http://schemas.microsoft.com/office/drawing/2014/main" id="{003DC8D3-1E14-984A-9037-104EF19DECC4}"/>
+              </a:ext>
+            </a:extLst>
+          </p:cNvPr>
+          <p:cNvPicPr>
+            <a:picLocks noChangeAspect="1"/>
+          </p:cNvPicPr>
+          <p:nvPr/>
+        </p:nvPicPr>
+        <p:blipFill>
+          <a:blip r:embed="rId5"/>
+          <a:stretch>
+            <a:fillRect/>
+          </a:stretch>
+        </p:blipFill>
+        <p:spPr>
+          <a:xfrm>
+            <a:off x="2457312" y="2709407"/>
+            <a:ext cx="4399843" cy="2308829"/>
+          </a:xfrm>
+          <a:prstGeom prst="rect">
+            <a:avLst/>
+          </a:prstGeom>
+        </p:spPr>
+      </p:pic>
+      <p:pic>
+        <p:nvPicPr>
+          <p:cNvPr id="6" name="Picture 5">
+            <a:extLst>
+              <a:ext uri="{FF2B5EF4-FFF2-40B4-BE49-F238E27FC236}">
+                <a16:creationId xmlns:a16="http://schemas.microsoft.com/office/drawing/2014/main" id="{A9454F91-2AAC-994C-B4A7-44618C24B787}"/>
+              </a:ext>
+            </a:extLst>
+          </p:cNvPr>
+          <p:cNvPicPr>
+            <a:picLocks noChangeAspect="1"/>
+          </p:cNvPicPr>
+          <p:nvPr/>
+        </p:nvPicPr>
+        <p:blipFill>
+          <a:blip r:embed="rId6"/>
+          <a:stretch>
+            <a:fillRect/>
+          </a:stretch>
+        </p:blipFill>
+        <p:spPr>
+          <a:xfrm>
+            <a:off x="2457312" y="541826"/>
+            <a:ext cx="4399843" cy="2070514"/>
+          </a:xfrm>
+          <a:prstGeom prst="rect">
+            <a:avLst/>
+          </a:prstGeom>
+        </p:spPr>
+      </p:pic>
+    </p:spTree>
+    <p:extLst>
+      <p:ext uri="{BB962C8B-B14F-4D97-AF65-F5344CB8AC3E}">
+        <p14:creationId xmlns:p14="http://schemas.microsoft.com/office/powerpoint/2010/main" val="2413328204"/>
+      </p:ext>
+    </p:extLst>
+  </p:cSld>
+  <p:clrMapOvr>
+    <a:masterClrMapping/>
+  </p:clrMapOvr>
+  <mc:AlternateContent xmlns:mc="http://schemas.openxmlformats.org/markup-compatibility/2006" xmlns:p159="http://schemas.microsoft.com/office/powerpoint/2015/09/main">
+    <mc:Choice Requires="p159">
+      <p:transition xmlns:p14="http://schemas.microsoft.com/office/powerpoint/2010/main" spd="slow" p14:dur="2000">
+        <p159:morph option="byObject"/>
+      </p:transition>
+    </mc:Choice>
+    <mc:Fallback xmlns="">
+      <p:transition spd="slow">
+        <p:fade/>
+      </p:transition>
+    </mc:Fallback>
+  </mc:AlternateContent>
+</p:sld>
+</file>
+
+<file path=ppt/slides/slide31.xml><?xml version="1.0" encoding="utf-8"?>
+<p:sld xmlns:a="http://schemas.openxmlformats.org/drawingml/2006/main" xmlns:r="http://schemas.openxmlformats.org/officeDocument/2006/relationships" xmlns:p="http://schemas.openxmlformats.org/presentationml/2006/main">
+  <p:cSld>
+    <p:spTree>
+      <p:nvGrpSpPr>
+        <p:cNvPr id="1" name="Shape 86"/>
+        <p:cNvGrpSpPr/>
+        <p:nvPr/>
+      </p:nvGrpSpPr>
+      <p:grpSpPr>
+        <a:xfrm>
+          <a:off x="0" y="0"/>
+          <a:ext cx="0" cy="0"/>
+          <a:chOff x="0" y="0"/>
+          <a:chExt cx="0" cy="0"/>
+        </a:xfrm>
+      </p:grpSpPr>
+      <p:sp>
+        <p:nvSpPr>
+          <p:cNvPr id="87" name="Google Shape;87;p17"/>
+          <p:cNvSpPr txBox="1">
+            <a:spLocks noGrp="1"/>
+          </p:cNvSpPr>
+          <p:nvPr>
+            <p:ph type="title"/>
+          </p:nvPr>
+        </p:nvSpPr>
+        <p:spPr>
+          <a:xfrm>
+            <a:off x="311700" y="152550"/>
+            <a:ext cx="8520600" cy="572700"/>
+          </a:xfrm>
+          <a:prstGeom prst="rect">
+            <a:avLst/>
+          </a:prstGeom>
+        </p:spPr>
+        <p:txBody>
+          <a:bodyPr spcFirstLastPara="1" wrap="square" lIns="91425" tIns="91425" rIns="91425" bIns="91425" anchor="t" anchorCtr="0">
+            <a:noAutofit/>
+          </a:bodyPr>
+          <a:lstStyle/>
+          <a:p>
+            <a:pPr marL="0" lvl="0" indent="0" rtl="0">
+              <a:spcBef>
+                <a:spcPts val="0"/>
+              </a:spcBef>
+              <a:spcAft>
+                <a:spcPts val="0"/>
+              </a:spcAft>
+              <a:buClr>
+                <a:schemeClr val="dk1"/>
+              </a:buClr>
+              <a:buSzPts val="1100"/>
+              <a:buFont typeface="Arial"/>
+              <a:buNone/>
+            </a:pPr>
+            <a:r>
+              <a:rPr lang="en" sz="1600" dirty="0"/>
+              <a:t>          Output: Armstrong’s number</a:t>
+            </a:r>
+            <a:endParaRPr sz="1600" dirty="0"/>
+          </a:p>
+          <a:p>
+            <a:pPr marL="0" lvl="0" indent="0" algn="ctr" rtl="0">
+              <a:spcBef>
+                <a:spcPts val="0"/>
+              </a:spcBef>
+              <a:spcAft>
+                <a:spcPts val="0"/>
+              </a:spcAft>
+              <a:buNone/>
+            </a:pPr>
+            <a:endParaRPr sz="1800" dirty="0"/>
+          </a:p>
+        </p:txBody>
+      </p:sp>
+      <p:sp>
+        <p:nvSpPr>
+          <p:cNvPr id="88" name="Google Shape;88;p17"/>
+          <p:cNvSpPr txBox="1">
+            <a:spLocks noGrp="1"/>
+          </p:cNvSpPr>
+          <p:nvPr>
+            <p:ph type="body" idx="1"/>
+          </p:nvPr>
+        </p:nvSpPr>
+        <p:spPr>
+          <a:xfrm>
+            <a:off x="311700" y="1152475"/>
+            <a:ext cx="8520600" cy="3908256"/>
+          </a:xfrm>
+          <a:prstGeom prst="rect">
+            <a:avLst/>
+          </a:prstGeom>
+        </p:spPr>
+        <p:txBody>
+          <a:bodyPr spcFirstLastPara="1" wrap="square" lIns="91425" tIns="91425" rIns="91425" bIns="91425" anchor="t" anchorCtr="0">
+            <a:noAutofit/>
+          </a:bodyPr>
+          <a:lstStyle/>
+          <a:p>
+            <a:pPr marL="0" lvl="0" indent="0" algn="l" rtl="0">
+              <a:spcBef>
+                <a:spcPts val="1600"/>
+              </a:spcBef>
+              <a:spcAft>
+                <a:spcPts val="1600"/>
+              </a:spcAft>
+              <a:buNone/>
+            </a:pPr>
+            <a:r>
+              <a:rPr lang="en-US" dirty="0"/>
+              <a:t>          </a:t>
+            </a:r>
+            <a:endParaRPr dirty="0"/>
+          </a:p>
+        </p:txBody>
+      </p:sp>
+      <p:pic>
+        <p:nvPicPr>
+          <p:cNvPr id="89" name="Google Shape;89;p17"/>
+          <p:cNvPicPr preferRelativeResize="0"/>
+          <p:nvPr/>
+        </p:nvPicPr>
+        <p:blipFill>
+          <a:blip r:embed="rId3">
+            <a:alphaModFix/>
+          </a:blip>
+          <a:stretch>
+            <a:fillRect/>
+          </a:stretch>
+        </p:blipFill>
+        <p:spPr>
+          <a:xfrm>
+            <a:off x="7898868" y="152550"/>
+            <a:ext cx="1083283" cy="572699"/>
+          </a:xfrm>
+          <a:prstGeom prst="rect">
+            <a:avLst/>
+          </a:prstGeom>
+          <a:noFill/>
+          <a:ln>
+            <a:noFill/>
+          </a:ln>
+        </p:spPr>
+      </p:pic>
+      <p:pic>
+        <p:nvPicPr>
+          <p:cNvPr id="90" name="Google Shape;90;p17"/>
+          <p:cNvPicPr preferRelativeResize="0"/>
+          <p:nvPr/>
+        </p:nvPicPr>
+        <p:blipFill>
+          <a:blip r:embed="rId4">
+            <a:alphaModFix/>
+          </a:blip>
+          <a:stretch>
+            <a:fillRect/>
+          </a:stretch>
+        </p:blipFill>
+        <p:spPr>
+          <a:xfrm>
+            <a:off x="184824" y="152550"/>
+            <a:ext cx="717222" cy="572701"/>
+          </a:xfrm>
+          <a:prstGeom prst="rect">
+            <a:avLst/>
+          </a:prstGeom>
+          <a:noFill/>
+          <a:ln>
+            <a:noFill/>
+          </a:ln>
+        </p:spPr>
+      </p:pic>
+      <p:pic>
+        <p:nvPicPr>
+          <p:cNvPr id="4" name="Picture 3">
+            <a:extLst>
+              <a:ext uri="{FF2B5EF4-FFF2-40B4-BE49-F238E27FC236}">
+                <a16:creationId xmlns:a16="http://schemas.microsoft.com/office/drawing/2014/main" id="{F20F26AE-1727-F946-A705-097C3C7CC5B6}"/>
+              </a:ext>
+            </a:extLst>
+          </p:cNvPr>
+          <p:cNvPicPr>
+            <a:picLocks noChangeAspect="1"/>
+          </p:cNvPicPr>
+          <p:nvPr/>
+        </p:nvPicPr>
+        <p:blipFill>
+          <a:blip r:embed="rId5"/>
+          <a:stretch>
+            <a:fillRect/>
+          </a:stretch>
+        </p:blipFill>
+        <p:spPr>
+          <a:xfrm>
+            <a:off x="4351282" y="1239586"/>
+            <a:ext cx="3786877" cy="1703189"/>
+          </a:xfrm>
+          <a:prstGeom prst="rect">
+            <a:avLst/>
+          </a:prstGeom>
+        </p:spPr>
+      </p:pic>
+      <p:pic>
+        <p:nvPicPr>
+          <p:cNvPr id="6" name="Picture 5">
+            <a:extLst>
+              <a:ext uri="{FF2B5EF4-FFF2-40B4-BE49-F238E27FC236}">
+                <a16:creationId xmlns:a16="http://schemas.microsoft.com/office/drawing/2014/main" id="{D4CAAE4D-238E-5C4A-BCE2-5D51385860D5}"/>
+              </a:ext>
+            </a:extLst>
+          </p:cNvPr>
+          <p:cNvPicPr>
+            <a:picLocks noChangeAspect="1"/>
+          </p:cNvPicPr>
+          <p:nvPr/>
+        </p:nvPicPr>
+        <p:blipFill>
+          <a:blip r:embed="rId6"/>
+          <a:stretch>
+            <a:fillRect/>
+          </a:stretch>
+        </p:blipFill>
+        <p:spPr>
+          <a:xfrm>
+            <a:off x="383899" y="1249913"/>
+            <a:ext cx="3755748" cy="1692862"/>
+          </a:xfrm>
+          <a:prstGeom prst="rect">
+            <a:avLst/>
+          </a:prstGeom>
+        </p:spPr>
+      </p:pic>
+      <p:pic>
+        <p:nvPicPr>
+          <p:cNvPr id="8" name="Picture 7">
+            <a:extLst>
+              <a:ext uri="{FF2B5EF4-FFF2-40B4-BE49-F238E27FC236}">
+                <a16:creationId xmlns:a16="http://schemas.microsoft.com/office/drawing/2014/main" id="{46DA7D17-122A-224D-9B82-887F15209EED}"/>
+              </a:ext>
+            </a:extLst>
+          </p:cNvPr>
+          <p:cNvPicPr>
+            <a:picLocks noChangeAspect="1"/>
+          </p:cNvPicPr>
+          <p:nvPr/>
+        </p:nvPicPr>
+        <p:blipFill>
+          <a:blip r:embed="rId7"/>
+          <a:stretch>
+            <a:fillRect/>
+          </a:stretch>
+        </p:blipFill>
+        <p:spPr>
+          <a:xfrm>
+            <a:off x="2204521" y="3089996"/>
+            <a:ext cx="3565658" cy="1866139"/>
+          </a:xfrm>
+          <a:prstGeom prst="rect">
+            <a:avLst/>
+          </a:prstGeom>
+        </p:spPr>
+      </p:pic>
+    </p:spTree>
+    <p:extLst>
+      <p:ext uri="{BB962C8B-B14F-4D97-AF65-F5344CB8AC3E}">
+        <p14:creationId xmlns:p14="http://schemas.microsoft.com/office/powerpoint/2010/main" val="3217559324"/>
+      </p:ext>
+    </p:extLst>
+  </p:cSld>
+  <p:clrMapOvr>
+    <a:masterClrMapping/>
+  </p:clrMapOvr>
+  <mc:AlternateContent xmlns:mc="http://schemas.openxmlformats.org/markup-compatibility/2006" xmlns:p159="http://schemas.microsoft.com/office/powerpoint/2015/09/main">
+    <mc:Choice Requires="p159">
+      <p:transition xmlns:p14="http://schemas.microsoft.com/office/powerpoint/2010/main" spd="slow" p14:dur="2000">
+        <p159:morph option="byObject"/>
+      </p:transition>
+    </mc:Choice>
+    <mc:Fallback xmlns="">
+      <p:transition spd="slow">
+        <p:fade/>
+      </p:transition>
+    </mc:Fallback>
+  </mc:AlternateContent>
+</p:sld>
+</file>
+
+<file path=ppt/slides/slide32.xml><?xml version="1.0" encoding="utf-8"?>
+<p:sld xmlns:a="http://schemas.openxmlformats.org/drawingml/2006/main" xmlns:r="http://schemas.openxmlformats.org/officeDocument/2006/relationships" xmlns:p="http://schemas.openxmlformats.org/presentationml/2006/main">
+  <p:cSld>
+    <p:spTree>
+      <p:nvGrpSpPr>
+        <p:cNvPr id="1" name="Shape 94"/>
+        <p:cNvGrpSpPr/>
+        <p:nvPr/>
+      </p:nvGrpSpPr>
+      <p:grpSpPr>
+        <a:xfrm>
+          <a:off x="0" y="0"/>
+          <a:ext cx="0" cy="0"/>
+          <a:chOff x="0" y="0"/>
+          <a:chExt cx="0" cy="0"/>
+        </a:xfrm>
+      </p:grpSpPr>
+      <p:sp>
+        <p:nvSpPr>
+          <p:cNvPr id="95" name="Google Shape;95;p18"/>
+          <p:cNvSpPr txBox="1">
+            <a:spLocks noGrp="1"/>
+          </p:cNvSpPr>
+          <p:nvPr>
+            <p:ph type="title"/>
+          </p:nvPr>
+        </p:nvSpPr>
+        <p:spPr>
+          <a:xfrm>
+            <a:off x="311700" y="152550"/>
+            <a:ext cx="8520600" cy="572700"/>
+          </a:xfrm>
+          <a:prstGeom prst="rect">
+            <a:avLst/>
+          </a:prstGeom>
+        </p:spPr>
+        <p:txBody>
+          <a:bodyPr spcFirstLastPara="1" wrap="square" lIns="91425" tIns="91425" rIns="91425" bIns="91425" anchor="t" anchorCtr="0">
+            <a:noAutofit/>
+          </a:bodyPr>
+          <a:lstStyle/>
+          <a:p>
+            <a:pPr marL="0" lvl="0" indent="0" algn="ctr" rtl="0">
+              <a:spcBef>
+                <a:spcPts val="0"/>
+              </a:spcBef>
+              <a:spcAft>
+                <a:spcPts val="0"/>
+              </a:spcAft>
+              <a:buClr>
+                <a:schemeClr val="dk1"/>
+              </a:buClr>
+              <a:buSzPts val="1100"/>
+              <a:buFont typeface="Arial"/>
+              <a:buNone/>
+            </a:pPr>
+            <a:r>
+              <a:rPr lang="en"/>
+              <a:t>Acknowledgement</a:t>
+            </a:r>
+            <a:endParaRPr/>
+          </a:p>
+          <a:p>
+            <a:pPr marL="0" lvl="0" indent="0" algn="ctr" rtl="0">
+              <a:spcBef>
+                <a:spcPts val="0"/>
+              </a:spcBef>
+              <a:spcAft>
+                <a:spcPts val="0"/>
+              </a:spcAft>
+              <a:buNone/>
+            </a:pPr>
+            <a:endParaRPr/>
+          </a:p>
+        </p:txBody>
+      </p:sp>
+      <p:sp>
+        <p:nvSpPr>
+          <p:cNvPr id="96" name="Google Shape;96;p18"/>
+          <p:cNvSpPr txBox="1">
+            <a:spLocks noGrp="1"/>
+          </p:cNvSpPr>
+          <p:nvPr>
+            <p:ph type="body" idx="1"/>
+          </p:nvPr>
+        </p:nvSpPr>
+        <p:spPr>
+          <a:xfrm>
+            <a:off x="311700" y="1152475"/>
+            <a:ext cx="8520600" cy="3257700"/>
+          </a:xfrm>
+          <a:prstGeom prst="rect">
+            <a:avLst/>
+          </a:prstGeom>
+        </p:spPr>
+        <p:txBody>
+          <a:bodyPr spcFirstLastPara="1" wrap="square" lIns="91425" tIns="91425" rIns="91425" bIns="91425" anchor="t" anchorCtr="0">
+            <a:noAutofit/>
+          </a:bodyPr>
+          <a:lstStyle/>
+          <a:p>
+            <a:r>
+              <a:rPr lang="en-US" sz="1600" dirty="0"/>
+              <a:t>We, Group 5, are glad that we got this opportunity to thank our college, </a:t>
+            </a:r>
+            <a:r>
+              <a:rPr lang="en-US" sz="1600" b="1" dirty="0"/>
+              <a:t>APSIT</a:t>
+            </a:r>
+            <a:r>
+              <a:rPr lang="en-US" sz="1600" dirty="0"/>
+              <a:t> for giving us a chance to polish our coding skills. It was great fun to try to code such wonderful programs and test them; we got a lot of insights in our repository of knowledge of coding, learnt a plethora of new essential skills which will be of a great help in our future </a:t>
+            </a:r>
+            <a:r>
+              <a:rPr lang="en-US" sz="1600" dirty="0" err="1"/>
+              <a:t>endeavours</a:t>
+            </a:r>
+            <a:r>
+              <a:rPr lang="en-US" sz="1600" dirty="0"/>
+              <a:t>.</a:t>
+            </a:r>
+            <a:endParaRPr lang="en-IN" sz="1600" dirty="0"/>
+          </a:p>
+          <a:p>
+            <a:r>
+              <a:rPr lang="en-US" sz="1600" dirty="0"/>
+              <a:t>We would also like to extend our thanks to </a:t>
+            </a:r>
+            <a:r>
+              <a:rPr lang="en-US" sz="1600" b="1" dirty="0"/>
+              <a:t>Prof. Merlin Jacob</a:t>
+            </a:r>
+            <a:r>
+              <a:rPr lang="en-US" sz="1600" dirty="0"/>
+              <a:t>, our faculty mentor, and </a:t>
+            </a:r>
+            <a:r>
+              <a:rPr lang="en-US" sz="1600" b="1" dirty="0"/>
+              <a:t>Ms. </a:t>
+            </a:r>
+            <a:r>
+              <a:rPr lang="en-US" sz="1600" b="1" dirty="0" err="1"/>
+              <a:t>Nimali</a:t>
+            </a:r>
+            <a:r>
+              <a:rPr lang="en-US" sz="1600" b="1" dirty="0"/>
+              <a:t> </a:t>
+            </a:r>
+            <a:r>
+              <a:rPr lang="en-US" sz="1600" b="1" dirty="0" err="1"/>
+              <a:t>Keny</a:t>
+            </a:r>
+            <a:r>
+              <a:rPr lang="en-US" sz="1600" dirty="0"/>
+              <a:t>, our student mentor to help and guide us when things got unclear and tricky. We are fortunate to have such great mentors like them who helped me and my teammates to ace through this project confidently.</a:t>
+            </a:r>
+            <a:endParaRPr lang="en-IN" sz="1600" dirty="0"/>
+          </a:p>
+          <a:p>
+            <a:r>
+              <a:rPr lang="en-US" sz="1600" dirty="0"/>
+              <a:t>To conclude, we feel blessed to have had such a great support system for the successful completion of this project, a sincere thanks to all of you.</a:t>
+            </a:r>
+            <a:endParaRPr lang="en-IN" sz="1600" dirty="0"/>
+          </a:p>
+          <a:p>
+            <a:pPr marL="0" lvl="0" indent="0" algn="l" rtl="0">
+              <a:spcBef>
+                <a:spcPts val="0"/>
+              </a:spcBef>
+              <a:spcAft>
+                <a:spcPts val="1600"/>
+              </a:spcAft>
+              <a:buNone/>
+            </a:pPr>
+            <a:endParaRPr dirty="0"/>
+          </a:p>
+        </p:txBody>
+      </p:sp>
+      <p:pic>
+        <p:nvPicPr>
+          <p:cNvPr id="97" name="Google Shape;97;p18"/>
+          <p:cNvPicPr preferRelativeResize="0"/>
+          <p:nvPr/>
+        </p:nvPicPr>
+        <p:blipFill>
+          <a:blip r:embed="rId3">
+            <a:alphaModFix/>
+          </a:blip>
+          <a:stretch>
+            <a:fillRect/>
+          </a:stretch>
+        </p:blipFill>
+        <p:spPr>
+          <a:xfrm>
+            <a:off x="7898868" y="152550"/>
+            <a:ext cx="1083283" cy="572699"/>
+          </a:xfrm>
+          <a:prstGeom prst="rect">
+            <a:avLst/>
+          </a:prstGeom>
+          <a:noFill/>
+          <a:ln>
+            <a:noFill/>
+          </a:ln>
+        </p:spPr>
+      </p:pic>
+      <p:pic>
+        <p:nvPicPr>
+          <p:cNvPr id="98" name="Google Shape;98;p18"/>
+          <p:cNvPicPr preferRelativeResize="0"/>
+          <p:nvPr/>
+        </p:nvPicPr>
+        <p:blipFill>
+          <a:blip r:embed="rId4">
+            <a:alphaModFix/>
+          </a:blip>
+          <a:stretch>
+            <a:fillRect/>
+          </a:stretch>
+        </p:blipFill>
+        <p:spPr>
+          <a:xfrm>
+            <a:off x="184824" y="152550"/>
+            <a:ext cx="717222" cy="572701"/>
+          </a:xfrm>
+          <a:prstGeom prst="rect">
+            <a:avLst/>
+          </a:prstGeom>
+          <a:noFill/>
+          <a:ln>
+            <a:noFill/>
+          </a:ln>
+        </p:spPr>
+      </p:pic>
+    </p:spTree>
+  </p:cSld>
+  <p:clrMapOvr>
+    <a:masterClrMapping/>
+  </p:clrMapOvr>
+  <mc:AlternateContent xmlns:mc="http://schemas.openxmlformats.org/markup-compatibility/2006" xmlns:p159="http://schemas.microsoft.com/office/powerpoint/2015/09/main">
+    <mc:Choice Requires="p159">
+      <p:transition xmlns:p14="http://schemas.microsoft.com/office/powerpoint/2010/main" spd="slow" p14:dur="2000">
+        <p159:morph option="byObject"/>
+      </p:transition>
+    </mc:Choice>
+    <mc:Fallback xmlns="">
+      <p:transition spd="slow">
+        <p:fade/>
+      </p:transition>
+    </mc:Fallback>
+  </mc:AlternateContent>
+</p:sld>
+</file>
+
+<file path=ppt/slides/slide33.xml><?xml version="1.0" encoding="utf-8"?>
+<p:sld xmlns:a="http://schemas.openxmlformats.org/drawingml/2006/main" xmlns:r="http://schemas.openxmlformats.org/officeDocument/2006/relationships" xmlns:p="http://schemas.openxmlformats.org/presentationml/2006/main">
+  <p:cSld>
+    <p:spTree>
+      <p:nvGrpSpPr>
+        <p:cNvPr id="1" name="Shape 102"/>
+        <p:cNvGrpSpPr/>
+        <p:nvPr/>
+      </p:nvGrpSpPr>
+      <p:grpSpPr>
+        <a:xfrm>
+          <a:off x="0" y="0"/>
+          <a:ext cx="0" cy="0"/>
+          <a:chOff x="0" y="0"/>
+          <a:chExt cx="0" cy="0"/>
+        </a:xfrm>
+      </p:grpSpPr>
+      <p:sp>
+        <p:nvSpPr>
+          <p:cNvPr id="103" name="Google Shape;103;p19"/>
+          <p:cNvSpPr txBox="1">
+            <a:spLocks noGrp="1"/>
+          </p:cNvSpPr>
+          <p:nvPr>
+            <p:ph type="title"/>
+          </p:nvPr>
+        </p:nvSpPr>
+        <p:spPr>
+          <a:xfrm>
+            <a:off x="311700" y="152550"/>
+            <a:ext cx="8520600" cy="572700"/>
+          </a:xfrm>
+          <a:prstGeom prst="rect">
+            <a:avLst/>
+          </a:prstGeom>
+        </p:spPr>
+        <p:txBody>
+          <a:bodyPr spcFirstLastPara="1" wrap="square" lIns="91425" tIns="91425" rIns="91425" bIns="91425" anchor="t" anchorCtr="0">
+            <a:noAutofit/>
+          </a:bodyPr>
+          <a:lstStyle/>
+          <a:p>
+            <a:pPr marL="0" lvl="0" indent="0" algn="ctr" rtl="0">
+              <a:spcBef>
+                <a:spcPts val="0"/>
+              </a:spcBef>
+              <a:spcAft>
+                <a:spcPts val="0"/>
+              </a:spcAft>
+              <a:buNone/>
+            </a:pPr>
+            <a:r>
+              <a:rPr lang="en"/>
+              <a:t>References</a:t>
+            </a:r>
+            <a:endParaRPr/>
+          </a:p>
+        </p:txBody>
+      </p:sp>
+      <p:sp>
+        <p:nvSpPr>
+          <p:cNvPr id="104" name="Google Shape;104;p19"/>
+          <p:cNvSpPr txBox="1">
+            <a:spLocks noGrp="1"/>
+          </p:cNvSpPr>
+          <p:nvPr>
+            <p:ph type="body" idx="1"/>
+          </p:nvPr>
+        </p:nvSpPr>
+        <p:spPr>
+          <a:xfrm>
+            <a:off x="311700" y="1152475"/>
+            <a:ext cx="8520600" cy="3257700"/>
+          </a:xfrm>
+          <a:prstGeom prst="rect">
+            <a:avLst/>
+          </a:prstGeom>
+        </p:spPr>
+        <p:txBody>
+          <a:bodyPr spcFirstLastPara="1" wrap="square" lIns="91425" tIns="91425" rIns="91425" bIns="91425" anchor="t" anchorCtr="0">
+            <a:noAutofit/>
+          </a:bodyPr>
+          <a:lstStyle/>
+          <a:p>
+            <a:pPr lvl="0"/>
+            <a:r>
+              <a:rPr lang="en-US" dirty="0"/>
+              <a:t>Coursera course- </a:t>
+            </a:r>
+            <a:r>
+              <a:rPr lang="en-US" dirty="0">
+                <a:hlinkClick r:id="rId3"/>
+              </a:rPr>
+              <a:t>Crash Course on Python from Google</a:t>
+            </a:r>
+            <a:endParaRPr lang="en-IN" dirty="0"/>
+          </a:p>
+          <a:p>
+            <a:pPr lvl="0"/>
+            <a:endParaRPr lang="en-US" dirty="0"/>
+          </a:p>
+          <a:p>
+            <a:pPr lvl="0"/>
+            <a:r>
+              <a:rPr lang="en-US" dirty="0"/>
+              <a:t>Coursera course</a:t>
+            </a:r>
+            <a:r>
+              <a:rPr lang="en-US" b="1" dirty="0"/>
+              <a:t>- </a:t>
+            </a:r>
+            <a:r>
+              <a:rPr lang="en-GB" dirty="0">
+                <a:hlinkClick r:id="rId4"/>
+              </a:rPr>
+              <a:t>Programming for Everybody (Getting Started with Python)</a:t>
+            </a:r>
+            <a:endParaRPr lang="en-IN" b="1" dirty="0"/>
+          </a:p>
+          <a:p>
+            <a:pPr marL="114300" indent="0">
+              <a:buNone/>
+            </a:pPr>
+            <a:r>
+              <a:rPr lang="en-US" dirty="0"/>
+              <a:t> </a:t>
+            </a:r>
+            <a:endParaRPr lang="en-IN" dirty="0"/>
+          </a:p>
+          <a:p>
+            <a:pPr lvl="0"/>
+            <a:r>
+              <a:rPr lang="en-US" dirty="0">
+                <a:hlinkClick r:id="rId5"/>
+              </a:rPr>
+              <a:t>Stack overflow</a:t>
+            </a:r>
+            <a:r>
+              <a:rPr lang="en-US" dirty="0"/>
+              <a:t> for making Python 3 as default system interpreter</a:t>
+            </a:r>
+            <a:endParaRPr lang="en-IN" dirty="0"/>
+          </a:p>
+          <a:p>
+            <a:endParaRPr lang="en-IN" dirty="0"/>
+          </a:p>
+          <a:p>
+            <a:pPr lvl="0"/>
+            <a:r>
+              <a:rPr lang="en-US" dirty="0">
+                <a:hlinkClick r:id="rId6"/>
+              </a:rPr>
+              <a:t>RealPython</a:t>
+            </a:r>
+            <a:r>
+              <a:rPr lang="en-US" dirty="0"/>
+              <a:t> for try and except exception handling</a:t>
+            </a:r>
+            <a:endParaRPr lang="en-IN" dirty="0"/>
+          </a:p>
+          <a:p>
+            <a:pPr marL="0" lvl="0" indent="0" algn="l" rtl="0">
+              <a:spcBef>
+                <a:spcPts val="0"/>
+              </a:spcBef>
+              <a:spcAft>
+                <a:spcPts val="1600"/>
+              </a:spcAft>
+              <a:buNone/>
+            </a:pPr>
+            <a:endParaRPr dirty="0"/>
+          </a:p>
+        </p:txBody>
+      </p:sp>
+      <p:pic>
+        <p:nvPicPr>
+          <p:cNvPr id="105" name="Google Shape;105;p19"/>
+          <p:cNvPicPr preferRelativeResize="0"/>
+          <p:nvPr/>
+        </p:nvPicPr>
+        <p:blipFill>
+          <a:blip r:embed="rId7">
+            <a:alphaModFix/>
+          </a:blip>
+          <a:stretch>
+            <a:fillRect/>
+          </a:stretch>
+        </p:blipFill>
+        <p:spPr>
+          <a:xfrm>
+            <a:off x="7898868" y="152550"/>
+            <a:ext cx="1083283" cy="572699"/>
+          </a:xfrm>
+          <a:prstGeom prst="rect">
+            <a:avLst/>
+          </a:prstGeom>
+          <a:noFill/>
+          <a:ln>
+            <a:noFill/>
+          </a:ln>
+        </p:spPr>
+      </p:pic>
+      <p:pic>
+        <p:nvPicPr>
+          <p:cNvPr id="106" name="Google Shape;106;p19"/>
+          <p:cNvPicPr preferRelativeResize="0"/>
+          <p:nvPr/>
+        </p:nvPicPr>
+        <p:blipFill>
+          <a:blip r:embed="rId8">
+            <a:alphaModFix/>
+          </a:blip>
+          <a:stretch>
+            <a:fillRect/>
+          </a:stretch>
+        </p:blipFill>
+        <p:spPr>
+          <a:xfrm>
+            <a:off x="184824" y="152550"/>
+            <a:ext cx="717222" cy="572701"/>
+          </a:xfrm>
+          <a:prstGeom prst="rect">
+            <a:avLst/>
+          </a:prstGeom>
+          <a:noFill/>
+          <a:ln>
+            <a:noFill/>
+          </a:ln>
+        </p:spPr>
+      </p:pic>
+    </p:spTree>
   </p:cSld>
   <p:clrMapOvr>
     <a:masterClrMapping/>
@@ -9804,7 +16268,7 @@
             </a:r>
             <a:r>
               <a:rPr lang="en" sz="1600" dirty="0"/>
-              <a:t>1) Unit convertor</a:t>
+              <a:t>1) Unit converter</a:t>
             </a:r>
             <a:endParaRPr sz="1600" dirty="0"/>
           </a:p>
@@ -10756,7 +17220,7 @@
             </a:r>
             <a:r>
               <a:rPr lang="en-US" sz="1600" dirty="0"/>
-              <a:t>5) Number system convertor</a:t>
+              <a:t>5) Number system converter</a:t>
             </a:r>
             <a:endParaRPr sz="1600" dirty="0"/>
           </a:p>

--- a/docs/PyPptB2_5.pptx
+++ b/docs/PyPptB2_5.pptx
@@ -5,7 +5,7 @@
     <p:sldMasterId id="2147483659" r:id="rId1"/>
   </p:sldMasterIdLst>
   <p:notesMasterIdLst>
-    <p:notesMasterId r:id="rId35"/>
+    <p:notesMasterId r:id="rId37"/>
   </p:notesMasterIdLst>
   <p:sldIdLst>
     <p:sldId id="256" r:id="rId2"/>
@@ -28,19 +28,21 @@
     <p:sldId id="287" r:id="rId19"/>
     <p:sldId id="288" r:id="rId20"/>
     <p:sldId id="294" r:id="rId21"/>
-    <p:sldId id="295" r:id="rId22"/>
-    <p:sldId id="296" r:id="rId23"/>
-    <p:sldId id="297" r:id="rId24"/>
-    <p:sldId id="298" r:id="rId25"/>
-    <p:sldId id="299" r:id="rId26"/>
-    <p:sldId id="300" r:id="rId27"/>
-    <p:sldId id="301" r:id="rId28"/>
-    <p:sldId id="303" r:id="rId29"/>
-    <p:sldId id="304" r:id="rId30"/>
-    <p:sldId id="305" r:id="rId31"/>
-    <p:sldId id="292" r:id="rId32"/>
-    <p:sldId id="261" r:id="rId33"/>
-    <p:sldId id="262" r:id="rId34"/>
+    <p:sldId id="311" r:id="rId22"/>
+    <p:sldId id="295" r:id="rId23"/>
+    <p:sldId id="312" r:id="rId24"/>
+    <p:sldId id="296" r:id="rId25"/>
+    <p:sldId id="297" r:id="rId26"/>
+    <p:sldId id="298" r:id="rId27"/>
+    <p:sldId id="299" r:id="rId28"/>
+    <p:sldId id="300" r:id="rId29"/>
+    <p:sldId id="301" r:id="rId30"/>
+    <p:sldId id="303" r:id="rId31"/>
+    <p:sldId id="304" r:id="rId32"/>
+    <p:sldId id="305" r:id="rId33"/>
+    <p:sldId id="292" r:id="rId34"/>
+    <p:sldId id="261" r:id="rId35"/>
+    <p:sldId id="262" r:id="rId36"/>
   </p:sldIdLst>
   <p:sldSz cx="9144000" cy="5143500" type="screen16x9"/>
   <p:notesSz cx="6858000" cy="9144000"/>
@@ -2234,7 +2236,7 @@
     </p:spTree>
     <p:extLst>
       <p:ext uri="{BB962C8B-B14F-4D97-AF65-F5344CB8AC3E}">
-        <p14:creationId xmlns:p14="http://schemas.microsoft.com/office/powerpoint/2010/main" val="788556884"/>
+        <p14:creationId xmlns:p14="http://schemas.microsoft.com/office/powerpoint/2010/main" val="645681797"/>
       </p:ext>
     </p:extLst>
   </p:cSld>
@@ -2343,7 +2345,7 @@
     </p:spTree>
     <p:extLst>
       <p:ext uri="{BB962C8B-B14F-4D97-AF65-F5344CB8AC3E}">
-        <p14:creationId xmlns:p14="http://schemas.microsoft.com/office/powerpoint/2010/main" val="1878322315"/>
+        <p14:creationId xmlns:p14="http://schemas.microsoft.com/office/powerpoint/2010/main" val="788556884"/>
       </p:ext>
     </p:extLst>
   </p:cSld>
@@ -2452,7 +2454,7 @@
     </p:spTree>
     <p:extLst>
       <p:ext uri="{BB962C8B-B14F-4D97-AF65-F5344CB8AC3E}">
-        <p14:creationId xmlns:p14="http://schemas.microsoft.com/office/powerpoint/2010/main" val="3524514323"/>
+        <p14:creationId xmlns:p14="http://schemas.microsoft.com/office/powerpoint/2010/main" val="2468475296"/>
       </p:ext>
     </p:extLst>
   </p:cSld>
@@ -2561,7 +2563,7 @@
     </p:spTree>
     <p:extLst>
       <p:ext uri="{BB962C8B-B14F-4D97-AF65-F5344CB8AC3E}">
-        <p14:creationId xmlns:p14="http://schemas.microsoft.com/office/powerpoint/2010/main" val="447364719"/>
+        <p14:creationId xmlns:p14="http://schemas.microsoft.com/office/powerpoint/2010/main" val="1878322315"/>
       </p:ext>
     </p:extLst>
   </p:cSld>
@@ -2670,7 +2672,7 @@
     </p:spTree>
     <p:extLst>
       <p:ext uri="{BB962C8B-B14F-4D97-AF65-F5344CB8AC3E}">
-        <p14:creationId xmlns:p14="http://schemas.microsoft.com/office/powerpoint/2010/main" val="3281967869"/>
+        <p14:creationId xmlns:p14="http://schemas.microsoft.com/office/powerpoint/2010/main" val="3524514323"/>
       </p:ext>
     </p:extLst>
   </p:cSld>
@@ -2779,7 +2781,7 @@
     </p:spTree>
     <p:extLst>
       <p:ext uri="{BB962C8B-B14F-4D97-AF65-F5344CB8AC3E}">
-        <p14:creationId xmlns:p14="http://schemas.microsoft.com/office/powerpoint/2010/main" val="3600525741"/>
+        <p14:creationId xmlns:p14="http://schemas.microsoft.com/office/powerpoint/2010/main" val="447364719"/>
       </p:ext>
     </p:extLst>
   </p:cSld>
@@ -2888,7 +2890,7 @@
     </p:spTree>
     <p:extLst>
       <p:ext uri="{BB962C8B-B14F-4D97-AF65-F5344CB8AC3E}">
-        <p14:creationId xmlns:p14="http://schemas.microsoft.com/office/powerpoint/2010/main" val="4229238341"/>
+        <p14:creationId xmlns:p14="http://schemas.microsoft.com/office/powerpoint/2010/main" val="3281967869"/>
       </p:ext>
     </p:extLst>
   </p:cSld>
@@ -2997,7 +2999,7 @@
     </p:spTree>
     <p:extLst>
       <p:ext uri="{BB962C8B-B14F-4D97-AF65-F5344CB8AC3E}">
-        <p14:creationId xmlns:p14="http://schemas.microsoft.com/office/powerpoint/2010/main" val="3660717598"/>
+        <p14:creationId xmlns:p14="http://schemas.microsoft.com/office/powerpoint/2010/main" val="3600525741"/>
       </p:ext>
     </p:extLst>
   </p:cSld>
@@ -3106,7 +3108,7 @@
     </p:spTree>
     <p:extLst>
       <p:ext uri="{BB962C8B-B14F-4D97-AF65-F5344CB8AC3E}">
-        <p14:creationId xmlns:p14="http://schemas.microsoft.com/office/powerpoint/2010/main" val="613604128"/>
+        <p14:creationId xmlns:p14="http://schemas.microsoft.com/office/powerpoint/2010/main" val="4229238341"/>
       </p:ext>
     </p:extLst>
   </p:cSld>
@@ -3324,7 +3326,7 @@
     </p:spTree>
     <p:extLst>
       <p:ext uri="{BB962C8B-B14F-4D97-AF65-F5344CB8AC3E}">
-        <p14:creationId xmlns:p14="http://schemas.microsoft.com/office/powerpoint/2010/main" val="1639034757"/>
+        <p14:creationId xmlns:p14="http://schemas.microsoft.com/office/powerpoint/2010/main" val="3660717598"/>
       </p:ext>
     </p:extLst>
   </p:cSld>
@@ -3433,6 +3435,224 @@
     </p:spTree>
     <p:extLst>
       <p:ext uri="{BB962C8B-B14F-4D97-AF65-F5344CB8AC3E}">
+        <p14:creationId xmlns:p14="http://schemas.microsoft.com/office/powerpoint/2010/main" val="613604128"/>
+      </p:ext>
+    </p:extLst>
+  </p:cSld>
+  <p:clrMapOvr>
+    <a:masterClrMapping/>
+  </p:clrMapOvr>
+</p:notes>
+</file>
+
+<file path=ppt/notesSlides/notesSlide32.xml><?xml version="1.0" encoding="utf-8"?>
+<p:notes xmlns:a="http://schemas.openxmlformats.org/drawingml/2006/main" xmlns:r="http://schemas.openxmlformats.org/officeDocument/2006/relationships" xmlns:p="http://schemas.openxmlformats.org/presentationml/2006/main" showMasterSp="0" showMasterPhAnim="0">
+  <p:cSld>
+    <p:spTree>
+      <p:nvGrpSpPr>
+        <p:cNvPr id="1" name="Shape 83"/>
+        <p:cNvGrpSpPr/>
+        <p:nvPr/>
+      </p:nvGrpSpPr>
+      <p:grpSpPr>
+        <a:xfrm>
+          <a:off x="0" y="0"/>
+          <a:ext cx="0" cy="0"/>
+          <a:chOff x="0" y="0"/>
+          <a:chExt cx="0" cy="0"/>
+        </a:xfrm>
+      </p:grpSpPr>
+      <p:sp>
+        <p:nvSpPr>
+          <p:cNvPr id="84" name="Google Shape;84;g8e62892d88_0_39:notes"/>
+          <p:cNvSpPr>
+            <a:spLocks noGrp="1" noRot="1" noChangeAspect="1"/>
+          </p:cNvSpPr>
+          <p:nvPr>
+            <p:ph type="sldImg" idx="2"/>
+          </p:nvPr>
+        </p:nvSpPr>
+        <p:spPr>
+          <a:xfrm>
+            <a:off x="381000" y="685800"/>
+            <a:ext cx="6096000" cy="3429000"/>
+          </a:xfrm>
+          <a:custGeom>
+            <a:avLst/>
+            <a:gdLst/>
+            <a:ahLst/>
+            <a:cxnLst/>
+            <a:rect l="l" t="t" r="r" b="b"/>
+            <a:pathLst>
+              <a:path w="120000" h="120000" extrusionOk="0">
+                <a:moveTo>
+                  <a:pt x="0" y="0"/>
+                </a:moveTo>
+                <a:lnTo>
+                  <a:pt x="120000" y="0"/>
+                </a:lnTo>
+                <a:lnTo>
+                  <a:pt x="120000" y="120000"/>
+                </a:lnTo>
+                <a:lnTo>
+                  <a:pt x="0" y="120000"/>
+                </a:lnTo>
+                <a:close/>
+              </a:path>
+            </a:pathLst>
+          </a:custGeom>
+        </p:spPr>
+      </p:sp>
+      <p:sp>
+        <p:nvSpPr>
+          <p:cNvPr id="85" name="Google Shape;85;g8e62892d88_0_39:notes"/>
+          <p:cNvSpPr txBox="1">
+            <a:spLocks noGrp="1"/>
+          </p:cNvSpPr>
+          <p:nvPr>
+            <p:ph type="body" idx="1"/>
+          </p:nvPr>
+        </p:nvSpPr>
+        <p:spPr>
+          <a:xfrm>
+            <a:off x="685800" y="4343400"/>
+            <a:ext cx="5486400" cy="4114800"/>
+          </a:xfrm>
+          <a:prstGeom prst="rect">
+            <a:avLst/>
+          </a:prstGeom>
+        </p:spPr>
+        <p:txBody>
+          <a:bodyPr spcFirstLastPara="1" wrap="square" lIns="91425" tIns="91425" rIns="91425" bIns="91425" anchor="t" anchorCtr="0">
+            <a:noAutofit/>
+          </a:bodyPr>
+          <a:lstStyle/>
+          <a:p>
+            <a:pPr marL="0" lvl="0" indent="0" algn="l" rtl="0">
+              <a:spcBef>
+                <a:spcPts val="0"/>
+              </a:spcBef>
+              <a:spcAft>
+                <a:spcPts val="0"/>
+              </a:spcAft>
+              <a:buNone/>
+            </a:pPr>
+            <a:endParaRPr/>
+          </a:p>
+        </p:txBody>
+      </p:sp>
+    </p:spTree>
+    <p:extLst>
+      <p:ext uri="{BB962C8B-B14F-4D97-AF65-F5344CB8AC3E}">
+        <p14:creationId xmlns:p14="http://schemas.microsoft.com/office/powerpoint/2010/main" val="1639034757"/>
+      </p:ext>
+    </p:extLst>
+  </p:cSld>
+  <p:clrMapOvr>
+    <a:masterClrMapping/>
+  </p:clrMapOvr>
+</p:notes>
+</file>
+
+<file path=ppt/notesSlides/notesSlide33.xml><?xml version="1.0" encoding="utf-8"?>
+<p:notes xmlns:a="http://schemas.openxmlformats.org/drawingml/2006/main" xmlns:r="http://schemas.openxmlformats.org/officeDocument/2006/relationships" xmlns:p="http://schemas.openxmlformats.org/presentationml/2006/main" showMasterSp="0" showMasterPhAnim="0">
+  <p:cSld>
+    <p:spTree>
+      <p:nvGrpSpPr>
+        <p:cNvPr id="1" name="Shape 83"/>
+        <p:cNvGrpSpPr/>
+        <p:nvPr/>
+      </p:nvGrpSpPr>
+      <p:grpSpPr>
+        <a:xfrm>
+          <a:off x="0" y="0"/>
+          <a:ext cx="0" cy="0"/>
+          <a:chOff x="0" y="0"/>
+          <a:chExt cx="0" cy="0"/>
+        </a:xfrm>
+      </p:grpSpPr>
+      <p:sp>
+        <p:nvSpPr>
+          <p:cNvPr id="84" name="Google Shape;84;g8e62892d88_0_39:notes"/>
+          <p:cNvSpPr>
+            <a:spLocks noGrp="1" noRot="1" noChangeAspect="1"/>
+          </p:cNvSpPr>
+          <p:nvPr>
+            <p:ph type="sldImg" idx="2"/>
+          </p:nvPr>
+        </p:nvSpPr>
+        <p:spPr>
+          <a:xfrm>
+            <a:off x="381000" y="685800"/>
+            <a:ext cx="6096000" cy="3429000"/>
+          </a:xfrm>
+          <a:custGeom>
+            <a:avLst/>
+            <a:gdLst/>
+            <a:ahLst/>
+            <a:cxnLst/>
+            <a:rect l="l" t="t" r="r" b="b"/>
+            <a:pathLst>
+              <a:path w="120000" h="120000" extrusionOk="0">
+                <a:moveTo>
+                  <a:pt x="0" y="0"/>
+                </a:moveTo>
+                <a:lnTo>
+                  <a:pt x="120000" y="0"/>
+                </a:lnTo>
+                <a:lnTo>
+                  <a:pt x="120000" y="120000"/>
+                </a:lnTo>
+                <a:lnTo>
+                  <a:pt x="0" y="120000"/>
+                </a:lnTo>
+                <a:close/>
+              </a:path>
+            </a:pathLst>
+          </a:custGeom>
+        </p:spPr>
+      </p:sp>
+      <p:sp>
+        <p:nvSpPr>
+          <p:cNvPr id="85" name="Google Shape;85;g8e62892d88_0_39:notes"/>
+          <p:cNvSpPr txBox="1">
+            <a:spLocks noGrp="1"/>
+          </p:cNvSpPr>
+          <p:nvPr>
+            <p:ph type="body" idx="1"/>
+          </p:nvPr>
+        </p:nvSpPr>
+        <p:spPr>
+          <a:xfrm>
+            <a:off x="685800" y="4343400"/>
+            <a:ext cx="5486400" cy="4114800"/>
+          </a:xfrm>
+          <a:prstGeom prst="rect">
+            <a:avLst/>
+          </a:prstGeom>
+        </p:spPr>
+        <p:txBody>
+          <a:bodyPr spcFirstLastPara="1" wrap="square" lIns="91425" tIns="91425" rIns="91425" bIns="91425" anchor="t" anchorCtr="0">
+            <a:noAutofit/>
+          </a:bodyPr>
+          <a:lstStyle/>
+          <a:p>
+            <a:pPr marL="0" lvl="0" indent="0" algn="l" rtl="0">
+              <a:spcBef>
+                <a:spcPts val="0"/>
+              </a:spcBef>
+              <a:spcAft>
+                <a:spcPts val="0"/>
+              </a:spcAft>
+              <a:buNone/>
+            </a:pPr>
+            <a:endParaRPr/>
+          </a:p>
+        </p:txBody>
+      </p:sp>
+    </p:spTree>
+    <p:extLst>
+      <p:ext uri="{BB962C8B-B14F-4D97-AF65-F5344CB8AC3E}">
         <p14:creationId xmlns:p14="http://schemas.microsoft.com/office/powerpoint/2010/main" val="633737267"/>
       </p:ext>
     </p:extLst>
@@ -3443,7 +3663,7 @@
 </p:notes>
 </file>
 
-<file path=ppt/notesSlides/notesSlide32.xml><?xml version="1.0" encoding="utf-8"?>
+<file path=ppt/notesSlides/notesSlide34.xml><?xml version="1.0" encoding="utf-8"?>
 <p:notes xmlns:a="http://schemas.openxmlformats.org/drawingml/2006/main" xmlns:r="http://schemas.openxmlformats.org/officeDocument/2006/relationships" xmlns:p="http://schemas.openxmlformats.org/presentationml/2006/main" showMasterSp="0" showMasterPhAnim="0">
   <p:cSld>
     <p:spTree>
@@ -3547,7 +3767,7 @@
 </p:notes>
 </file>
 
-<file path=ppt/notesSlides/notesSlide33.xml><?xml version="1.0" encoding="utf-8"?>
+<file path=ppt/notesSlides/notesSlide35.xml><?xml version="1.0" encoding="utf-8"?>
 <p:notes xmlns:a="http://schemas.openxmlformats.org/drawingml/2006/main" xmlns:r="http://schemas.openxmlformats.org/officeDocument/2006/relationships" xmlns:p="http://schemas.openxmlformats.org/presentationml/2006/main" showMasterSp="0" showMasterPhAnim="0">
   <p:cSld>
     <p:spTree>
@@ -12219,7 +12439,7 @@
             </a:pPr>
             <a:r>
               <a:rPr lang="en" sz="1600" dirty="0"/>
-              <a:t>          Output: Largest number</a:t>
+              <a:t>          Output: Quadratic equation solver</a:t>
             </a:r>
             <a:endParaRPr sz="1600" dirty="0"/>
           </a:p>
@@ -12337,10 +12557,10 @@
       </p:pic>
       <p:pic>
         <p:nvPicPr>
-          <p:cNvPr id="4" name="Picture 3">
+          <p:cNvPr id="3" name="Picture 2">
             <a:extLst>
               <a:ext uri="{FF2B5EF4-FFF2-40B4-BE49-F238E27FC236}">
-                <a16:creationId xmlns:a16="http://schemas.microsoft.com/office/drawing/2014/main" id="{29663C6F-069D-C349-B284-59D2D97A0906}"/>
+                <a16:creationId xmlns:a16="http://schemas.microsoft.com/office/drawing/2014/main" id="{3FFD3745-9B8A-6D49-9622-ACCCD08A9192}"/>
               </a:ext>
             </a:extLst>
           </p:cNvPr>
@@ -12357,98 +12577,8 @@
         </p:blipFill>
         <p:spPr>
           <a:xfrm>
-            <a:off x="902046" y="630199"/>
-            <a:ext cx="3226259" cy="1958529"/>
-          </a:xfrm>
-          <a:prstGeom prst="rect">
-            <a:avLst/>
-          </a:prstGeom>
-        </p:spPr>
-      </p:pic>
-      <p:pic>
-        <p:nvPicPr>
-          <p:cNvPr id="6" name="Picture 5">
-            <a:extLst>
-              <a:ext uri="{FF2B5EF4-FFF2-40B4-BE49-F238E27FC236}">
-                <a16:creationId xmlns:a16="http://schemas.microsoft.com/office/drawing/2014/main" id="{77FC337B-6EF6-7945-9AA2-DD49605C95D3}"/>
-              </a:ext>
-            </a:extLst>
-          </p:cNvPr>
-          <p:cNvPicPr>
-            <a:picLocks noChangeAspect="1"/>
-          </p:cNvPicPr>
-          <p:nvPr/>
-        </p:nvPicPr>
-        <p:blipFill>
-          <a:blip r:embed="rId6"/>
-          <a:stretch>
-            <a:fillRect/>
-          </a:stretch>
-        </p:blipFill>
-        <p:spPr>
-          <a:xfrm>
-            <a:off x="4572000" y="613221"/>
-            <a:ext cx="3442970" cy="1958529"/>
-          </a:xfrm>
-          <a:prstGeom prst="rect">
-            <a:avLst/>
-          </a:prstGeom>
-        </p:spPr>
-      </p:pic>
-      <p:pic>
-        <p:nvPicPr>
-          <p:cNvPr id="8" name="Picture 7">
-            <a:extLst>
-              <a:ext uri="{FF2B5EF4-FFF2-40B4-BE49-F238E27FC236}">
-                <a16:creationId xmlns:a16="http://schemas.microsoft.com/office/drawing/2014/main" id="{34714429-84DA-4246-B4D0-62646AC7324A}"/>
-              </a:ext>
-            </a:extLst>
-          </p:cNvPr>
-          <p:cNvPicPr>
-            <a:picLocks noChangeAspect="1"/>
-          </p:cNvPicPr>
-          <p:nvPr/>
-        </p:nvPicPr>
-        <p:blipFill>
-          <a:blip r:embed="rId7"/>
-          <a:stretch>
-            <a:fillRect/>
-          </a:stretch>
-        </p:blipFill>
-        <p:spPr>
-          <a:xfrm>
-            <a:off x="815369" y="2858969"/>
-            <a:ext cx="3369860" cy="2036290"/>
-          </a:xfrm>
-          <a:prstGeom prst="rect">
-            <a:avLst/>
-          </a:prstGeom>
-        </p:spPr>
-      </p:pic>
-      <p:pic>
-        <p:nvPicPr>
-          <p:cNvPr id="10" name="Picture 9">
-            <a:extLst>
-              <a:ext uri="{FF2B5EF4-FFF2-40B4-BE49-F238E27FC236}">
-                <a16:creationId xmlns:a16="http://schemas.microsoft.com/office/drawing/2014/main" id="{C5D5DE9D-D26F-9B4F-8A93-EABD62A8B9C3}"/>
-              </a:ext>
-            </a:extLst>
-          </p:cNvPr>
-          <p:cNvPicPr>
-            <a:picLocks noChangeAspect="1"/>
-          </p:cNvPicPr>
-          <p:nvPr/>
-        </p:nvPicPr>
-        <p:blipFill>
-          <a:blip r:embed="rId8"/>
-          <a:stretch>
-            <a:fillRect/>
-          </a:stretch>
-        </p:blipFill>
-        <p:spPr>
-          <a:xfrm>
-            <a:off x="4762225" y="2763278"/>
-            <a:ext cx="3369860" cy="2227672"/>
+            <a:off x="1034683" y="1057275"/>
+            <a:ext cx="6338937" cy="3028950"/>
           </a:xfrm>
           <a:prstGeom prst="rect">
             <a:avLst/>
@@ -12458,7 +12588,7 @@
     </p:spTree>
     <p:extLst>
       <p:ext uri="{BB962C8B-B14F-4D97-AF65-F5344CB8AC3E}">
-        <p14:creationId xmlns:p14="http://schemas.microsoft.com/office/powerpoint/2010/main" val="3332238740"/>
+        <p14:creationId xmlns:p14="http://schemas.microsoft.com/office/powerpoint/2010/main" val="413523923"/>
       </p:ext>
     </p:extLst>
   </p:cSld>
@@ -12538,7 +12668,7 @@
             </a:pPr>
             <a:r>
               <a:rPr lang="en" sz="1600" dirty="0"/>
-              <a:t>          Output: Multiplication table</a:t>
+              <a:t>          Output: Largest number</a:t>
             </a:r>
             <a:endParaRPr sz="1600" dirty="0"/>
           </a:p>
@@ -12659,7 +12789,7 @@
           <p:cNvPr id="4" name="Picture 3">
             <a:extLst>
               <a:ext uri="{FF2B5EF4-FFF2-40B4-BE49-F238E27FC236}">
-                <a16:creationId xmlns:a16="http://schemas.microsoft.com/office/drawing/2014/main" id="{DAB680B4-E78F-B742-9A0F-90364581D981}"/>
+                <a16:creationId xmlns:a16="http://schemas.microsoft.com/office/drawing/2014/main" id="{29663C6F-069D-C349-B284-59D2D97A0906}"/>
               </a:ext>
             </a:extLst>
           </p:cNvPr>
@@ -12676,8 +12806,68 @@
         </p:blipFill>
         <p:spPr>
           <a:xfrm>
-            <a:off x="1142907" y="725249"/>
-            <a:ext cx="6515100" cy="4114800"/>
+            <a:off x="902046" y="725249"/>
+            <a:ext cx="3226259" cy="1958529"/>
+          </a:xfrm>
+          <a:prstGeom prst="rect">
+            <a:avLst/>
+          </a:prstGeom>
+        </p:spPr>
+      </p:pic>
+      <p:pic>
+        <p:nvPicPr>
+          <p:cNvPr id="6" name="Picture 5">
+            <a:extLst>
+              <a:ext uri="{FF2B5EF4-FFF2-40B4-BE49-F238E27FC236}">
+                <a16:creationId xmlns:a16="http://schemas.microsoft.com/office/drawing/2014/main" id="{77FC337B-6EF6-7945-9AA2-DD49605C95D3}"/>
+              </a:ext>
+            </a:extLst>
+          </p:cNvPr>
+          <p:cNvPicPr>
+            <a:picLocks noChangeAspect="1"/>
+          </p:cNvPicPr>
+          <p:nvPr/>
+        </p:nvPicPr>
+        <p:blipFill>
+          <a:blip r:embed="rId6"/>
+          <a:stretch>
+            <a:fillRect/>
+          </a:stretch>
+        </p:blipFill>
+        <p:spPr>
+          <a:xfrm>
+            <a:off x="4572000" y="725248"/>
+            <a:ext cx="3442970" cy="1958529"/>
+          </a:xfrm>
+          <a:prstGeom prst="rect">
+            <a:avLst/>
+          </a:prstGeom>
+        </p:spPr>
+      </p:pic>
+      <p:pic>
+        <p:nvPicPr>
+          <p:cNvPr id="8" name="Picture 7">
+            <a:extLst>
+              <a:ext uri="{FF2B5EF4-FFF2-40B4-BE49-F238E27FC236}">
+                <a16:creationId xmlns:a16="http://schemas.microsoft.com/office/drawing/2014/main" id="{34714429-84DA-4246-B4D0-62646AC7324A}"/>
+              </a:ext>
+            </a:extLst>
+          </p:cNvPr>
+          <p:cNvPicPr>
+            <a:picLocks noChangeAspect="1"/>
+          </p:cNvPicPr>
+          <p:nvPr/>
+        </p:nvPicPr>
+        <p:blipFill>
+          <a:blip r:embed="rId7"/>
+          <a:stretch>
+            <a:fillRect/>
+          </a:stretch>
+        </p:blipFill>
+        <p:spPr>
+          <a:xfrm>
+            <a:off x="2654329" y="2954660"/>
+            <a:ext cx="3369860" cy="2036290"/>
           </a:xfrm>
           <a:prstGeom prst="rect">
             <a:avLst/>
@@ -12687,7 +12877,7 @@
     </p:spTree>
     <p:extLst>
       <p:ext uri="{BB962C8B-B14F-4D97-AF65-F5344CB8AC3E}">
-        <p14:creationId xmlns:p14="http://schemas.microsoft.com/office/powerpoint/2010/main" val="2940635410"/>
+        <p14:creationId xmlns:p14="http://schemas.microsoft.com/office/powerpoint/2010/main" val="3332238740"/>
       </p:ext>
     </p:extLst>
   </p:cSld>
@@ -12767,7 +12957,7 @@
             </a:pPr>
             <a:r>
               <a:rPr lang="en" sz="1600" dirty="0"/>
-              <a:t>          Output: Number system converter</a:t>
+              <a:t>          Output: Largest number</a:t>
             </a:r>
             <a:endParaRPr sz="1600" dirty="0"/>
           </a:p>
@@ -12885,10 +13075,10 @@
       </p:pic>
       <p:pic>
         <p:nvPicPr>
-          <p:cNvPr id="4" name="Picture 3">
+          <p:cNvPr id="10" name="Picture 9">
             <a:extLst>
               <a:ext uri="{FF2B5EF4-FFF2-40B4-BE49-F238E27FC236}">
-                <a16:creationId xmlns:a16="http://schemas.microsoft.com/office/drawing/2014/main" id="{166B97CB-DAC2-DF4D-94CD-F1AC617DB474}"/>
+                <a16:creationId xmlns:a16="http://schemas.microsoft.com/office/drawing/2014/main" id="{C5D5DE9D-D26F-9B4F-8A93-EABD62A8B9C3}"/>
               </a:ext>
             </a:extLst>
           </p:cNvPr>
@@ -12905,8 +13095,8 @@
         </p:blipFill>
         <p:spPr>
           <a:xfrm>
-            <a:off x="4515551" y="614635"/>
-            <a:ext cx="3659504" cy="2052536"/>
+            <a:off x="4825530" y="1386446"/>
+            <a:ext cx="3940017" cy="2604579"/>
           </a:xfrm>
           <a:prstGeom prst="rect">
             <a:avLst/>
@@ -12915,10 +13105,10 @@
       </p:pic>
       <p:pic>
         <p:nvPicPr>
-          <p:cNvPr id="6" name="Picture 5">
+          <p:cNvPr id="7" name="Picture 6">
             <a:extLst>
               <a:ext uri="{FF2B5EF4-FFF2-40B4-BE49-F238E27FC236}">
-                <a16:creationId xmlns:a16="http://schemas.microsoft.com/office/drawing/2014/main" id="{9FAD90D3-A619-8A4B-804A-6A2B52DEF471}"/>
+                <a16:creationId xmlns:a16="http://schemas.microsoft.com/office/drawing/2014/main" id="{95DEEA4C-70E0-9340-B201-E2987AC15C85}"/>
               </a:ext>
             </a:extLst>
           </p:cNvPr>
@@ -12935,38 +13125,8 @@
         </p:blipFill>
         <p:spPr>
           <a:xfrm>
-            <a:off x="988378" y="643127"/>
-            <a:ext cx="3298985" cy="2052536"/>
-          </a:xfrm>
-          <a:prstGeom prst="rect">
-            <a:avLst/>
-          </a:prstGeom>
-        </p:spPr>
-      </p:pic>
-      <p:pic>
-        <p:nvPicPr>
-          <p:cNvPr id="8" name="Picture 7">
-            <a:extLst>
-              <a:ext uri="{FF2B5EF4-FFF2-40B4-BE49-F238E27FC236}">
-                <a16:creationId xmlns:a16="http://schemas.microsoft.com/office/drawing/2014/main" id="{F185F017-367E-0343-9615-255E5B1A5C1E}"/>
-              </a:ext>
-            </a:extLst>
-          </p:cNvPr>
-          <p:cNvPicPr>
-            <a:picLocks noChangeAspect="1"/>
-          </p:cNvPicPr>
-          <p:nvPr/>
-        </p:nvPicPr>
-        <p:blipFill>
-          <a:blip r:embed="rId7"/>
-          <a:stretch>
-            <a:fillRect/>
-          </a:stretch>
-        </p:blipFill>
-        <p:spPr>
-          <a:xfrm>
-            <a:off x="2569593" y="2839938"/>
-            <a:ext cx="3364230" cy="2192687"/>
+            <a:off x="631984" y="1101467"/>
+            <a:ext cx="3686488" cy="2906475"/>
           </a:xfrm>
           <a:prstGeom prst="rect">
             <a:avLst/>
@@ -12976,7 +13136,7 @@
     </p:spTree>
     <p:extLst>
       <p:ext uri="{BB962C8B-B14F-4D97-AF65-F5344CB8AC3E}">
-        <p14:creationId xmlns:p14="http://schemas.microsoft.com/office/powerpoint/2010/main" val="1670368544"/>
+        <p14:creationId xmlns:p14="http://schemas.microsoft.com/office/powerpoint/2010/main" val="3438617924"/>
       </p:ext>
     </p:extLst>
   </p:cSld>
@@ -13056,7 +13216,7 @@
             </a:pPr>
             <a:r>
               <a:rPr lang="en" sz="1600" dirty="0"/>
-              <a:t>          Output: Number system converter</a:t>
+              <a:t>          Output: Multiplication table</a:t>
             </a:r>
             <a:endParaRPr sz="1600" dirty="0"/>
           </a:p>
@@ -13177,7 +13337,7 @@
           <p:cNvPr id="4" name="Picture 3">
             <a:extLst>
               <a:ext uri="{FF2B5EF4-FFF2-40B4-BE49-F238E27FC236}">
-                <a16:creationId xmlns:a16="http://schemas.microsoft.com/office/drawing/2014/main" id="{23F8D3EC-9F9D-2B41-9569-4B0553155D6D}"/>
+                <a16:creationId xmlns:a16="http://schemas.microsoft.com/office/drawing/2014/main" id="{DAB680B4-E78F-B742-9A0F-90364581D981}"/>
               </a:ext>
             </a:extLst>
           </p:cNvPr>
@@ -13194,8 +13354,8 @@
         </p:blipFill>
         <p:spPr>
           <a:xfrm>
-            <a:off x="1051897" y="573216"/>
-            <a:ext cx="3245066" cy="2027238"/>
+            <a:off x="289109" y="1330960"/>
+            <a:ext cx="4211770" cy="2660065"/>
           </a:xfrm>
           <a:prstGeom prst="rect">
             <a:avLst/>
@@ -13204,10 +13364,10 @@
       </p:pic>
       <p:pic>
         <p:nvPicPr>
-          <p:cNvPr id="6" name="Picture 5">
+          <p:cNvPr id="3" name="Picture 2">
             <a:extLst>
               <a:ext uri="{FF2B5EF4-FFF2-40B4-BE49-F238E27FC236}">
-                <a16:creationId xmlns:a16="http://schemas.microsoft.com/office/drawing/2014/main" id="{2E52F1BE-BA3B-7142-B670-7EC047B3BEFE}"/>
+                <a16:creationId xmlns:a16="http://schemas.microsoft.com/office/drawing/2014/main" id="{DDBF8F13-2B79-334C-BE8A-A6D3C6D4AD59}"/>
               </a:ext>
             </a:extLst>
           </p:cNvPr>
@@ -13224,38 +13384,8 @@
         </p:blipFill>
         <p:spPr>
           <a:xfrm>
-            <a:off x="4450080" y="573216"/>
-            <a:ext cx="3298937" cy="2027238"/>
-          </a:xfrm>
-          <a:prstGeom prst="rect">
-            <a:avLst/>
-          </a:prstGeom>
-        </p:spPr>
-      </p:pic>
-      <p:pic>
-        <p:nvPicPr>
-          <p:cNvPr id="8" name="Picture 7">
-            <a:extLst>
-              <a:ext uri="{FF2B5EF4-FFF2-40B4-BE49-F238E27FC236}">
-                <a16:creationId xmlns:a16="http://schemas.microsoft.com/office/drawing/2014/main" id="{A100CCCD-A22C-FF40-9B6F-B9CCDA0505CF}"/>
-              </a:ext>
-            </a:extLst>
-          </p:cNvPr>
-          <p:cNvPicPr>
-            <a:picLocks noChangeAspect="1"/>
-          </p:cNvPicPr>
-          <p:nvPr/>
-        </p:nvPicPr>
-        <p:blipFill>
-          <a:blip r:embed="rId7"/>
-          <a:stretch>
-            <a:fillRect/>
-          </a:stretch>
-        </p:blipFill>
-        <p:spPr>
-          <a:xfrm>
-            <a:off x="2476687" y="2814066"/>
-            <a:ext cx="3395794" cy="2123347"/>
+            <a:off x="4643122" y="928818"/>
+            <a:ext cx="3777574" cy="3674208"/>
           </a:xfrm>
           <a:prstGeom prst="rect">
             <a:avLst/>
@@ -13265,7 +13395,7 @@
     </p:spTree>
     <p:extLst>
       <p:ext uri="{BB962C8B-B14F-4D97-AF65-F5344CB8AC3E}">
-        <p14:creationId xmlns:p14="http://schemas.microsoft.com/office/powerpoint/2010/main" val="2762737593"/>
+        <p14:creationId xmlns:p14="http://schemas.microsoft.com/office/powerpoint/2010/main" val="2940635410"/>
       </p:ext>
     </p:extLst>
   </p:cSld>
@@ -13463,10 +13593,10 @@
       </p:pic>
       <p:pic>
         <p:nvPicPr>
-          <p:cNvPr id="6" name="Picture 5">
+          <p:cNvPr id="4" name="Picture 3">
             <a:extLst>
               <a:ext uri="{FF2B5EF4-FFF2-40B4-BE49-F238E27FC236}">
-                <a16:creationId xmlns:a16="http://schemas.microsoft.com/office/drawing/2014/main" id="{08C3C754-F0EA-5042-8A9A-E005B365DFBA}"/>
+                <a16:creationId xmlns:a16="http://schemas.microsoft.com/office/drawing/2014/main" id="{166B97CB-DAC2-DF4D-94CD-F1AC617DB474}"/>
               </a:ext>
             </a:extLst>
           </p:cNvPr>
@@ -13483,8 +13613,8 @@
         </p:blipFill>
         <p:spPr>
           <a:xfrm>
-            <a:off x="4595554" y="1522324"/>
-            <a:ext cx="3844955" cy="2098851"/>
+            <a:off x="4515551" y="614635"/>
+            <a:ext cx="3659504" cy="2052536"/>
           </a:xfrm>
           <a:prstGeom prst="rect">
             <a:avLst/>
@@ -13493,10 +13623,10 @@
       </p:pic>
       <p:pic>
         <p:nvPicPr>
-          <p:cNvPr id="8" name="Picture 7">
+          <p:cNvPr id="6" name="Picture 5">
             <a:extLst>
               <a:ext uri="{FF2B5EF4-FFF2-40B4-BE49-F238E27FC236}">
-                <a16:creationId xmlns:a16="http://schemas.microsoft.com/office/drawing/2014/main" id="{D144FDB5-931A-984D-BC67-02A9F7A61FA3}"/>
+                <a16:creationId xmlns:a16="http://schemas.microsoft.com/office/drawing/2014/main" id="{9FAD90D3-A619-8A4B-804A-6A2B52DEF471}"/>
               </a:ext>
             </a:extLst>
           </p:cNvPr>
@@ -13513,8 +13643,38 @@
         </p:blipFill>
         <p:spPr>
           <a:xfrm>
-            <a:off x="602497" y="1152474"/>
-            <a:ext cx="3844955" cy="3250008"/>
+            <a:off x="988378" y="643127"/>
+            <a:ext cx="3298985" cy="2052536"/>
+          </a:xfrm>
+          <a:prstGeom prst="rect">
+            <a:avLst/>
+          </a:prstGeom>
+        </p:spPr>
+      </p:pic>
+      <p:pic>
+        <p:nvPicPr>
+          <p:cNvPr id="8" name="Picture 7">
+            <a:extLst>
+              <a:ext uri="{FF2B5EF4-FFF2-40B4-BE49-F238E27FC236}">
+                <a16:creationId xmlns:a16="http://schemas.microsoft.com/office/drawing/2014/main" id="{F185F017-367E-0343-9615-255E5B1A5C1E}"/>
+              </a:ext>
+            </a:extLst>
+          </p:cNvPr>
+          <p:cNvPicPr>
+            <a:picLocks noChangeAspect="1"/>
+          </p:cNvPicPr>
+          <p:nvPr/>
+        </p:nvPicPr>
+        <p:blipFill>
+          <a:blip r:embed="rId7"/>
+          <a:stretch>
+            <a:fillRect/>
+          </a:stretch>
+        </p:blipFill>
+        <p:spPr>
+          <a:xfrm>
+            <a:off x="2569593" y="2839938"/>
+            <a:ext cx="3364230" cy="2192687"/>
           </a:xfrm>
           <a:prstGeom prst="rect">
             <a:avLst/>
@@ -13524,7 +13684,7 @@
     </p:spTree>
     <p:extLst>
       <p:ext uri="{BB962C8B-B14F-4D97-AF65-F5344CB8AC3E}">
-        <p14:creationId xmlns:p14="http://schemas.microsoft.com/office/powerpoint/2010/main" val="967334529"/>
+        <p14:creationId xmlns:p14="http://schemas.microsoft.com/office/powerpoint/2010/main" val="1670368544"/>
       </p:ext>
     </p:extLst>
   </p:cSld>
@@ -13722,10 +13882,10 @@
       </p:pic>
       <p:pic>
         <p:nvPicPr>
-          <p:cNvPr id="2" name="Picture 1">
+          <p:cNvPr id="4" name="Picture 3">
             <a:extLst>
               <a:ext uri="{FF2B5EF4-FFF2-40B4-BE49-F238E27FC236}">
-                <a16:creationId xmlns:a16="http://schemas.microsoft.com/office/drawing/2014/main" id="{659C33EC-CD84-1943-B8AA-1948BB18B378}"/>
+                <a16:creationId xmlns:a16="http://schemas.microsoft.com/office/drawing/2014/main" id="{23F8D3EC-9F9D-2B41-9569-4B0553155D6D}"/>
               </a:ext>
             </a:extLst>
           </p:cNvPr>
@@ -13742,8 +13902,8 @@
         </p:blipFill>
         <p:spPr>
           <a:xfrm>
-            <a:off x="0" y="0"/>
-            <a:ext cx="9144000" cy="5143500"/>
+            <a:off x="1051897" y="573216"/>
+            <a:ext cx="3245066" cy="2027238"/>
           </a:xfrm>
           <a:prstGeom prst="rect">
             <a:avLst/>
@@ -13752,10 +13912,10 @@
       </p:pic>
       <p:pic>
         <p:nvPicPr>
-          <p:cNvPr id="7" name="Picture 6">
+          <p:cNvPr id="6" name="Picture 5">
             <a:extLst>
               <a:ext uri="{FF2B5EF4-FFF2-40B4-BE49-F238E27FC236}">
-                <a16:creationId xmlns:a16="http://schemas.microsoft.com/office/drawing/2014/main" id="{9DC7CF5B-1AAC-7741-B535-19302EDD8E81}"/>
+                <a16:creationId xmlns:a16="http://schemas.microsoft.com/office/drawing/2014/main" id="{2E52F1BE-BA3B-7142-B670-7EC047B3BEFE}"/>
               </a:ext>
             </a:extLst>
           </p:cNvPr>
@@ -13772,8 +13932,38 @@
         </p:blipFill>
         <p:spPr>
           <a:xfrm>
-            <a:off x="746760" y="877799"/>
-            <a:ext cx="7650480" cy="4078621"/>
+            <a:off x="4450080" y="573216"/>
+            <a:ext cx="3298937" cy="2027238"/>
+          </a:xfrm>
+          <a:prstGeom prst="rect">
+            <a:avLst/>
+          </a:prstGeom>
+        </p:spPr>
+      </p:pic>
+      <p:pic>
+        <p:nvPicPr>
+          <p:cNvPr id="8" name="Picture 7">
+            <a:extLst>
+              <a:ext uri="{FF2B5EF4-FFF2-40B4-BE49-F238E27FC236}">
+                <a16:creationId xmlns:a16="http://schemas.microsoft.com/office/drawing/2014/main" id="{A100CCCD-A22C-FF40-9B6F-B9CCDA0505CF}"/>
+              </a:ext>
+            </a:extLst>
+          </p:cNvPr>
+          <p:cNvPicPr>
+            <a:picLocks noChangeAspect="1"/>
+          </p:cNvPicPr>
+          <p:nvPr/>
+        </p:nvPicPr>
+        <p:blipFill>
+          <a:blip r:embed="rId7"/>
+          <a:stretch>
+            <a:fillRect/>
+          </a:stretch>
+        </p:blipFill>
+        <p:spPr>
+          <a:xfrm>
+            <a:off x="2476687" y="2814066"/>
+            <a:ext cx="3395794" cy="2123347"/>
           </a:xfrm>
           <a:prstGeom prst="rect">
             <a:avLst/>
@@ -13783,7 +13973,7 @@
     </p:spTree>
     <p:extLst>
       <p:ext uri="{BB962C8B-B14F-4D97-AF65-F5344CB8AC3E}">
-        <p14:creationId xmlns:p14="http://schemas.microsoft.com/office/powerpoint/2010/main" val="591684202"/>
+        <p14:creationId xmlns:p14="http://schemas.microsoft.com/office/powerpoint/2010/main" val="2762737593"/>
       </p:ext>
     </p:extLst>
   </p:cSld>
@@ -13863,7 +14053,7 @@
             </a:pPr>
             <a:r>
               <a:rPr lang="en" sz="1600" dirty="0"/>
-              <a:t>          Output: Basic math operations</a:t>
+              <a:t>          Output: Number system converter</a:t>
             </a:r>
             <a:endParaRPr sz="1600" dirty="0"/>
           </a:p>
@@ -13981,10 +14171,10 @@
       </p:pic>
       <p:pic>
         <p:nvPicPr>
-          <p:cNvPr id="4" name="Picture 3">
+          <p:cNvPr id="6" name="Picture 5">
             <a:extLst>
               <a:ext uri="{FF2B5EF4-FFF2-40B4-BE49-F238E27FC236}">
-                <a16:creationId xmlns:a16="http://schemas.microsoft.com/office/drawing/2014/main" id="{926C84DF-ED92-7944-AEE9-0B3E2A32D01A}"/>
+                <a16:creationId xmlns:a16="http://schemas.microsoft.com/office/drawing/2014/main" id="{08C3C754-F0EA-5042-8A9A-E005B365DFBA}"/>
               </a:ext>
             </a:extLst>
           </p:cNvPr>
@@ -14001,8 +14191,8 @@
         </p:blipFill>
         <p:spPr>
           <a:xfrm>
-            <a:off x="184824" y="1341120"/>
-            <a:ext cx="2733607" cy="2307590"/>
+            <a:off x="2438272" y="3106603"/>
+            <a:ext cx="3451998" cy="1884347"/>
           </a:xfrm>
           <a:prstGeom prst="rect">
             <a:avLst/>
@@ -14011,10 +14201,10 @@
       </p:pic>
       <p:pic>
         <p:nvPicPr>
-          <p:cNvPr id="6" name="Picture 5">
+          <p:cNvPr id="8" name="Picture 7">
             <a:extLst>
               <a:ext uri="{FF2B5EF4-FFF2-40B4-BE49-F238E27FC236}">
-                <a16:creationId xmlns:a16="http://schemas.microsoft.com/office/drawing/2014/main" id="{F0923910-FA8D-854F-86AE-322254F4F26A}"/>
+                <a16:creationId xmlns:a16="http://schemas.microsoft.com/office/drawing/2014/main" id="{D144FDB5-931A-984D-BC67-02A9F7A61FA3}"/>
               </a:ext>
             </a:extLst>
           </p:cNvPr>
@@ -14031,8 +14221,8 @@
         </p:blipFill>
         <p:spPr>
           <a:xfrm>
-            <a:off x="3036764" y="1341120"/>
-            <a:ext cx="2822431" cy="2307590"/>
+            <a:off x="1253351" y="573170"/>
+            <a:ext cx="2975735" cy="2515286"/>
           </a:xfrm>
           <a:prstGeom prst="rect">
             <a:avLst/>
@@ -14041,10 +14231,10 @@
       </p:pic>
       <p:pic>
         <p:nvPicPr>
-          <p:cNvPr id="8" name="Picture 7">
+          <p:cNvPr id="5" name="Picture 4">
             <a:extLst>
               <a:ext uri="{FF2B5EF4-FFF2-40B4-BE49-F238E27FC236}">
-                <a16:creationId xmlns:a16="http://schemas.microsoft.com/office/drawing/2014/main" id="{7ECFF5F4-F71D-1740-AA7F-F0FF0189A6B7}"/>
+                <a16:creationId xmlns:a16="http://schemas.microsoft.com/office/drawing/2014/main" id="{5854839E-A4A9-264A-83CD-7EA600299F8A}"/>
               </a:ext>
             </a:extLst>
           </p:cNvPr>
@@ -14061,8 +14251,8 @@
         </p:blipFill>
         <p:spPr>
           <a:xfrm>
-            <a:off x="5977528" y="1341120"/>
-            <a:ext cx="3019698" cy="2307590"/>
+            <a:off x="4510128" y="536877"/>
+            <a:ext cx="2760283" cy="2551579"/>
           </a:xfrm>
           <a:prstGeom prst="rect">
             <a:avLst/>
@@ -14072,7 +14262,7 @@
     </p:spTree>
     <p:extLst>
       <p:ext uri="{BB962C8B-B14F-4D97-AF65-F5344CB8AC3E}">
-        <p14:creationId xmlns:p14="http://schemas.microsoft.com/office/powerpoint/2010/main" val="3773873897"/>
+        <p14:creationId xmlns:p14="http://schemas.microsoft.com/office/powerpoint/2010/main" val="967334529"/>
       </p:ext>
     </p:extLst>
   </p:cSld>
@@ -14152,7 +14342,7 @@
             </a:pPr>
             <a:r>
               <a:rPr lang="en" sz="1600" dirty="0"/>
-              <a:t>          Output: Basic math operations</a:t>
+              <a:t>          Output: Number system converter</a:t>
             </a:r>
             <a:endParaRPr sz="1600" dirty="0"/>
           </a:p>
@@ -14270,10 +14460,10 @@
       </p:pic>
       <p:pic>
         <p:nvPicPr>
-          <p:cNvPr id="4" name="Picture 3">
+          <p:cNvPr id="2" name="Picture 1">
             <a:extLst>
               <a:ext uri="{FF2B5EF4-FFF2-40B4-BE49-F238E27FC236}">
-                <a16:creationId xmlns:a16="http://schemas.microsoft.com/office/drawing/2014/main" id="{F4319544-5EA6-F242-A9C7-4208D2935E8A}"/>
+                <a16:creationId xmlns:a16="http://schemas.microsoft.com/office/drawing/2014/main" id="{659C33EC-CD84-1943-B8AA-1948BB18B378}"/>
               </a:ext>
             </a:extLst>
           </p:cNvPr>
@@ -14290,8 +14480,8 @@
         </p:blipFill>
         <p:spPr>
           <a:xfrm>
-            <a:off x="184824" y="1262799"/>
-            <a:ext cx="4636220" cy="3094088"/>
+            <a:off x="0" y="0"/>
+            <a:ext cx="9144000" cy="5143500"/>
           </a:xfrm>
           <a:prstGeom prst="rect">
             <a:avLst/>
@@ -14300,10 +14490,10 @@
       </p:pic>
       <p:pic>
         <p:nvPicPr>
-          <p:cNvPr id="8" name="Picture 7">
+          <p:cNvPr id="7" name="Picture 6">
             <a:extLst>
               <a:ext uri="{FF2B5EF4-FFF2-40B4-BE49-F238E27FC236}">
-                <a16:creationId xmlns:a16="http://schemas.microsoft.com/office/drawing/2014/main" id="{1685AFE0-CAE9-AE47-935E-25CA78EE400D}"/>
+                <a16:creationId xmlns:a16="http://schemas.microsoft.com/office/drawing/2014/main" id="{9DC7CF5B-1AAC-7741-B535-19302EDD8E81}"/>
               </a:ext>
             </a:extLst>
           </p:cNvPr>
@@ -14320,8 +14510,8 @@
         </p:blipFill>
         <p:spPr>
           <a:xfrm>
-            <a:off x="4935027" y="1262799"/>
-            <a:ext cx="3897273" cy="3094088"/>
+            <a:off x="773132" y="818109"/>
+            <a:ext cx="7597736" cy="4050503"/>
           </a:xfrm>
           <a:prstGeom prst="rect">
             <a:avLst/>
@@ -14331,7 +14521,7 @@
     </p:spTree>
     <p:extLst>
       <p:ext uri="{BB962C8B-B14F-4D97-AF65-F5344CB8AC3E}">
-        <p14:creationId xmlns:p14="http://schemas.microsoft.com/office/powerpoint/2010/main" val="518910889"/>
+        <p14:creationId xmlns:p14="http://schemas.microsoft.com/office/powerpoint/2010/main" val="591684202"/>
       </p:ext>
     </p:extLst>
   </p:cSld>
@@ -14532,7 +14722,7 @@
           <p:cNvPr id="4" name="Picture 3">
             <a:extLst>
               <a:ext uri="{FF2B5EF4-FFF2-40B4-BE49-F238E27FC236}">
-                <a16:creationId xmlns:a16="http://schemas.microsoft.com/office/drawing/2014/main" id="{2EC1BC0B-25F8-A042-9BE8-BC1337E7B384}"/>
+                <a16:creationId xmlns:a16="http://schemas.microsoft.com/office/drawing/2014/main" id="{926C84DF-ED92-7944-AEE9-0B3E2A32D01A}"/>
               </a:ext>
             </a:extLst>
           </p:cNvPr>
@@ -14549,8 +14739,68 @@
         </p:blipFill>
         <p:spPr>
           <a:xfrm>
-            <a:off x="902046" y="685510"/>
-            <a:ext cx="7342312" cy="4305440"/>
+            <a:off x="184824" y="1341120"/>
+            <a:ext cx="2733607" cy="2307590"/>
+          </a:xfrm>
+          <a:prstGeom prst="rect">
+            <a:avLst/>
+          </a:prstGeom>
+        </p:spPr>
+      </p:pic>
+      <p:pic>
+        <p:nvPicPr>
+          <p:cNvPr id="6" name="Picture 5">
+            <a:extLst>
+              <a:ext uri="{FF2B5EF4-FFF2-40B4-BE49-F238E27FC236}">
+                <a16:creationId xmlns:a16="http://schemas.microsoft.com/office/drawing/2014/main" id="{F0923910-FA8D-854F-86AE-322254F4F26A}"/>
+              </a:ext>
+            </a:extLst>
+          </p:cNvPr>
+          <p:cNvPicPr>
+            <a:picLocks noChangeAspect="1"/>
+          </p:cNvPicPr>
+          <p:nvPr/>
+        </p:nvPicPr>
+        <p:blipFill>
+          <a:blip r:embed="rId6"/>
+          <a:stretch>
+            <a:fillRect/>
+          </a:stretch>
+        </p:blipFill>
+        <p:spPr>
+          <a:xfrm>
+            <a:off x="3036764" y="1341120"/>
+            <a:ext cx="2822431" cy="2307590"/>
+          </a:xfrm>
+          <a:prstGeom prst="rect">
+            <a:avLst/>
+          </a:prstGeom>
+        </p:spPr>
+      </p:pic>
+      <p:pic>
+        <p:nvPicPr>
+          <p:cNvPr id="8" name="Picture 7">
+            <a:extLst>
+              <a:ext uri="{FF2B5EF4-FFF2-40B4-BE49-F238E27FC236}">
+                <a16:creationId xmlns:a16="http://schemas.microsoft.com/office/drawing/2014/main" id="{7ECFF5F4-F71D-1740-AA7F-F0FF0189A6B7}"/>
+              </a:ext>
+            </a:extLst>
+          </p:cNvPr>
+          <p:cNvPicPr>
+            <a:picLocks noChangeAspect="1"/>
+          </p:cNvPicPr>
+          <p:nvPr/>
+        </p:nvPicPr>
+        <p:blipFill>
+          <a:blip r:embed="rId7"/>
+          <a:stretch>
+            <a:fillRect/>
+          </a:stretch>
+        </p:blipFill>
+        <p:spPr>
+          <a:xfrm>
+            <a:off x="5977528" y="1341120"/>
+            <a:ext cx="3019698" cy="2307590"/>
           </a:xfrm>
           <a:prstGeom prst="rect">
             <a:avLst/>
@@ -14560,7 +14810,7 @@
     </p:spTree>
     <p:extLst>
       <p:ext uri="{BB962C8B-B14F-4D97-AF65-F5344CB8AC3E}">
-        <p14:creationId xmlns:p14="http://schemas.microsoft.com/office/powerpoint/2010/main" val="2138954256"/>
+        <p14:creationId xmlns:p14="http://schemas.microsoft.com/office/powerpoint/2010/main" val="3773873897"/>
       </p:ext>
     </p:extLst>
   </p:cSld>
@@ -14977,7 +15227,7 @@
             </a:pPr>
             <a:r>
               <a:rPr lang="en" sz="1600" dirty="0"/>
-              <a:t>          Output: Divisibility test</a:t>
+              <a:t>          Output: Basic math operations</a:t>
             </a:r>
             <a:endParaRPr sz="1600" dirty="0"/>
           </a:p>
@@ -15098,7 +15348,7 @@
           <p:cNvPr id="4" name="Picture 3">
             <a:extLst>
               <a:ext uri="{FF2B5EF4-FFF2-40B4-BE49-F238E27FC236}">
-                <a16:creationId xmlns:a16="http://schemas.microsoft.com/office/drawing/2014/main" id="{003DC8D3-1E14-984A-9037-104EF19DECC4}"/>
+                <a16:creationId xmlns:a16="http://schemas.microsoft.com/office/drawing/2014/main" id="{F4319544-5EA6-F242-A9C7-4208D2935E8A}"/>
               </a:ext>
             </a:extLst>
           </p:cNvPr>
@@ -15115,8 +15365,8 @@
         </p:blipFill>
         <p:spPr>
           <a:xfrm>
-            <a:off x="2457312" y="2709407"/>
-            <a:ext cx="4399843" cy="2308829"/>
+            <a:off x="184824" y="1262799"/>
+            <a:ext cx="4636220" cy="3094088"/>
           </a:xfrm>
           <a:prstGeom prst="rect">
             <a:avLst/>
@@ -15125,10 +15375,10 @@
       </p:pic>
       <p:pic>
         <p:nvPicPr>
-          <p:cNvPr id="6" name="Picture 5">
+          <p:cNvPr id="8" name="Picture 7">
             <a:extLst>
               <a:ext uri="{FF2B5EF4-FFF2-40B4-BE49-F238E27FC236}">
-                <a16:creationId xmlns:a16="http://schemas.microsoft.com/office/drawing/2014/main" id="{A9454F91-2AAC-994C-B4A7-44618C24B787}"/>
+                <a16:creationId xmlns:a16="http://schemas.microsoft.com/office/drawing/2014/main" id="{1685AFE0-CAE9-AE47-935E-25CA78EE400D}"/>
               </a:ext>
             </a:extLst>
           </p:cNvPr>
@@ -15145,8 +15395,8 @@
         </p:blipFill>
         <p:spPr>
           <a:xfrm>
-            <a:off x="2457312" y="541826"/>
-            <a:ext cx="4399843" cy="2070514"/>
+            <a:off x="4935027" y="1262799"/>
+            <a:ext cx="3897273" cy="3094088"/>
           </a:xfrm>
           <a:prstGeom prst="rect">
             <a:avLst/>
@@ -15156,7 +15406,7 @@
     </p:spTree>
     <p:extLst>
       <p:ext uri="{BB962C8B-B14F-4D97-AF65-F5344CB8AC3E}">
-        <p14:creationId xmlns:p14="http://schemas.microsoft.com/office/powerpoint/2010/main" val="2413328204"/>
+        <p14:creationId xmlns:p14="http://schemas.microsoft.com/office/powerpoint/2010/main" val="518910889"/>
       </p:ext>
     </p:extLst>
   </p:cSld>
@@ -15236,6 +15486,494 @@
             </a:pPr>
             <a:r>
               <a:rPr lang="en" sz="1600" dirty="0"/>
+              <a:t>          Output: Basic math operations</a:t>
+            </a:r>
+            <a:endParaRPr sz="1600" dirty="0"/>
+          </a:p>
+          <a:p>
+            <a:pPr marL="0" lvl="0" indent="0" algn="ctr" rtl="0">
+              <a:spcBef>
+                <a:spcPts val="0"/>
+              </a:spcBef>
+              <a:spcAft>
+                <a:spcPts val="0"/>
+              </a:spcAft>
+              <a:buNone/>
+            </a:pPr>
+            <a:endParaRPr sz="1800" dirty="0"/>
+          </a:p>
+        </p:txBody>
+      </p:sp>
+      <p:sp>
+        <p:nvSpPr>
+          <p:cNvPr id="88" name="Google Shape;88;p17"/>
+          <p:cNvSpPr txBox="1">
+            <a:spLocks noGrp="1"/>
+          </p:cNvSpPr>
+          <p:nvPr>
+            <p:ph type="body" idx="1"/>
+          </p:nvPr>
+        </p:nvSpPr>
+        <p:spPr>
+          <a:xfrm>
+            <a:off x="311700" y="1152475"/>
+            <a:ext cx="8520600" cy="3908256"/>
+          </a:xfrm>
+          <a:prstGeom prst="rect">
+            <a:avLst/>
+          </a:prstGeom>
+        </p:spPr>
+        <p:txBody>
+          <a:bodyPr spcFirstLastPara="1" wrap="square" lIns="91425" tIns="91425" rIns="91425" bIns="91425" anchor="t" anchorCtr="0">
+            <a:noAutofit/>
+          </a:bodyPr>
+          <a:lstStyle/>
+          <a:p>
+            <a:pPr marL="0" lvl="0" indent="0" algn="l" rtl="0">
+              <a:spcBef>
+                <a:spcPts val="1600"/>
+              </a:spcBef>
+              <a:spcAft>
+                <a:spcPts val="1600"/>
+              </a:spcAft>
+              <a:buNone/>
+            </a:pPr>
+            <a:r>
+              <a:rPr lang="en-US" dirty="0"/>
+              <a:t>          </a:t>
+            </a:r>
+            <a:endParaRPr dirty="0"/>
+          </a:p>
+        </p:txBody>
+      </p:sp>
+      <p:pic>
+        <p:nvPicPr>
+          <p:cNvPr id="89" name="Google Shape;89;p17"/>
+          <p:cNvPicPr preferRelativeResize="0"/>
+          <p:nvPr/>
+        </p:nvPicPr>
+        <p:blipFill>
+          <a:blip r:embed="rId3">
+            <a:alphaModFix/>
+          </a:blip>
+          <a:stretch>
+            <a:fillRect/>
+          </a:stretch>
+        </p:blipFill>
+        <p:spPr>
+          <a:xfrm>
+            <a:off x="7898868" y="152550"/>
+            <a:ext cx="1083283" cy="572699"/>
+          </a:xfrm>
+          <a:prstGeom prst="rect">
+            <a:avLst/>
+          </a:prstGeom>
+          <a:noFill/>
+          <a:ln>
+            <a:noFill/>
+          </a:ln>
+        </p:spPr>
+      </p:pic>
+      <p:pic>
+        <p:nvPicPr>
+          <p:cNvPr id="90" name="Google Shape;90;p17"/>
+          <p:cNvPicPr preferRelativeResize="0"/>
+          <p:nvPr/>
+        </p:nvPicPr>
+        <p:blipFill>
+          <a:blip r:embed="rId4">
+            <a:alphaModFix/>
+          </a:blip>
+          <a:stretch>
+            <a:fillRect/>
+          </a:stretch>
+        </p:blipFill>
+        <p:spPr>
+          <a:xfrm>
+            <a:off x="184824" y="152550"/>
+            <a:ext cx="717222" cy="572701"/>
+          </a:xfrm>
+          <a:prstGeom prst="rect">
+            <a:avLst/>
+          </a:prstGeom>
+          <a:noFill/>
+          <a:ln>
+            <a:noFill/>
+          </a:ln>
+        </p:spPr>
+      </p:pic>
+      <p:pic>
+        <p:nvPicPr>
+          <p:cNvPr id="4" name="Picture 3">
+            <a:extLst>
+              <a:ext uri="{FF2B5EF4-FFF2-40B4-BE49-F238E27FC236}">
+                <a16:creationId xmlns:a16="http://schemas.microsoft.com/office/drawing/2014/main" id="{2EC1BC0B-25F8-A042-9BE8-BC1337E7B384}"/>
+              </a:ext>
+            </a:extLst>
+          </p:cNvPr>
+          <p:cNvPicPr>
+            <a:picLocks noChangeAspect="1"/>
+          </p:cNvPicPr>
+          <p:nvPr/>
+        </p:nvPicPr>
+        <p:blipFill>
+          <a:blip r:embed="rId5"/>
+          <a:stretch>
+            <a:fillRect/>
+          </a:stretch>
+        </p:blipFill>
+        <p:spPr>
+          <a:xfrm>
+            <a:off x="902046" y="685510"/>
+            <a:ext cx="7342312" cy="4305440"/>
+          </a:xfrm>
+          <a:prstGeom prst="rect">
+            <a:avLst/>
+          </a:prstGeom>
+        </p:spPr>
+      </p:pic>
+    </p:spTree>
+    <p:extLst>
+      <p:ext uri="{BB962C8B-B14F-4D97-AF65-F5344CB8AC3E}">
+        <p14:creationId xmlns:p14="http://schemas.microsoft.com/office/powerpoint/2010/main" val="2138954256"/>
+      </p:ext>
+    </p:extLst>
+  </p:cSld>
+  <p:clrMapOvr>
+    <a:masterClrMapping/>
+  </p:clrMapOvr>
+  <mc:AlternateContent xmlns:mc="http://schemas.openxmlformats.org/markup-compatibility/2006" xmlns:p159="http://schemas.microsoft.com/office/powerpoint/2015/09/main">
+    <mc:Choice Requires="p159">
+      <p:transition xmlns:p14="http://schemas.microsoft.com/office/powerpoint/2010/main" spd="slow" p14:dur="2000">
+        <p159:morph option="byObject"/>
+      </p:transition>
+    </mc:Choice>
+    <mc:Fallback xmlns="">
+      <p:transition spd="slow">
+        <p:fade/>
+      </p:transition>
+    </mc:Fallback>
+  </mc:AlternateContent>
+</p:sld>
+</file>
+
+<file path=ppt/slides/slide32.xml><?xml version="1.0" encoding="utf-8"?>
+<p:sld xmlns:a="http://schemas.openxmlformats.org/drawingml/2006/main" xmlns:r="http://schemas.openxmlformats.org/officeDocument/2006/relationships" xmlns:p="http://schemas.openxmlformats.org/presentationml/2006/main">
+  <p:cSld>
+    <p:spTree>
+      <p:nvGrpSpPr>
+        <p:cNvPr id="1" name="Shape 86"/>
+        <p:cNvGrpSpPr/>
+        <p:nvPr/>
+      </p:nvGrpSpPr>
+      <p:grpSpPr>
+        <a:xfrm>
+          <a:off x="0" y="0"/>
+          <a:ext cx="0" cy="0"/>
+          <a:chOff x="0" y="0"/>
+          <a:chExt cx="0" cy="0"/>
+        </a:xfrm>
+      </p:grpSpPr>
+      <p:sp>
+        <p:nvSpPr>
+          <p:cNvPr id="87" name="Google Shape;87;p17"/>
+          <p:cNvSpPr txBox="1">
+            <a:spLocks noGrp="1"/>
+          </p:cNvSpPr>
+          <p:nvPr>
+            <p:ph type="title"/>
+          </p:nvPr>
+        </p:nvSpPr>
+        <p:spPr>
+          <a:xfrm>
+            <a:off x="311700" y="152550"/>
+            <a:ext cx="8520600" cy="572700"/>
+          </a:xfrm>
+          <a:prstGeom prst="rect">
+            <a:avLst/>
+          </a:prstGeom>
+        </p:spPr>
+        <p:txBody>
+          <a:bodyPr spcFirstLastPara="1" wrap="square" lIns="91425" tIns="91425" rIns="91425" bIns="91425" anchor="t" anchorCtr="0">
+            <a:noAutofit/>
+          </a:bodyPr>
+          <a:lstStyle/>
+          <a:p>
+            <a:pPr marL="0" lvl="0" indent="0" rtl="0">
+              <a:spcBef>
+                <a:spcPts val="0"/>
+              </a:spcBef>
+              <a:spcAft>
+                <a:spcPts val="0"/>
+              </a:spcAft>
+              <a:buClr>
+                <a:schemeClr val="dk1"/>
+              </a:buClr>
+              <a:buSzPts val="1100"/>
+              <a:buFont typeface="Arial"/>
+              <a:buNone/>
+            </a:pPr>
+            <a:r>
+              <a:rPr lang="en" sz="1600" dirty="0"/>
+              <a:t>          Output: Divisibility test</a:t>
+            </a:r>
+            <a:endParaRPr sz="1600" dirty="0"/>
+          </a:p>
+          <a:p>
+            <a:pPr marL="0" lvl="0" indent="0" algn="ctr" rtl="0">
+              <a:spcBef>
+                <a:spcPts val="0"/>
+              </a:spcBef>
+              <a:spcAft>
+                <a:spcPts val="0"/>
+              </a:spcAft>
+              <a:buNone/>
+            </a:pPr>
+            <a:endParaRPr sz="1800" dirty="0"/>
+          </a:p>
+        </p:txBody>
+      </p:sp>
+      <p:sp>
+        <p:nvSpPr>
+          <p:cNvPr id="88" name="Google Shape;88;p17"/>
+          <p:cNvSpPr txBox="1">
+            <a:spLocks noGrp="1"/>
+          </p:cNvSpPr>
+          <p:nvPr>
+            <p:ph type="body" idx="1"/>
+          </p:nvPr>
+        </p:nvSpPr>
+        <p:spPr>
+          <a:xfrm>
+            <a:off x="311700" y="1152475"/>
+            <a:ext cx="8520600" cy="3908256"/>
+          </a:xfrm>
+          <a:prstGeom prst="rect">
+            <a:avLst/>
+          </a:prstGeom>
+        </p:spPr>
+        <p:txBody>
+          <a:bodyPr spcFirstLastPara="1" wrap="square" lIns="91425" tIns="91425" rIns="91425" bIns="91425" anchor="t" anchorCtr="0">
+            <a:noAutofit/>
+          </a:bodyPr>
+          <a:lstStyle/>
+          <a:p>
+            <a:pPr marL="0" lvl="0" indent="0" algn="l" rtl="0">
+              <a:spcBef>
+                <a:spcPts val="1600"/>
+              </a:spcBef>
+              <a:spcAft>
+                <a:spcPts val="1600"/>
+              </a:spcAft>
+              <a:buNone/>
+            </a:pPr>
+            <a:r>
+              <a:rPr lang="en-US" dirty="0"/>
+              <a:t>          </a:t>
+            </a:r>
+            <a:endParaRPr dirty="0"/>
+          </a:p>
+        </p:txBody>
+      </p:sp>
+      <p:pic>
+        <p:nvPicPr>
+          <p:cNvPr id="89" name="Google Shape;89;p17"/>
+          <p:cNvPicPr preferRelativeResize="0"/>
+          <p:nvPr/>
+        </p:nvPicPr>
+        <p:blipFill>
+          <a:blip r:embed="rId3">
+            <a:alphaModFix/>
+          </a:blip>
+          <a:stretch>
+            <a:fillRect/>
+          </a:stretch>
+        </p:blipFill>
+        <p:spPr>
+          <a:xfrm>
+            <a:off x="7898868" y="152550"/>
+            <a:ext cx="1083283" cy="572699"/>
+          </a:xfrm>
+          <a:prstGeom prst="rect">
+            <a:avLst/>
+          </a:prstGeom>
+          <a:noFill/>
+          <a:ln>
+            <a:noFill/>
+          </a:ln>
+        </p:spPr>
+      </p:pic>
+      <p:pic>
+        <p:nvPicPr>
+          <p:cNvPr id="90" name="Google Shape;90;p17"/>
+          <p:cNvPicPr preferRelativeResize="0"/>
+          <p:nvPr/>
+        </p:nvPicPr>
+        <p:blipFill>
+          <a:blip r:embed="rId4">
+            <a:alphaModFix/>
+          </a:blip>
+          <a:stretch>
+            <a:fillRect/>
+          </a:stretch>
+        </p:blipFill>
+        <p:spPr>
+          <a:xfrm>
+            <a:off x="184824" y="152550"/>
+            <a:ext cx="717222" cy="572701"/>
+          </a:xfrm>
+          <a:prstGeom prst="rect">
+            <a:avLst/>
+          </a:prstGeom>
+          <a:noFill/>
+          <a:ln>
+            <a:noFill/>
+          </a:ln>
+        </p:spPr>
+      </p:pic>
+      <p:pic>
+        <p:nvPicPr>
+          <p:cNvPr id="4" name="Picture 3">
+            <a:extLst>
+              <a:ext uri="{FF2B5EF4-FFF2-40B4-BE49-F238E27FC236}">
+                <a16:creationId xmlns:a16="http://schemas.microsoft.com/office/drawing/2014/main" id="{003DC8D3-1E14-984A-9037-104EF19DECC4}"/>
+              </a:ext>
+            </a:extLst>
+          </p:cNvPr>
+          <p:cNvPicPr>
+            <a:picLocks noChangeAspect="1"/>
+          </p:cNvPicPr>
+          <p:nvPr/>
+        </p:nvPicPr>
+        <p:blipFill>
+          <a:blip r:embed="rId5"/>
+          <a:stretch>
+            <a:fillRect/>
+          </a:stretch>
+        </p:blipFill>
+        <p:spPr>
+          <a:xfrm>
+            <a:off x="2457312" y="2709407"/>
+            <a:ext cx="4399843" cy="2308829"/>
+          </a:xfrm>
+          <a:prstGeom prst="rect">
+            <a:avLst/>
+          </a:prstGeom>
+        </p:spPr>
+      </p:pic>
+      <p:pic>
+        <p:nvPicPr>
+          <p:cNvPr id="6" name="Picture 5">
+            <a:extLst>
+              <a:ext uri="{FF2B5EF4-FFF2-40B4-BE49-F238E27FC236}">
+                <a16:creationId xmlns:a16="http://schemas.microsoft.com/office/drawing/2014/main" id="{A9454F91-2AAC-994C-B4A7-44618C24B787}"/>
+              </a:ext>
+            </a:extLst>
+          </p:cNvPr>
+          <p:cNvPicPr>
+            <a:picLocks noChangeAspect="1"/>
+          </p:cNvPicPr>
+          <p:nvPr/>
+        </p:nvPicPr>
+        <p:blipFill>
+          <a:blip r:embed="rId6"/>
+          <a:stretch>
+            <a:fillRect/>
+          </a:stretch>
+        </p:blipFill>
+        <p:spPr>
+          <a:xfrm>
+            <a:off x="2457312" y="541826"/>
+            <a:ext cx="4399843" cy="2070514"/>
+          </a:xfrm>
+          <a:prstGeom prst="rect">
+            <a:avLst/>
+          </a:prstGeom>
+        </p:spPr>
+      </p:pic>
+    </p:spTree>
+    <p:extLst>
+      <p:ext uri="{BB962C8B-B14F-4D97-AF65-F5344CB8AC3E}">
+        <p14:creationId xmlns:p14="http://schemas.microsoft.com/office/powerpoint/2010/main" val="2413328204"/>
+      </p:ext>
+    </p:extLst>
+  </p:cSld>
+  <p:clrMapOvr>
+    <a:masterClrMapping/>
+  </p:clrMapOvr>
+  <mc:AlternateContent xmlns:mc="http://schemas.openxmlformats.org/markup-compatibility/2006" xmlns:p159="http://schemas.microsoft.com/office/powerpoint/2015/09/main">
+    <mc:Choice Requires="p159">
+      <p:transition xmlns:p14="http://schemas.microsoft.com/office/powerpoint/2010/main" spd="slow" p14:dur="2000">
+        <p159:morph option="byObject"/>
+      </p:transition>
+    </mc:Choice>
+    <mc:Fallback xmlns="">
+      <p:transition spd="slow">
+        <p:fade/>
+      </p:transition>
+    </mc:Fallback>
+  </mc:AlternateContent>
+</p:sld>
+</file>
+
+<file path=ppt/slides/slide33.xml><?xml version="1.0" encoding="utf-8"?>
+<p:sld xmlns:a="http://schemas.openxmlformats.org/drawingml/2006/main" xmlns:r="http://schemas.openxmlformats.org/officeDocument/2006/relationships" xmlns:p="http://schemas.openxmlformats.org/presentationml/2006/main">
+  <p:cSld>
+    <p:spTree>
+      <p:nvGrpSpPr>
+        <p:cNvPr id="1" name="Shape 86"/>
+        <p:cNvGrpSpPr/>
+        <p:nvPr/>
+      </p:nvGrpSpPr>
+      <p:grpSpPr>
+        <a:xfrm>
+          <a:off x="0" y="0"/>
+          <a:ext cx="0" cy="0"/>
+          <a:chOff x="0" y="0"/>
+          <a:chExt cx="0" cy="0"/>
+        </a:xfrm>
+      </p:grpSpPr>
+      <p:sp>
+        <p:nvSpPr>
+          <p:cNvPr id="87" name="Google Shape;87;p17"/>
+          <p:cNvSpPr txBox="1">
+            <a:spLocks noGrp="1"/>
+          </p:cNvSpPr>
+          <p:nvPr>
+            <p:ph type="title"/>
+          </p:nvPr>
+        </p:nvSpPr>
+        <p:spPr>
+          <a:xfrm>
+            <a:off x="311700" y="152550"/>
+            <a:ext cx="8520600" cy="572700"/>
+          </a:xfrm>
+          <a:prstGeom prst="rect">
+            <a:avLst/>
+          </a:prstGeom>
+        </p:spPr>
+        <p:txBody>
+          <a:bodyPr spcFirstLastPara="1" wrap="square" lIns="91425" tIns="91425" rIns="91425" bIns="91425" anchor="t" anchorCtr="0">
+            <a:noAutofit/>
+          </a:bodyPr>
+          <a:lstStyle/>
+          <a:p>
+            <a:pPr marL="0" lvl="0" indent="0" rtl="0">
+              <a:spcBef>
+                <a:spcPts val="0"/>
+              </a:spcBef>
+              <a:spcAft>
+                <a:spcPts val="0"/>
+              </a:spcAft>
+              <a:buClr>
+                <a:schemeClr val="dk1"/>
+              </a:buClr>
+              <a:buSzPts val="1100"/>
+              <a:buFont typeface="Arial"/>
+              <a:buNone/>
+            </a:pPr>
+            <a:r>
+              <a:rPr lang="en" sz="1600" dirty="0"/>
               <a:t>          Output: Armstrong’s number</a:t>
             </a:r>
             <a:endParaRPr sz="1600" dirty="0"/>
@@ -15467,7 +16205,7 @@
 </p:sld>
 </file>
 
-<file path=ppt/slides/slide32.xml><?xml version="1.0" encoding="utf-8"?>
+<file path=ppt/slides/slide34.xml><?xml version="1.0" encoding="utf-8"?>
 <p:sld xmlns:a="http://schemas.openxmlformats.org/drawingml/2006/main" xmlns:r="http://schemas.openxmlformats.org/officeDocument/2006/relationships" xmlns:p="http://schemas.openxmlformats.org/presentationml/2006/main">
   <p:cSld>
     <p:spTree>
@@ -15722,7 +16460,7 @@
 </p:sld>
 </file>
 
-<file path=ppt/slides/slide33.xml><?xml version="1.0" encoding="utf-8"?>
+<file path=ppt/slides/slide35.xml><?xml version="1.0" encoding="utf-8"?>
 <p:sld xmlns:a="http://schemas.openxmlformats.org/drawingml/2006/main" xmlns:r="http://schemas.openxmlformats.org/officeDocument/2006/relationships" xmlns:p="http://schemas.openxmlformats.org/presentationml/2006/main">
   <p:cSld>
     <p:spTree>
